--- a/CFT4CUnitSrc/src/report/ACOMP2016_Presentation.pptx
+++ b/CFT4CUnitSrc/src/report/ACOMP2016_Presentation.pptx
@@ -6,6 +6,14 @@
   </p:sldMasterIdLst>
   <p:sldIdLst>
     <p:sldId id="256" r:id="rId2"/>
+    <p:sldId id="257" r:id="rId3"/>
+    <p:sldId id="263" r:id="rId4"/>
+    <p:sldId id="264" r:id="rId5"/>
+    <p:sldId id="258" r:id="rId6"/>
+    <p:sldId id="261" r:id="rId7"/>
+    <p:sldId id="260" r:id="rId8"/>
+    <p:sldId id="259" r:id="rId9"/>
+    <p:sldId id="262" r:id="rId10"/>
   </p:sldIdLst>
   <p:sldSz cx="9144000" cy="6858000" type="screen4x3"/>
   <p:notesSz cx="6858000" cy="9144000"/>
@@ -3120,7 +3128,10 @@
           <a:bodyPr/>
           <a:lstStyle/>
           <a:p>
-            <a:endParaRPr lang="en-US"/>
+            <a:r>
+              <a:rPr lang="en-US" dirty="0"/>
+              <a:t>A Technique for Generating Test Data using Genetic Algorithm</a:t>
+            </a:r>
           </a:p>
         </p:txBody>
       </p:sp>
@@ -3134,19 +3145,1308 @@
             <p:ph type="subTitle" idx="1"/>
           </p:nvPr>
         </p:nvSpPr>
-        <p:spPr/>
-        <p:txBody>
-          <a:bodyPr/>
-          <a:lstStyle/>
-          <a:p>
-            <a:endParaRPr lang="en-US"/>
-          </a:p>
-        </p:txBody>
-      </p:sp>
+        <p:spPr>
+          <a:xfrm>
+            <a:off x="467544" y="3886200"/>
+            <a:ext cx="8280920" cy="1752600"/>
+          </a:xfrm>
+        </p:spPr>
+        <p:txBody>
+          <a:bodyPr>
+            <a:normAutofit fontScale="85000" lnSpcReduction="20000"/>
+          </a:bodyPr>
+          <a:lstStyle/>
+          <a:p>
+            <a:r>
+              <a:rPr lang="en-US" dirty="0" smtClean="0"/>
+              <a:t>Dinh Ngọc Thi, Vo Dinh Hieu, Nguyen Viet Ha</a:t>
+            </a:r>
+          </a:p>
+          <a:p>
+            <a:r>
+              <a:rPr lang="en-US" dirty="0"/>
+              <a:t>Faculty of Information Technology</a:t>
+            </a:r>
+          </a:p>
+          <a:p>
+            <a:r>
+              <a:rPr lang="en-US" dirty="0"/>
+              <a:t>VNU University of Engineering and</a:t>
+            </a:r>
+          </a:p>
+          <a:p>
+            <a:r>
+              <a:rPr lang="en-US" dirty="0"/>
+              <a:t>Technology, Hanoi, Vietnam</a:t>
+            </a:r>
+          </a:p>
+        </p:txBody>
+      </p:sp>
+      <p:pic>
+        <p:nvPicPr>
+          <p:cNvPr id="1026" name="Picture 2"/>
+          <p:cNvPicPr>
+            <a:picLocks noChangeAspect="1" noChangeArrowheads="1"/>
+          </p:cNvPicPr>
+          <p:nvPr/>
+        </p:nvPicPr>
+        <p:blipFill>
+          <a:blip r:embed="rId2">
+            <a:extLst>
+              <a:ext uri="{28A0092B-C50C-407E-A947-70E740481C1C}">
+                <a14:useLocalDpi xmlns:a14="http://schemas.microsoft.com/office/drawing/2010/main" val="0"/>
+              </a:ext>
+            </a:extLst>
+          </a:blip>
+          <a:srcRect/>
+          <a:stretch>
+            <a:fillRect/>
+          </a:stretch>
+        </p:blipFill>
+        <p:spPr bwMode="auto">
+          <a:xfrm>
+            <a:off x="3563888" y="365398"/>
+            <a:ext cx="1895475" cy="1695450"/>
+          </a:xfrm>
+          <a:prstGeom prst="rect">
+            <a:avLst/>
+          </a:prstGeom>
+          <a:noFill/>
+          <a:ln>
+            <a:noFill/>
+          </a:ln>
+          <a:extLst>
+            <a:ext uri="{909E8E84-426E-40DD-AFC4-6F175D3DCCD1}">
+              <a14:hiddenFill xmlns:a14="http://schemas.microsoft.com/office/drawing/2010/main">
+                <a:solidFill>
+                  <a:schemeClr val="accent1"/>
+                </a:solidFill>
+              </a14:hiddenFill>
+            </a:ext>
+            <a:ext uri="{91240B29-F687-4F45-9708-019B960494DF}">
+              <a14:hiddenLine xmlns:a14="http://schemas.microsoft.com/office/drawing/2010/main" w="9525">
+                <a:solidFill>
+                  <a:schemeClr val="tx1"/>
+                </a:solidFill>
+                <a:miter lim="800000"/>
+                <a:headEnd/>
+                <a:tailEnd/>
+              </a14:hiddenLine>
+            </a:ext>
+          </a:extLst>
+        </p:spPr>
+      </p:pic>
     </p:spTree>
     <p:extLst>
       <p:ext uri="{BB962C8B-B14F-4D97-AF65-F5344CB8AC3E}">
         <p14:creationId xmlns:p14="http://schemas.microsoft.com/office/powerpoint/2010/main" val="44671813"/>
+      </p:ext>
+    </p:extLst>
+  </p:cSld>
+  <p:clrMapOvr>
+    <a:masterClrMapping/>
+  </p:clrMapOvr>
+</p:sld>
+</file>
+
+<file path=ppt/slides/slide2.xml><?xml version="1.0" encoding="utf-8"?>
+<p:sld xmlns:a="http://schemas.openxmlformats.org/drawingml/2006/main" xmlns:r="http://schemas.openxmlformats.org/officeDocument/2006/relationships" xmlns:p="http://schemas.openxmlformats.org/presentationml/2006/main">
+  <p:cSld>
+    <p:spTree>
+      <p:nvGrpSpPr>
+        <p:cNvPr id="1" name=""/>
+        <p:cNvGrpSpPr/>
+        <p:nvPr/>
+      </p:nvGrpSpPr>
+      <p:grpSpPr>
+        <a:xfrm>
+          <a:off x="0" y="0"/>
+          <a:ext cx="0" cy="0"/>
+          <a:chOff x="0" y="0"/>
+          <a:chExt cx="0" cy="0"/>
+        </a:xfrm>
+      </p:grpSpPr>
+      <p:sp>
+        <p:nvSpPr>
+          <p:cNvPr id="2" name="Title 1"/>
+          <p:cNvSpPr>
+            <a:spLocks noGrp="1"/>
+          </p:cNvSpPr>
+          <p:nvPr>
+            <p:ph type="title"/>
+          </p:nvPr>
+        </p:nvSpPr>
+        <p:spPr>
+          <a:xfrm>
+            <a:off x="-2912" y="0"/>
+            <a:ext cx="9146912" cy="692696"/>
+          </a:xfrm>
+          <a:solidFill>
+            <a:schemeClr val="bg1">
+              <a:lumMod val="75000"/>
+            </a:schemeClr>
+          </a:solidFill>
+        </p:spPr>
+        <p:txBody>
+          <a:bodyPr>
+            <a:normAutofit fontScale="90000"/>
+          </a:bodyPr>
+          <a:lstStyle/>
+          <a:p>
+            <a:pPr algn="l"/>
+            <a:r>
+              <a:rPr lang="en-US" dirty="0" smtClean="0">
+                <a:solidFill>
+                  <a:schemeClr val="bg1"/>
+                </a:solidFill>
+              </a:rPr>
+              <a:t> Outline</a:t>
+            </a:r>
+            <a:endParaRPr lang="en-US" dirty="0">
+              <a:solidFill>
+                <a:schemeClr val="bg1"/>
+              </a:solidFill>
+            </a:endParaRPr>
+          </a:p>
+        </p:txBody>
+      </p:sp>
+      <p:sp>
+        <p:nvSpPr>
+          <p:cNvPr id="3" name="Content Placeholder 2"/>
+          <p:cNvSpPr>
+            <a:spLocks noGrp="1"/>
+          </p:cNvSpPr>
+          <p:nvPr>
+            <p:ph idx="1"/>
+          </p:nvPr>
+        </p:nvSpPr>
+        <p:spPr>
+          <a:xfrm>
+            <a:off x="457200" y="1052736"/>
+            <a:ext cx="8229600" cy="4205064"/>
+          </a:xfrm>
+        </p:spPr>
+        <p:txBody>
+          <a:bodyPr/>
+          <a:lstStyle/>
+          <a:p>
+            <a:pPr marL="0" indent="0">
+              <a:buNone/>
+            </a:pPr>
+            <a:r>
+              <a:rPr lang="en-US" b="1" dirty="0" smtClean="0"/>
+              <a:t>1. Introduction</a:t>
+            </a:r>
+          </a:p>
+          <a:p>
+            <a:pPr marL="0" indent="0">
+              <a:buNone/>
+            </a:pPr>
+            <a:r>
+              <a:rPr lang="en-US" dirty="0" smtClean="0"/>
+              <a:t>2. Background</a:t>
+            </a:r>
+          </a:p>
+          <a:p>
+            <a:pPr marL="0" indent="0">
+              <a:buNone/>
+            </a:pPr>
+            <a:r>
+              <a:rPr lang="en-US" dirty="0" smtClean="0"/>
+              <a:t>3. Related work</a:t>
+            </a:r>
+          </a:p>
+          <a:p>
+            <a:pPr marL="0" indent="0">
+              <a:buNone/>
+            </a:pPr>
+            <a:r>
+              <a:rPr lang="en-US" dirty="0" smtClean="0"/>
+              <a:t>4. Proposed approach</a:t>
+            </a:r>
+          </a:p>
+          <a:p>
+            <a:pPr marL="0" indent="0">
+              <a:buNone/>
+            </a:pPr>
+            <a:r>
+              <a:rPr lang="en-US" dirty="0" smtClean="0"/>
+              <a:t>5. Experimental result</a:t>
+            </a:r>
+          </a:p>
+          <a:p>
+            <a:pPr marL="0" indent="0">
+              <a:buNone/>
+            </a:pPr>
+            <a:r>
+              <a:rPr lang="en-US" dirty="0" smtClean="0"/>
+              <a:t>6. Conclusion</a:t>
+            </a:r>
+            <a:endParaRPr lang="en-US" dirty="0"/>
+          </a:p>
+        </p:txBody>
+      </p:sp>
+    </p:spTree>
+    <p:extLst>
+      <p:ext uri="{BB962C8B-B14F-4D97-AF65-F5344CB8AC3E}">
+        <p14:creationId xmlns:p14="http://schemas.microsoft.com/office/powerpoint/2010/main" val="2279565587"/>
+      </p:ext>
+    </p:extLst>
+  </p:cSld>
+  <p:clrMapOvr>
+    <a:masterClrMapping/>
+  </p:clrMapOvr>
+</p:sld>
+</file>
+
+<file path=ppt/slides/slide3.xml><?xml version="1.0" encoding="utf-8"?>
+<p:sld xmlns:a="http://schemas.openxmlformats.org/drawingml/2006/main" xmlns:r="http://schemas.openxmlformats.org/officeDocument/2006/relationships" xmlns:p="http://schemas.openxmlformats.org/presentationml/2006/main">
+  <p:cSld>
+    <p:spTree>
+      <p:nvGrpSpPr>
+        <p:cNvPr id="1" name=""/>
+        <p:cNvGrpSpPr/>
+        <p:nvPr/>
+      </p:nvGrpSpPr>
+      <p:grpSpPr>
+        <a:xfrm>
+          <a:off x="0" y="0"/>
+          <a:ext cx="0" cy="0"/>
+          <a:chOff x="0" y="0"/>
+          <a:chExt cx="0" cy="0"/>
+        </a:xfrm>
+      </p:grpSpPr>
+      <p:sp>
+        <p:nvSpPr>
+          <p:cNvPr id="2" name="Title 1"/>
+          <p:cNvSpPr>
+            <a:spLocks noGrp="1"/>
+          </p:cNvSpPr>
+          <p:nvPr>
+            <p:ph type="title"/>
+          </p:nvPr>
+        </p:nvSpPr>
+        <p:spPr>
+          <a:xfrm>
+            <a:off x="-2912" y="0"/>
+            <a:ext cx="9146912" cy="692696"/>
+          </a:xfrm>
+          <a:solidFill>
+            <a:schemeClr val="bg1">
+              <a:lumMod val="75000"/>
+            </a:schemeClr>
+          </a:solidFill>
+        </p:spPr>
+        <p:txBody>
+          <a:bodyPr>
+            <a:normAutofit fontScale="90000"/>
+          </a:bodyPr>
+          <a:lstStyle/>
+          <a:p>
+            <a:pPr algn="l"/>
+            <a:r>
+              <a:rPr lang="en-US" dirty="0" smtClean="0">
+                <a:solidFill>
+                  <a:schemeClr val="bg1"/>
+                </a:solidFill>
+              </a:rPr>
+              <a:t> software is everywhere</a:t>
+            </a:r>
+            <a:endParaRPr lang="en-US" dirty="0">
+              <a:solidFill>
+                <a:schemeClr val="bg1"/>
+              </a:solidFill>
+            </a:endParaRPr>
+          </a:p>
+        </p:txBody>
+      </p:sp>
+      <p:sp>
+        <p:nvSpPr>
+          <p:cNvPr id="5" name="TextBox 4"/>
+          <p:cNvSpPr txBox="1"/>
+          <p:nvPr/>
+        </p:nvSpPr>
+        <p:spPr>
+          <a:xfrm>
+            <a:off x="467544" y="5807005"/>
+            <a:ext cx="7272808" cy="646331"/>
+          </a:xfrm>
+          <a:prstGeom prst="rect">
+            <a:avLst/>
+          </a:prstGeom>
+          <a:noFill/>
+        </p:spPr>
+        <p:txBody>
+          <a:bodyPr wrap="square" rtlCol="0">
+            <a:spAutoFit/>
+          </a:bodyPr>
+          <a:lstStyle/>
+          <a:p>
+            <a:r>
+              <a:rPr lang="en-US" dirty="0" smtClean="0"/>
+              <a:t>errors are expensive</a:t>
+            </a:r>
+          </a:p>
+          <a:p>
+            <a:r>
+              <a:rPr lang="en-US" dirty="0" smtClean="0"/>
+              <a:t>annual cost of software errors to US economy is $ ~</a:t>
+            </a:r>
+            <a:r>
+              <a:rPr lang="en-US" dirty="0" err="1" smtClean="0"/>
+              <a:t>60B</a:t>
+            </a:r>
+            <a:r>
+              <a:rPr lang="en-US" dirty="0" smtClean="0"/>
+              <a:t> [</a:t>
+            </a:r>
+            <a:r>
+              <a:rPr lang="en-US" dirty="0" err="1" smtClean="0"/>
+              <a:t>NIST’02</a:t>
+            </a:r>
+            <a:r>
+              <a:rPr lang="en-US" dirty="0" smtClean="0"/>
+              <a:t>]</a:t>
+            </a:r>
+            <a:endParaRPr lang="en-US" dirty="0"/>
+          </a:p>
+        </p:txBody>
+      </p:sp>
+      <p:pic>
+        <p:nvPicPr>
+          <p:cNvPr id="2051" name="Picture 3"/>
+          <p:cNvPicPr>
+            <a:picLocks noChangeAspect="1" noChangeArrowheads="1"/>
+          </p:cNvPicPr>
+          <p:nvPr/>
+        </p:nvPicPr>
+        <p:blipFill>
+          <a:blip r:embed="rId2">
+            <a:extLst>
+              <a:ext uri="{28A0092B-C50C-407E-A947-70E740481C1C}">
+                <a14:useLocalDpi xmlns:a14="http://schemas.microsoft.com/office/drawing/2010/main" val="0"/>
+              </a:ext>
+            </a:extLst>
+          </a:blip>
+          <a:srcRect/>
+          <a:stretch>
+            <a:fillRect/>
+          </a:stretch>
+        </p:blipFill>
+        <p:spPr bwMode="auto">
+          <a:xfrm>
+            <a:off x="323528" y="908720"/>
+            <a:ext cx="8712968" cy="4752528"/>
+          </a:xfrm>
+          <a:prstGeom prst="rect">
+            <a:avLst/>
+          </a:prstGeom>
+          <a:noFill/>
+          <a:ln>
+            <a:noFill/>
+          </a:ln>
+          <a:extLst>
+            <a:ext uri="{909E8E84-426E-40DD-AFC4-6F175D3DCCD1}">
+              <a14:hiddenFill xmlns:a14="http://schemas.microsoft.com/office/drawing/2010/main">
+                <a:solidFill>
+                  <a:schemeClr val="accent1"/>
+                </a:solidFill>
+              </a14:hiddenFill>
+            </a:ext>
+            <a:ext uri="{91240B29-F687-4F45-9708-019B960494DF}">
+              <a14:hiddenLine xmlns:a14="http://schemas.microsoft.com/office/drawing/2010/main" w="9525">
+                <a:solidFill>
+                  <a:schemeClr val="tx1"/>
+                </a:solidFill>
+                <a:miter lim="800000"/>
+                <a:headEnd/>
+                <a:tailEnd/>
+              </a14:hiddenLine>
+            </a:ext>
+          </a:extLst>
+        </p:spPr>
+      </p:pic>
+    </p:spTree>
+    <p:extLst>
+      <p:ext uri="{BB962C8B-B14F-4D97-AF65-F5344CB8AC3E}">
+        <p14:creationId xmlns:p14="http://schemas.microsoft.com/office/powerpoint/2010/main" val="763281191"/>
+      </p:ext>
+    </p:extLst>
+  </p:cSld>
+  <p:clrMapOvr>
+    <a:masterClrMapping/>
+  </p:clrMapOvr>
+</p:sld>
+</file>
+
+<file path=ppt/slides/slide4.xml><?xml version="1.0" encoding="utf-8"?>
+<p:sld xmlns:a="http://schemas.openxmlformats.org/drawingml/2006/main" xmlns:r="http://schemas.openxmlformats.org/officeDocument/2006/relationships" xmlns:p="http://schemas.openxmlformats.org/presentationml/2006/main">
+  <p:cSld>
+    <p:spTree>
+      <p:nvGrpSpPr>
+        <p:cNvPr id="1" name=""/>
+        <p:cNvGrpSpPr/>
+        <p:nvPr/>
+      </p:nvGrpSpPr>
+      <p:grpSpPr>
+        <a:xfrm>
+          <a:off x="0" y="0"/>
+          <a:ext cx="0" cy="0"/>
+          <a:chOff x="0" y="0"/>
+          <a:chExt cx="0" cy="0"/>
+        </a:xfrm>
+      </p:grpSpPr>
+      <p:sp>
+        <p:nvSpPr>
+          <p:cNvPr id="2" name="Title 1"/>
+          <p:cNvSpPr>
+            <a:spLocks noGrp="1"/>
+          </p:cNvSpPr>
+          <p:nvPr>
+            <p:ph type="title"/>
+          </p:nvPr>
+        </p:nvSpPr>
+        <p:spPr>
+          <a:xfrm>
+            <a:off x="-2912" y="0"/>
+            <a:ext cx="9146912" cy="692696"/>
+          </a:xfrm>
+          <a:solidFill>
+            <a:schemeClr val="bg1">
+              <a:lumMod val="75000"/>
+            </a:schemeClr>
+          </a:solidFill>
+        </p:spPr>
+        <p:txBody>
+          <a:bodyPr>
+            <a:normAutofit fontScale="90000"/>
+          </a:bodyPr>
+          <a:lstStyle/>
+          <a:p>
+            <a:pPr algn="l"/>
+            <a:r>
+              <a:rPr lang="en-US" dirty="0" smtClean="0">
+                <a:solidFill>
+                  <a:schemeClr val="bg1"/>
+                </a:solidFill>
+              </a:rPr>
+              <a:t> </a:t>
+            </a:r>
+            <a:r>
+              <a:rPr lang="en-US" dirty="0">
+                <a:solidFill>
+                  <a:schemeClr val="bg1"/>
+                </a:solidFill>
+              </a:rPr>
+              <a:t>approaches to finding errors</a:t>
+            </a:r>
+          </a:p>
+        </p:txBody>
+      </p:sp>
+      <p:sp>
+        <p:nvSpPr>
+          <p:cNvPr id="3" name="Content Placeholder 2"/>
+          <p:cNvSpPr>
+            <a:spLocks noGrp="1"/>
+          </p:cNvSpPr>
+          <p:nvPr>
+            <p:ph idx="1"/>
+          </p:nvPr>
+        </p:nvSpPr>
+        <p:spPr>
+          <a:xfrm>
+            <a:off x="457200" y="1052736"/>
+            <a:ext cx="8229600" cy="4205064"/>
+          </a:xfrm>
+        </p:spPr>
+        <p:txBody>
+          <a:bodyPr/>
+          <a:lstStyle/>
+          <a:p>
+            <a:pPr marL="0" indent="0">
+              <a:buNone/>
+            </a:pPr>
+            <a:r>
+              <a:rPr lang="en-US" dirty="0"/>
+              <a:t>static analysis </a:t>
+            </a:r>
+            <a:endParaRPr lang="en-US" dirty="0" smtClean="0"/>
+          </a:p>
+          <a:p>
+            <a:pPr marL="0" indent="0">
+              <a:buNone/>
+            </a:pPr>
+            <a:endParaRPr lang="en-US" dirty="0"/>
+          </a:p>
+          <a:p>
+            <a:pPr marL="0" indent="0">
+              <a:buNone/>
+            </a:pPr>
+            <a:r>
+              <a:rPr lang="en-US" dirty="0" smtClean="0"/>
+              <a:t>dynamic </a:t>
+            </a:r>
+            <a:r>
+              <a:rPr lang="en-US" dirty="0"/>
+              <a:t>analysis </a:t>
+            </a:r>
+          </a:p>
+        </p:txBody>
+      </p:sp>
+    </p:spTree>
+    <p:extLst>
+      <p:ext uri="{BB962C8B-B14F-4D97-AF65-F5344CB8AC3E}">
+        <p14:creationId xmlns:p14="http://schemas.microsoft.com/office/powerpoint/2010/main" val="3736083669"/>
+      </p:ext>
+    </p:extLst>
+  </p:cSld>
+  <p:clrMapOvr>
+    <a:masterClrMapping/>
+  </p:clrMapOvr>
+</p:sld>
+</file>
+
+<file path=ppt/slides/slide5.xml><?xml version="1.0" encoding="utf-8"?>
+<p:sld xmlns:a="http://schemas.openxmlformats.org/drawingml/2006/main" xmlns:r="http://schemas.openxmlformats.org/officeDocument/2006/relationships" xmlns:p="http://schemas.openxmlformats.org/presentationml/2006/main">
+  <p:cSld>
+    <p:spTree>
+      <p:nvGrpSpPr>
+        <p:cNvPr id="1" name=""/>
+        <p:cNvGrpSpPr/>
+        <p:nvPr/>
+      </p:nvGrpSpPr>
+      <p:grpSpPr>
+        <a:xfrm>
+          <a:off x="0" y="0"/>
+          <a:ext cx="0" cy="0"/>
+          <a:chOff x="0" y="0"/>
+          <a:chExt cx="0" cy="0"/>
+        </a:xfrm>
+      </p:grpSpPr>
+      <p:sp>
+        <p:nvSpPr>
+          <p:cNvPr id="2" name="Title 1"/>
+          <p:cNvSpPr>
+            <a:spLocks noGrp="1"/>
+          </p:cNvSpPr>
+          <p:nvPr>
+            <p:ph type="title"/>
+          </p:nvPr>
+        </p:nvSpPr>
+        <p:spPr>
+          <a:xfrm>
+            <a:off x="-2912" y="0"/>
+            <a:ext cx="9146912" cy="692696"/>
+          </a:xfrm>
+          <a:solidFill>
+            <a:schemeClr val="bg1">
+              <a:lumMod val="75000"/>
+            </a:schemeClr>
+          </a:solidFill>
+        </p:spPr>
+        <p:txBody>
+          <a:bodyPr>
+            <a:normAutofit fontScale="90000"/>
+          </a:bodyPr>
+          <a:lstStyle/>
+          <a:p>
+            <a:pPr algn="l"/>
+            <a:r>
+              <a:rPr lang="en-US" dirty="0" smtClean="0">
+                <a:solidFill>
+                  <a:schemeClr val="bg1"/>
+                </a:solidFill>
+              </a:rPr>
+              <a:t> Outline</a:t>
+            </a:r>
+            <a:endParaRPr lang="en-US" dirty="0">
+              <a:solidFill>
+                <a:schemeClr val="bg1"/>
+              </a:solidFill>
+            </a:endParaRPr>
+          </a:p>
+        </p:txBody>
+      </p:sp>
+      <p:sp>
+        <p:nvSpPr>
+          <p:cNvPr id="3" name="Content Placeholder 2"/>
+          <p:cNvSpPr>
+            <a:spLocks noGrp="1"/>
+          </p:cNvSpPr>
+          <p:nvPr>
+            <p:ph idx="1"/>
+          </p:nvPr>
+        </p:nvSpPr>
+        <p:spPr>
+          <a:xfrm>
+            <a:off x="457200" y="1052736"/>
+            <a:ext cx="8229600" cy="4205064"/>
+          </a:xfrm>
+        </p:spPr>
+        <p:txBody>
+          <a:bodyPr/>
+          <a:lstStyle/>
+          <a:p>
+            <a:pPr marL="0" indent="0">
+              <a:buNone/>
+            </a:pPr>
+            <a:r>
+              <a:rPr lang="en-US" dirty="0" smtClean="0"/>
+              <a:t>1. Introduction</a:t>
+            </a:r>
+          </a:p>
+          <a:p>
+            <a:pPr marL="0" indent="0">
+              <a:buNone/>
+            </a:pPr>
+            <a:r>
+              <a:rPr lang="en-US" b="1" dirty="0" smtClean="0"/>
+              <a:t>2. Background</a:t>
+            </a:r>
+          </a:p>
+          <a:p>
+            <a:pPr marL="0" indent="0">
+              <a:buNone/>
+            </a:pPr>
+            <a:r>
+              <a:rPr lang="en-US" dirty="0" smtClean="0"/>
+              <a:t>3. Related work</a:t>
+            </a:r>
+          </a:p>
+          <a:p>
+            <a:pPr marL="0" indent="0">
+              <a:buNone/>
+            </a:pPr>
+            <a:r>
+              <a:rPr lang="en-US" dirty="0" smtClean="0"/>
+              <a:t>4. Proposed approach</a:t>
+            </a:r>
+          </a:p>
+          <a:p>
+            <a:pPr marL="0" indent="0">
+              <a:buNone/>
+            </a:pPr>
+            <a:r>
+              <a:rPr lang="en-US" dirty="0" smtClean="0"/>
+              <a:t>5. Experimental result</a:t>
+            </a:r>
+          </a:p>
+          <a:p>
+            <a:pPr marL="0" indent="0">
+              <a:buNone/>
+            </a:pPr>
+            <a:r>
+              <a:rPr lang="en-US" dirty="0" smtClean="0"/>
+              <a:t>6. Conclusion</a:t>
+            </a:r>
+            <a:endParaRPr lang="en-US" dirty="0"/>
+          </a:p>
+        </p:txBody>
+      </p:sp>
+    </p:spTree>
+    <p:extLst>
+      <p:ext uri="{BB962C8B-B14F-4D97-AF65-F5344CB8AC3E}">
+        <p14:creationId xmlns:p14="http://schemas.microsoft.com/office/powerpoint/2010/main" val="976856806"/>
+      </p:ext>
+    </p:extLst>
+  </p:cSld>
+  <p:clrMapOvr>
+    <a:masterClrMapping/>
+  </p:clrMapOvr>
+</p:sld>
+</file>
+
+<file path=ppt/slides/slide6.xml><?xml version="1.0" encoding="utf-8"?>
+<p:sld xmlns:a="http://schemas.openxmlformats.org/drawingml/2006/main" xmlns:r="http://schemas.openxmlformats.org/officeDocument/2006/relationships" xmlns:p="http://schemas.openxmlformats.org/presentationml/2006/main">
+  <p:cSld>
+    <p:spTree>
+      <p:nvGrpSpPr>
+        <p:cNvPr id="1" name=""/>
+        <p:cNvGrpSpPr/>
+        <p:nvPr/>
+      </p:nvGrpSpPr>
+      <p:grpSpPr>
+        <a:xfrm>
+          <a:off x="0" y="0"/>
+          <a:ext cx="0" cy="0"/>
+          <a:chOff x="0" y="0"/>
+          <a:chExt cx="0" cy="0"/>
+        </a:xfrm>
+      </p:grpSpPr>
+      <p:sp>
+        <p:nvSpPr>
+          <p:cNvPr id="2" name="Title 1"/>
+          <p:cNvSpPr>
+            <a:spLocks noGrp="1"/>
+          </p:cNvSpPr>
+          <p:nvPr>
+            <p:ph type="title"/>
+          </p:nvPr>
+        </p:nvSpPr>
+        <p:spPr>
+          <a:xfrm>
+            <a:off x="-2912" y="0"/>
+            <a:ext cx="9146912" cy="692696"/>
+          </a:xfrm>
+          <a:solidFill>
+            <a:schemeClr val="bg1">
+              <a:lumMod val="75000"/>
+            </a:schemeClr>
+          </a:solidFill>
+        </p:spPr>
+        <p:txBody>
+          <a:bodyPr>
+            <a:normAutofit fontScale="90000"/>
+          </a:bodyPr>
+          <a:lstStyle/>
+          <a:p>
+            <a:pPr algn="l"/>
+            <a:r>
+              <a:rPr lang="en-US" dirty="0" smtClean="0">
+                <a:solidFill>
+                  <a:schemeClr val="bg1"/>
+                </a:solidFill>
+              </a:rPr>
+              <a:t> Outline</a:t>
+            </a:r>
+            <a:endParaRPr lang="en-US" dirty="0">
+              <a:solidFill>
+                <a:schemeClr val="bg1"/>
+              </a:solidFill>
+            </a:endParaRPr>
+          </a:p>
+        </p:txBody>
+      </p:sp>
+      <p:sp>
+        <p:nvSpPr>
+          <p:cNvPr id="3" name="Content Placeholder 2"/>
+          <p:cNvSpPr>
+            <a:spLocks noGrp="1"/>
+          </p:cNvSpPr>
+          <p:nvPr>
+            <p:ph idx="1"/>
+          </p:nvPr>
+        </p:nvSpPr>
+        <p:spPr>
+          <a:xfrm>
+            <a:off x="457200" y="1052736"/>
+            <a:ext cx="8229600" cy="4205064"/>
+          </a:xfrm>
+        </p:spPr>
+        <p:txBody>
+          <a:bodyPr/>
+          <a:lstStyle/>
+          <a:p>
+            <a:pPr marL="0" indent="0">
+              <a:buNone/>
+            </a:pPr>
+            <a:r>
+              <a:rPr lang="en-US" dirty="0" smtClean="0"/>
+              <a:t>1. Introduction</a:t>
+            </a:r>
+          </a:p>
+          <a:p>
+            <a:pPr marL="0" indent="0">
+              <a:buNone/>
+            </a:pPr>
+            <a:r>
+              <a:rPr lang="en-US" dirty="0" smtClean="0"/>
+              <a:t>2. Background</a:t>
+            </a:r>
+          </a:p>
+          <a:p>
+            <a:pPr marL="0" indent="0">
+              <a:buNone/>
+            </a:pPr>
+            <a:r>
+              <a:rPr lang="en-US" b="1" dirty="0" smtClean="0"/>
+              <a:t>3. Related work</a:t>
+            </a:r>
+          </a:p>
+          <a:p>
+            <a:pPr marL="0" indent="0">
+              <a:buNone/>
+            </a:pPr>
+            <a:r>
+              <a:rPr lang="en-US" dirty="0" smtClean="0"/>
+              <a:t>4. Proposed approach</a:t>
+            </a:r>
+          </a:p>
+          <a:p>
+            <a:pPr marL="0" indent="0">
+              <a:buNone/>
+            </a:pPr>
+            <a:r>
+              <a:rPr lang="en-US" dirty="0" smtClean="0"/>
+              <a:t>5. Experimental result</a:t>
+            </a:r>
+          </a:p>
+          <a:p>
+            <a:pPr marL="0" indent="0">
+              <a:buNone/>
+            </a:pPr>
+            <a:r>
+              <a:rPr lang="en-US" dirty="0" smtClean="0"/>
+              <a:t>6. Conclusion</a:t>
+            </a:r>
+            <a:endParaRPr lang="en-US" dirty="0"/>
+          </a:p>
+        </p:txBody>
+      </p:sp>
+    </p:spTree>
+    <p:extLst>
+      <p:ext uri="{BB962C8B-B14F-4D97-AF65-F5344CB8AC3E}">
+        <p14:creationId xmlns:p14="http://schemas.microsoft.com/office/powerpoint/2010/main" val="2330834491"/>
+      </p:ext>
+    </p:extLst>
+  </p:cSld>
+  <p:clrMapOvr>
+    <a:masterClrMapping/>
+  </p:clrMapOvr>
+</p:sld>
+</file>
+
+<file path=ppt/slides/slide7.xml><?xml version="1.0" encoding="utf-8"?>
+<p:sld xmlns:a="http://schemas.openxmlformats.org/drawingml/2006/main" xmlns:r="http://schemas.openxmlformats.org/officeDocument/2006/relationships" xmlns:p="http://schemas.openxmlformats.org/presentationml/2006/main">
+  <p:cSld>
+    <p:spTree>
+      <p:nvGrpSpPr>
+        <p:cNvPr id="1" name=""/>
+        <p:cNvGrpSpPr/>
+        <p:nvPr/>
+      </p:nvGrpSpPr>
+      <p:grpSpPr>
+        <a:xfrm>
+          <a:off x="0" y="0"/>
+          <a:ext cx="0" cy="0"/>
+          <a:chOff x="0" y="0"/>
+          <a:chExt cx="0" cy="0"/>
+        </a:xfrm>
+      </p:grpSpPr>
+      <p:sp>
+        <p:nvSpPr>
+          <p:cNvPr id="2" name="Title 1"/>
+          <p:cNvSpPr>
+            <a:spLocks noGrp="1"/>
+          </p:cNvSpPr>
+          <p:nvPr>
+            <p:ph type="title"/>
+          </p:nvPr>
+        </p:nvSpPr>
+        <p:spPr>
+          <a:xfrm>
+            <a:off x="-2912" y="0"/>
+            <a:ext cx="9146912" cy="692696"/>
+          </a:xfrm>
+          <a:solidFill>
+            <a:schemeClr val="bg1">
+              <a:lumMod val="75000"/>
+            </a:schemeClr>
+          </a:solidFill>
+        </p:spPr>
+        <p:txBody>
+          <a:bodyPr>
+            <a:normAutofit fontScale="90000"/>
+          </a:bodyPr>
+          <a:lstStyle/>
+          <a:p>
+            <a:pPr algn="l"/>
+            <a:r>
+              <a:rPr lang="en-US" dirty="0" smtClean="0">
+                <a:solidFill>
+                  <a:schemeClr val="bg1"/>
+                </a:solidFill>
+              </a:rPr>
+              <a:t> Outline</a:t>
+            </a:r>
+            <a:endParaRPr lang="en-US" dirty="0">
+              <a:solidFill>
+                <a:schemeClr val="bg1"/>
+              </a:solidFill>
+            </a:endParaRPr>
+          </a:p>
+        </p:txBody>
+      </p:sp>
+      <p:sp>
+        <p:nvSpPr>
+          <p:cNvPr id="3" name="Content Placeholder 2"/>
+          <p:cNvSpPr>
+            <a:spLocks noGrp="1"/>
+          </p:cNvSpPr>
+          <p:nvPr>
+            <p:ph idx="1"/>
+          </p:nvPr>
+        </p:nvSpPr>
+        <p:spPr>
+          <a:xfrm>
+            <a:off x="457200" y="1052736"/>
+            <a:ext cx="8229600" cy="4205064"/>
+          </a:xfrm>
+        </p:spPr>
+        <p:txBody>
+          <a:bodyPr/>
+          <a:lstStyle/>
+          <a:p>
+            <a:pPr marL="0" indent="0">
+              <a:buNone/>
+            </a:pPr>
+            <a:r>
+              <a:rPr lang="en-US" dirty="0" smtClean="0"/>
+              <a:t>1. Introduction</a:t>
+            </a:r>
+          </a:p>
+          <a:p>
+            <a:pPr marL="0" indent="0">
+              <a:buNone/>
+            </a:pPr>
+            <a:r>
+              <a:rPr lang="en-US" dirty="0" smtClean="0"/>
+              <a:t>2. Background</a:t>
+            </a:r>
+          </a:p>
+          <a:p>
+            <a:pPr marL="0" indent="0">
+              <a:buNone/>
+            </a:pPr>
+            <a:r>
+              <a:rPr lang="en-US" dirty="0" smtClean="0"/>
+              <a:t>3. Related work</a:t>
+            </a:r>
+          </a:p>
+          <a:p>
+            <a:pPr marL="0" indent="0">
+              <a:buNone/>
+            </a:pPr>
+            <a:r>
+              <a:rPr lang="en-US" b="1" dirty="0" smtClean="0"/>
+              <a:t>4. Proposed approach</a:t>
+            </a:r>
+          </a:p>
+          <a:p>
+            <a:pPr marL="0" indent="0">
+              <a:buNone/>
+            </a:pPr>
+            <a:r>
+              <a:rPr lang="en-US" dirty="0" smtClean="0"/>
+              <a:t>5. Experimental result</a:t>
+            </a:r>
+          </a:p>
+          <a:p>
+            <a:pPr marL="0" indent="0">
+              <a:buNone/>
+            </a:pPr>
+            <a:r>
+              <a:rPr lang="en-US" dirty="0" smtClean="0"/>
+              <a:t>6. Conclusion</a:t>
+            </a:r>
+            <a:endParaRPr lang="en-US" dirty="0"/>
+          </a:p>
+        </p:txBody>
+      </p:sp>
+    </p:spTree>
+    <p:extLst>
+      <p:ext uri="{BB962C8B-B14F-4D97-AF65-F5344CB8AC3E}">
+        <p14:creationId xmlns:p14="http://schemas.microsoft.com/office/powerpoint/2010/main" val="1848409642"/>
+      </p:ext>
+    </p:extLst>
+  </p:cSld>
+  <p:clrMapOvr>
+    <a:masterClrMapping/>
+  </p:clrMapOvr>
+</p:sld>
+</file>
+
+<file path=ppt/slides/slide8.xml><?xml version="1.0" encoding="utf-8"?>
+<p:sld xmlns:a="http://schemas.openxmlformats.org/drawingml/2006/main" xmlns:r="http://schemas.openxmlformats.org/officeDocument/2006/relationships" xmlns:p="http://schemas.openxmlformats.org/presentationml/2006/main">
+  <p:cSld>
+    <p:spTree>
+      <p:nvGrpSpPr>
+        <p:cNvPr id="1" name=""/>
+        <p:cNvGrpSpPr/>
+        <p:nvPr/>
+      </p:nvGrpSpPr>
+      <p:grpSpPr>
+        <a:xfrm>
+          <a:off x="0" y="0"/>
+          <a:ext cx="0" cy="0"/>
+          <a:chOff x="0" y="0"/>
+          <a:chExt cx="0" cy="0"/>
+        </a:xfrm>
+      </p:grpSpPr>
+      <p:sp>
+        <p:nvSpPr>
+          <p:cNvPr id="2" name="Title 1"/>
+          <p:cNvSpPr>
+            <a:spLocks noGrp="1"/>
+          </p:cNvSpPr>
+          <p:nvPr>
+            <p:ph type="title"/>
+          </p:nvPr>
+        </p:nvSpPr>
+        <p:spPr>
+          <a:xfrm>
+            <a:off x="-2912" y="0"/>
+            <a:ext cx="9146912" cy="692696"/>
+          </a:xfrm>
+          <a:solidFill>
+            <a:schemeClr val="bg1">
+              <a:lumMod val="75000"/>
+            </a:schemeClr>
+          </a:solidFill>
+        </p:spPr>
+        <p:txBody>
+          <a:bodyPr>
+            <a:normAutofit fontScale="90000"/>
+          </a:bodyPr>
+          <a:lstStyle/>
+          <a:p>
+            <a:pPr algn="l"/>
+            <a:r>
+              <a:rPr lang="en-US" dirty="0" smtClean="0">
+                <a:solidFill>
+                  <a:schemeClr val="bg1"/>
+                </a:solidFill>
+              </a:rPr>
+              <a:t> Outline</a:t>
+            </a:r>
+            <a:endParaRPr lang="en-US" dirty="0">
+              <a:solidFill>
+                <a:schemeClr val="bg1"/>
+              </a:solidFill>
+            </a:endParaRPr>
+          </a:p>
+        </p:txBody>
+      </p:sp>
+      <p:sp>
+        <p:nvSpPr>
+          <p:cNvPr id="3" name="Content Placeholder 2"/>
+          <p:cNvSpPr>
+            <a:spLocks noGrp="1"/>
+          </p:cNvSpPr>
+          <p:nvPr>
+            <p:ph idx="1"/>
+          </p:nvPr>
+        </p:nvSpPr>
+        <p:spPr>
+          <a:xfrm>
+            <a:off x="457200" y="1052736"/>
+            <a:ext cx="8229600" cy="4205064"/>
+          </a:xfrm>
+        </p:spPr>
+        <p:txBody>
+          <a:bodyPr/>
+          <a:lstStyle/>
+          <a:p>
+            <a:pPr marL="0" indent="0">
+              <a:buNone/>
+            </a:pPr>
+            <a:r>
+              <a:rPr lang="en-US" dirty="0" smtClean="0"/>
+              <a:t>1. Introduction</a:t>
+            </a:r>
+          </a:p>
+          <a:p>
+            <a:pPr marL="0" indent="0">
+              <a:buNone/>
+            </a:pPr>
+            <a:r>
+              <a:rPr lang="en-US" dirty="0" smtClean="0"/>
+              <a:t>2. Background</a:t>
+            </a:r>
+          </a:p>
+          <a:p>
+            <a:pPr marL="0" indent="0">
+              <a:buNone/>
+            </a:pPr>
+            <a:r>
+              <a:rPr lang="en-US" dirty="0" smtClean="0"/>
+              <a:t>3. Related work</a:t>
+            </a:r>
+          </a:p>
+          <a:p>
+            <a:pPr marL="0" indent="0">
+              <a:buNone/>
+            </a:pPr>
+            <a:r>
+              <a:rPr lang="en-US" dirty="0" smtClean="0"/>
+              <a:t>4. Proposed approach</a:t>
+            </a:r>
+          </a:p>
+          <a:p>
+            <a:pPr marL="0" indent="0">
+              <a:buNone/>
+            </a:pPr>
+            <a:r>
+              <a:rPr lang="en-US" b="1" dirty="0" smtClean="0"/>
+              <a:t>5. Experimental result</a:t>
+            </a:r>
+          </a:p>
+          <a:p>
+            <a:pPr marL="0" indent="0">
+              <a:buNone/>
+            </a:pPr>
+            <a:r>
+              <a:rPr lang="en-US" dirty="0" smtClean="0"/>
+              <a:t>6. Conclusion</a:t>
+            </a:r>
+            <a:endParaRPr lang="en-US" dirty="0"/>
+          </a:p>
+        </p:txBody>
+      </p:sp>
+    </p:spTree>
+    <p:extLst>
+      <p:ext uri="{BB962C8B-B14F-4D97-AF65-F5344CB8AC3E}">
+        <p14:creationId xmlns:p14="http://schemas.microsoft.com/office/powerpoint/2010/main" val="3185099068"/>
+      </p:ext>
+    </p:extLst>
+  </p:cSld>
+  <p:clrMapOvr>
+    <a:masterClrMapping/>
+  </p:clrMapOvr>
+</p:sld>
+</file>
+
+<file path=ppt/slides/slide9.xml><?xml version="1.0" encoding="utf-8"?>
+<p:sld xmlns:a="http://schemas.openxmlformats.org/drawingml/2006/main" xmlns:r="http://schemas.openxmlformats.org/officeDocument/2006/relationships" xmlns:p="http://schemas.openxmlformats.org/presentationml/2006/main">
+  <p:cSld>
+    <p:spTree>
+      <p:nvGrpSpPr>
+        <p:cNvPr id="1" name=""/>
+        <p:cNvGrpSpPr/>
+        <p:nvPr/>
+      </p:nvGrpSpPr>
+      <p:grpSpPr>
+        <a:xfrm>
+          <a:off x="0" y="0"/>
+          <a:ext cx="0" cy="0"/>
+          <a:chOff x="0" y="0"/>
+          <a:chExt cx="0" cy="0"/>
+        </a:xfrm>
+      </p:grpSpPr>
+      <p:sp>
+        <p:nvSpPr>
+          <p:cNvPr id="2" name="Title 1"/>
+          <p:cNvSpPr>
+            <a:spLocks noGrp="1"/>
+          </p:cNvSpPr>
+          <p:nvPr>
+            <p:ph type="title"/>
+          </p:nvPr>
+        </p:nvSpPr>
+        <p:spPr>
+          <a:xfrm>
+            <a:off x="-2912" y="0"/>
+            <a:ext cx="9146912" cy="692696"/>
+          </a:xfrm>
+          <a:solidFill>
+            <a:schemeClr val="bg1">
+              <a:lumMod val="75000"/>
+            </a:schemeClr>
+          </a:solidFill>
+        </p:spPr>
+        <p:txBody>
+          <a:bodyPr>
+            <a:normAutofit fontScale="90000"/>
+          </a:bodyPr>
+          <a:lstStyle/>
+          <a:p>
+            <a:pPr algn="l"/>
+            <a:r>
+              <a:rPr lang="en-US" dirty="0" smtClean="0">
+                <a:solidFill>
+                  <a:schemeClr val="bg1"/>
+                </a:solidFill>
+              </a:rPr>
+              <a:t> Outline</a:t>
+            </a:r>
+            <a:endParaRPr lang="en-US" dirty="0">
+              <a:solidFill>
+                <a:schemeClr val="bg1"/>
+              </a:solidFill>
+            </a:endParaRPr>
+          </a:p>
+        </p:txBody>
+      </p:sp>
+      <p:sp>
+        <p:nvSpPr>
+          <p:cNvPr id="3" name="Content Placeholder 2"/>
+          <p:cNvSpPr>
+            <a:spLocks noGrp="1"/>
+          </p:cNvSpPr>
+          <p:nvPr>
+            <p:ph idx="1"/>
+          </p:nvPr>
+        </p:nvSpPr>
+        <p:spPr>
+          <a:xfrm>
+            <a:off x="457200" y="1052736"/>
+            <a:ext cx="8229600" cy="4205064"/>
+          </a:xfrm>
+        </p:spPr>
+        <p:txBody>
+          <a:bodyPr/>
+          <a:lstStyle/>
+          <a:p>
+            <a:pPr marL="0" indent="0">
+              <a:buNone/>
+            </a:pPr>
+            <a:r>
+              <a:rPr lang="en-US" dirty="0" smtClean="0"/>
+              <a:t>1. Introduction</a:t>
+            </a:r>
+          </a:p>
+          <a:p>
+            <a:pPr marL="0" indent="0">
+              <a:buNone/>
+            </a:pPr>
+            <a:r>
+              <a:rPr lang="en-US" dirty="0" smtClean="0"/>
+              <a:t>2. Background</a:t>
+            </a:r>
+          </a:p>
+          <a:p>
+            <a:pPr marL="0" indent="0">
+              <a:buNone/>
+            </a:pPr>
+            <a:r>
+              <a:rPr lang="en-US" dirty="0" smtClean="0"/>
+              <a:t>3. Related work</a:t>
+            </a:r>
+          </a:p>
+          <a:p>
+            <a:pPr marL="0" indent="0">
+              <a:buNone/>
+            </a:pPr>
+            <a:r>
+              <a:rPr lang="en-US" dirty="0" smtClean="0"/>
+              <a:t>4. Proposed approach</a:t>
+            </a:r>
+          </a:p>
+          <a:p>
+            <a:pPr marL="0" indent="0">
+              <a:buNone/>
+            </a:pPr>
+            <a:r>
+              <a:rPr lang="en-US" dirty="0" smtClean="0"/>
+              <a:t>5. Experimental result</a:t>
+            </a:r>
+          </a:p>
+          <a:p>
+            <a:pPr marL="0" indent="0">
+              <a:buNone/>
+            </a:pPr>
+            <a:r>
+              <a:rPr lang="en-US" b="1" dirty="0" smtClean="0"/>
+              <a:t>6. Conclusion</a:t>
+            </a:r>
+            <a:endParaRPr lang="en-US" b="1" dirty="0"/>
+          </a:p>
+        </p:txBody>
+      </p:sp>
+    </p:spTree>
+    <p:extLst>
+      <p:ext uri="{BB962C8B-B14F-4D97-AF65-F5344CB8AC3E}">
+        <p14:creationId xmlns:p14="http://schemas.microsoft.com/office/powerpoint/2010/main" val="1133312594"/>
       </p:ext>
     </p:extLst>
   </p:cSld>

--- a/CFT4CUnitSrc/src/report/ACOMP2016_Presentation.pptx
+++ b/CFT4CUnitSrc/src/report/ACOMP2016_Presentation.pptx
@@ -9,11 +9,15 @@
     <p:sldId id="257" r:id="rId3"/>
     <p:sldId id="263" r:id="rId4"/>
     <p:sldId id="264" r:id="rId5"/>
-    <p:sldId id="258" r:id="rId6"/>
-    <p:sldId id="261" r:id="rId7"/>
-    <p:sldId id="260" r:id="rId8"/>
-    <p:sldId id="259" r:id="rId9"/>
-    <p:sldId id="262" r:id="rId10"/>
+    <p:sldId id="265" r:id="rId6"/>
+    <p:sldId id="258" r:id="rId7"/>
+    <p:sldId id="266" r:id="rId8"/>
+    <p:sldId id="267" r:id="rId9"/>
+    <p:sldId id="268" r:id="rId10"/>
+    <p:sldId id="261" r:id="rId11"/>
+    <p:sldId id="260" r:id="rId12"/>
+    <p:sldId id="259" r:id="rId13"/>
+    <p:sldId id="262" r:id="rId14"/>
   </p:sldIdLst>
   <p:sldSz cx="9144000" cy="6858000" type="screen4x3"/>
   <p:notesSz cx="6858000" cy="9144000"/>
@@ -296,6 +300,7 @@
           <a:p>
             <a:fld id="{2A145FE2-AB7C-46BC-8F86-612F87CDD637}" type="datetimeFigureOut">
               <a:rPr lang="en-US" smtClean="0"/>
+              <a:pPr/>
               <a:t>11/18/2016</a:t>
             </a:fld>
             <a:endParaRPr lang="en-US"/>
@@ -338,6 +343,7 @@
           <a:p>
             <a:fld id="{7E348002-FF95-43B2-BE78-4F76A790F7D6}" type="slidenum">
               <a:rPr lang="en-US" smtClean="0"/>
+              <a:pPr/>
               <a:t>‹#›</a:t>
             </a:fld>
             <a:endParaRPr lang="en-US"/>
@@ -347,7 +353,7 @@
     </p:spTree>
     <p:extLst>
       <p:ext uri="{BB962C8B-B14F-4D97-AF65-F5344CB8AC3E}">
-        <p14:creationId xmlns:p14="http://schemas.microsoft.com/office/powerpoint/2010/main" val="1811901625"/>
+        <p14:creationId xmlns:p14="http://schemas.microsoft.com/office/powerpoint/2010/main" xmlns="" val="1811901625"/>
       </p:ext>
     </p:extLst>
   </p:cSld>
@@ -466,6 +472,7 @@
           <a:p>
             <a:fld id="{2A145FE2-AB7C-46BC-8F86-612F87CDD637}" type="datetimeFigureOut">
               <a:rPr lang="en-US" smtClean="0"/>
+              <a:pPr/>
               <a:t>11/18/2016</a:t>
             </a:fld>
             <a:endParaRPr lang="en-US"/>
@@ -508,6 +515,7 @@
           <a:p>
             <a:fld id="{7E348002-FF95-43B2-BE78-4F76A790F7D6}" type="slidenum">
               <a:rPr lang="en-US" smtClean="0"/>
+              <a:pPr/>
               <a:t>‹#›</a:t>
             </a:fld>
             <a:endParaRPr lang="en-US"/>
@@ -517,7 +525,7 @@
     </p:spTree>
     <p:extLst>
       <p:ext uri="{BB962C8B-B14F-4D97-AF65-F5344CB8AC3E}">
-        <p14:creationId xmlns:p14="http://schemas.microsoft.com/office/powerpoint/2010/main" val="791576242"/>
+        <p14:creationId xmlns:p14="http://schemas.microsoft.com/office/powerpoint/2010/main" xmlns="" val="791576242"/>
       </p:ext>
     </p:extLst>
   </p:cSld>
@@ -646,6 +654,7 @@
           <a:p>
             <a:fld id="{2A145FE2-AB7C-46BC-8F86-612F87CDD637}" type="datetimeFigureOut">
               <a:rPr lang="en-US" smtClean="0"/>
+              <a:pPr/>
               <a:t>11/18/2016</a:t>
             </a:fld>
             <a:endParaRPr lang="en-US"/>
@@ -688,6 +697,7 @@
           <a:p>
             <a:fld id="{7E348002-FF95-43B2-BE78-4F76A790F7D6}" type="slidenum">
               <a:rPr lang="en-US" smtClean="0"/>
+              <a:pPr/>
               <a:t>‹#›</a:t>
             </a:fld>
             <a:endParaRPr lang="en-US"/>
@@ -697,7 +707,7 @@
     </p:spTree>
     <p:extLst>
       <p:ext uri="{BB962C8B-B14F-4D97-AF65-F5344CB8AC3E}">
-        <p14:creationId xmlns:p14="http://schemas.microsoft.com/office/powerpoint/2010/main" val="2934662006"/>
+        <p14:creationId xmlns:p14="http://schemas.microsoft.com/office/powerpoint/2010/main" xmlns="" val="2934662006"/>
       </p:ext>
     </p:extLst>
   </p:cSld>
@@ -816,6 +826,7 @@
           <a:p>
             <a:fld id="{2A145FE2-AB7C-46BC-8F86-612F87CDD637}" type="datetimeFigureOut">
               <a:rPr lang="en-US" smtClean="0"/>
+              <a:pPr/>
               <a:t>11/18/2016</a:t>
             </a:fld>
             <a:endParaRPr lang="en-US"/>
@@ -858,6 +869,7 @@
           <a:p>
             <a:fld id="{7E348002-FF95-43B2-BE78-4F76A790F7D6}" type="slidenum">
               <a:rPr lang="en-US" smtClean="0"/>
+              <a:pPr/>
               <a:t>‹#›</a:t>
             </a:fld>
             <a:endParaRPr lang="en-US"/>
@@ -867,7 +879,7 @@
     </p:spTree>
     <p:extLst>
       <p:ext uri="{BB962C8B-B14F-4D97-AF65-F5344CB8AC3E}">
-        <p14:creationId xmlns:p14="http://schemas.microsoft.com/office/powerpoint/2010/main" val="855239803"/>
+        <p14:creationId xmlns:p14="http://schemas.microsoft.com/office/powerpoint/2010/main" xmlns="" val="855239803"/>
       </p:ext>
     </p:extLst>
   </p:cSld>
@@ -1062,6 +1074,7 @@
           <a:p>
             <a:fld id="{2A145FE2-AB7C-46BC-8F86-612F87CDD637}" type="datetimeFigureOut">
               <a:rPr lang="en-US" smtClean="0"/>
+              <a:pPr/>
               <a:t>11/18/2016</a:t>
             </a:fld>
             <a:endParaRPr lang="en-US"/>
@@ -1104,6 +1117,7 @@
           <a:p>
             <a:fld id="{7E348002-FF95-43B2-BE78-4F76A790F7D6}" type="slidenum">
               <a:rPr lang="en-US" smtClean="0"/>
+              <a:pPr/>
               <a:t>‹#›</a:t>
             </a:fld>
             <a:endParaRPr lang="en-US"/>
@@ -1113,7 +1127,7 @@
     </p:spTree>
     <p:extLst>
       <p:ext uri="{BB962C8B-B14F-4D97-AF65-F5344CB8AC3E}">
-        <p14:creationId xmlns:p14="http://schemas.microsoft.com/office/powerpoint/2010/main" val="635452818"/>
+        <p14:creationId xmlns:p14="http://schemas.microsoft.com/office/powerpoint/2010/main" xmlns="" val="635452818"/>
       </p:ext>
     </p:extLst>
   </p:cSld>
@@ -1350,6 +1364,7 @@
           <a:p>
             <a:fld id="{2A145FE2-AB7C-46BC-8F86-612F87CDD637}" type="datetimeFigureOut">
               <a:rPr lang="en-US" smtClean="0"/>
+              <a:pPr/>
               <a:t>11/18/2016</a:t>
             </a:fld>
             <a:endParaRPr lang="en-US"/>
@@ -1392,6 +1407,7 @@
           <a:p>
             <a:fld id="{7E348002-FF95-43B2-BE78-4F76A790F7D6}" type="slidenum">
               <a:rPr lang="en-US" smtClean="0"/>
+              <a:pPr/>
               <a:t>‹#›</a:t>
             </a:fld>
             <a:endParaRPr lang="en-US"/>
@@ -1401,7 +1417,7 @@
     </p:spTree>
     <p:extLst>
       <p:ext uri="{BB962C8B-B14F-4D97-AF65-F5344CB8AC3E}">
-        <p14:creationId xmlns:p14="http://schemas.microsoft.com/office/powerpoint/2010/main" val="3716967958"/>
+        <p14:creationId xmlns:p14="http://schemas.microsoft.com/office/powerpoint/2010/main" xmlns="" val="3716967958"/>
       </p:ext>
     </p:extLst>
   </p:cSld>
@@ -1772,6 +1788,7 @@
           <a:p>
             <a:fld id="{2A145FE2-AB7C-46BC-8F86-612F87CDD637}" type="datetimeFigureOut">
               <a:rPr lang="en-US" smtClean="0"/>
+              <a:pPr/>
               <a:t>11/18/2016</a:t>
             </a:fld>
             <a:endParaRPr lang="en-US"/>
@@ -1814,6 +1831,7 @@
           <a:p>
             <a:fld id="{7E348002-FF95-43B2-BE78-4F76A790F7D6}" type="slidenum">
               <a:rPr lang="en-US" smtClean="0"/>
+              <a:pPr/>
               <a:t>‹#›</a:t>
             </a:fld>
             <a:endParaRPr lang="en-US"/>
@@ -1823,7 +1841,7 @@
     </p:spTree>
     <p:extLst>
       <p:ext uri="{BB962C8B-B14F-4D97-AF65-F5344CB8AC3E}">
-        <p14:creationId xmlns:p14="http://schemas.microsoft.com/office/powerpoint/2010/main" val="3991833718"/>
+        <p14:creationId xmlns:p14="http://schemas.microsoft.com/office/powerpoint/2010/main" xmlns="" val="3991833718"/>
       </p:ext>
     </p:extLst>
   </p:cSld>
@@ -1890,6 +1908,7 @@
           <a:p>
             <a:fld id="{2A145FE2-AB7C-46BC-8F86-612F87CDD637}" type="datetimeFigureOut">
               <a:rPr lang="en-US" smtClean="0"/>
+              <a:pPr/>
               <a:t>11/18/2016</a:t>
             </a:fld>
             <a:endParaRPr lang="en-US"/>
@@ -1932,6 +1951,7 @@
           <a:p>
             <a:fld id="{7E348002-FF95-43B2-BE78-4F76A790F7D6}" type="slidenum">
               <a:rPr lang="en-US" smtClean="0"/>
+              <a:pPr/>
               <a:t>‹#›</a:t>
             </a:fld>
             <a:endParaRPr lang="en-US"/>
@@ -1941,7 +1961,7 @@
     </p:spTree>
     <p:extLst>
       <p:ext uri="{BB962C8B-B14F-4D97-AF65-F5344CB8AC3E}">
-        <p14:creationId xmlns:p14="http://schemas.microsoft.com/office/powerpoint/2010/main" val="1837035765"/>
+        <p14:creationId xmlns:p14="http://schemas.microsoft.com/office/powerpoint/2010/main" xmlns="" val="1837035765"/>
       </p:ext>
     </p:extLst>
   </p:cSld>
@@ -1985,6 +2005,7 @@
           <a:p>
             <a:fld id="{2A145FE2-AB7C-46BC-8F86-612F87CDD637}" type="datetimeFigureOut">
               <a:rPr lang="en-US" smtClean="0"/>
+              <a:pPr/>
               <a:t>11/18/2016</a:t>
             </a:fld>
             <a:endParaRPr lang="en-US"/>
@@ -2027,6 +2048,7 @@
           <a:p>
             <a:fld id="{7E348002-FF95-43B2-BE78-4F76A790F7D6}" type="slidenum">
               <a:rPr lang="en-US" smtClean="0"/>
+              <a:pPr/>
               <a:t>‹#›</a:t>
             </a:fld>
             <a:endParaRPr lang="en-US"/>
@@ -2036,7 +2058,7 @@
     </p:spTree>
     <p:extLst>
       <p:ext uri="{BB962C8B-B14F-4D97-AF65-F5344CB8AC3E}">
-        <p14:creationId xmlns:p14="http://schemas.microsoft.com/office/powerpoint/2010/main" val="3419707464"/>
+        <p14:creationId xmlns:p14="http://schemas.microsoft.com/office/powerpoint/2010/main" xmlns="" val="3419707464"/>
       </p:ext>
     </p:extLst>
   </p:cSld>
@@ -2262,6 +2284,7 @@
           <a:p>
             <a:fld id="{2A145FE2-AB7C-46BC-8F86-612F87CDD637}" type="datetimeFigureOut">
               <a:rPr lang="en-US" smtClean="0"/>
+              <a:pPr/>
               <a:t>11/18/2016</a:t>
             </a:fld>
             <a:endParaRPr lang="en-US"/>
@@ -2304,6 +2327,7 @@
           <a:p>
             <a:fld id="{7E348002-FF95-43B2-BE78-4F76A790F7D6}" type="slidenum">
               <a:rPr lang="en-US" smtClean="0"/>
+              <a:pPr/>
               <a:t>‹#›</a:t>
             </a:fld>
             <a:endParaRPr lang="en-US"/>
@@ -2313,7 +2337,7 @@
     </p:spTree>
     <p:extLst>
       <p:ext uri="{BB962C8B-B14F-4D97-AF65-F5344CB8AC3E}">
-        <p14:creationId xmlns:p14="http://schemas.microsoft.com/office/powerpoint/2010/main" val="932762734"/>
+        <p14:creationId xmlns:p14="http://schemas.microsoft.com/office/powerpoint/2010/main" xmlns="" val="932762734"/>
       </p:ext>
     </p:extLst>
   </p:cSld>
@@ -2515,6 +2539,7 @@
           <a:p>
             <a:fld id="{2A145FE2-AB7C-46BC-8F86-612F87CDD637}" type="datetimeFigureOut">
               <a:rPr lang="en-US" smtClean="0"/>
+              <a:pPr/>
               <a:t>11/18/2016</a:t>
             </a:fld>
             <a:endParaRPr lang="en-US"/>
@@ -2557,6 +2582,7 @@
           <a:p>
             <a:fld id="{7E348002-FF95-43B2-BE78-4F76A790F7D6}" type="slidenum">
               <a:rPr lang="en-US" smtClean="0"/>
+              <a:pPr/>
               <a:t>‹#›</a:t>
             </a:fld>
             <a:endParaRPr lang="en-US"/>
@@ -2566,7 +2592,7 @@
     </p:spTree>
     <p:extLst>
       <p:ext uri="{BB962C8B-B14F-4D97-AF65-F5344CB8AC3E}">
-        <p14:creationId xmlns:p14="http://schemas.microsoft.com/office/powerpoint/2010/main" val="2367942364"/>
+        <p14:creationId xmlns:p14="http://schemas.microsoft.com/office/powerpoint/2010/main" xmlns="" val="2367942364"/>
       </p:ext>
     </p:extLst>
   </p:cSld>
@@ -2733,6 +2759,7 @@
           <a:p>
             <a:fld id="{2A145FE2-AB7C-46BC-8F86-612F87CDD637}" type="datetimeFigureOut">
               <a:rPr lang="en-US" smtClean="0"/>
+              <a:pPr/>
               <a:t>11/18/2016</a:t>
             </a:fld>
             <a:endParaRPr lang="en-US"/>
@@ -2811,6 +2838,7 @@
           <a:p>
             <a:fld id="{7E348002-FF95-43B2-BE78-4F76A790F7D6}" type="slidenum">
               <a:rPr lang="en-US" smtClean="0"/>
+              <a:pPr/>
               <a:t>‹#›</a:t>
             </a:fld>
             <a:endParaRPr lang="en-US"/>
@@ -2820,7 +2848,7 @@
     </p:spTree>
     <p:extLst>
       <p:ext uri="{BB962C8B-B14F-4D97-AF65-F5344CB8AC3E}">
-        <p14:creationId xmlns:p14="http://schemas.microsoft.com/office/powerpoint/2010/main" val="1100484609"/>
+        <p14:creationId xmlns:p14="http://schemas.microsoft.com/office/powerpoint/2010/main" xmlns="" val="1100484609"/>
       </p:ext>
     </p:extLst>
   </p:cSld>
@@ -3191,10 +3219,10 @@
           <p:nvPr/>
         </p:nvPicPr>
         <p:blipFill>
-          <a:blip r:embed="rId2">
+          <a:blip r:embed="rId2" cstate="print">
             <a:extLst>
               <a:ext uri="{28A0092B-C50C-407E-A947-70E740481C1C}">
-                <a14:useLocalDpi xmlns:a14="http://schemas.microsoft.com/office/drawing/2010/main" val="0"/>
+                <a14:useLocalDpi xmlns:a14="http://schemas.microsoft.com/office/drawing/2010/main" xmlns="" val="0"/>
               </a:ext>
             </a:extLst>
           </a:blip>
@@ -3217,14 +3245,14 @@
           </a:ln>
           <a:extLst>
             <a:ext uri="{909E8E84-426E-40DD-AFC4-6F175D3DCCD1}">
-              <a14:hiddenFill xmlns:a14="http://schemas.microsoft.com/office/drawing/2010/main">
+              <a14:hiddenFill xmlns:a14="http://schemas.microsoft.com/office/drawing/2010/main" xmlns="">
                 <a:solidFill>
                   <a:schemeClr val="accent1"/>
                 </a:solidFill>
               </a14:hiddenFill>
             </a:ext>
             <a:ext uri="{91240B29-F687-4F45-9708-019B960494DF}">
-              <a14:hiddenLine xmlns:a14="http://schemas.microsoft.com/office/drawing/2010/main" w="9525">
+              <a14:hiddenLine xmlns:a14="http://schemas.microsoft.com/office/drawing/2010/main" xmlns="" w="9525">
                 <a:solidFill>
                   <a:schemeClr val="tx1"/>
                 </a:solidFill>
@@ -3239,7 +3267,607 @@
     </p:spTree>
     <p:extLst>
       <p:ext uri="{BB962C8B-B14F-4D97-AF65-F5344CB8AC3E}">
-        <p14:creationId xmlns:p14="http://schemas.microsoft.com/office/powerpoint/2010/main" val="44671813"/>
+        <p14:creationId xmlns:p14="http://schemas.microsoft.com/office/powerpoint/2010/main" xmlns="" val="44671813"/>
+      </p:ext>
+    </p:extLst>
+  </p:cSld>
+  <p:clrMapOvr>
+    <a:masterClrMapping/>
+  </p:clrMapOvr>
+</p:sld>
+</file>
+
+<file path=ppt/slides/slide10.xml><?xml version="1.0" encoding="utf-8"?>
+<p:sld xmlns:a="http://schemas.openxmlformats.org/drawingml/2006/main" xmlns:r="http://schemas.openxmlformats.org/officeDocument/2006/relationships" xmlns:p="http://schemas.openxmlformats.org/presentationml/2006/main">
+  <p:cSld>
+    <p:spTree>
+      <p:nvGrpSpPr>
+        <p:cNvPr id="1" name=""/>
+        <p:cNvGrpSpPr/>
+        <p:nvPr/>
+      </p:nvGrpSpPr>
+      <p:grpSpPr>
+        <a:xfrm>
+          <a:off x="0" y="0"/>
+          <a:ext cx="0" cy="0"/>
+          <a:chOff x="0" y="0"/>
+          <a:chExt cx="0" cy="0"/>
+        </a:xfrm>
+      </p:grpSpPr>
+      <p:sp>
+        <p:nvSpPr>
+          <p:cNvPr id="2" name="Title 1"/>
+          <p:cNvSpPr>
+            <a:spLocks noGrp="1"/>
+          </p:cNvSpPr>
+          <p:nvPr>
+            <p:ph type="title"/>
+          </p:nvPr>
+        </p:nvSpPr>
+        <p:spPr>
+          <a:xfrm>
+            <a:off x="-2912" y="0"/>
+            <a:ext cx="9146912" cy="692696"/>
+          </a:xfrm>
+          <a:solidFill>
+            <a:schemeClr val="bg1">
+              <a:lumMod val="75000"/>
+            </a:schemeClr>
+          </a:solidFill>
+        </p:spPr>
+        <p:txBody>
+          <a:bodyPr>
+            <a:normAutofit fontScale="90000"/>
+          </a:bodyPr>
+          <a:lstStyle/>
+          <a:p>
+            <a:pPr algn="l"/>
+            <a:r>
+              <a:rPr lang="en-US" dirty="0" smtClean="0">
+                <a:solidFill>
+                  <a:schemeClr val="bg1"/>
+                </a:solidFill>
+              </a:rPr>
+              <a:t> Outline</a:t>
+            </a:r>
+            <a:endParaRPr lang="en-US" dirty="0">
+              <a:solidFill>
+                <a:schemeClr val="bg1"/>
+              </a:solidFill>
+            </a:endParaRPr>
+          </a:p>
+        </p:txBody>
+      </p:sp>
+      <p:sp>
+        <p:nvSpPr>
+          <p:cNvPr id="3" name="Content Placeholder 2"/>
+          <p:cNvSpPr>
+            <a:spLocks noGrp="1"/>
+          </p:cNvSpPr>
+          <p:nvPr>
+            <p:ph idx="1"/>
+          </p:nvPr>
+        </p:nvSpPr>
+        <p:spPr>
+          <a:xfrm>
+            <a:off x="457200" y="1052736"/>
+            <a:ext cx="8229600" cy="4205064"/>
+          </a:xfrm>
+        </p:spPr>
+        <p:txBody>
+          <a:bodyPr/>
+          <a:lstStyle/>
+          <a:p>
+            <a:pPr marL="0" indent="0">
+              <a:buNone/>
+            </a:pPr>
+            <a:r>
+              <a:rPr lang="en-US" dirty="0" smtClean="0"/>
+              <a:t>1. Introduction</a:t>
+            </a:r>
+          </a:p>
+          <a:p>
+            <a:pPr marL="0" indent="0">
+              <a:buNone/>
+            </a:pPr>
+            <a:r>
+              <a:rPr lang="en-US" dirty="0" smtClean="0"/>
+              <a:t>2. Background</a:t>
+            </a:r>
+          </a:p>
+          <a:p>
+            <a:pPr marL="0" indent="0">
+              <a:buNone/>
+            </a:pPr>
+            <a:r>
+              <a:rPr lang="en-US" b="1" dirty="0" smtClean="0"/>
+              <a:t>3. Related work</a:t>
+            </a:r>
+          </a:p>
+          <a:p>
+            <a:pPr marL="0" indent="0">
+              <a:buNone/>
+            </a:pPr>
+            <a:r>
+              <a:rPr lang="en-US" dirty="0" smtClean="0"/>
+              <a:t>4. Proposed approach</a:t>
+            </a:r>
+          </a:p>
+          <a:p>
+            <a:pPr marL="0" indent="0">
+              <a:buNone/>
+            </a:pPr>
+            <a:r>
+              <a:rPr lang="en-US" dirty="0" smtClean="0"/>
+              <a:t>5. Experimental result</a:t>
+            </a:r>
+          </a:p>
+          <a:p>
+            <a:pPr marL="0" indent="0">
+              <a:buNone/>
+            </a:pPr>
+            <a:r>
+              <a:rPr lang="en-US" dirty="0" smtClean="0"/>
+              <a:t>6. Conclusion</a:t>
+            </a:r>
+            <a:endParaRPr lang="en-US" dirty="0"/>
+          </a:p>
+        </p:txBody>
+      </p:sp>
+    </p:spTree>
+    <p:extLst>
+      <p:ext uri="{BB962C8B-B14F-4D97-AF65-F5344CB8AC3E}">
+        <p14:creationId xmlns:p14="http://schemas.microsoft.com/office/powerpoint/2010/main" xmlns="" val="2330834491"/>
+      </p:ext>
+    </p:extLst>
+  </p:cSld>
+  <p:clrMapOvr>
+    <a:masterClrMapping/>
+  </p:clrMapOvr>
+</p:sld>
+</file>
+
+<file path=ppt/slides/slide11.xml><?xml version="1.0" encoding="utf-8"?>
+<p:sld xmlns:a="http://schemas.openxmlformats.org/drawingml/2006/main" xmlns:r="http://schemas.openxmlformats.org/officeDocument/2006/relationships" xmlns:p="http://schemas.openxmlformats.org/presentationml/2006/main">
+  <p:cSld>
+    <p:spTree>
+      <p:nvGrpSpPr>
+        <p:cNvPr id="1" name=""/>
+        <p:cNvGrpSpPr/>
+        <p:nvPr/>
+      </p:nvGrpSpPr>
+      <p:grpSpPr>
+        <a:xfrm>
+          <a:off x="0" y="0"/>
+          <a:ext cx="0" cy="0"/>
+          <a:chOff x="0" y="0"/>
+          <a:chExt cx="0" cy="0"/>
+        </a:xfrm>
+      </p:grpSpPr>
+      <p:sp>
+        <p:nvSpPr>
+          <p:cNvPr id="2" name="Title 1"/>
+          <p:cNvSpPr>
+            <a:spLocks noGrp="1"/>
+          </p:cNvSpPr>
+          <p:nvPr>
+            <p:ph type="title"/>
+          </p:nvPr>
+        </p:nvSpPr>
+        <p:spPr>
+          <a:xfrm>
+            <a:off x="-2912" y="0"/>
+            <a:ext cx="9146912" cy="692696"/>
+          </a:xfrm>
+          <a:solidFill>
+            <a:schemeClr val="bg1">
+              <a:lumMod val="75000"/>
+            </a:schemeClr>
+          </a:solidFill>
+        </p:spPr>
+        <p:txBody>
+          <a:bodyPr>
+            <a:normAutofit fontScale="90000"/>
+          </a:bodyPr>
+          <a:lstStyle/>
+          <a:p>
+            <a:pPr algn="l"/>
+            <a:r>
+              <a:rPr lang="en-US" dirty="0" smtClean="0">
+                <a:solidFill>
+                  <a:schemeClr val="bg1"/>
+                </a:solidFill>
+              </a:rPr>
+              <a:t> Outline</a:t>
+            </a:r>
+            <a:endParaRPr lang="en-US" dirty="0">
+              <a:solidFill>
+                <a:schemeClr val="bg1"/>
+              </a:solidFill>
+            </a:endParaRPr>
+          </a:p>
+        </p:txBody>
+      </p:sp>
+      <p:sp>
+        <p:nvSpPr>
+          <p:cNvPr id="3" name="Content Placeholder 2"/>
+          <p:cNvSpPr>
+            <a:spLocks noGrp="1"/>
+          </p:cNvSpPr>
+          <p:nvPr>
+            <p:ph idx="1"/>
+          </p:nvPr>
+        </p:nvSpPr>
+        <p:spPr>
+          <a:xfrm>
+            <a:off x="457200" y="1052736"/>
+            <a:ext cx="8229600" cy="4205064"/>
+          </a:xfrm>
+        </p:spPr>
+        <p:txBody>
+          <a:bodyPr/>
+          <a:lstStyle/>
+          <a:p>
+            <a:pPr marL="0" indent="0">
+              <a:buNone/>
+            </a:pPr>
+            <a:r>
+              <a:rPr lang="en-US" dirty="0" smtClean="0"/>
+              <a:t>1. Introduction</a:t>
+            </a:r>
+          </a:p>
+          <a:p>
+            <a:pPr marL="0" indent="0">
+              <a:buNone/>
+            </a:pPr>
+            <a:r>
+              <a:rPr lang="en-US" dirty="0" smtClean="0"/>
+              <a:t>2. Background</a:t>
+            </a:r>
+          </a:p>
+          <a:p>
+            <a:pPr marL="0" indent="0">
+              <a:buNone/>
+            </a:pPr>
+            <a:r>
+              <a:rPr lang="en-US" dirty="0" smtClean="0"/>
+              <a:t>3. Related work</a:t>
+            </a:r>
+          </a:p>
+          <a:p>
+            <a:pPr marL="0" indent="0">
+              <a:buNone/>
+            </a:pPr>
+            <a:r>
+              <a:rPr lang="en-US" b="1" dirty="0" smtClean="0"/>
+              <a:t>4. Proposed approach</a:t>
+            </a:r>
+          </a:p>
+          <a:p>
+            <a:pPr marL="0" indent="0">
+              <a:buNone/>
+            </a:pPr>
+            <a:r>
+              <a:rPr lang="en-US" dirty="0" smtClean="0"/>
+              <a:t>5. Experimental result</a:t>
+            </a:r>
+          </a:p>
+          <a:p>
+            <a:pPr marL="0" indent="0">
+              <a:buNone/>
+            </a:pPr>
+            <a:r>
+              <a:rPr lang="en-US" dirty="0" smtClean="0"/>
+              <a:t>6. Conclusion</a:t>
+            </a:r>
+            <a:endParaRPr lang="en-US" dirty="0"/>
+          </a:p>
+        </p:txBody>
+      </p:sp>
+    </p:spTree>
+    <p:extLst>
+      <p:ext uri="{BB962C8B-B14F-4D97-AF65-F5344CB8AC3E}">
+        <p14:creationId xmlns:p14="http://schemas.microsoft.com/office/powerpoint/2010/main" xmlns="" val="1848409642"/>
+      </p:ext>
+    </p:extLst>
+  </p:cSld>
+  <p:clrMapOvr>
+    <a:masterClrMapping/>
+  </p:clrMapOvr>
+</p:sld>
+</file>
+
+<file path=ppt/slides/slide12.xml><?xml version="1.0" encoding="utf-8"?>
+<p:sld xmlns:a="http://schemas.openxmlformats.org/drawingml/2006/main" xmlns:r="http://schemas.openxmlformats.org/officeDocument/2006/relationships" xmlns:p="http://schemas.openxmlformats.org/presentationml/2006/main">
+  <p:cSld>
+    <p:spTree>
+      <p:nvGrpSpPr>
+        <p:cNvPr id="1" name=""/>
+        <p:cNvGrpSpPr/>
+        <p:nvPr/>
+      </p:nvGrpSpPr>
+      <p:grpSpPr>
+        <a:xfrm>
+          <a:off x="0" y="0"/>
+          <a:ext cx="0" cy="0"/>
+          <a:chOff x="0" y="0"/>
+          <a:chExt cx="0" cy="0"/>
+        </a:xfrm>
+      </p:grpSpPr>
+      <p:sp>
+        <p:nvSpPr>
+          <p:cNvPr id="2" name="Title 1"/>
+          <p:cNvSpPr>
+            <a:spLocks noGrp="1"/>
+          </p:cNvSpPr>
+          <p:nvPr>
+            <p:ph type="title"/>
+          </p:nvPr>
+        </p:nvSpPr>
+        <p:spPr>
+          <a:xfrm>
+            <a:off x="-2912" y="0"/>
+            <a:ext cx="9146912" cy="692696"/>
+          </a:xfrm>
+          <a:solidFill>
+            <a:schemeClr val="bg1">
+              <a:lumMod val="75000"/>
+            </a:schemeClr>
+          </a:solidFill>
+        </p:spPr>
+        <p:txBody>
+          <a:bodyPr>
+            <a:normAutofit fontScale="90000"/>
+          </a:bodyPr>
+          <a:lstStyle/>
+          <a:p>
+            <a:pPr algn="l"/>
+            <a:r>
+              <a:rPr lang="en-US" dirty="0" smtClean="0">
+                <a:solidFill>
+                  <a:schemeClr val="bg1"/>
+                </a:solidFill>
+              </a:rPr>
+              <a:t> Outline</a:t>
+            </a:r>
+            <a:endParaRPr lang="en-US" dirty="0">
+              <a:solidFill>
+                <a:schemeClr val="bg1"/>
+              </a:solidFill>
+            </a:endParaRPr>
+          </a:p>
+        </p:txBody>
+      </p:sp>
+      <p:sp>
+        <p:nvSpPr>
+          <p:cNvPr id="3" name="Content Placeholder 2"/>
+          <p:cNvSpPr>
+            <a:spLocks noGrp="1"/>
+          </p:cNvSpPr>
+          <p:nvPr>
+            <p:ph idx="1"/>
+          </p:nvPr>
+        </p:nvSpPr>
+        <p:spPr>
+          <a:xfrm>
+            <a:off x="457200" y="1052736"/>
+            <a:ext cx="8229600" cy="4205064"/>
+          </a:xfrm>
+        </p:spPr>
+        <p:txBody>
+          <a:bodyPr/>
+          <a:lstStyle/>
+          <a:p>
+            <a:pPr marL="0" indent="0">
+              <a:buNone/>
+            </a:pPr>
+            <a:r>
+              <a:rPr lang="en-US" dirty="0" smtClean="0"/>
+              <a:t>1. Introduction</a:t>
+            </a:r>
+          </a:p>
+          <a:p>
+            <a:pPr marL="0" indent="0">
+              <a:buNone/>
+            </a:pPr>
+            <a:r>
+              <a:rPr lang="en-US" dirty="0" smtClean="0"/>
+              <a:t>2. Background</a:t>
+            </a:r>
+          </a:p>
+          <a:p>
+            <a:pPr marL="0" indent="0">
+              <a:buNone/>
+            </a:pPr>
+            <a:r>
+              <a:rPr lang="en-US" dirty="0" smtClean="0"/>
+              <a:t>3. Related work</a:t>
+            </a:r>
+          </a:p>
+          <a:p>
+            <a:pPr marL="0" indent="0">
+              <a:buNone/>
+            </a:pPr>
+            <a:r>
+              <a:rPr lang="en-US" dirty="0" smtClean="0"/>
+              <a:t>4. Proposed approach</a:t>
+            </a:r>
+          </a:p>
+          <a:p>
+            <a:pPr marL="0" indent="0">
+              <a:buNone/>
+            </a:pPr>
+            <a:r>
+              <a:rPr lang="en-US" b="1" dirty="0" smtClean="0"/>
+              <a:t>5. Experimental result</a:t>
+            </a:r>
+          </a:p>
+          <a:p>
+            <a:pPr marL="0" indent="0">
+              <a:buNone/>
+            </a:pPr>
+            <a:r>
+              <a:rPr lang="en-US" dirty="0" smtClean="0"/>
+              <a:t>6. Conclusion</a:t>
+            </a:r>
+            <a:endParaRPr lang="en-US" dirty="0"/>
+          </a:p>
+        </p:txBody>
+      </p:sp>
+    </p:spTree>
+    <p:extLst>
+      <p:ext uri="{BB962C8B-B14F-4D97-AF65-F5344CB8AC3E}">
+        <p14:creationId xmlns:p14="http://schemas.microsoft.com/office/powerpoint/2010/main" xmlns="" val="3185099068"/>
+      </p:ext>
+    </p:extLst>
+  </p:cSld>
+  <p:clrMapOvr>
+    <a:masterClrMapping/>
+  </p:clrMapOvr>
+</p:sld>
+</file>
+
+<file path=ppt/slides/slide13.xml><?xml version="1.0" encoding="utf-8"?>
+<p:sld xmlns:a="http://schemas.openxmlformats.org/drawingml/2006/main" xmlns:r="http://schemas.openxmlformats.org/officeDocument/2006/relationships" xmlns:p="http://schemas.openxmlformats.org/presentationml/2006/main">
+  <p:cSld>
+    <p:spTree>
+      <p:nvGrpSpPr>
+        <p:cNvPr id="1" name=""/>
+        <p:cNvGrpSpPr/>
+        <p:nvPr/>
+      </p:nvGrpSpPr>
+      <p:grpSpPr>
+        <a:xfrm>
+          <a:off x="0" y="0"/>
+          <a:ext cx="0" cy="0"/>
+          <a:chOff x="0" y="0"/>
+          <a:chExt cx="0" cy="0"/>
+        </a:xfrm>
+      </p:grpSpPr>
+      <p:sp>
+        <p:nvSpPr>
+          <p:cNvPr id="2" name="Title 1"/>
+          <p:cNvSpPr>
+            <a:spLocks noGrp="1"/>
+          </p:cNvSpPr>
+          <p:nvPr>
+            <p:ph type="title"/>
+          </p:nvPr>
+        </p:nvSpPr>
+        <p:spPr>
+          <a:xfrm>
+            <a:off x="-2912" y="0"/>
+            <a:ext cx="9146912" cy="692696"/>
+          </a:xfrm>
+          <a:solidFill>
+            <a:schemeClr val="bg1">
+              <a:lumMod val="75000"/>
+            </a:schemeClr>
+          </a:solidFill>
+        </p:spPr>
+        <p:txBody>
+          <a:bodyPr>
+            <a:normAutofit fontScale="90000"/>
+          </a:bodyPr>
+          <a:lstStyle/>
+          <a:p>
+            <a:pPr algn="l"/>
+            <a:r>
+              <a:rPr lang="en-US" dirty="0" smtClean="0">
+                <a:solidFill>
+                  <a:schemeClr val="bg1"/>
+                </a:solidFill>
+              </a:rPr>
+              <a:t> Outline</a:t>
+            </a:r>
+            <a:endParaRPr lang="en-US" dirty="0">
+              <a:solidFill>
+                <a:schemeClr val="bg1"/>
+              </a:solidFill>
+            </a:endParaRPr>
+          </a:p>
+        </p:txBody>
+      </p:sp>
+      <p:sp>
+        <p:nvSpPr>
+          <p:cNvPr id="3" name="Content Placeholder 2"/>
+          <p:cNvSpPr>
+            <a:spLocks noGrp="1"/>
+          </p:cNvSpPr>
+          <p:nvPr>
+            <p:ph idx="1"/>
+          </p:nvPr>
+        </p:nvSpPr>
+        <p:spPr>
+          <a:xfrm>
+            <a:off x="457200" y="1052736"/>
+            <a:ext cx="8229600" cy="4205064"/>
+          </a:xfrm>
+        </p:spPr>
+        <p:txBody>
+          <a:bodyPr/>
+          <a:lstStyle/>
+          <a:p>
+            <a:pPr marL="0" indent="0">
+              <a:buNone/>
+            </a:pPr>
+            <a:r>
+              <a:rPr lang="en-US" dirty="0" smtClean="0"/>
+              <a:t>1. Introduction</a:t>
+            </a:r>
+          </a:p>
+          <a:p>
+            <a:pPr marL="0" indent="0">
+              <a:buNone/>
+            </a:pPr>
+            <a:r>
+              <a:rPr lang="en-US" dirty="0" smtClean="0"/>
+              <a:t>2. Background</a:t>
+            </a:r>
+          </a:p>
+          <a:p>
+            <a:pPr marL="0" indent="0">
+              <a:buNone/>
+            </a:pPr>
+            <a:r>
+              <a:rPr lang="en-US" dirty="0" smtClean="0"/>
+              <a:t>3. Related work</a:t>
+            </a:r>
+          </a:p>
+          <a:p>
+            <a:pPr marL="0" indent="0">
+              <a:buNone/>
+            </a:pPr>
+            <a:r>
+              <a:rPr lang="en-US" dirty="0" smtClean="0"/>
+              <a:t>4. Proposed approach</a:t>
+            </a:r>
+          </a:p>
+          <a:p>
+            <a:pPr marL="0" indent="0">
+              <a:buNone/>
+            </a:pPr>
+            <a:r>
+              <a:rPr lang="en-US" dirty="0" smtClean="0"/>
+              <a:t>5. Experimental result</a:t>
+            </a:r>
+          </a:p>
+          <a:p>
+            <a:pPr marL="0" indent="0">
+              <a:buNone/>
+            </a:pPr>
+            <a:r>
+              <a:rPr lang="en-US" b="1" dirty="0" smtClean="0"/>
+              <a:t>6. Conclusion</a:t>
+            </a:r>
+            <a:endParaRPr lang="en-US" b="1" dirty="0"/>
+          </a:p>
+        </p:txBody>
+      </p:sp>
+    </p:spTree>
+    <p:extLst>
+      <p:ext uri="{BB962C8B-B14F-4D97-AF65-F5344CB8AC3E}">
+        <p14:creationId xmlns:p14="http://schemas.microsoft.com/office/powerpoint/2010/main" xmlns="" val="1133312594"/>
       </p:ext>
     </p:extLst>
   </p:cSld>
@@ -3389,7 +4017,7 @@
     </p:spTree>
     <p:extLst>
       <p:ext uri="{BB962C8B-B14F-4D97-AF65-F5344CB8AC3E}">
-        <p14:creationId xmlns:p14="http://schemas.microsoft.com/office/powerpoint/2010/main" val="2279565587"/>
+        <p14:creationId xmlns:p14="http://schemas.microsoft.com/office/powerpoint/2010/main" xmlns="" val="2279565587"/>
       </p:ext>
     </p:extLst>
   </p:cSld>
@@ -3521,10 +4149,10 @@
           <p:nvPr/>
         </p:nvPicPr>
         <p:blipFill>
-          <a:blip r:embed="rId2">
+          <a:blip r:embed="rId2" cstate="print">
             <a:extLst>
               <a:ext uri="{28A0092B-C50C-407E-A947-70E740481C1C}">
-                <a14:useLocalDpi xmlns:a14="http://schemas.microsoft.com/office/drawing/2010/main" val="0"/>
+                <a14:useLocalDpi xmlns:a14="http://schemas.microsoft.com/office/drawing/2010/main" xmlns="" val="0"/>
               </a:ext>
             </a:extLst>
           </a:blip>
@@ -3547,14 +4175,14 @@
           </a:ln>
           <a:extLst>
             <a:ext uri="{909E8E84-426E-40DD-AFC4-6F175D3DCCD1}">
-              <a14:hiddenFill xmlns:a14="http://schemas.microsoft.com/office/drawing/2010/main">
+              <a14:hiddenFill xmlns:a14="http://schemas.microsoft.com/office/drawing/2010/main" xmlns="">
                 <a:solidFill>
                   <a:schemeClr val="accent1"/>
                 </a:solidFill>
               </a14:hiddenFill>
             </a:ext>
             <a:ext uri="{91240B29-F687-4F45-9708-019B960494DF}">
-              <a14:hiddenLine xmlns:a14="http://schemas.microsoft.com/office/drawing/2010/main" w="9525">
+              <a14:hiddenLine xmlns:a14="http://schemas.microsoft.com/office/drawing/2010/main" xmlns="" w="9525">
                 <a:solidFill>
                   <a:schemeClr val="tx1"/>
                 </a:solidFill>
@@ -3569,7 +4197,7 @@
     </p:spTree>
     <p:extLst>
       <p:ext uri="{BB962C8B-B14F-4D97-AF65-F5344CB8AC3E}">
-        <p14:creationId xmlns:p14="http://schemas.microsoft.com/office/powerpoint/2010/main" val="763281191"/>
+        <p14:creationId xmlns:p14="http://schemas.microsoft.com/office/powerpoint/2010/main" xmlns="" val="763281191"/>
       </p:ext>
     </p:extLst>
   </p:cSld>
@@ -3676,7 +4304,36 @@
             <a:pPr marL="0" indent="0">
               <a:buNone/>
             </a:pPr>
-            <a:endParaRPr lang="en-US" dirty="0"/>
+            <a:r>
+              <a:rPr lang="en-US" dirty="0" smtClean="0"/>
+              <a:t>	</a:t>
+            </a:r>
+            <a:r>
+              <a:rPr lang="en-US" sz="2800" dirty="0" smtClean="0"/>
+              <a:t>automatic, scalable, </a:t>
+            </a:r>
+            <a:r>
+              <a:rPr lang="en-US" sz="2800" dirty="0" smtClean="0"/>
+              <a:t>exhaustive</a:t>
+            </a:r>
+          </a:p>
+          <a:p>
+            <a:pPr marL="0" indent="0">
+              <a:buNone/>
+            </a:pPr>
+            <a:r>
+              <a:rPr lang="en-US" sz="2800" dirty="0" smtClean="0"/>
+              <a:t>	infinite </a:t>
+            </a:r>
+            <a:r>
+              <a:rPr lang="en-US" sz="2800" dirty="0" smtClean="0"/>
+              <a:t>loops, array, procedure calls and pointer </a:t>
+            </a:r>
+            <a:r>
+              <a:rPr lang="en-US" sz="2800" dirty="0" smtClean="0"/>
+              <a:t>	references </a:t>
+            </a:r>
+            <a:endParaRPr lang="en-US" sz="2800" dirty="0"/>
           </a:p>
           <a:p>
             <a:pPr marL="0" indent="0">
@@ -3687,16 +4344,38 @@
               <a:t>dynamic </a:t>
             </a:r>
             <a:r>
-              <a:rPr lang="en-US" dirty="0"/>
-              <a:t>analysis </a:t>
-            </a:r>
+              <a:rPr lang="en-US" dirty="0" smtClean="0"/>
+              <a:t>analysis</a:t>
+            </a:r>
+          </a:p>
+          <a:p>
+            <a:pPr marL="0" indent="0">
+              <a:buNone/>
+            </a:pPr>
+            <a:r>
+              <a:rPr lang="en-US" sz="2800" dirty="0" smtClean="0"/>
+              <a:t>	random </a:t>
+            </a:r>
+            <a:r>
+              <a:rPr lang="en-US" sz="2800" dirty="0" smtClean="0"/>
+              <a:t>testing, local </a:t>
+            </a:r>
+            <a:r>
+              <a:rPr lang="en-US" sz="2800" dirty="0" smtClean="0"/>
+              <a:t>search, and evolutionary 	methods </a:t>
+            </a:r>
+            <a:r>
+              <a:rPr lang="en-US" sz="2800" dirty="0" smtClean="0"/>
+              <a:t> </a:t>
+            </a:r>
+            <a:endParaRPr lang="en-US" sz="2800" dirty="0"/>
           </a:p>
         </p:txBody>
       </p:sp>
     </p:spTree>
     <p:extLst>
       <p:ext uri="{BB962C8B-B14F-4D97-AF65-F5344CB8AC3E}">
-        <p14:creationId xmlns:p14="http://schemas.microsoft.com/office/powerpoint/2010/main" val="3736083669"/>
+        <p14:creationId xmlns:p14="http://schemas.microsoft.com/office/powerpoint/2010/main" xmlns="" val="3736083669"/>
       </p:ext>
     </p:extLst>
   </p:cSld>
@@ -3757,7 +4436,15 @@
                   <a:schemeClr val="bg1"/>
                 </a:solidFill>
               </a:rPr>
-              <a:t> Outline</a:t>
+              <a:t> </a:t>
+            </a:r>
+            <a:r>
+              <a:rPr lang="en-US" dirty="0" smtClean="0">
+                <a:solidFill>
+                  <a:schemeClr val="bg1"/>
+                </a:solidFill>
+              </a:rPr>
+              <a:t>problem</a:t>
             </a:r>
             <a:endParaRPr lang="en-US" dirty="0">
               <a:solidFill>
@@ -3779,74 +4466,75 @@
         </p:nvSpPr>
         <p:spPr>
           <a:xfrm>
-            <a:off x="457200" y="1052736"/>
-            <a:ext cx="8229600" cy="4205064"/>
+            <a:off x="395536" y="4005064"/>
+            <a:ext cx="8229600" cy="2304256"/>
           </a:xfrm>
         </p:spPr>
         <p:txBody>
-          <a:bodyPr/>
+          <a:bodyPr>
+            <a:normAutofit/>
+          </a:bodyPr>
           <a:lstStyle/>
           <a:p>
             <a:pPr marL="0" indent="0">
               <a:buNone/>
             </a:pPr>
             <a:r>
-              <a:rPr lang="en-US" dirty="0" smtClean="0"/>
-              <a:t>1. Introduction</a:t>
-            </a:r>
-          </a:p>
-          <a:p>
-            <a:pPr marL="0" indent="0">
-              <a:buNone/>
-            </a:pPr>
-            <a:r>
-              <a:rPr lang="en-US" b="1" dirty="0" smtClean="0"/>
-              <a:t>2. Background</a:t>
-            </a:r>
-          </a:p>
-          <a:p>
-            <a:pPr marL="0" indent="0">
-              <a:buNone/>
-            </a:pPr>
-            <a:r>
-              <a:rPr lang="en-US" dirty="0" smtClean="0"/>
-              <a:t>3. Related work</a:t>
-            </a:r>
-          </a:p>
-          <a:p>
-            <a:pPr marL="0" indent="0">
-              <a:buNone/>
-            </a:pPr>
-            <a:r>
-              <a:rPr lang="en-US" dirty="0" smtClean="0"/>
-              <a:t>4. Proposed approach</a:t>
-            </a:r>
-          </a:p>
-          <a:p>
-            <a:pPr marL="0" indent="0">
-              <a:buNone/>
-            </a:pPr>
-            <a:r>
-              <a:rPr lang="en-US" dirty="0" smtClean="0"/>
-              <a:t>5. Experimental result</a:t>
-            </a:r>
-          </a:p>
-          <a:p>
-            <a:pPr marL="0" indent="0">
-              <a:buNone/>
-            </a:pPr>
-            <a:r>
-              <a:rPr lang="en-US" dirty="0" smtClean="0"/>
-              <a:t>6. Conclusion</a:t>
-            </a:r>
-            <a:endParaRPr lang="en-US" dirty="0"/>
-          </a:p>
-        </p:txBody>
-      </p:sp>
+              <a:rPr lang="en-US" sz="3000" dirty="0" smtClean="0"/>
+              <a:t>SE </a:t>
+            </a:r>
+            <a:r>
+              <a:rPr lang="en-US" sz="3000" dirty="0" smtClean="0"/>
+              <a:t>can solve the second condition, it cannot for the </a:t>
+            </a:r>
+            <a:r>
+              <a:rPr lang="en-US" sz="3000" dirty="0" smtClean="0"/>
+              <a:t>first, when GA </a:t>
+            </a:r>
+            <a:r>
+              <a:rPr lang="en-US" sz="3000" dirty="0" smtClean="0"/>
+              <a:t>can generate test data for the first condition but it has degraded with the second condition </a:t>
+            </a:r>
+            <a:endParaRPr lang="en-US" sz="3000" dirty="0"/>
+          </a:p>
+        </p:txBody>
+      </p:sp>
+      <p:pic>
+        <p:nvPicPr>
+          <p:cNvPr id="1026" name="Picture 2"/>
+          <p:cNvPicPr>
+            <a:picLocks noChangeAspect="1" noChangeArrowheads="1"/>
+          </p:cNvPicPr>
+          <p:nvPr/>
+        </p:nvPicPr>
+        <p:blipFill>
+          <a:blip r:embed="rId2" cstate="print"/>
+          <a:srcRect/>
+          <a:stretch>
+            <a:fillRect/>
+          </a:stretch>
+        </p:blipFill>
+        <p:spPr bwMode="auto">
+          <a:xfrm>
+            <a:off x="683568" y="1124744"/>
+            <a:ext cx="6696744" cy="2664296"/>
+          </a:xfrm>
+          <a:prstGeom prst="rect">
+            <a:avLst/>
+          </a:prstGeom>
+          <a:noFill/>
+          <a:ln w="9525">
+            <a:noFill/>
+            <a:miter lim="800000"/>
+            <a:headEnd/>
+            <a:tailEnd/>
+          </a:ln>
+        </p:spPr>
+      </p:pic>
     </p:spTree>
     <p:extLst>
       <p:ext uri="{BB962C8B-B14F-4D97-AF65-F5344CB8AC3E}">
-        <p14:creationId xmlns:p14="http://schemas.microsoft.com/office/powerpoint/2010/main" val="976856806"/>
+        <p14:creationId xmlns:p14="http://schemas.microsoft.com/office/powerpoint/2010/main" xmlns="" val="3736083669"/>
       </p:ext>
     </p:extLst>
   </p:cSld>
@@ -3950,16 +4638,16 @@
               <a:buNone/>
             </a:pPr>
             <a:r>
+              <a:rPr lang="en-US" b="1" dirty="0" smtClean="0"/>
+              <a:t>2. Background</a:t>
+            </a:r>
+          </a:p>
+          <a:p>
+            <a:pPr marL="0" indent="0">
+              <a:buNone/>
+            </a:pPr>
+            <a:r>
               <a:rPr lang="en-US" dirty="0" smtClean="0"/>
-              <a:t>2. Background</a:t>
-            </a:r>
-          </a:p>
-          <a:p>
-            <a:pPr marL="0" indent="0">
-              <a:buNone/>
-            </a:pPr>
-            <a:r>
-              <a:rPr lang="en-US" b="1" dirty="0" smtClean="0"/>
               <a:t>3. Related work</a:t>
             </a:r>
           </a:p>
@@ -3996,7 +4684,7 @@
     </p:spTree>
     <p:extLst>
       <p:ext uri="{BB962C8B-B14F-4D97-AF65-F5344CB8AC3E}">
-        <p14:creationId xmlns:p14="http://schemas.microsoft.com/office/powerpoint/2010/main" val="2330834491"/>
+        <p14:creationId xmlns:p14="http://schemas.microsoft.com/office/powerpoint/2010/main" xmlns="" val="976856806"/>
       </p:ext>
     </p:extLst>
   </p:cSld>
@@ -4057,7 +4745,15 @@
                   <a:schemeClr val="bg1"/>
                 </a:solidFill>
               </a:rPr>
-              <a:t> Outline</a:t>
+              <a:t> </a:t>
+            </a:r>
+            <a:r>
+              <a:rPr lang="en-US" dirty="0" smtClean="0">
+                <a:solidFill>
+                  <a:schemeClr val="bg1"/>
+                </a:solidFill>
+              </a:rPr>
+              <a:t>optimization problem</a:t>
             </a:r>
             <a:endParaRPr lang="en-US" dirty="0">
               <a:solidFill>
@@ -4080,11 +4776,13 @@
         <p:spPr>
           <a:xfrm>
             <a:off x="457200" y="1052736"/>
-            <a:ext cx="8229600" cy="4205064"/>
+            <a:ext cx="8229600" cy="4824536"/>
           </a:xfrm>
         </p:spPr>
         <p:txBody>
-          <a:bodyPr/>
+          <a:bodyPr>
+            <a:normAutofit/>
+          </a:bodyPr>
           <a:lstStyle/>
           <a:p>
             <a:pPr marL="0" indent="0">
@@ -4092,8 +4790,9 @@
             </a:pPr>
             <a:r>
               <a:rPr lang="en-US" dirty="0" smtClean="0"/>
-              <a:t>1. Introduction</a:t>
-            </a:r>
+              <a:t>When using GA, a path coverage test data generation is transformed into an optimization problem. </a:t>
+            </a:r>
+            <a:endParaRPr lang="en-US" dirty="0" smtClean="0"/>
           </a:p>
           <a:p>
             <a:pPr marL="0" indent="0">
@@ -4101,8 +4800,21 @@
             </a:pPr>
             <a:r>
               <a:rPr lang="en-US" dirty="0" smtClean="0"/>
-              <a:t>2. Background</a:t>
-            </a:r>
+              <a:t>To </a:t>
+            </a:r>
+            <a:r>
+              <a:rPr lang="en-US" dirty="0" smtClean="0"/>
+              <a:t>cover a test path during execution, </a:t>
+            </a:r>
+            <a:r>
+              <a:rPr lang="en-US" dirty="0" smtClean="0"/>
+              <a:t>find </a:t>
+            </a:r>
+            <a:r>
+              <a:rPr lang="en-US" dirty="0" smtClean="0"/>
+              <a:t>appropriate values for the input variables which satisfy related branch predicates. </a:t>
+            </a:r>
+            <a:endParaRPr lang="en-US" dirty="0" smtClean="0"/>
           </a:p>
           <a:p>
             <a:pPr marL="0" indent="0">
@@ -4110,34 +4822,31 @@
             </a:pPr>
             <a:r>
               <a:rPr lang="en-US" dirty="0" smtClean="0"/>
-              <a:t>3. Related work</a:t>
-            </a:r>
-          </a:p>
-          <a:p>
-            <a:pPr marL="0" indent="0">
-              <a:buNone/>
-            </a:pPr>
-            <a:r>
-              <a:rPr lang="en-US" b="1" dirty="0" smtClean="0"/>
-              <a:t>4. Proposed approach</a:t>
-            </a:r>
-          </a:p>
-          <a:p>
-            <a:pPr marL="0" indent="0">
-              <a:buNone/>
-            </a:pPr>
+              <a:t>Using </a:t>
+            </a:r>
+            <a:r>
+              <a:rPr lang="en-US" dirty="0" err="1" smtClean="0"/>
+              <a:t>Korel’s</a:t>
+            </a:r>
             <a:r>
               <a:rPr lang="en-US" dirty="0" smtClean="0"/>
-              <a:t>5. Experimental result</a:t>
-            </a:r>
-          </a:p>
-          <a:p>
-            <a:pPr marL="0" indent="0">
-              <a:buNone/>
-            </a:pPr>
+              <a:t> branch distance </a:t>
+            </a:r>
             <a:r>
               <a:rPr lang="en-US" dirty="0" smtClean="0"/>
-              <a:t>6. Conclusion</a:t>
+              <a:t>function: </a:t>
+            </a:r>
+            <a:r>
+              <a:rPr lang="en-US" dirty="0" smtClean="0"/>
+              <a:t>if a branch predicate B is (x ≤ y - 5), then apply the </a:t>
+            </a:r>
+            <a:r>
+              <a:rPr lang="en-US" dirty="0" err="1" smtClean="0"/>
+              <a:t>Korel</a:t>
+            </a:r>
+            <a:r>
+              <a:rPr lang="en-US" dirty="0" smtClean="0"/>
+              <a:t> function f(B) = x – (y - 5). </a:t>
             </a:r>
             <a:endParaRPr lang="en-US" dirty="0"/>
           </a:p>
@@ -4146,7 +4855,7 @@
     </p:spTree>
     <p:extLst>
       <p:ext uri="{BB962C8B-B14F-4D97-AF65-F5344CB8AC3E}">
-        <p14:creationId xmlns:p14="http://schemas.microsoft.com/office/powerpoint/2010/main" val="1848409642"/>
+        <p14:creationId xmlns:p14="http://schemas.microsoft.com/office/powerpoint/2010/main" xmlns="" val="976856806"/>
       </p:ext>
     </p:extLst>
   </p:cSld>
@@ -4207,7 +4916,23 @@
                   <a:schemeClr val="bg1"/>
                 </a:solidFill>
               </a:rPr>
-              <a:t> Outline</a:t>
+              <a:t> </a:t>
+            </a:r>
+            <a:r>
+              <a:rPr lang="en-US" dirty="0" err="1" smtClean="0">
+                <a:solidFill>
+                  <a:schemeClr val="bg1"/>
+                </a:solidFill>
+              </a:rPr>
+              <a:t>Korel</a:t>
+            </a:r>
+            <a:r>
+              <a:rPr lang="en-US" dirty="0" smtClean="0">
+                <a:solidFill>
+                  <a:schemeClr val="bg1"/>
+                </a:solidFill>
+              </a:rPr>
+              <a:t> function</a:t>
             </a:r>
             <a:endParaRPr lang="en-US" dirty="0">
               <a:solidFill>
@@ -4217,86 +4942,42 @@
           </a:p>
         </p:txBody>
       </p:sp>
-      <p:sp>
-        <p:nvSpPr>
-          <p:cNvPr id="3" name="Content Placeholder 2"/>
-          <p:cNvSpPr>
-            <a:spLocks noGrp="1"/>
-          </p:cNvSpPr>
-          <p:nvPr>
-            <p:ph idx="1"/>
-          </p:nvPr>
-        </p:nvSpPr>
-        <p:spPr>
+      <p:pic>
+        <p:nvPicPr>
+          <p:cNvPr id="2050" name="Picture 2"/>
+          <p:cNvPicPr>
+            <a:picLocks noChangeAspect="1" noChangeArrowheads="1"/>
+          </p:cNvPicPr>
+          <p:nvPr/>
+        </p:nvPicPr>
+        <p:blipFill>
+          <a:blip r:embed="rId2" cstate="print"/>
+          <a:srcRect/>
+          <a:stretch>
+            <a:fillRect/>
+          </a:stretch>
+        </p:blipFill>
+        <p:spPr bwMode="auto">
           <a:xfrm>
-            <a:off x="457200" y="1052736"/>
-            <a:ext cx="8229600" cy="4205064"/>
+            <a:off x="1115616" y="1484784"/>
+            <a:ext cx="6696744" cy="3240360"/>
           </a:xfrm>
+          <a:prstGeom prst="rect">
+            <a:avLst/>
+          </a:prstGeom>
+          <a:noFill/>
+          <a:ln w="9525">
+            <a:noFill/>
+            <a:miter lim="800000"/>
+            <a:headEnd/>
+            <a:tailEnd/>
+          </a:ln>
         </p:spPr>
-        <p:txBody>
-          <a:bodyPr/>
-          <a:lstStyle/>
-          <a:p>
-            <a:pPr marL="0" indent="0">
-              <a:buNone/>
-            </a:pPr>
-            <a:r>
-              <a:rPr lang="en-US" dirty="0" smtClean="0"/>
-              <a:t>1. Introduction</a:t>
-            </a:r>
-          </a:p>
-          <a:p>
-            <a:pPr marL="0" indent="0">
-              <a:buNone/>
-            </a:pPr>
-            <a:r>
-              <a:rPr lang="en-US" dirty="0" smtClean="0"/>
-              <a:t>2. Background</a:t>
-            </a:r>
-          </a:p>
-          <a:p>
-            <a:pPr marL="0" indent="0">
-              <a:buNone/>
-            </a:pPr>
-            <a:r>
-              <a:rPr lang="en-US" dirty="0" smtClean="0"/>
-              <a:t>3. Related work</a:t>
-            </a:r>
-          </a:p>
-          <a:p>
-            <a:pPr marL="0" indent="0">
-              <a:buNone/>
-            </a:pPr>
-            <a:r>
-              <a:rPr lang="en-US" dirty="0" smtClean="0"/>
-              <a:t>4. Proposed approach</a:t>
-            </a:r>
-          </a:p>
-          <a:p>
-            <a:pPr marL="0" indent="0">
-              <a:buNone/>
-            </a:pPr>
-            <a:r>
-              <a:rPr lang="en-US" b="1" dirty="0" smtClean="0"/>
-              <a:t>5. Experimental result</a:t>
-            </a:r>
-          </a:p>
-          <a:p>
-            <a:pPr marL="0" indent="0">
-              <a:buNone/>
-            </a:pPr>
-            <a:r>
-              <a:rPr lang="en-US" dirty="0" smtClean="0"/>
-              <a:t>6. Conclusion</a:t>
-            </a:r>
-            <a:endParaRPr lang="en-US" dirty="0"/>
-          </a:p>
-        </p:txBody>
-      </p:sp>
+      </p:pic>
     </p:spTree>
     <p:extLst>
       <p:ext uri="{BB962C8B-B14F-4D97-AF65-F5344CB8AC3E}">
-        <p14:creationId xmlns:p14="http://schemas.microsoft.com/office/powerpoint/2010/main" val="3185099068"/>
+        <p14:creationId xmlns:p14="http://schemas.microsoft.com/office/powerpoint/2010/main" xmlns="" val="976856806"/>
       </p:ext>
     </p:extLst>
   </p:cSld>
@@ -4357,7 +5038,23 @@
                   <a:schemeClr val="bg1"/>
                 </a:solidFill>
               </a:rPr>
-              <a:t> Outline</a:t>
+              <a:t> </a:t>
+            </a:r>
+            <a:r>
+              <a:rPr lang="en-US" dirty="0" smtClean="0">
+                <a:solidFill>
+                  <a:schemeClr val="bg1"/>
+                </a:solidFill>
+              </a:rPr>
+              <a:t>g</a:t>
+            </a:r>
+            <a:r>
+              <a:rPr lang="en-US" dirty="0" smtClean="0">
+                <a:solidFill>
+                  <a:schemeClr val="bg1"/>
+                </a:solidFill>
+              </a:rPr>
+              <a:t>enetic algorithm(GA)</a:t>
             </a:r>
             <a:endParaRPr lang="en-US" dirty="0">
               <a:solidFill>
@@ -4367,86 +5064,42 @@
           </a:p>
         </p:txBody>
       </p:sp>
-      <p:sp>
-        <p:nvSpPr>
-          <p:cNvPr id="3" name="Content Placeholder 2"/>
-          <p:cNvSpPr>
-            <a:spLocks noGrp="1"/>
-          </p:cNvSpPr>
-          <p:nvPr>
-            <p:ph idx="1"/>
-          </p:nvPr>
-        </p:nvSpPr>
-        <p:spPr>
+      <p:pic>
+        <p:nvPicPr>
+          <p:cNvPr id="3074" name="Picture 2"/>
+          <p:cNvPicPr>
+            <a:picLocks noChangeAspect="1" noChangeArrowheads="1"/>
+          </p:cNvPicPr>
+          <p:nvPr/>
+        </p:nvPicPr>
+        <p:blipFill>
+          <a:blip r:embed="rId2" cstate="print"/>
+          <a:srcRect/>
+          <a:stretch>
+            <a:fillRect/>
+          </a:stretch>
+        </p:blipFill>
+        <p:spPr bwMode="auto">
           <a:xfrm>
-            <a:off x="457200" y="1052736"/>
-            <a:ext cx="8229600" cy="4205064"/>
+            <a:off x="395536" y="1124744"/>
+            <a:ext cx="8420100" cy="4032448"/>
           </a:xfrm>
+          <a:prstGeom prst="rect">
+            <a:avLst/>
+          </a:prstGeom>
+          <a:noFill/>
+          <a:ln w="9525">
+            <a:noFill/>
+            <a:miter lim="800000"/>
+            <a:headEnd/>
+            <a:tailEnd/>
+          </a:ln>
         </p:spPr>
-        <p:txBody>
-          <a:bodyPr/>
-          <a:lstStyle/>
-          <a:p>
-            <a:pPr marL="0" indent="0">
-              <a:buNone/>
-            </a:pPr>
-            <a:r>
-              <a:rPr lang="en-US" dirty="0" smtClean="0"/>
-              <a:t>1. Introduction</a:t>
-            </a:r>
-          </a:p>
-          <a:p>
-            <a:pPr marL="0" indent="0">
-              <a:buNone/>
-            </a:pPr>
-            <a:r>
-              <a:rPr lang="en-US" dirty="0" smtClean="0"/>
-              <a:t>2. Background</a:t>
-            </a:r>
-          </a:p>
-          <a:p>
-            <a:pPr marL="0" indent="0">
-              <a:buNone/>
-            </a:pPr>
-            <a:r>
-              <a:rPr lang="en-US" dirty="0" smtClean="0"/>
-              <a:t>3. Related work</a:t>
-            </a:r>
-          </a:p>
-          <a:p>
-            <a:pPr marL="0" indent="0">
-              <a:buNone/>
-            </a:pPr>
-            <a:r>
-              <a:rPr lang="en-US" dirty="0" smtClean="0"/>
-              <a:t>4. Proposed approach</a:t>
-            </a:r>
-          </a:p>
-          <a:p>
-            <a:pPr marL="0" indent="0">
-              <a:buNone/>
-            </a:pPr>
-            <a:r>
-              <a:rPr lang="en-US" dirty="0" smtClean="0"/>
-              <a:t>5. Experimental result</a:t>
-            </a:r>
-          </a:p>
-          <a:p>
-            <a:pPr marL="0" indent="0">
-              <a:buNone/>
-            </a:pPr>
-            <a:r>
-              <a:rPr lang="en-US" b="1" dirty="0" smtClean="0"/>
-              <a:t>6. Conclusion</a:t>
-            </a:r>
-            <a:endParaRPr lang="en-US" b="1" dirty="0"/>
-          </a:p>
-        </p:txBody>
-      </p:sp>
+      </p:pic>
     </p:spTree>
     <p:extLst>
       <p:ext uri="{BB962C8B-B14F-4D97-AF65-F5344CB8AC3E}">
-        <p14:creationId xmlns:p14="http://schemas.microsoft.com/office/powerpoint/2010/main" val="1133312594"/>
+        <p14:creationId xmlns:p14="http://schemas.microsoft.com/office/powerpoint/2010/main" xmlns="" val="976856806"/>
       </p:ext>
     </p:extLst>
   </p:cSld>

--- a/CFT4CUnitSrc/src/report/ACOMP2016_Presentation.pptx
+++ b/CFT4CUnitSrc/src/report/ACOMP2016_Presentation.pptx
@@ -15,9 +15,19 @@
     <p:sldId id="267" r:id="rId9"/>
     <p:sldId id="268" r:id="rId10"/>
     <p:sldId id="261" r:id="rId11"/>
-    <p:sldId id="260" r:id="rId12"/>
-    <p:sldId id="259" r:id="rId13"/>
-    <p:sldId id="262" r:id="rId14"/>
+    <p:sldId id="269" r:id="rId12"/>
+    <p:sldId id="270" r:id="rId13"/>
+    <p:sldId id="260" r:id="rId14"/>
+    <p:sldId id="271" r:id="rId15"/>
+    <p:sldId id="272" r:id="rId16"/>
+    <p:sldId id="275" r:id="rId17"/>
+    <p:sldId id="273" r:id="rId18"/>
+    <p:sldId id="274" r:id="rId19"/>
+    <p:sldId id="276" r:id="rId20"/>
+    <p:sldId id="277" r:id="rId21"/>
+    <p:sldId id="278" r:id="rId22"/>
+    <p:sldId id="259" r:id="rId23"/>
+    <p:sldId id="262" r:id="rId24"/>
   </p:sldIdLst>
   <p:sldSz cx="9144000" cy="6858000" type="screen4x3"/>
   <p:notesSz cx="6858000" cy="9144000"/>
@@ -301,7 +311,7 @@
             <a:fld id="{2A145FE2-AB7C-46BC-8F86-612F87CDD637}" type="datetimeFigureOut">
               <a:rPr lang="en-US" smtClean="0"/>
               <a:pPr/>
-              <a:t>11/18/2016</a:t>
+              <a:t>11/19/2016</a:t>
             </a:fld>
             <a:endParaRPr lang="en-US"/>
           </a:p>
@@ -353,7 +363,7 @@
     </p:spTree>
     <p:extLst>
       <p:ext uri="{BB962C8B-B14F-4D97-AF65-F5344CB8AC3E}">
-        <p14:creationId xmlns:p14="http://schemas.microsoft.com/office/powerpoint/2010/main" xmlns="" val="1811901625"/>
+        <p14:creationId xmlns="" xmlns:p14="http://schemas.microsoft.com/office/powerpoint/2010/main" val="1811901625"/>
       </p:ext>
     </p:extLst>
   </p:cSld>
@@ -473,7 +483,7 @@
             <a:fld id="{2A145FE2-AB7C-46BC-8F86-612F87CDD637}" type="datetimeFigureOut">
               <a:rPr lang="en-US" smtClean="0"/>
               <a:pPr/>
-              <a:t>11/18/2016</a:t>
+              <a:t>11/19/2016</a:t>
             </a:fld>
             <a:endParaRPr lang="en-US"/>
           </a:p>
@@ -525,7 +535,7 @@
     </p:spTree>
     <p:extLst>
       <p:ext uri="{BB962C8B-B14F-4D97-AF65-F5344CB8AC3E}">
-        <p14:creationId xmlns:p14="http://schemas.microsoft.com/office/powerpoint/2010/main" xmlns="" val="791576242"/>
+        <p14:creationId xmlns="" xmlns:p14="http://schemas.microsoft.com/office/powerpoint/2010/main" val="791576242"/>
       </p:ext>
     </p:extLst>
   </p:cSld>
@@ -655,7 +665,7 @@
             <a:fld id="{2A145FE2-AB7C-46BC-8F86-612F87CDD637}" type="datetimeFigureOut">
               <a:rPr lang="en-US" smtClean="0"/>
               <a:pPr/>
-              <a:t>11/18/2016</a:t>
+              <a:t>11/19/2016</a:t>
             </a:fld>
             <a:endParaRPr lang="en-US"/>
           </a:p>
@@ -707,7 +717,7 @@
     </p:spTree>
     <p:extLst>
       <p:ext uri="{BB962C8B-B14F-4D97-AF65-F5344CB8AC3E}">
-        <p14:creationId xmlns:p14="http://schemas.microsoft.com/office/powerpoint/2010/main" xmlns="" val="2934662006"/>
+        <p14:creationId xmlns="" xmlns:p14="http://schemas.microsoft.com/office/powerpoint/2010/main" val="2934662006"/>
       </p:ext>
     </p:extLst>
   </p:cSld>
@@ -827,7 +837,7 @@
             <a:fld id="{2A145FE2-AB7C-46BC-8F86-612F87CDD637}" type="datetimeFigureOut">
               <a:rPr lang="en-US" smtClean="0"/>
               <a:pPr/>
-              <a:t>11/18/2016</a:t>
+              <a:t>11/19/2016</a:t>
             </a:fld>
             <a:endParaRPr lang="en-US"/>
           </a:p>
@@ -879,7 +889,7 @@
     </p:spTree>
     <p:extLst>
       <p:ext uri="{BB962C8B-B14F-4D97-AF65-F5344CB8AC3E}">
-        <p14:creationId xmlns:p14="http://schemas.microsoft.com/office/powerpoint/2010/main" xmlns="" val="855239803"/>
+        <p14:creationId xmlns="" xmlns:p14="http://schemas.microsoft.com/office/powerpoint/2010/main" val="855239803"/>
       </p:ext>
     </p:extLst>
   </p:cSld>
@@ -1075,7 +1085,7 @@
             <a:fld id="{2A145FE2-AB7C-46BC-8F86-612F87CDD637}" type="datetimeFigureOut">
               <a:rPr lang="en-US" smtClean="0"/>
               <a:pPr/>
-              <a:t>11/18/2016</a:t>
+              <a:t>11/19/2016</a:t>
             </a:fld>
             <a:endParaRPr lang="en-US"/>
           </a:p>
@@ -1127,7 +1137,7 @@
     </p:spTree>
     <p:extLst>
       <p:ext uri="{BB962C8B-B14F-4D97-AF65-F5344CB8AC3E}">
-        <p14:creationId xmlns:p14="http://schemas.microsoft.com/office/powerpoint/2010/main" xmlns="" val="635452818"/>
+        <p14:creationId xmlns="" xmlns:p14="http://schemas.microsoft.com/office/powerpoint/2010/main" val="635452818"/>
       </p:ext>
     </p:extLst>
   </p:cSld>
@@ -1365,7 +1375,7 @@
             <a:fld id="{2A145FE2-AB7C-46BC-8F86-612F87CDD637}" type="datetimeFigureOut">
               <a:rPr lang="en-US" smtClean="0"/>
               <a:pPr/>
-              <a:t>11/18/2016</a:t>
+              <a:t>11/19/2016</a:t>
             </a:fld>
             <a:endParaRPr lang="en-US"/>
           </a:p>
@@ -1417,7 +1427,7 @@
     </p:spTree>
     <p:extLst>
       <p:ext uri="{BB962C8B-B14F-4D97-AF65-F5344CB8AC3E}">
-        <p14:creationId xmlns:p14="http://schemas.microsoft.com/office/powerpoint/2010/main" xmlns="" val="3716967958"/>
+        <p14:creationId xmlns="" xmlns:p14="http://schemas.microsoft.com/office/powerpoint/2010/main" val="3716967958"/>
       </p:ext>
     </p:extLst>
   </p:cSld>
@@ -1789,7 +1799,7 @@
             <a:fld id="{2A145FE2-AB7C-46BC-8F86-612F87CDD637}" type="datetimeFigureOut">
               <a:rPr lang="en-US" smtClean="0"/>
               <a:pPr/>
-              <a:t>11/18/2016</a:t>
+              <a:t>11/19/2016</a:t>
             </a:fld>
             <a:endParaRPr lang="en-US"/>
           </a:p>
@@ -1841,7 +1851,7 @@
     </p:spTree>
     <p:extLst>
       <p:ext uri="{BB962C8B-B14F-4D97-AF65-F5344CB8AC3E}">
-        <p14:creationId xmlns:p14="http://schemas.microsoft.com/office/powerpoint/2010/main" xmlns="" val="3991833718"/>
+        <p14:creationId xmlns="" xmlns:p14="http://schemas.microsoft.com/office/powerpoint/2010/main" val="3991833718"/>
       </p:ext>
     </p:extLst>
   </p:cSld>
@@ -1909,7 +1919,7 @@
             <a:fld id="{2A145FE2-AB7C-46BC-8F86-612F87CDD637}" type="datetimeFigureOut">
               <a:rPr lang="en-US" smtClean="0"/>
               <a:pPr/>
-              <a:t>11/18/2016</a:t>
+              <a:t>11/19/2016</a:t>
             </a:fld>
             <a:endParaRPr lang="en-US"/>
           </a:p>
@@ -1961,7 +1971,7 @@
     </p:spTree>
     <p:extLst>
       <p:ext uri="{BB962C8B-B14F-4D97-AF65-F5344CB8AC3E}">
-        <p14:creationId xmlns:p14="http://schemas.microsoft.com/office/powerpoint/2010/main" xmlns="" val="1837035765"/>
+        <p14:creationId xmlns="" xmlns:p14="http://schemas.microsoft.com/office/powerpoint/2010/main" val="1837035765"/>
       </p:ext>
     </p:extLst>
   </p:cSld>
@@ -2006,7 +2016,7 @@
             <a:fld id="{2A145FE2-AB7C-46BC-8F86-612F87CDD637}" type="datetimeFigureOut">
               <a:rPr lang="en-US" smtClean="0"/>
               <a:pPr/>
-              <a:t>11/18/2016</a:t>
+              <a:t>11/19/2016</a:t>
             </a:fld>
             <a:endParaRPr lang="en-US"/>
           </a:p>
@@ -2058,7 +2068,7 @@
     </p:spTree>
     <p:extLst>
       <p:ext uri="{BB962C8B-B14F-4D97-AF65-F5344CB8AC3E}">
-        <p14:creationId xmlns:p14="http://schemas.microsoft.com/office/powerpoint/2010/main" xmlns="" val="3419707464"/>
+        <p14:creationId xmlns="" xmlns:p14="http://schemas.microsoft.com/office/powerpoint/2010/main" val="3419707464"/>
       </p:ext>
     </p:extLst>
   </p:cSld>
@@ -2285,7 +2295,7 @@
             <a:fld id="{2A145FE2-AB7C-46BC-8F86-612F87CDD637}" type="datetimeFigureOut">
               <a:rPr lang="en-US" smtClean="0"/>
               <a:pPr/>
-              <a:t>11/18/2016</a:t>
+              <a:t>11/19/2016</a:t>
             </a:fld>
             <a:endParaRPr lang="en-US"/>
           </a:p>
@@ -2337,7 +2347,7 @@
     </p:spTree>
     <p:extLst>
       <p:ext uri="{BB962C8B-B14F-4D97-AF65-F5344CB8AC3E}">
-        <p14:creationId xmlns:p14="http://schemas.microsoft.com/office/powerpoint/2010/main" xmlns="" val="932762734"/>
+        <p14:creationId xmlns="" xmlns:p14="http://schemas.microsoft.com/office/powerpoint/2010/main" val="932762734"/>
       </p:ext>
     </p:extLst>
   </p:cSld>
@@ -2540,7 +2550,7 @@
             <a:fld id="{2A145FE2-AB7C-46BC-8F86-612F87CDD637}" type="datetimeFigureOut">
               <a:rPr lang="en-US" smtClean="0"/>
               <a:pPr/>
-              <a:t>11/18/2016</a:t>
+              <a:t>11/19/2016</a:t>
             </a:fld>
             <a:endParaRPr lang="en-US"/>
           </a:p>
@@ -2592,7 +2602,7 @@
     </p:spTree>
     <p:extLst>
       <p:ext uri="{BB962C8B-B14F-4D97-AF65-F5344CB8AC3E}">
-        <p14:creationId xmlns:p14="http://schemas.microsoft.com/office/powerpoint/2010/main" xmlns="" val="2367942364"/>
+        <p14:creationId xmlns="" xmlns:p14="http://schemas.microsoft.com/office/powerpoint/2010/main" val="2367942364"/>
       </p:ext>
     </p:extLst>
   </p:cSld>
@@ -2760,7 +2770,7 @@
             <a:fld id="{2A145FE2-AB7C-46BC-8F86-612F87CDD637}" type="datetimeFigureOut">
               <a:rPr lang="en-US" smtClean="0"/>
               <a:pPr/>
-              <a:t>11/18/2016</a:t>
+              <a:t>11/19/2016</a:t>
             </a:fld>
             <a:endParaRPr lang="en-US"/>
           </a:p>
@@ -2848,7 +2858,7 @@
     </p:spTree>
     <p:extLst>
       <p:ext uri="{BB962C8B-B14F-4D97-AF65-F5344CB8AC3E}">
-        <p14:creationId xmlns:p14="http://schemas.microsoft.com/office/powerpoint/2010/main" xmlns="" val="1100484609"/>
+        <p14:creationId xmlns="" xmlns:p14="http://schemas.microsoft.com/office/powerpoint/2010/main" val="1100484609"/>
       </p:ext>
     </p:extLst>
   </p:cSld>
@@ -3222,7 +3232,7 @@
           <a:blip r:embed="rId2" cstate="print">
             <a:extLst>
               <a:ext uri="{28A0092B-C50C-407E-A947-70E740481C1C}">
-                <a14:useLocalDpi xmlns:a14="http://schemas.microsoft.com/office/drawing/2010/main" xmlns="" val="0"/>
+                <a14:useLocalDpi xmlns="" xmlns:a14="http://schemas.microsoft.com/office/drawing/2010/main" val="0"/>
               </a:ext>
             </a:extLst>
           </a:blip>
@@ -3245,14 +3255,14 @@
           </a:ln>
           <a:extLst>
             <a:ext uri="{909E8E84-426E-40DD-AFC4-6F175D3DCCD1}">
-              <a14:hiddenFill xmlns:a14="http://schemas.microsoft.com/office/drawing/2010/main" xmlns="">
+              <a14:hiddenFill xmlns="" xmlns:a14="http://schemas.microsoft.com/office/drawing/2010/main">
                 <a:solidFill>
                   <a:schemeClr val="accent1"/>
                 </a:solidFill>
               </a14:hiddenFill>
             </a:ext>
             <a:ext uri="{91240B29-F687-4F45-9708-019B960494DF}">
-              <a14:hiddenLine xmlns:a14="http://schemas.microsoft.com/office/drawing/2010/main" xmlns="" w="9525">
+              <a14:hiddenLine xmlns="" xmlns:a14="http://schemas.microsoft.com/office/drawing/2010/main" w="9525">
                 <a:solidFill>
                   <a:schemeClr val="tx1"/>
                 </a:solidFill>
@@ -3267,7 +3277,7 @@
     </p:spTree>
     <p:extLst>
       <p:ext uri="{BB962C8B-B14F-4D97-AF65-F5344CB8AC3E}">
-        <p14:creationId xmlns:p14="http://schemas.microsoft.com/office/powerpoint/2010/main" xmlns="" val="44671813"/>
+        <p14:creationId xmlns="" xmlns:p14="http://schemas.microsoft.com/office/powerpoint/2010/main" val="44671813"/>
       </p:ext>
     </p:extLst>
   </p:cSld>
@@ -3417,7 +3427,7 @@
     </p:spTree>
     <p:extLst>
       <p:ext uri="{BB962C8B-B14F-4D97-AF65-F5344CB8AC3E}">
-        <p14:creationId xmlns:p14="http://schemas.microsoft.com/office/powerpoint/2010/main" xmlns="" val="2330834491"/>
+        <p14:creationId xmlns="" xmlns:p14="http://schemas.microsoft.com/office/powerpoint/2010/main" val="2330834491"/>
       </p:ext>
     </p:extLst>
   </p:cSld>
@@ -3478,7 +3488,15 @@
                   <a:schemeClr val="bg1"/>
                 </a:solidFill>
               </a:rPr>
-              <a:t> Outline</a:t>
+              <a:t> </a:t>
+            </a:r>
+            <a:r>
+              <a:rPr lang="en-US" dirty="0" smtClean="0">
+                <a:solidFill>
+                  <a:schemeClr val="bg1"/>
+                </a:solidFill>
+              </a:rPr>
+              <a:t>related work</a:t>
             </a:r>
             <a:endParaRPr lang="en-US" dirty="0">
               <a:solidFill>
@@ -3513,7 +3531,19 @@
             </a:pPr>
             <a:r>
               <a:rPr lang="en-US" dirty="0" smtClean="0"/>
-              <a:t>1. Introduction</a:t>
+              <a:t>The path coverage literature using GA started with Lin and </a:t>
+            </a:r>
+            <a:r>
+              <a:rPr lang="en-US" dirty="0" err="1" smtClean="0"/>
+              <a:t>Yeh</a:t>
+            </a:r>
+            <a:r>
+              <a:rPr lang="en-US" dirty="0" smtClean="0"/>
+              <a:t> [14] in 2000. They extended Jones et al.'s work [15] from branch coverage to path coverage</a:t>
+            </a:r>
+            <a:r>
+              <a:rPr lang="en-US" dirty="0" smtClean="0"/>
+              <a:t>.</a:t>
             </a:r>
           </a:p>
           <a:p>
@@ -3522,43 +3552,15 @@
             </a:pPr>
             <a:r>
               <a:rPr lang="en-US" dirty="0" smtClean="0"/>
-              <a:t>2. Background</a:t>
-            </a:r>
-          </a:p>
-          <a:p>
-            <a:pPr marL="0" indent="0">
-              <a:buNone/>
-            </a:pPr>
+              <a:t>Chen and </a:t>
+            </a:r>
+            <a:r>
+              <a:rPr lang="en-US" dirty="0" err="1" smtClean="0"/>
+              <a:t>Zhong</a:t>
+            </a:r>
             <a:r>
               <a:rPr lang="en-US" dirty="0" smtClean="0"/>
-              <a:t>3. Related work</a:t>
-            </a:r>
-          </a:p>
-          <a:p>
-            <a:pPr marL="0" indent="0">
-              <a:buNone/>
-            </a:pPr>
-            <a:r>
-              <a:rPr lang="en-US" b="1" dirty="0" smtClean="0"/>
-              <a:t>4. Proposed approach</a:t>
-            </a:r>
-          </a:p>
-          <a:p>
-            <a:pPr marL="0" indent="0">
-              <a:buNone/>
-            </a:pPr>
-            <a:r>
-              <a:rPr lang="en-US" dirty="0" smtClean="0"/>
-              <a:t>5. Experimental result</a:t>
-            </a:r>
-          </a:p>
-          <a:p>
-            <a:pPr marL="0" indent="0">
-              <a:buNone/>
-            </a:pPr>
-            <a:r>
-              <a:rPr lang="en-US" dirty="0" smtClean="0"/>
-              <a:t>6. Conclusion</a:t>
+              <a:t> [16] developed a multi-population genetic algorithm for path testing. </a:t>
             </a:r>
             <a:endParaRPr lang="en-US" dirty="0"/>
           </a:p>
@@ -3567,7 +3569,7 @@
     </p:spTree>
     <p:extLst>
       <p:ext uri="{BB962C8B-B14F-4D97-AF65-F5344CB8AC3E}">
-        <p14:creationId xmlns:p14="http://schemas.microsoft.com/office/powerpoint/2010/main" xmlns="" val="1848409642"/>
+        <p14:creationId xmlns="" xmlns:p14="http://schemas.microsoft.com/office/powerpoint/2010/main" val="2330834491"/>
       </p:ext>
     </p:extLst>
   </p:cSld>
@@ -3628,7 +3630,31 @@
                   <a:schemeClr val="bg1"/>
                 </a:solidFill>
               </a:rPr>
-              <a:t> Outline</a:t>
+              <a:t> </a:t>
+            </a:r>
+            <a:r>
+              <a:rPr lang="en-US" dirty="0" smtClean="0">
+                <a:solidFill>
+                  <a:schemeClr val="bg1"/>
+                </a:solidFill>
+              </a:rPr>
+              <a:t>related work (</a:t>
+            </a:r>
+            <a:r>
+              <a:rPr lang="en-US" dirty="0" err="1" smtClean="0">
+                <a:solidFill>
+                  <a:schemeClr val="bg1"/>
+                </a:solidFill>
+              </a:rPr>
+              <a:t>cond</a:t>
+            </a:r>
+            <a:r>
+              <a:rPr lang="en-US" dirty="0" smtClean="0">
+                <a:solidFill>
+                  <a:schemeClr val="bg1"/>
+                </a:solidFill>
+              </a:rPr>
+              <a:t>)</a:t>
             </a:r>
             <a:endParaRPr lang="en-US" dirty="0">
               <a:solidFill>
@@ -3662,8 +3688,16 @@
               <a:buNone/>
             </a:pPr>
             <a:r>
+              <a:rPr lang="en-US" dirty="0" err="1" smtClean="0"/>
+              <a:t>Malburg</a:t>
+            </a:r>
+            <a:r>
               <a:rPr lang="en-US" dirty="0" smtClean="0"/>
-              <a:t>1. Introduction</a:t>
+              <a:t> and Fraser [18] introduced a novel mutation operator for evolutionary search which based on dynamic </a:t>
+            </a:r>
+            <a:r>
+              <a:rPr lang="en-US" dirty="0" smtClean="0"/>
+              <a:t>SE. </a:t>
             </a:r>
           </a:p>
           <a:p>
@@ -3672,43 +3706,15 @@
             </a:pPr>
             <a:r>
               <a:rPr lang="en-US" dirty="0" smtClean="0"/>
-              <a:t>2. Background</a:t>
-            </a:r>
-          </a:p>
-          <a:p>
-            <a:pPr marL="0" indent="0">
-              <a:buNone/>
-            </a:pPr>
+              <a:t>Ahmed and </a:t>
+            </a:r>
+            <a:r>
+              <a:rPr lang="en-US" dirty="0" err="1" smtClean="0"/>
+              <a:t>Hermadi</a:t>
+            </a:r>
             <a:r>
               <a:rPr lang="en-US" dirty="0" smtClean="0"/>
-              <a:t>3. Related work</a:t>
-            </a:r>
-          </a:p>
-          <a:p>
-            <a:pPr marL="0" indent="0">
-              <a:buNone/>
-            </a:pPr>
-            <a:r>
-              <a:rPr lang="en-US" dirty="0" smtClean="0"/>
-              <a:t>4. Proposed approach</a:t>
-            </a:r>
-          </a:p>
-          <a:p>
-            <a:pPr marL="0" indent="0">
-              <a:buNone/>
-            </a:pPr>
-            <a:r>
-              <a:rPr lang="en-US" b="1" dirty="0" smtClean="0"/>
-              <a:t>5. Experimental result</a:t>
-            </a:r>
-          </a:p>
-          <a:p>
-            <a:pPr marL="0" indent="0">
-              <a:buNone/>
-            </a:pPr>
-            <a:r>
-              <a:rPr lang="en-US" dirty="0" smtClean="0"/>
-              <a:t>6. Conclusion</a:t>
+              <a:t> [21] improved their GA research [22] in 2003 by adding a rewarding scheme and using a more efficient test data generator. </a:t>
             </a:r>
             <a:endParaRPr lang="en-US" dirty="0"/>
           </a:p>
@@ -3717,7 +3723,7 @@
     </p:spTree>
     <p:extLst>
       <p:ext uri="{BB962C8B-B14F-4D97-AF65-F5344CB8AC3E}">
-        <p14:creationId xmlns:p14="http://schemas.microsoft.com/office/powerpoint/2010/main" xmlns="" val="3185099068"/>
+        <p14:creationId xmlns="" xmlns:p14="http://schemas.microsoft.com/office/powerpoint/2010/main" val="2330834491"/>
       </p:ext>
     </p:extLst>
   </p:cSld>
@@ -3839,7 +3845,7 @@
               <a:buNone/>
             </a:pPr>
             <a:r>
-              <a:rPr lang="en-US" dirty="0" smtClean="0"/>
+              <a:rPr lang="en-US" b="1" dirty="0" smtClean="0"/>
               <a:t>4. Proposed approach</a:t>
             </a:r>
           </a:p>
@@ -3857,17 +3863,871 @@
               <a:buNone/>
             </a:pPr>
             <a:r>
-              <a:rPr lang="en-US" b="1" dirty="0" smtClean="0"/>
+              <a:rPr lang="en-US" dirty="0" smtClean="0"/>
               <a:t>6. Conclusion</a:t>
             </a:r>
-            <a:endParaRPr lang="en-US" b="1" dirty="0"/>
+            <a:endParaRPr lang="en-US" dirty="0"/>
           </a:p>
         </p:txBody>
       </p:sp>
     </p:spTree>
     <p:extLst>
       <p:ext uri="{BB962C8B-B14F-4D97-AF65-F5344CB8AC3E}">
-        <p14:creationId xmlns:p14="http://schemas.microsoft.com/office/powerpoint/2010/main" xmlns="" val="1133312594"/>
+        <p14:creationId xmlns="" xmlns:p14="http://schemas.microsoft.com/office/powerpoint/2010/main" val="1848409642"/>
+      </p:ext>
+    </p:extLst>
+  </p:cSld>
+  <p:clrMapOvr>
+    <a:masterClrMapping/>
+  </p:clrMapOvr>
+</p:sld>
+</file>
+
+<file path=ppt/slides/slide14.xml><?xml version="1.0" encoding="utf-8"?>
+<p:sld xmlns:a="http://schemas.openxmlformats.org/drawingml/2006/main" xmlns:r="http://schemas.openxmlformats.org/officeDocument/2006/relationships" xmlns:p="http://schemas.openxmlformats.org/presentationml/2006/main">
+  <p:cSld>
+    <p:spTree>
+      <p:nvGrpSpPr>
+        <p:cNvPr id="1" name=""/>
+        <p:cNvGrpSpPr/>
+        <p:nvPr/>
+      </p:nvGrpSpPr>
+      <p:grpSpPr>
+        <a:xfrm>
+          <a:off x="0" y="0"/>
+          <a:ext cx="0" cy="0"/>
+          <a:chOff x="0" y="0"/>
+          <a:chExt cx="0" cy="0"/>
+        </a:xfrm>
+      </p:grpSpPr>
+      <p:sp>
+        <p:nvSpPr>
+          <p:cNvPr id="2" name="Title 1"/>
+          <p:cNvSpPr>
+            <a:spLocks noGrp="1"/>
+          </p:cNvSpPr>
+          <p:nvPr>
+            <p:ph type="title"/>
+          </p:nvPr>
+        </p:nvSpPr>
+        <p:spPr>
+          <a:xfrm>
+            <a:off x="-2912" y="0"/>
+            <a:ext cx="9146912" cy="692696"/>
+          </a:xfrm>
+          <a:solidFill>
+            <a:schemeClr val="bg1">
+              <a:lumMod val="75000"/>
+            </a:schemeClr>
+          </a:solidFill>
+        </p:spPr>
+        <p:txBody>
+          <a:bodyPr>
+            <a:normAutofit fontScale="90000"/>
+          </a:bodyPr>
+          <a:lstStyle/>
+          <a:p>
+            <a:pPr algn="l"/>
+            <a:r>
+              <a:rPr lang="en-US" dirty="0" smtClean="0">
+                <a:solidFill>
+                  <a:schemeClr val="bg1"/>
+                </a:solidFill>
+              </a:rPr>
+              <a:t> </a:t>
+            </a:r>
+            <a:r>
+              <a:rPr lang="en-US" dirty="0" smtClean="0">
+                <a:solidFill>
+                  <a:schemeClr val="bg1"/>
+                </a:solidFill>
+              </a:rPr>
+              <a:t>main steps</a:t>
+            </a:r>
+            <a:endParaRPr lang="en-US" dirty="0">
+              <a:solidFill>
+                <a:schemeClr val="bg1"/>
+              </a:solidFill>
+            </a:endParaRPr>
+          </a:p>
+        </p:txBody>
+      </p:sp>
+      <p:pic>
+        <p:nvPicPr>
+          <p:cNvPr id="1026" name="Picture 2"/>
+          <p:cNvPicPr>
+            <a:picLocks noChangeAspect="1" noChangeArrowheads="1"/>
+          </p:cNvPicPr>
+          <p:nvPr/>
+        </p:nvPicPr>
+        <p:blipFill>
+          <a:blip r:embed="rId2" cstate="print"/>
+          <a:srcRect/>
+          <a:stretch>
+            <a:fillRect/>
+          </a:stretch>
+        </p:blipFill>
+        <p:spPr bwMode="auto">
+          <a:xfrm>
+            <a:off x="683568" y="980728"/>
+            <a:ext cx="7848872" cy="5328592"/>
+          </a:xfrm>
+          <a:prstGeom prst="rect">
+            <a:avLst/>
+          </a:prstGeom>
+          <a:noFill/>
+          <a:ln w="9525">
+            <a:noFill/>
+            <a:miter lim="800000"/>
+            <a:headEnd/>
+            <a:tailEnd/>
+          </a:ln>
+        </p:spPr>
+      </p:pic>
+    </p:spTree>
+    <p:extLst>
+      <p:ext uri="{BB962C8B-B14F-4D97-AF65-F5344CB8AC3E}">
+        <p14:creationId xmlns="" xmlns:p14="http://schemas.microsoft.com/office/powerpoint/2010/main" val="1848409642"/>
+      </p:ext>
+    </p:extLst>
+  </p:cSld>
+  <p:clrMapOvr>
+    <a:masterClrMapping/>
+  </p:clrMapOvr>
+</p:sld>
+</file>
+
+<file path=ppt/slides/slide15.xml><?xml version="1.0" encoding="utf-8"?>
+<p:sld xmlns:a="http://schemas.openxmlformats.org/drawingml/2006/main" xmlns:r="http://schemas.openxmlformats.org/officeDocument/2006/relationships" xmlns:p="http://schemas.openxmlformats.org/presentationml/2006/main">
+  <p:cSld>
+    <p:spTree>
+      <p:nvGrpSpPr>
+        <p:cNvPr id="1" name=""/>
+        <p:cNvGrpSpPr/>
+        <p:nvPr/>
+      </p:nvGrpSpPr>
+      <p:grpSpPr>
+        <a:xfrm>
+          <a:off x="0" y="0"/>
+          <a:ext cx="0" cy="0"/>
+          <a:chOff x="0" y="0"/>
+          <a:chExt cx="0" cy="0"/>
+        </a:xfrm>
+      </p:grpSpPr>
+      <p:sp>
+        <p:nvSpPr>
+          <p:cNvPr id="2" name="Title 1"/>
+          <p:cNvSpPr>
+            <a:spLocks noGrp="1"/>
+          </p:cNvSpPr>
+          <p:nvPr>
+            <p:ph type="title"/>
+          </p:nvPr>
+        </p:nvSpPr>
+        <p:spPr>
+          <a:xfrm>
+            <a:off x="-2912" y="0"/>
+            <a:ext cx="9146912" cy="692696"/>
+          </a:xfrm>
+          <a:solidFill>
+            <a:schemeClr val="bg1">
+              <a:lumMod val="75000"/>
+            </a:schemeClr>
+          </a:solidFill>
+        </p:spPr>
+        <p:txBody>
+          <a:bodyPr>
+            <a:normAutofit fontScale="90000"/>
+          </a:bodyPr>
+          <a:lstStyle/>
+          <a:p>
+            <a:pPr algn="l"/>
+            <a:r>
+              <a:rPr lang="en-US" dirty="0" smtClean="0">
+                <a:solidFill>
+                  <a:schemeClr val="bg1"/>
+                </a:solidFill>
+              </a:rPr>
+              <a:t> </a:t>
+            </a:r>
+            <a:r>
+              <a:rPr lang="en-US" dirty="0" smtClean="0">
+                <a:solidFill>
+                  <a:schemeClr val="bg1"/>
+                </a:solidFill>
+              </a:rPr>
+              <a:t>step 1: </a:t>
+            </a:r>
+            <a:r>
+              <a:rPr lang="en-US" dirty="0" smtClean="0">
+                <a:solidFill>
+                  <a:schemeClr val="bg1"/>
+                </a:solidFill>
+              </a:rPr>
+              <a:t>static </a:t>
+            </a:r>
+            <a:r>
+              <a:rPr lang="en-US" dirty="0" smtClean="0">
+                <a:solidFill>
+                  <a:schemeClr val="bg1"/>
+                </a:solidFill>
+              </a:rPr>
+              <a:t>program analysis </a:t>
+            </a:r>
+            <a:endParaRPr lang="en-US" dirty="0">
+              <a:solidFill>
+                <a:schemeClr val="bg1"/>
+              </a:solidFill>
+            </a:endParaRPr>
+          </a:p>
+        </p:txBody>
+      </p:sp>
+      <p:sp>
+        <p:nvSpPr>
+          <p:cNvPr id="3" name="Content Placeholder 2"/>
+          <p:cNvSpPr>
+            <a:spLocks noGrp="1"/>
+          </p:cNvSpPr>
+          <p:nvPr>
+            <p:ph idx="1"/>
+          </p:nvPr>
+        </p:nvSpPr>
+        <p:spPr>
+          <a:xfrm>
+            <a:off x="457200" y="1052736"/>
+            <a:ext cx="8229600" cy="4205064"/>
+          </a:xfrm>
+        </p:spPr>
+        <p:txBody>
+          <a:bodyPr/>
+          <a:lstStyle/>
+          <a:p>
+            <a:pPr marL="0" indent="0">
+              <a:buNone/>
+            </a:pPr>
+            <a:r>
+              <a:rPr lang="en-US" dirty="0" smtClean="0"/>
+              <a:t>Solve path conditions </a:t>
+            </a:r>
+            <a:endParaRPr lang="en-US" dirty="0" smtClean="0"/>
+          </a:p>
+          <a:p>
+            <a:pPr marL="0" indent="0">
+              <a:buNone/>
+            </a:pPr>
+            <a:r>
+              <a:rPr lang="en-US" dirty="0" smtClean="0"/>
+              <a:t>Store constraint satisfaction </a:t>
+            </a:r>
+            <a:endParaRPr lang="en-US" dirty="0" smtClean="0"/>
+          </a:p>
+        </p:txBody>
+      </p:sp>
+    </p:spTree>
+    <p:extLst>
+      <p:ext uri="{BB962C8B-B14F-4D97-AF65-F5344CB8AC3E}">
+        <p14:creationId xmlns="" xmlns:p14="http://schemas.microsoft.com/office/powerpoint/2010/main" val="1848409642"/>
+      </p:ext>
+    </p:extLst>
+  </p:cSld>
+  <p:clrMapOvr>
+    <a:masterClrMapping/>
+  </p:clrMapOvr>
+</p:sld>
+</file>
+
+<file path=ppt/slides/slide16.xml><?xml version="1.0" encoding="utf-8"?>
+<p:sld xmlns:a="http://schemas.openxmlformats.org/drawingml/2006/main" xmlns:r="http://schemas.openxmlformats.org/officeDocument/2006/relationships" xmlns:p="http://schemas.openxmlformats.org/presentationml/2006/main">
+  <p:cSld>
+    <p:spTree>
+      <p:nvGrpSpPr>
+        <p:cNvPr id="1" name=""/>
+        <p:cNvGrpSpPr/>
+        <p:nvPr/>
+      </p:nvGrpSpPr>
+      <p:grpSpPr>
+        <a:xfrm>
+          <a:off x="0" y="0"/>
+          <a:ext cx="0" cy="0"/>
+          <a:chOff x="0" y="0"/>
+          <a:chExt cx="0" cy="0"/>
+        </a:xfrm>
+      </p:grpSpPr>
+      <p:sp>
+        <p:nvSpPr>
+          <p:cNvPr id="2" name="Title 1"/>
+          <p:cNvSpPr>
+            <a:spLocks noGrp="1"/>
+          </p:cNvSpPr>
+          <p:nvPr>
+            <p:ph type="title"/>
+          </p:nvPr>
+        </p:nvSpPr>
+        <p:spPr>
+          <a:xfrm>
+            <a:off x="-2912" y="0"/>
+            <a:ext cx="9146912" cy="692696"/>
+          </a:xfrm>
+          <a:solidFill>
+            <a:schemeClr val="bg1">
+              <a:lumMod val="75000"/>
+            </a:schemeClr>
+          </a:solidFill>
+        </p:spPr>
+        <p:txBody>
+          <a:bodyPr>
+            <a:normAutofit fontScale="90000"/>
+          </a:bodyPr>
+          <a:lstStyle/>
+          <a:p>
+            <a:pPr algn="l"/>
+            <a:r>
+              <a:rPr lang="en-US" dirty="0" smtClean="0">
+                <a:solidFill>
+                  <a:schemeClr val="bg1"/>
+                </a:solidFill>
+              </a:rPr>
+              <a:t> </a:t>
+            </a:r>
+            <a:r>
+              <a:rPr lang="en-US" dirty="0" smtClean="0">
+                <a:solidFill>
+                  <a:schemeClr val="bg1"/>
+                </a:solidFill>
+              </a:rPr>
+              <a:t>step 1: </a:t>
+            </a:r>
+            <a:r>
+              <a:rPr lang="en-US" dirty="0" smtClean="0">
+                <a:solidFill>
+                  <a:schemeClr val="bg1"/>
+                </a:solidFill>
+              </a:rPr>
+              <a:t>static </a:t>
+            </a:r>
+            <a:r>
+              <a:rPr lang="en-US" dirty="0" smtClean="0">
+                <a:solidFill>
+                  <a:schemeClr val="bg1"/>
+                </a:solidFill>
+              </a:rPr>
+              <a:t>program analysis </a:t>
+            </a:r>
+            <a:endParaRPr lang="en-US" dirty="0">
+              <a:solidFill>
+                <a:schemeClr val="bg1"/>
+              </a:solidFill>
+            </a:endParaRPr>
+          </a:p>
+        </p:txBody>
+      </p:sp>
+      <p:sp>
+        <p:nvSpPr>
+          <p:cNvPr id="3" name="Content Placeholder 2"/>
+          <p:cNvSpPr>
+            <a:spLocks noGrp="1"/>
+          </p:cNvSpPr>
+          <p:nvPr>
+            <p:ph idx="1"/>
+          </p:nvPr>
+        </p:nvSpPr>
+        <p:spPr>
+          <a:xfrm>
+            <a:off x="457200" y="1052736"/>
+            <a:ext cx="8229600" cy="4205064"/>
+          </a:xfrm>
+        </p:spPr>
+        <p:txBody>
+          <a:bodyPr/>
+          <a:lstStyle/>
+          <a:p>
+            <a:pPr marL="0" indent="0">
+              <a:buNone/>
+            </a:pPr>
+            <a:r>
+              <a:rPr lang="en-US" dirty="0" smtClean="0"/>
+              <a:t>Solve path conditions </a:t>
+            </a:r>
+            <a:endParaRPr lang="en-US" dirty="0" smtClean="0"/>
+          </a:p>
+          <a:p>
+            <a:pPr marL="0" indent="0">
+              <a:buNone/>
+            </a:pPr>
+            <a:r>
+              <a:rPr lang="en-US" dirty="0" smtClean="0"/>
+              <a:t>Store constraint satisfaction </a:t>
+            </a:r>
+            <a:endParaRPr lang="en-US" dirty="0" smtClean="0"/>
+          </a:p>
+        </p:txBody>
+      </p:sp>
+    </p:spTree>
+    <p:extLst>
+      <p:ext uri="{BB962C8B-B14F-4D97-AF65-F5344CB8AC3E}">
+        <p14:creationId xmlns="" xmlns:p14="http://schemas.microsoft.com/office/powerpoint/2010/main" val="1848409642"/>
+      </p:ext>
+    </p:extLst>
+  </p:cSld>
+  <p:clrMapOvr>
+    <a:masterClrMapping/>
+  </p:clrMapOvr>
+</p:sld>
+</file>
+
+<file path=ppt/slides/slide17.xml><?xml version="1.0" encoding="utf-8"?>
+<p:sld xmlns:a="http://schemas.openxmlformats.org/drawingml/2006/main" xmlns:r="http://schemas.openxmlformats.org/officeDocument/2006/relationships" xmlns:p="http://schemas.openxmlformats.org/presentationml/2006/main">
+  <p:cSld>
+    <p:spTree>
+      <p:nvGrpSpPr>
+        <p:cNvPr id="1" name=""/>
+        <p:cNvGrpSpPr/>
+        <p:nvPr/>
+      </p:nvGrpSpPr>
+      <p:grpSpPr>
+        <a:xfrm>
+          <a:off x="0" y="0"/>
+          <a:ext cx="0" cy="0"/>
+          <a:chOff x="0" y="0"/>
+          <a:chExt cx="0" cy="0"/>
+        </a:xfrm>
+      </p:grpSpPr>
+      <p:sp>
+        <p:nvSpPr>
+          <p:cNvPr id="2" name="Title 1"/>
+          <p:cNvSpPr>
+            <a:spLocks noGrp="1"/>
+          </p:cNvSpPr>
+          <p:nvPr>
+            <p:ph type="title"/>
+          </p:nvPr>
+        </p:nvSpPr>
+        <p:spPr>
+          <a:xfrm>
+            <a:off x="-2912" y="0"/>
+            <a:ext cx="9146912" cy="692696"/>
+          </a:xfrm>
+          <a:solidFill>
+            <a:schemeClr val="bg1">
+              <a:lumMod val="75000"/>
+            </a:schemeClr>
+          </a:solidFill>
+        </p:spPr>
+        <p:txBody>
+          <a:bodyPr>
+            <a:normAutofit fontScale="90000"/>
+          </a:bodyPr>
+          <a:lstStyle/>
+          <a:p>
+            <a:pPr algn="l"/>
+            <a:r>
+              <a:rPr lang="en-US" b="1" dirty="0" smtClean="0">
+                <a:solidFill>
+                  <a:schemeClr val="bg1"/>
+                </a:solidFill>
+              </a:rPr>
+              <a:t> </a:t>
+            </a:r>
+            <a:r>
+              <a:rPr lang="en-US" dirty="0" smtClean="0">
+                <a:solidFill>
+                  <a:schemeClr val="bg1"/>
+                </a:solidFill>
+              </a:rPr>
+              <a:t>s</a:t>
+            </a:r>
+            <a:r>
+              <a:rPr lang="en-US" dirty="0" smtClean="0">
+                <a:solidFill>
+                  <a:schemeClr val="bg1"/>
+                </a:solidFill>
+              </a:rPr>
+              <a:t>olve </a:t>
+            </a:r>
+            <a:r>
+              <a:rPr lang="en-US" dirty="0" smtClean="0">
+                <a:solidFill>
+                  <a:schemeClr val="bg1"/>
+                </a:solidFill>
+              </a:rPr>
+              <a:t>path conditions</a:t>
+            </a:r>
+            <a:r>
+              <a:rPr lang="en-US" b="1" dirty="0" smtClean="0">
+                <a:solidFill>
+                  <a:schemeClr val="bg1"/>
+                </a:solidFill>
+              </a:rPr>
+              <a:t> </a:t>
+            </a:r>
+            <a:endParaRPr lang="en-US" b="1" dirty="0">
+              <a:solidFill>
+                <a:schemeClr val="bg1"/>
+              </a:solidFill>
+            </a:endParaRPr>
+          </a:p>
+        </p:txBody>
+      </p:sp>
+      <p:pic>
+        <p:nvPicPr>
+          <p:cNvPr id="2050" name="Picture 2"/>
+          <p:cNvPicPr>
+            <a:picLocks noChangeAspect="1" noChangeArrowheads="1"/>
+          </p:cNvPicPr>
+          <p:nvPr/>
+        </p:nvPicPr>
+        <p:blipFill>
+          <a:blip r:embed="rId2" cstate="print"/>
+          <a:srcRect/>
+          <a:stretch>
+            <a:fillRect/>
+          </a:stretch>
+        </p:blipFill>
+        <p:spPr bwMode="auto">
+          <a:xfrm>
+            <a:off x="1043608" y="908720"/>
+            <a:ext cx="6848475" cy="2466975"/>
+          </a:xfrm>
+          <a:prstGeom prst="rect">
+            <a:avLst/>
+          </a:prstGeom>
+          <a:noFill/>
+          <a:ln w="9525">
+            <a:noFill/>
+            <a:miter lim="800000"/>
+            <a:headEnd/>
+            <a:tailEnd/>
+          </a:ln>
+        </p:spPr>
+      </p:pic>
+      <p:pic>
+        <p:nvPicPr>
+          <p:cNvPr id="2051" name="Picture 3"/>
+          <p:cNvPicPr>
+            <a:picLocks noChangeAspect="1" noChangeArrowheads="1"/>
+          </p:cNvPicPr>
+          <p:nvPr/>
+        </p:nvPicPr>
+        <p:blipFill>
+          <a:blip r:embed="rId3" cstate="print"/>
+          <a:srcRect/>
+          <a:stretch>
+            <a:fillRect/>
+          </a:stretch>
+        </p:blipFill>
+        <p:spPr bwMode="auto">
+          <a:xfrm>
+            <a:off x="467544" y="3573016"/>
+            <a:ext cx="8568952" cy="2476500"/>
+          </a:xfrm>
+          <a:prstGeom prst="rect">
+            <a:avLst/>
+          </a:prstGeom>
+          <a:noFill/>
+          <a:ln w="9525">
+            <a:noFill/>
+            <a:miter lim="800000"/>
+            <a:headEnd/>
+            <a:tailEnd/>
+          </a:ln>
+        </p:spPr>
+      </p:pic>
+    </p:spTree>
+    <p:extLst>
+      <p:ext uri="{BB962C8B-B14F-4D97-AF65-F5344CB8AC3E}">
+        <p14:creationId xmlns="" xmlns:p14="http://schemas.microsoft.com/office/powerpoint/2010/main" val="1848409642"/>
+      </p:ext>
+    </p:extLst>
+  </p:cSld>
+  <p:clrMapOvr>
+    <a:masterClrMapping/>
+  </p:clrMapOvr>
+</p:sld>
+</file>
+
+<file path=ppt/slides/slide18.xml><?xml version="1.0" encoding="utf-8"?>
+<p:sld xmlns:a="http://schemas.openxmlformats.org/drawingml/2006/main" xmlns:r="http://schemas.openxmlformats.org/officeDocument/2006/relationships" xmlns:p="http://schemas.openxmlformats.org/presentationml/2006/main">
+  <p:cSld>
+    <p:spTree>
+      <p:nvGrpSpPr>
+        <p:cNvPr id="1" name=""/>
+        <p:cNvGrpSpPr/>
+        <p:nvPr/>
+      </p:nvGrpSpPr>
+      <p:grpSpPr>
+        <a:xfrm>
+          <a:off x="0" y="0"/>
+          <a:ext cx="0" cy="0"/>
+          <a:chOff x="0" y="0"/>
+          <a:chExt cx="0" cy="0"/>
+        </a:xfrm>
+      </p:grpSpPr>
+      <p:sp>
+        <p:nvSpPr>
+          <p:cNvPr id="2" name="Title 1"/>
+          <p:cNvSpPr>
+            <a:spLocks noGrp="1"/>
+          </p:cNvSpPr>
+          <p:nvPr>
+            <p:ph type="title"/>
+          </p:nvPr>
+        </p:nvSpPr>
+        <p:spPr>
+          <a:xfrm>
+            <a:off x="-2912" y="0"/>
+            <a:ext cx="9146912" cy="692696"/>
+          </a:xfrm>
+          <a:solidFill>
+            <a:schemeClr val="bg1">
+              <a:lumMod val="75000"/>
+            </a:schemeClr>
+          </a:solidFill>
+        </p:spPr>
+        <p:txBody>
+          <a:bodyPr>
+            <a:normAutofit fontScale="90000"/>
+          </a:bodyPr>
+          <a:lstStyle/>
+          <a:p>
+            <a:pPr algn="l"/>
+            <a:r>
+              <a:rPr lang="en-US" b="1" dirty="0" smtClean="0">
+                <a:solidFill>
+                  <a:schemeClr val="bg1"/>
+                </a:solidFill>
+              </a:rPr>
+              <a:t> </a:t>
+            </a:r>
+            <a:r>
+              <a:rPr lang="en-US" dirty="0" smtClean="0">
+                <a:solidFill>
+                  <a:schemeClr val="bg1"/>
+                </a:solidFill>
+              </a:rPr>
+              <a:t>s</a:t>
+            </a:r>
+            <a:r>
+              <a:rPr lang="en-US" dirty="0" smtClean="0">
+                <a:solidFill>
+                  <a:schemeClr val="bg1"/>
+                </a:solidFill>
+              </a:rPr>
+              <a:t>tore </a:t>
+            </a:r>
+            <a:r>
+              <a:rPr lang="en-US" dirty="0" smtClean="0">
+                <a:solidFill>
+                  <a:schemeClr val="bg1"/>
+                </a:solidFill>
+              </a:rPr>
+              <a:t>constraint satisfaction</a:t>
+            </a:r>
+            <a:r>
+              <a:rPr lang="en-US" b="1" dirty="0" smtClean="0">
+                <a:solidFill>
+                  <a:schemeClr val="bg1"/>
+                </a:solidFill>
+              </a:rPr>
+              <a:t> </a:t>
+            </a:r>
+            <a:endParaRPr lang="en-US" b="1" dirty="0">
+              <a:solidFill>
+                <a:schemeClr val="bg1"/>
+              </a:solidFill>
+            </a:endParaRPr>
+          </a:p>
+        </p:txBody>
+      </p:sp>
+      <p:pic>
+        <p:nvPicPr>
+          <p:cNvPr id="3074" name="Picture 2"/>
+          <p:cNvPicPr>
+            <a:picLocks noChangeAspect="1" noChangeArrowheads="1"/>
+          </p:cNvPicPr>
+          <p:nvPr/>
+        </p:nvPicPr>
+        <p:blipFill>
+          <a:blip r:embed="rId2" cstate="print"/>
+          <a:srcRect/>
+          <a:stretch>
+            <a:fillRect/>
+          </a:stretch>
+        </p:blipFill>
+        <p:spPr bwMode="auto">
+          <a:xfrm>
+            <a:off x="755577" y="908720"/>
+            <a:ext cx="7344816" cy="2736304"/>
+          </a:xfrm>
+          <a:prstGeom prst="rect">
+            <a:avLst/>
+          </a:prstGeom>
+          <a:noFill/>
+          <a:ln w="9525">
+            <a:noFill/>
+            <a:miter lim="800000"/>
+            <a:headEnd/>
+            <a:tailEnd/>
+          </a:ln>
+        </p:spPr>
+      </p:pic>
+      <p:pic>
+        <p:nvPicPr>
+          <p:cNvPr id="3076" name="Picture 4"/>
+          <p:cNvPicPr>
+            <a:picLocks noChangeAspect="1" noChangeArrowheads="1"/>
+          </p:cNvPicPr>
+          <p:nvPr/>
+        </p:nvPicPr>
+        <p:blipFill>
+          <a:blip r:embed="rId3" cstate="print"/>
+          <a:srcRect/>
+          <a:stretch>
+            <a:fillRect/>
+          </a:stretch>
+        </p:blipFill>
+        <p:spPr bwMode="auto">
+          <a:xfrm>
+            <a:off x="611560" y="3789040"/>
+            <a:ext cx="7920880" cy="2681858"/>
+          </a:xfrm>
+          <a:prstGeom prst="rect">
+            <a:avLst/>
+          </a:prstGeom>
+          <a:noFill/>
+          <a:ln w="9525">
+            <a:noFill/>
+            <a:miter lim="800000"/>
+            <a:headEnd/>
+            <a:tailEnd/>
+          </a:ln>
+        </p:spPr>
+      </p:pic>
+    </p:spTree>
+    <p:extLst>
+      <p:ext uri="{BB962C8B-B14F-4D97-AF65-F5344CB8AC3E}">
+        <p14:creationId xmlns="" xmlns:p14="http://schemas.microsoft.com/office/powerpoint/2010/main" val="1848409642"/>
+      </p:ext>
+    </p:extLst>
+  </p:cSld>
+  <p:clrMapOvr>
+    <a:masterClrMapping/>
+  </p:clrMapOvr>
+</p:sld>
+</file>
+
+<file path=ppt/slides/slide19.xml><?xml version="1.0" encoding="utf-8"?>
+<p:sld xmlns:a="http://schemas.openxmlformats.org/drawingml/2006/main" xmlns:r="http://schemas.openxmlformats.org/officeDocument/2006/relationships" xmlns:p="http://schemas.openxmlformats.org/presentationml/2006/main">
+  <p:cSld>
+    <p:spTree>
+      <p:nvGrpSpPr>
+        <p:cNvPr id="1" name=""/>
+        <p:cNvGrpSpPr/>
+        <p:nvPr/>
+      </p:nvGrpSpPr>
+      <p:grpSpPr>
+        <a:xfrm>
+          <a:off x="0" y="0"/>
+          <a:ext cx="0" cy="0"/>
+          <a:chOff x="0" y="0"/>
+          <a:chExt cx="0" cy="0"/>
+        </a:xfrm>
+      </p:grpSpPr>
+      <p:sp>
+        <p:nvSpPr>
+          <p:cNvPr id="2" name="Title 1"/>
+          <p:cNvSpPr>
+            <a:spLocks noGrp="1"/>
+          </p:cNvSpPr>
+          <p:nvPr>
+            <p:ph type="title"/>
+          </p:nvPr>
+        </p:nvSpPr>
+        <p:spPr>
+          <a:xfrm>
+            <a:off x="-2912" y="0"/>
+            <a:ext cx="9146912" cy="692696"/>
+          </a:xfrm>
+          <a:solidFill>
+            <a:schemeClr val="bg1">
+              <a:lumMod val="75000"/>
+            </a:schemeClr>
+          </a:solidFill>
+        </p:spPr>
+        <p:txBody>
+          <a:bodyPr>
+            <a:normAutofit fontScale="90000"/>
+          </a:bodyPr>
+          <a:lstStyle/>
+          <a:p>
+            <a:pPr algn="l"/>
+            <a:r>
+              <a:rPr lang="en-US" dirty="0" smtClean="0">
+                <a:solidFill>
+                  <a:schemeClr val="bg1"/>
+                </a:solidFill>
+              </a:rPr>
+              <a:t> </a:t>
+            </a:r>
+            <a:r>
+              <a:rPr lang="en-US" dirty="0" smtClean="0">
+                <a:solidFill>
+                  <a:schemeClr val="bg1"/>
+                </a:solidFill>
+              </a:rPr>
+              <a:t>step 2: execute GA</a:t>
+            </a:r>
+            <a:endParaRPr lang="en-US" dirty="0">
+              <a:solidFill>
+                <a:schemeClr val="bg1"/>
+              </a:solidFill>
+            </a:endParaRPr>
+          </a:p>
+        </p:txBody>
+      </p:sp>
+      <p:sp>
+        <p:nvSpPr>
+          <p:cNvPr id="3" name="Content Placeholder 2"/>
+          <p:cNvSpPr>
+            <a:spLocks noGrp="1"/>
+          </p:cNvSpPr>
+          <p:nvPr>
+            <p:ph idx="1"/>
+          </p:nvPr>
+        </p:nvSpPr>
+        <p:spPr>
+          <a:xfrm>
+            <a:off x="457200" y="1052736"/>
+            <a:ext cx="8229600" cy="4205064"/>
+          </a:xfrm>
+        </p:spPr>
+        <p:txBody>
+          <a:bodyPr/>
+          <a:lstStyle/>
+          <a:p>
+            <a:pPr marL="0" indent="0">
+              <a:buNone/>
+            </a:pPr>
+            <a:r>
+              <a:rPr lang="en-US" dirty="0" smtClean="0"/>
+              <a:t>Create fitness function </a:t>
+            </a:r>
+          </a:p>
+          <a:p>
+            <a:pPr marL="0" indent="0">
+              <a:buNone/>
+            </a:pPr>
+            <a:r>
+              <a:rPr lang="en-US" dirty="0" smtClean="0"/>
+              <a:t>Constraint-based adjustment</a:t>
+            </a:r>
+            <a:endParaRPr lang="en-US" dirty="0" smtClean="0"/>
+          </a:p>
+        </p:txBody>
+      </p:sp>
+    </p:spTree>
+    <p:extLst>
+      <p:ext uri="{BB962C8B-B14F-4D97-AF65-F5344CB8AC3E}">
+        <p14:creationId xmlns="" xmlns:p14="http://schemas.microsoft.com/office/powerpoint/2010/main" val="1848409642"/>
       </p:ext>
     </p:extLst>
   </p:cSld>
@@ -4017,7 +4877,551 @@
     </p:spTree>
     <p:extLst>
       <p:ext uri="{BB962C8B-B14F-4D97-AF65-F5344CB8AC3E}">
-        <p14:creationId xmlns:p14="http://schemas.microsoft.com/office/powerpoint/2010/main" xmlns="" val="2279565587"/>
+        <p14:creationId xmlns="" xmlns:p14="http://schemas.microsoft.com/office/powerpoint/2010/main" val="2279565587"/>
+      </p:ext>
+    </p:extLst>
+  </p:cSld>
+  <p:clrMapOvr>
+    <a:masterClrMapping/>
+  </p:clrMapOvr>
+</p:sld>
+</file>
+
+<file path=ppt/slides/slide20.xml><?xml version="1.0" encoding="utf-8"?>
+<p:sld xmlns:a="http://schemas.openxmlformats.org/drawingml/2006/main" xmlns:r="http://schemas.openxmlformats.org/officeDocument/2006/relationships" xmlns:p="http://schemas.openxmlformats.org/presentationml/2006/main">
+  <p:cSld>
+    <p:spTree>
+      <p:nvGrpSpPr>
+        <p:cNvPr id="1" name=""/>
+        <p:cNvGrpSpPr/>
+        <p:nvPr/>
+      </p:nvGrpSpPr>
+      <p:grpSpPr>
+        <a:xfrm>
+          <a:off x="0" y="0"/>
+          <a:ext cx="0" cy="0"/>
+          <a:chOff x="0" y="0"/>
+          <a:chExt cx="0" cy="0"/>
+        </a:xfrm>
+      </p:grpSpPr>
+      <p:sp>
+        <p:nvSpPr>
+          <p:cNvPr id="2" name="Title 1"/>
+          <p:cNvSpPr>
+            <a:spLocks noGrp="1"/>
+          </p:cNvSpPr>
+          <p:nvPr>
+            <p:ph type="title"/>
+          </p:nvPr>
+        </p:nvSpPr>
+        <p:spPr>
+          <a:xfrm>
+            <a:off x="-2912" y="0"/>
+            <a:ext cx="9146912" cy="692696"/>
+          </a:xfrm>
+          <a:solidFill>
+            <a:schemeClr val="bg1">
+              <a:lumMod val="75000"/>
+            </a:schemeClr>
+          </a:solidFill>
+        </p:spPr>
+        <p:txBody>
+          <a:bodyPr>
+            <a:normAutofit fontScale="90000"/>
+          </a:bodyPr>
+          <a:lstStyle/>
+          <a:p>
+            <a:pPr algn="l"/>
+            <a:r>
+              <a:rPr lang="en-US" dirty="0" smtClean="0">
+                <a:solidFill>
+                  <a:schemeClr val="bg1"/>
+                </a:solidFill>
+              </a:rPr>
+              <a:t> </a:t>
+            </a:r>
+            <a:r>
+              <a:rPr lang="en-US" dirty="0" smtClean="0">
+                <a:solidFill>
+                  <a:schemeClr val="bg1"/>
+                </a:solidFill>
+              </a:rPr>
+              <a:t>Create fitness function</a:t>
+            </a:r>
+            <a:endParaRPr lang="en-US" dirty="0">
+              <a:solidFill>
+                <a:schemeClr val="bg1"/>
+              </a:solidFill>
+            </a:endParaRPr>
+          </a:p>
+        </p:txBody>
+      </p:sp>
+      <p:pic>
+        <p:nvPicPr>
+          <p:cNvPr id="4098" name="Picture 2"/>
+          <p:cNvPicPr>
+            <a:picLocks noChangeAspect="1" noChangeArrowheads="1"/>
+          </p:cNvPicPr>
+          <p:nvPr/>
+        </p:nvPicPr>
+        <p:blipFill>
+          <a:blip r:embed="rId2" cstate="print"/>
+          <a:srcRect/>
+          <a:stretch>
+            <a:fillRect/>
+          </a:stretch>
+        </p:blipFill>
+        <p:spPr bwMode="auto">
+          <a:xfrm>
+            <a:off x="381000" y="1340768"/>
+            <a:ext cx="8382000" cy="2779390"/>
+          </a:xfrm>
+          <a:prstGeom prst="rect">
+            <a:avLst/>
+          </a:prstGeom>
+          <a:noFill/>
+          <a:ln w="9525">
+            <a:noFill/>
+            <a:miter lim="800000"/>
+            <a:headEnd/>
+            <a:tailEnd/>
+          </a:ln>
+        </p:spPr>
+      </p:pic>
+    </p:spTree>
+    <p:extLst>
+      <p:ext uri="{BB962C8B-B14F-4D97-AF65-F5344CB8AC3E}">
+        <p14:creationId xmlns="" xmlns:p14="http://schemas.microsoft.com/office/powerpoint/2010/main" val="1848409642"/>
+      </p:ext>
+    </p:extLst>
+  </p:cSld>
+  <p:clrMapOvr>
+    <a:masterClrMapping/>
+  </p:clrMapOvr>
+</p:sld>
+</file>
+
+<file path=ppt/slides/slide21.xml><?xml version="1.0" encoding="utf-8"?>
+<p:sld xmlns:a="http://schemas.openxmlformats.org/drawingml/2006/main" xmlns:r="http://schemas.openxmlformats.org/officeDocument/2006/relationships" xmlns:p="http://schemas.openxmlformats.org/presentationml/2006/main">
+  <p:cSld>
+    <p:spTree>
+      <p:nvGrpSpPr>
+        <p:cNvPr id="1" name=""/>
+        <p:cNvGrpSpPr/>
+        <p:nvPr/>
+      </p:nvGrpSpPr>
+      <p:grpSpPr>
+        <a:xfrm>
+          <a:off x="0" y="0"/>
+          <a:ext cx="0" cy="0"/>
+          <a:chOff x="0" y="0"/>
+          <a:chExt cx="0" cy="0"/>
+        </a:xfrm>
+      </p:grpSpPr>
+      <p:sp>
+        <p:nvSpPr>
+          <p:cNvPr id="2" name="Title 1"/>
+          <p:cNvSpPr>
+            <a:spLocks noGrp="1"/>
+          </p:cNvSpPr>
+          <p:nvPr>
+            <p:ph type="title"/>
+          </p:nvPr>
+        </p:nvSpPr>
+        <p:spPr>
+          <a:xfrm>
+            <a:off x="-2912" y="0"/>
+            <a:ext cx="9146912" cy="692696"/>
+          </a:xfrm>
+          <a:solidFill>
+            <a:schemeClr val="bg1">
+              <a:lumMod val="75000"/>
+            </a:schemeClr>
+          </a:solidFill>
+        </p:spPr>
+        <p:txBody>
+          <a:bodyPr>
+            <a:normAutofit fontScale="90000"/>
+          </a:bodyPr>
+          <a:lstStyle/>
+          <a:p>
+            <a:pPr algn="l"/>
+            <a:r>
+              <a:rPr lang="en-US" dirty="0" smtClean="0">
+                <a:solidFill>
+                  <a:schemeClr val="bg1"/>
+                </a:solidFill>
+              </a:rPr>
+              <a:t> </a:t>
+            </a:r>
+            <a:r>
+              <a:rPr lang="en-US" dirty="0" smtClean="0">
+                <a:solidFill>
+                  <a:schemeClr val="bg1"/>
+                </a:solidFill>
+              </a:rPr>
+              <a:t>c</a:t>
+            </a:r>
+            <a:r>
+              <a:rPr lang="en-US" dirty="0" smtClean="0">
+                <a:solidFill>
+                  <a:schemeClr val="bg1"/>
+                </a:solidFill>
+              </a:rPr>
+              <a:t>onstraint-based </a:t>
+            </a:r>
+            <a:r>
+              <a:rPr lang="en-US" dirty="0" smtClean="0">
+                <a:solidFill>
+                  <a:schemeClr val="bg1"/>
+                </a:solidFill>
+              </a:rPr>
+              <a:t>adjustment</a:t>
+            </a:r>
+            <a:endParaRPr lang="en-US" dirty="0">
+              <a:solidFill>
+                <a:schemeClr val="bg1"/>
+              </a:solidFill>
+            </a:endParaRPr>
+          </a:p>
+        </p:txBody>
+      </p:sp>
+      <p:pic>
+        <p:nvPicPr>
+          <p:cNvPr id="5122" name="Picture 2"/>
+          <p:cNvPicPr>
+            <a:picLocks noChangeAspect="1" noChangeArrowheads="1"/>
+          </p:cNvPicPr>
+          <p:nvPr/>
+        </p:nvPicPr>
+        <p:blipFill>
+          <a:blip r:embed="rId2" cstate="print"/>
+          <a:srcRect/>
+          <a:stretch>
+            <a:fillRect/>
+          </a:stretch>
+        </p:blipFill>
+        <p:spPr bwMode="auto">
+          <a:xfrm>
+            <a:off x="611560" y="1052736"/>
+            <a:ext cx="7848872" cy="4824536"/>
+          </a:xfrm>
+          <a:prstGeom prst="rect">
+            <a:avLst/>
+          </a:prstGeom>
+          <a:noFill/>
+          <a:ln w="9525">
+            <a:noFill/>
+            <a:miter lim="800000"/>
+            <a:headEnd/>
+            <a:tailEnd/>
+          </a:ln>
+        </p:spPr>
+      </p:pic>
+    </p:spTree>
+    <p:extLst>
+      <p:ext uri="{BB962C8B-B14F-4D97-AF65-F5344CB8AC3E}">
+        <p14:creationId xmlns="" xmlns:p14="http://schemas.microsoft.com/office/powerpoint/2010/main" val="1848409642"/>
+      </p:ext>
+    </p:extLst>
+  </p:cSld>
+  <p:clrMapOvr>
+    <a:masterClrMapping/>
+  </p:clrMapOvr>
+</p:sld>
+</file>
+
+<file path=ppt/slides/slide22.xml><?xml version="1.0" encoding="utf-8"?>
+<p:sld xmlns:a="http://schemas.openxmlformats.org/drawingml/2006/main" xmlns:r="http://schemas.openxmlformats.org/officeDocument/2006/relationships" xmlns:p="http://schemas.openxmlformats.org/presentationml/2006/main">
+  <p:cSld>
+    <p:spTree>
+      <p:nvGrpSpPr>
+        <p:cNvPr id="1" name=""/>
+        <p:cNvGrpSpPr/>
+        <p:nvPr/>
+      </p:nvGrpSpPr>
+      <p:grpSpPr>
+        <a:xfrm>
+          <a:off x="0" y="0"/>
+          <a:ext cx="0" cy="0"/>
+          <a:chOff x="0" y="0"/>
+          <a:chExt cx="0" cy="0"/>
+        </a:xfrm>
+      </p:grpSpPr>
+      <p:sp>
+        <p:nvSpPr>
+          <p:cNvPr id="2" name="Title 1"/>
+          <p:cNvSpPr>
+            <a:spLocks noGrp="1"/>
+          </p:cNvSpPr>
+          <p:nvPr>
+            <p:ph type="title"/>
+          </p:nvPr>
+        </p:nvSpPr>
+        <p:spPr>
+          <a:xfrm>
+            <a:off x="-2912" y="0"/>
+            <a:ext cx="9146912" cy="692696"/>
+          </a:xfrm>
+          <a:solidFill>
+            <a:schemeClr val="bg1">
+              <a:lumMod val="75000"/>
+            </a:schemeClr>
+          </a:solidFill>
+        </p:spPr>
+        <p:txBody>
+          <a:bodyPr>
+            <a:normAutofit fontScale="90000"/>
+          </a:bodyPr>
+          <a:lstStyle/>
+          <a:p>
+            <a:pPr algn="l"/>
+            <a:r>
+              <a:rPr lang="en-US" dirty="0" smtClean="0">
+                <a:solidFill>
+                  <a:schemeClr val="bg1"/>
+                </a:solidFill>
+              </a:rPr>
+              <a:t> Outline</a:t>
+            </a:r>
+            <a:endParaRPr lang="en-US" dirty="0">
+              <a:solidFill>
+                <a:schemeClr val="bg1"/>
+              </a:solidFill>
+            </a:endParaRPr>
+          </a:p>
+        </p:txBody>
+      </p:sp>
+      <p:sp>
+        <p:nvSpPr>
+          <p:cNvPr id="3" name="Content Placeholder 2"/>
+          <p:cNvSpPr>
+            <a:spLocks noGrp="1"/>
+          </p:cNvSpPr>
+          <p:nvPr>
+            <p:ph idx="1"/>
+          </p:nvPr>
+        </p:nvSpPr>
+        <p:spPr>
+          <a:xfrm>
+            <a:off x="457200" y="1052736"/>
+            <a:ext cx="8229600" cy="4205064"/>
+          </a:xfrm>
+        </p:spPr>
+        <p:txBody>
+          <a:bodyPr/>
+          <a:lstStyle/>
+          <a:p>
+            <a:pPr marL="0" indent="0">
+              <a:buNone/>
+            </a:pPr>
+            <a:r>
+              <a:rPr lang="en-US" dirty="0" smtClean="0"/>
+              <a:t>1. Introduction</a:t>
+            </a:r>
+          </a:p>
+          <a:p>
+            <a:pPr marL="0" indent="0">
+              <a:buNone/>
+            </a:pPr>
+            <a:r>
+              <a:rPr lang="en-US" dirty="0" smtClean="0"/>
+              <a:t>2. Background</a:t>
+            </a:r>
+          </a:p>
+          <a:p>
+            <a:pPr marL="0" indent="0">
+              <a:buNone/>
+            </a:pPr>
+            <a:r>
+              <a:rPr lang="en-US" dirty="0" smtClean="0"/>
+              <a:t>3. Related work</a:t>
+            </a:r>
+          </a:p>
+          <a:p>
+            <a:pPr marL="0" indent="0">
+              <a:buNone/>
+            </a:pPr>
+            <a:r>
+              <a:rPr lang="en-US" dirty="0" smtClean="0"/>
+              <a:t>4. Proposed approach</a:t>
+            </a:r>
+          </a:p>
+          <a:p>
+            <a:pPr marL="0" indent="0">
+              <a:buNone/>
+            </a:pPr>
+            <a:r>
+              <a:rPr lang="en-US" b="1" dirty="0" smtClean="0"/>
+              <a:t>5. Experimental result</a:t>
+            </a:r>
+          </a:p>
+          <a:p>
+            <a:pPr marL="0" indent="0">
+              <a:buNone/>
+            </a:pPr>
+            <a:r>
+              <a:rPr lang="en-US" dirty="0" smtClean="0"/>
+              <a:t>6. Conclusion</a:t>
+            </a:r>
+            <a:endParaRPr lang="en-US" dirty="0"/>
+          </a:p>
+        </p:txBody>
+      </p:sp>
+    </p:spTree>
+    <p:extLst>
+      <p:ext uri="{BB962C8B-B14F-4D97-AF65-F5344CB8AC3E}">
+        <p14:creationId xmlns="" xmlns:p14="http://schemas.microsoft.com/office/powerpoint/2010/main" val="3185099068"/>
+      </p:ext>
+    </p:extLst>
+  </p:cSld>
+  <p:clrMapOvr>
+    <a:masterClrMapping/>
+  </p:clrMapOvr>
+</p:sld>
+</file>
+
+<file path=ppt/slides/slide23.xml><?xml version="1.0" encoding="utf-8"?>
+<p:sld xmlns:a="http://schemas.openxmlformats.org/drawingml/2006/main" xmlns:r="http://schemas.openxmlformats.org/officeDocument/2006/relationships" xmlns:p="http://schemas.openxmlformats.org/presentationml/2006/main">
+  <p:cSld>
+    <p:spTree>
+      <p:nvGrpSpPr>
+        <p:cNvPr id="1" name=""/>
+        <p:cNvGrpSpPr/>
+        <p:nvPr/>
+      </p:nvGrpSpPr>
+      <p:grpSpPr>
+        <a:xfrm>
+          <a:off x="0" y="0"/>
+          <a:ext cx="0" cy="0"/>
+          <a:chOff x="0" y="0"/>
+          <a:chExt cx="0" cy="0"/>
+        </a:xfrm>
+      </p:grpSpPr>
+      <p:sp>
+        <p:nvSpPr>
+          <p:cNvPr id="2" name="Title 1"/>
+          <p:cNvSpPr>
+            <a:spLocks noGrp="1"/>
+          </p:cNvSpPr>
+          <p:nvPr>
+            <p:ph type="title"/>
+          </p:nvPr>
+        </p:nvSpPr>
+        <p:spPr>
+          <a:xfrm>
+            <a:off x="-2912" y="0"/>
+            <a:ext cx="9146912" cy="692696"/>
+          </a:xfrm>
+          <a:solidFill>
+            <a:schemeClr val="bg1">
+              <a:lumMod val="75000"/>
+            </a:schemeClr>
+          </a:solidFill>
+        </p:spPr>
+        <p:txBody>
+          <a:bodyPr>
+            <a:normAutofit fontScale="90000"/>
+          </a:bodyPr>
+          <a:lstStyle/>
+          <a:p>
+            <a:pPr algn="l"/>
+            <a:r>
+              <a:rPr lang="en-US" dirty="0" smtClean="0">
+                <a:solidFill>
+                  <a:schemeClr val="bg1"/>
+                </a:solidFill>
+              </a:rPr>
+              <a:t> Outline</a:t>
+            </a:r>
+            <a:endParaRPr lang="en-US" dirty="0">
+              <a:solidFill>
+                <a:schemeClr val="bg1"/>
+              </a:solidFill>
+            </a:endParaRPr>
+          </a:p>
+        </p:txBody>
+      </p:sp>
+      <p:sp>
+        <p:nvSpPr>
+          <p:cNvPr id="3" name="Content Placeholder 2"/>
+          <p:cNvSpPr>
+            <a:spLocks noGrp="1"/>
+          </p:cNvSpPr>
+          <p:nvPr>
+            <p:ph idx="1"/>
+          </p:nvPr>
+        </p:nvSpPr>
+        <p:spPr>
+          <a:xfrm>
+            <a:off x="457200" y="1052736"/>
+            <a:ext cx="8229600" cy="4205064"/>
+          </a:xfrm>
+        </p:spPr>
+        <p:txBody>
+          <a:bodyPr/>
+          <a:lstStyle/>
+          <a:p>
+            <a:pPr marL="0" indent="0">
+              <a:buNone/>
+            </a:pPr>
+            <a:r>
+              <a:rPr lang="en-US" dirty="0" smtClean="0"/>
+              <a:t>1. Introduction</a:t>
+            </a:r>
+          </a:p>
+          <a:p>
+            <a:pPr marL="0" indent="0">
+              <a:buNone/>
+            </a:pPr>
+            <a:r>
+              <a:rPr lang="en-US" dirty="0" smtClean="0"/>
+              <a:t>2. Background</a:t>
+            </a:r>
+          </a:p>
+          <a:p>
+            <a:pPr marL="0" indent="0">
+              <a:buNone/>
+            </a:pPr>
+            <a:r>
+              <a:rPr lang="en-US" dirty="0" smtClean="0"/>
+              <a:t>3. Related work</a:t>
+            </a:r>
+          </a:p>
+          <a:p>
+            <a:pPr marL="0" indent="0">
+              <a:buNone/>
+            </a:pPr>
+            <a:r>
+              <a:rPr lang="en-US" dirty="0" smtClean="0"/>
+              <a:t>4. Proposed approach</a:t>
+            </a:r>
+          </a:p>
+          <a:p>
+            <a:pPr marL="0" indent="0">
+              <a:buNone/>
+            </a:pPr>
+            <a:r>
+              <a:rPr lang="en-US" dirty="0" smtClean="0"/>
+              <a:t>5. Experimental result</a:t>
+            </a:r>
+          </a:p>
+          <a:p>
+            <a:pPr marL="0" indent="0">
+              <a:buNone/>
+            </a:pPr>
+            <a:r>
+              <a:rPr lang="en-US" b="1" dirty="0" smtClean="0"/>
+              <a:t>6. Conclusion</a:t>
+            </a:r>
+            <a:endParaRPr lang="en-US" b="1" dirty="0"/>
+          </a:p>
+        </p:txBody>
+      </p:sp>
+    </p:spTree>
+    <p:extLst>
+      <p:ext uri="{BB962C8B-B14F-4D97-AF65-F5344CB8AC3E}">
+        <p14:creationId xmlns="" xmlns:p14="http://schemas.microsoft.com/office/powerpoint/2010/main" val="1133312594"/>
       </p:ext>
     </p:extLst>
   </p:cSld>
@@ -4097,7 +5501,7 @@
         <p:spPr>
           <a:xfrm>
             <a:off x="467544" y="5807005"/>
-            <a:ext cx="7272808" cy="646331"/>
+            <a:ext cx="8064896" cy="769441"/>
           </a:xfrm>
           <a:prstGeom prst="rect">
             <a:avLst/>
@@ -4111,32 +5515,32 @@
           <a:lstStyle/>
           <a:p>
             <a:r>
-              <a:rPr lang="en-US" dirty="0" smtClean="0"/>
+              <a:rPr lang="en-US" sz="2200" dirty="0" smtClean="0"/>
               <a:t>errors are expensive</a:t>
             </a:r>
           </a:p>
           <a:p>
             <a:r>
-              <a:rPr lang="en-US" dirty="0" smtClean="0"/>
+              <a:rPr lang="en-US" sz="2200" dirty="0" smtClean="0"/>
               <a:t>annual cost of software errors to US economy is $ ~</a:t>
             </a:r>
             <a:r>
-              <a:rPr lang="en-US" dirty="0" err="1" smtClean="0"/>
+              <a:rPr lang="en-US" sz="2200" dirty="0" err="1" smtClean="0"/>
               <a:t>60B</a:t>
             </a:r>
             <a:r>
-              <a:rPr lang="en-US" dirty="0" smtClean="0"/>
+              <a:rPr lang="en-US" sz="2200" dirty="0" smtClean="0"/>
               <a:t> [</a:t>
             </a:r>
             <a:r>
-              <a:rPr lang="en-US" dirty="0" err="1" smtClean="0"/>
+              <a:rPr lang="en-US" sz="2200" dirty="0" err="1" smtClean="0"/>
               <a:t>NIST’02</a:t>
             </a:r>
             <a:r>
-              <a:rPr lang="en-US" dirty="0" smtClean="0"/>
+              <a:rPr lang="en-US" sz="2200" dirty="0" smtClean="0"/>
               <a:t>]</a:t>
             </a:r>
-            <a:endParaRPr lang="en-US" dirty="0"/>
+            <a:endParaRPr lang="en-US" sz="2200" dirty="0"/>
           </a:p>
         </p:txBody>
       </p:sp>
@@ -4152,7 +5556,7 @@
           <a:blip r:embed="rId2" cstate="print">
             <a:extLst>
               <a:ext uri="{28A0092B-C50C-407E-A947-70E740481C1C}">
-                <a14:useLocalDpi xmlns:a14="http://schemas.microsoft.com/office/drawing/2010/main" xmlns="" val="0"/>
+                <a14:useLocalDpi xmlns="" xmlns:a14="http://schemas.microsoft.com/office/drawing/2010/main" val="0"/>
               </a:ext>
             </a:extLst>
           </a:blip>
@@ -4175,14 +5579,14 @@
           </a:ln>
           <a:extLst>
             <a:ext uri="{909E8E84-426E-40DD-AFC4-6F175D3DCCD1}">
-              <a14:hiddenFill xmlns:a14="http://schemas.microsoft.com/office/drawing/2010/main" xmlns="">
+              <a14:hiddenFill xmlns="" xmlns:a14="http://schemas.microsoft.com/office/drawing/2010/main">
                 <a:solidFill>
                   <a:schemeClr val="accent1"/>
                 </a:solidFill>
               </a14:hiddenFill>
             </a:ext>
             <a:ext uri="{91240B29-F687-4F45-9708-019B960494DF}">
-              <a14:hiddenLine xmlns:a14="http://schemas.microsoft.com/office/drawing/2010/main" xmlns="" w="9525">
+              <a14:hiddenLine xmlns="" xmlns:a14="http://schemas.microsoft.com/office/drawing/2010/main" w="9525">
                 <a:solidFill>
                   <a:schemeClr val="tx1"/>
                 </a:solidFill>
@@ -4197,7 +5601,7 @@
     </p:spTree>
     <p:extLst>
       <p:ext uri="{BB962C8B-B14F-4D97-AF65-F5344CB8AC3E}">
-        <p14:creationId xmlns:p14="http://schemas.microsoft.com/office/powerpoint/2010/main" xmlns="" val="763281191"/>
+        <p14:creationId xmlns="" xmlns:p14="http://schemas.microsoft.com/office/powerpoint/2010/main" val="763281191"/>
       </p:ext>
     </p:extLst>
   </p:cSld>
@@ -4310,63 +5714,35 @@
             </a:r>
             <a:r>
               <a:rPr lang="en-US" sz="2800" dirty="0" smtClean="0"/>
-              <a:t>automatic, scalable, </a:t>
-            </a:r>
+              <a:t>automatic, scalable, exhaustive</a:t>
+            </a:r>
+          </a:p>
+          <a:p>
+            <a:pPr marL="0" indent="0">
+              <a:buNone/>
+            </a:pPr>
             <a:r>
               <a:rPr lang="en-US" sz="2800" dirty="0" smtClean="0"/>
-              <a:t>exhaustive</a:t>
-            </a:r>
+              <a:t>	infinite loops, array, procedure calls and pointer 	references </a:t>
+            </a:r>
+            <a:endParaRPr lang="en-US" sz="2800" dirty="0"/>
           </a:p>
           <a:p>
             <a:pPr marL="0" indent="0">
               <a:buNone/>
             </a:pPr>
             <a:r>
+              <a:rPr lang="en-US" dirty="0" smtClean="0"/>
+              <a:t>dynamic analysis</a:t>
+            </a:r>
+          </a:p>
+          <a:p>
+            <a:pPr marL="0" indent="0">
+              <a:buNone/>
+            </a:pPr>
+            <a:r>
               <a:rPr lang="en-US" sz="2800" dirty="0" smtClean="0"/>
-              <a:t>	infinite </a:t>
-            </a:r>
-            <a:r>
-              <a:rPr lang="en-US" sz="2800" dirty="0" smtClean="0"/>
-              <a:t>loops, array, procedure calls and pointer </a:t>
-            </a:r>
-            <a:r>
-              <a:rPr lang="en-US" sz="2800" dirty="0" smtClean="0"/>
-              <a:t>	references </a:t>
-            </a:r>
-            <a:endParaRPr lang="en-US" sz="2800" dirty="0"/>
-          </a:p>
-          <a:p>
-            <a:pPr marL="0" indent="0">
-              <a:buNone/>
-            </a:pPr>
-            <a:r>
-              <a:rPr lang="en-US" dirty="0" smtClean="0"/>
-              <a:t>dynamic </a:t>
-            </a:r>
-            <a:r>
-              <a:rPr lang="en-US" dirty="0" smtClean="0"/>
-              <a:t>analysis</a:t>
-            </a:r>
-          </a:p>
-          <a:p>
-            <a:pPr marL="0" indent="0">
-              <a:buNone/>
-            </a:pPr>
-            <a:r>
-              <a:rPr lang="en-US" sz="2800" dirty="0" smtClean="0"/>
-              <a:t>	random </a:t>
-            </a:r>
-            <a:r>
-              <a:rPr lang="en-US" sz="2800" dirty="0" smtClean="0"/>
-              <a:t>testing, local </a:t>
-            </a:r>
-            <a:r>
-              <a:rPr lang="en-US" sz="2800" dirty="0" smtClean="0"/>
-              <a:t>search, and evolutionary 	methods </a:t>
-            </a:r>
-            <a:r>
-              <a:rPr lang="en-US" sz="2800" dirty="0" smtClean="0"/>
-              <a:t> </a:t>
+              <a:t>	random testing, local search, and evolutionary 	methods  </a:t>
             </a:r>
             <a:endParaRPr lang="en-US" sz="2800" dirty="0"/>
           </a:p>
@@ -4375,7 +5751,7 @@
     </p:spTree>
     <p:extLst>
       <p:ext uri="{BB962C8B-B14F-4D97-AF65-F5344CB8AC3E}">
-        <p14:creationId xmlns:p14="http://schemas.microsoft.com/office/powerpoint/2010/main" xmlns="" val="3736083669"/>
+        <p14:creationId xmlns="" xmlns:p14="http://schemas.microsoft.com/office/powerpoint/2010/main" val="3736083669"/>
       </p:ext>
     </p:extLst>
   </p:cSld>
@@ -4436,15 +5812,7 @@
                   <a:schemeClr val="bg1"/>
                 </a:solidFill>
               </a:rPr>
-              <a:t> </a:t>
-            </a:r>
-            <a:r>
-              <a:rPr lang="en-US" dirty="0" smtClean="0">
-                <a:solidFill>
-                  <a:schemeClr val="bg1"/>
-                </a:solidFill>
-              </a:rPr>
-              <a:t>problem</a:t>
+              <a:t> problem</a:t>
             </a:r>
             <a:endParaRPr lang="en-US" dirty="0">
               <a:solidFill>
@@ -4481,19 +5849,7 @@
             </a:pPr>
             <a:r>
               <a:rPr lang="en-US" sz="3000" dirty="0" smtClean="0"/>
-              <a:t>SE </a:t>
-            </a:r>
-            <a:r>
-              <a:rPr lang="en-US" sz="3000" dirty="0" smtClean="0"/>
-              <a:t>can solve the second condition, it cannot for the </a:t>
-            </a:r>
-            <a:r>
-              <a:rPr lang="en-US" sz="3000" dirty="0" smtClean="0"/>
-              <a:t>first, when GA </a:t>
-            </a:r>
-            <a:r>
-              <a:rPr lang="en-US" sz="3000" dirty="0" smtClean="0"/>
-              <a:t>can generate test data for the first condition but it has degraded with the second condition </a:t>
+              <a:t>SE can solve the second condition, it cannot for the first, when GA can generate test data for the first condition but it has degraded with the second condition </a:t>
             </a:r>
             <a:endParaRPr lang="en-US" sz="3000" dirty="0"/>
           </a:p>
@@ -4534,7 +5890,7 @@
     </p:spTree>
     <p:extLst>
       <p:ext uri="{BB962C8B-B14F-4D97-AF65-F5344CB8AC3E}">
-        <p14:creationId xmlns:p14="http://schemas.microsoft.com/office/powerpoint/2010/main" xmlns="" val="3736083669"/>
+        <p14:creationId xmlns="" xmlns:p14="http://schemas.microsoft.com/office/powerpoint/2010/main" val="3736083669"/>
       </p:ext>
     </p:extLst>
   </p:cSld>
@@ -4684,7 +6040,7 @@
     </p:spTree>
     <p:extLst>
       <p:ext uri="{BB962C8B-B14F-4D97-AF65-F5344CB8AC3E}">
-        <p14:creationId xmlns:p14="http://schemas.microsoft.com/office/powerpoint/2010/main" xmlns="" val="976856806"/>
+        <p14:creationId xmlns="" xmlns:p14="http://schemas.microsoft.com/office/powerpoint/2010/main" val="976856806"/>
       </p:ext>
     </p:extLst>
   </p:cSld>
@@ -4753,7 +6109,15 @@
                   <a:schemeClr val="bg1"/>
                 </a:solidFill>
               </a:rPr>
-              <a:t>optimization problem</a:t>
+              <a:t>testing as an optimization </a:t>
+            </a:r>
+            <a:r>
+              <a:rPr lang="en-US" dirty="0" smtClean="0">
+                <a:solidFill>
+                  <a:schemeClr val="bg1"/>
+                </a:solidFill>
+              </a:rPr>
+              <a:t>problem</a:t>
             </a:r>
             <a:endParaRPr lang="en-US" dirty="0">
               <a:solidFill>
@@ -4792,7 +6156,6 @@
               <a:rPr lang="en-US" dirty="0" smtClean="0"/>
               <a:t>When using GA, a path coverage test data generation is transformed into an optimization problem. </a:t>
             </a:r>
-            <a:endParaRPr lang="en-US" dirty="0" smtClean="0"/>
           </a:p>
           <a:p>
             <a:pPr marL="0" indent="0">
@@ -4800,21 +6163,8 @@
             </a:pPr>
             <a:r>
               <a:rPr lang="en-US" dirty="0" smtClean="0"/>
-              <a:t>To </a:t>
-            </a:r>
-            <a:r>
-              <a:rPr lang="en-US" dirty="0" smtClean="0"/>
-              <a:t>cover a test path during execution, </a:t>
-            </a:r>
-            <a:r>
-              <a:rPr lang="en-US" dirty="0" smtClean="0"/>
-              <a:t>find </a:t>
-            </a:r>
-            <a:r>
-              <a:rPr lang="en-US" dirty="0" smtClean="0"/>
-              <a:t>appropriate values for the input variables which satisfy related branch predicates. </a:t>
-            </a:r>
-            <a:endParaRPr lang="en-US" dirty="0" smtClean="0"/>
+              <a:t>To cover a test path during execution, find appropriate values for the input variables which satisfy related branch predicates. </a:t>
+            </a:r>
           </a:p>
           <a:p>
             <a:pPr marL="0" indent="0">
@@ -4830,15 +6180,7 @@
             </a:r>
             <a:r>
               <a:rPr lang="en-US" dirty="0" smtClean="0"/>
-              <a:t> branch distance </a:t>
-            </a:r>
-            <a:r>
-              <a:rPr lang="en-US" dirty="0" smtClean="0"/>
-              <a:t>function: </a:t>
-            </a:r>
-            <a:r>
-              <a:rPr lang="en-US" dirty="0" smtClean="0"/>
-              <a:t>if a branch predicate B is (x ≤ y - 5), then apply the </a:t>
+              <a:t> branch distance function: if a branch predicate B is (x ≤ y - 5), then apply the </a:t>
             </a:r>
             <a:r>
               <a:rPr lang="en-US" dirty="0" err="1" smtClean="0"/>
@@ -4855,7 +6197,7 @@
     </p:spTree>
     <p:extLst>
       <p:ext uri="{BB962C8B-B14F-4D97-AF65-F5344CB8AC3E}">
-        <p14:creationId xmlns:p14="http://schemas.microsoft.com/office/powerpoint/2010/main" xmlns="" val="976856806"/>
+        <p14:creationId xmlns="" xmlns:p14="http://schemas.microsoft.com/office/powerpoint/2010/main" val="976856806"/>
       </p:ext>
     </p:extLst>
   </p:cSld>
@@ -4977,7 +6319,7 @@
     </p:spTree>
     <p:extLst>
       <p:ext uri="{BB962C8B-B14F-4D97-AF65-F5344CB8AC3E}">
-        <p14:creationId xmlns:p14="http://schemas.microsoft.com/office/powerpoint/2010/main" xmlns="" val="976856806"/>
+        <p14:creationId xmlns="" xmlns:p14="http://schemas.microsoft.com/office/powerpoint/2010/main" val="976856806"/>
       </p:ext>
     </p:extLst>
   </p:cSld>
@@ -5038,23 +6380,7 @@
                   <a:schemeClr val="bg1"/>
                 </a:solidFill>
               </a:rPr>
-              <a:t> </a:t>
-            </a:r>
-            <a:r>
-              <a:rPr lang="en-US" dirty="0" smtClean="0">
-                <a:solidFill>
-                  <a:schemeClr val="bg1"/>
-                </a:solidFill>
-              </a:rPr>
-              <a:t>g</a:t>
-            </a:r>
-            <a:r>
-              <a:rPr lang="en-US" dirty="0" smtClean="0">
-                <a:solidFill>
-                  <a:schemeClr val="bg1"/>
-                </a:solidFill>
-              </a:rPr>
-              <a:t>enetic algorithm(GA)</a:t>
+              <a:t> genetic algorithm(GA)</a:t>
             </a:r>
             <a:endParaRPr lang="en-US" dirty="0">
               <a:solidFill>
@@ -5099,7 +6425,7 @@
     </p:spTree>
     <p:extLst>
       <p:ext uri="{BB962C8B-B14F-4D97-AF65-F5344CB8AC3E}">
-        <p14:creationId xmlns:p14="http://schemas.microsoft.com/office/powerpoint/2010/main" xmlns="" val="976856806"/>
+        <p14:creationId xmlns="" xmlns:p14="http://schemas.microsoft.com/office/powerpoint/2010/main" val="976856806"/>
       </p:ext>
     </p:extLst>
   </p:cSld>

--- a/CFT4CUnitSrc/src/report/ACOMP2016_Presentation.pptx
+++ b/CFT4CUnitSrc/src/report/ACOMP2016_Presentation.pptx
@@ -20,14 +20,20 @@
     <p:sldId id="260" r:id="rId14"/>
     <p:sldId id="271" r:id="rId15"/>
     <p:sldId id="272" r:id="rId16"/>
-    <p:sldId id="275" r:id="rId17"/>
-    <p:sldId id="273" r:id="rId18"/>
-    <p:sldId id="274" r:id="rId19"/>
-    <p:sldId id="276" r:id="rId20"/>
-    <p:sldId id="277" r:id="rId21"/>
-    <p:sldId id="278" r:id="rId22"/>
-    <p:sldId id="259" r:id="rId23"/>
-    <p:sldId id="262" r:id="rId24"/>
+    <p:sldId id="273" r:id="rId17"/>
+    <p:sldId id="274" r:id="rId18"/>
+    <p:sldId id="276" r:id="rId19"/>
+    <p:sldId id="277" r:id="rId20"/>
+    <p:sldId id="278" r:id="rId21"/>
+    <p:sldId id="259" r:id="rId22"/>
+    <p:sldId id="279" r:id="rId23"/>
+    <p:sldId id="280" r:id="rId24"/>
+    <p:sldId id="281" r:id="rId25"/>
+    <p:sldId id="282" r:id="rId26"/>
+    <p:sldId id="262" r:id="rId27"/>
+    <p:sldId id="283" r:id="rId28"/>
+    <p:sldId id="284" r:id="rId29"/>
+    <p:sldId id="285" r:id="rId30"/>
   </p:sldIdLst>
   <p:sldSz cx="9144000" cy="6858000" type="screen4x3"/>
   <p:notesSz cx="6858000" cy="9144000"/>
@@ -3539,7 +3545,39 @@
             </a:r>
             <a:r>
               <a:rPr lang="en-US" dirty="0" smtClean="0"/>
-              <a:t> [14] in 2000. They extended Jones et al.'s work [15] from branch coverage to path coverage</a:t>
+              <a:t> </a:t>
+            </a:r>
+            <a:r>
+              <a:rPr lang="en-US" dirty="0" smtClean="0"/>
+              <a:t>[</a:t>
+            </a:r>
+            <a:r>
+              <a:rPr lang="en-US" dirty="0" smtClean="0"/>
+              <a:t>2</a:t>
+            </a:r>
+            <a:r>
+              <a:rPr lang="en-US" dirty="0" smtClean="0"/>
+              <a:t>] </a:t>
+            </a:r>
+            <a:r>
+              <a:rPr lang="en-US" dirty="0" smtClean="0"/>
+              <a:t>in 2000. They extended Jones et al.'s work </a:t>
+            </a:r>
+            <a:r>
+              <a:rPr lang="en-US" dirty="0" smtClean="0"/>
+              <a:t>[</a:t>
+            </a:r>
+            <a:r>
+              <a:rPr lang="en-US" dirty="0" smtClean="0"/>
+              <a:t>3</a:t>
+            </a:r>
+            <a:r>
+              <a:rPr lang="en-US" dirty="0" smtClean="0"/>
+              <a:t>] </a:t>
+            </a:r>
+            <a:r>
+              <a:rPr lang="en-US" dirty="0" smtClean="0"/>
+              <a:t>from branch coverage to path coverage</a:t>
             </a:r>
             <a:r>
               <a:rPr lang="en-US" dirty="0" smtClean="0"/>
@@ -3560,7 +3598,23 @@
             </a:r>
             <a:r>
               <a:rPr lang="en-US" dirty="0" smtClean="0"/>
-              <a:t> [16] developed a multi-population genetic algorithm for path testing. </a:t>
+              <a:t> </a:t>
+            </a:r>
+            <a:r>
+              <a:rPr lang="en-US" dirty="0" smtClean="0"/>
+              <a:t>[</a:t>
+            </a:r>
+            <a:r>
+              <a:rPr lang="en-US" dirty="0" smtClean="0"/>
+              <a:t>4</a:t>
+            </a:r>
+            <a:r>
+              <a:rPr lang="en-US" dirty="0" smtClean="0"/>
+              <a:t>] </a:t>
+            </a:r>
+            <a:r>
+              <a:rPr lang="en-US" dirty="0" smtClean="0"/>
+              <a:t>developed a multi-population genetic algorithm for path testing. </a:t>
             </a:r>
             <a:endParaRPr lang="en-US" dirty="0"/>
           </a:p>
@@ -3693,7 +3747,23 @@
             </a:r>
             <a:r>
               <a:rPr lang="en-US" dirty="0" smtClean="0"/>
-              <a:t> and Fraser [18] introduced a novel mutation operator for evolutionary search which based on dynamic </a:t>
+              <a:t> and Fraser </a:t>
+            </a:r>
+            <a:r>
+              <a:rPr lang="en-US" dirty="0" smtClean="0"/>
+              <a:t>[</a:t>
+            </a:r>
+            <a:r>
+              <a:rPr lang="en-US" dirty="0" smtClean="0"/>
+              <a:t>5</a:t>
+            </a:r>
+            <a:r>
+              <a:rPr lang="en-US" dirty="0" smtClean="0"/>
+              <a:t>] </a:t>
+            </a:r>
+            <a:r>
+              <a:rPr lang="en-US" dirty="0" smtClean="0"/>
+              <a:t>introduced a novel mutation operator for evolutionary search which based on dynamic </a:t>
             </a:r>
             <a:r>
               <a:rPr lang="en-US" dirty="0" smtClean="0"/>
@@ -3714,7 +3784,31 @@
             </a:r>
             <a:r>
               <a:rPr lang="en-US" dirty="0" smtClean="0"/>
-              <a:t> [21] improved their GA research [22] in 2003 by adding a rewarding scheme and using a more efficient test data generator. </a:t>
+              <a:t> </a:t>
+            </a:r>
+            <a:r>
+              <a:rPr lang="en-US" dirty="0" smtClean="0"/>
+              <a:t>[6] </a:t>
+            </a:r>
+            <a:r>
+              <a:rPr lang="en-US" dirty="0" smtClean="0"/>
+              <a:t>improved their GA research </a:t>
+            </a:r>
+            <a:r>
+              <a:rPr lang="en-US" dirty="0" smtClean="0"/>
+              <a:t>[</a:t>
+            </a:r>
+            <a:r>
+              <a:rPr lang="en-US" dirty="0" smtClean="0"/>
+              <a:t>7</a:t>
+            </a:r>
+            <a:r>
+              <a:rPr lang="en-US" dirty="0" smtClean="0"/>
+              <a:t>] </a:t>
+            </a:r>
+            <a:r>
+              <a:rPr lang="en-US" dirty="0" smtClean="0"/>
+              <a:t>in 2003 by adding a rewarding scheme and using a more efficient test data generator. </a:t>
             </a:r>
             <a:endParaRPr lang="en-US" dirty="0"/>
           </a:p>
@@ -4182,7 +4276,7 @@
           <a:p>
             <a:pPr algn="l"/>
             <a:r>
-              <a:rPr lang="en-US" dirty="0" smtClean="0">
+              <a:rPr lang="en-US" b="1" dirty="0" smtClean="0">
                 <a:solidFill>
                   <a:schemeClr val="bg1"/>
                 </a:solidFill>
@@ -4195,7 +4289,7 @@
                   <a:schemeClr val="bg1"/>
                 </a:solidFill>
               </a:rPr>
-              <a:t>step 1: </a:t>
+              <a:t>s</a:t>
             </a:r>
             <a:r>
               <a:rPr lang="en-US" dirty="0" smtClean="0">
@@ -4203,7 +4297,7 @@
                   <a:schemeClr val="bg1"/>
                 </a:solidFill>
               </a:rPr>
-              <a:t>static </a:t>
+              <a:t>olve </a:t>
             </a:r>
             <a:r>
               <a:rPr lang="en-US" dirty="0" smtClean="0">
@@ -4211,9 +4305,17 @@
                   <a:schemeClr val="bg1"/>
                 </a:solidFill>
               </a:rPr>
-              <a:t>program analysis </a:t>
-            </a:r>
-            <a:endParaRPr lang="en-US" dirty="0">
+              <a:t>path conditions</a:t>
+            </a:r>
+            <a:r>
+              <a:rPr lang="en-US" b="1" dirty="0" smtClean="0">
+                <a:solidFill>
+                  <a:schemeClr val="bg1"/>
+                </a:solidFill>
+              </a:rPr>
+              <a:t> </a:t>
+            </a:r>
+            <a:endParaRPr lang="en-US" b="1" dirty="0">
               <a:solidFill>
                 <a:schemeClr val="bg1"/>
               </a:solidFill>
@@ -4221,47 +4323,70 @@
           </a:p>
         </p:txBody>
       </p:sp>
-      <p:sp>
-        <p:nvSpPr>
-          <p:cNvPr id="3" name="Content Placeholder 2"/>
-          <p:cNvSpPr>
-            <a:spLocks noGrp="1"/>
-          </p:cNvSpPr>
-          <p:nvPr>
-            <p:ph idx="1"/>
-          </p:nvPr>
-        </p:nvSpPr>
-        <p:spPr>
-          <a:xfrm>
-            <a:off x="457200" y="1052736"/>
-            <a:ext cx="8229600" cy="4205064"/>
-          </a:xfrm>
-        </p:spPr>
-        <p:txBody>
-          <a:bodyPr/>
-          <a:lstStyle/>
-          <a:p>
-            <a:pPr marL="0" indent="0">
-              <a:buNone/>
-            </a:pPr>
-            <a:r>
-              <a:rPr lang="en-US" dirty="0" smtClean="0"/>
-              <a:t>Solve path conditions </a:t>
-            </a:r>
-            <a:endParaRPr lang="en-US" dirty="0" smtClean="0"/>
-          </a:p>
-          <a:p>
-            <a:pPr marL="0" indent="0">
-              <a:buNone/>
-            </a:pPr>
-            <a:r>
-              <a:rPr lang="en-US" dirty="0" smtClean="0"/>
-              <a:t>Store constraint satisfaction </a:t>
-            </a:r>
-            <a:endParaRPr lang="en-US" dirty="0" smtClean="0"/>
-          </a:p>
-        </p:txBody>
-      </p:sp>
+      <p:pic>
+        <p:nvPicPr>
+          <p:cNvPr id="2050" name="Picture 2"/>
+          <p:cNvPicPr>
+            <a:picLocks noChangeAspect="1" noChangeArrowheads="1"/>
+          </p:cNvPicPr>
+          <p:nvPr/>
+        </p:nvPicPr>
+        <p:blipFill>
+          <a:blip r:embed="rId2" cstate="print"/>
+          <a:srcRect/>
+          <a:stretch>
+            <a:fillRect/>
+          </a:stretch>
+        </p:blipFill>
+        <p:spPr bwMode="auto">
+          <a:xfrm>
+            <a:off x="1043608" y="908720"/>
+            <a:ext cx="6848475" cy="2466975"/>
+          </a:xfrm>
+          <a:prstGeom prst="rect">
+            <a:avLst/>
+          </a:prstGeom>
+          <a:noFill/>
+          <a:ln w="9525">
+            <a:noFill/>
+            <a:miter lim="800000"/>
+            <a:headEnd/>
+            <a:tailEnd/>
+          </a:ln>
+        </p:spPr>
+      </p:pic>
+      <p:pic>
+        <p:nvPicPr>
+          <p:cNvPr id="2051" name="Picture 3"/>
+          <p:cNvPicPr>
+            <a:picLocks noChangeAspect="1" noChangeArrowheads="1"/>
+          </p:cNvPicPr>
+          <p:nvPr/>
+        </p:nvPicPr>
+        <p:blipFill>
+          <a:blip r:embed="rId3" cstate="print"/>
+          <a:srcRect/>
+          <a:stretch>
+            <a:fillRect/>
+          </a:stretch>
+        </p:blipFill>
+        <p:spPr bwMode="auto">
+          <a:xfrm>
+            <a:off x="467544" y="3573016"/>
+            <a:ext cx="8424936" cy="2476500"/>
+          </a:xfrm>
+          <a:prstGeom prst="rect">
+            <a:avLst/>
+          </a:prstGeom>
+          <a:noFill/>
+          <a:ln w="9525">
+            <a:noFill/>
+            <a:miter lim="800000"/>
+            <a:headEnd/>
+            <a:tailEnd/>
+          </a:ln>
+        </p:spPr>
+      </p:pic>
     </p:spTree>
     <p:extLst>
       <p:ext uri="{BB962C8B-B14F-4D97-AF65-F5344CB8AC3E}">
@@ -4342,7 +4467,7 @@
                   <a:schemeClr val="bg1"/>
                 </a:solidFill>
               </a:rPr>
-              <a:t>olve </a:t>
+              <a:t>tore </a:t>
             </a:r>
             <a:r>
               <a:rPr lang="en-US" dirty="0" smtClean="0">
@@ -4350,7 +4475,7 @@
                   <a:schemeClr val="bg1"/>
                 </a:solidFill>
               </a:rPr>
-              <a:t>path conditions</a:t>
+              <a:t>constraint satisfaction</a:t>
             </a:r>
             <a:r>
               <a:rPr lang="en-US" b="1" dirty="0" smtClean="0">
@@ -4370,7 +4495,7 @@
       </p:sp>
       <p:pic>
         <p:nvPicPr>
-          <p:cNvPr id="2050" name="Picture 2"/>
+          <p:cNvPr id="3074" name="Picture 2"/>
           <p:cNvPicPr>
             <a:picLocks noChangeAspect="1" noChangeArrowheads="1"/>
           </p:cNvPicPr>
@@ -4385,8 +4510,8 @@
         </p:blipFill>
         <p:spPr bwMode="auto">
           <a:xfrm>
-            <a:off x="1043608" y="908720"/>
-            <a:ext cx="6848475" cy="2466975"/>
+            <a:off x="755577" y="908720"/>
+            <a:ext cx="7344816" cy="2736304"/>
           </a:xfrm>
           <a:prstGeom prst="rect">
             <a:avLst/>
@@ -4402,7 +4527,7 @@
       </p:pic>
       <p:pic>
         <p:nvPicPr>
-          <p:cNvPr id="2051" name="Picture 3"/>
+          <p:cNvPr id="3076" name="Picture 4"/>
           <p:cNvPicPr>
             <a:picLocks noChangeAspect="1" noChangeArrowheads="1"/>
           </p:cNvPicPr>
@@ -4417,8 +4542,8 @@
         </p:blipFill>
         <p:spPr bwMode="auto">
           <a:xfrm>
-            <a:off x="467544" y="3573016"/>
-            <a:ext cx="8568952" cy="2476500"/>
+            <a:off x="611560" y="3789040"/>
+            <a:ext cx="7920880" cy="2681858"/>
           </a:xfrm>
           <a:prstGeom prst="rect">
             <a:avLst/>
@@ -4491,7 +4616,7 @@
           <a:p>
             <a:pPr algn="l"/>
             <a:r>
-              <a:rPr lang="en-US" b="1" dirty="0" smtClean="0">
+              <a:rPr lang="en-US" dirty="0" smtClean="0">
                 <a:solidFill>
                   <a:schemeClr val="bg1"/>
                 </a:solidFill>
@@ -4504,33 +4629,9 @@
                   <a:schemeClr val="bg1"/>
                 </a:solidFill>
               </a:rPr>
-              <a:t>s</a:t>
-            </a:r>
-            <a:r>
-              <a:rPr lang="en-US" dirty="0" smtClean="0">
-                <a:solidFill>
-                  <a:schemeClr val="bg1"/>
-                </a:solidFill>
-              </a:rPr>
-              <a:t>tore </a:t>
-            </a:r>
-            <a:r>
-              <a:rPr lang="en-US" dirty="0" smtClean="0">
-                <a:solidFill>
-                  <a:schemeClr val="bg1"/>
-                </a:solidFill>
-              </a:rPr>
-              <a:t>constraint satisfaction</a:t>
-            </a:r>
-            <a:r>
-              <a:rPr lang="en-US" b="1" dirty="0" smtClean="0">
-                <a:solidFill>
-                  <a:schemeClr val="bg1"/>
-                </a:solidFill>
-              </a:rPr>
-              <a:t> </a:t>
-            </a:r>
-            <a:endParaRPr lang="en-US" b="1" dirty="0">
+              <a:t>step 2: execute GA</a:t>
+            </a:r>
+            <a:endParaRPr lang="en-US" dirty="0">
               <a:solidFill>
                 <a:schemeClr val="bg1"/>
               </a:solidFill>
@@ -4538,70 +4639,46 @@
           </a:p>
         </p:txBody>
       </p:sp>
-      <p:pic>
-        <p:nvPicPr>
-          <p:cNvPr id="3074" name="Picture 2"/>
-          <p:cNvPicPr>
-            <a:picLocks noChangeAspect="1" noChangeArrowheads="1"/>
-          </p:cNvPicPr>
-          <p:nvPr/>
-        </p:nvPicPr>
-        <p:blipFill>
-          <a:blip r:embed="rId2" cstate="print"/>
-          <a:srcRect/>
-          <a:stretch>
-            <a:fillRect/>
-          </a:stretch>
-        </p:blipFill>
-        <p:spPr bwMode="auto">
-          <a:xfrm>
-            <a:off x="755577" y="908720"/>
-            <a:ext cx="7344816" cy="2736304"/>
-          </a:xfrm>
-          <a:prstGeom prst="rect">
-            <a:avLst/>
-          </a:prstGeom>
-          <a:noFill/>
-          <a:ln w="9525">
-            <a:noFill/>
-            <a:miter lim="800000"/>
-            <a:headEnd/>
-            <a:tailEnd/>
-          </a:ln>
-        </p:spPr>
-      </p:pic>
-      <p:pic>
-        <p:nvPicPr>
-          <p:cNvPr id="3076" name="Picture 4"/>
-          <p:cNvPicPr>
-            <a:picLocks noChangeAspect="1" noChangeArrowheads="1"/>
-          </p:cNvPicPr>
-          <p:nvPr/>
-        </p:nvPicPr>
-        <p:blipFill>
-          <a:blip r:embed="rId3" cstate="print"/>
-          <a:srcRect/>
-          <a:stretch>
-            <a:fillRect/>
-          </a:stretch>
-        </p:blipFill>
-        <p:spPr bwMode="auto">
-          <a:xfrm>
-            <a:off x="611560" y="3789040"/>
-            <a:ext cx="7920880" cy="2681858"/>
-          </a:xfrm>
-          <a:prstGeom prst="rect">
-            <a:avLst/>
-          </a:prstGeom>
-          <a:noFill/>
-          <a:ln w="9525">
-            <a:noFill/>
-            <a:miter lim="800000"/>
-            <a:headEnd/>
-            <a:tailEnd/>
-          </a:ln>
-        </p:spPr>
-      </p:pic>
+      <p:sp>
+        <p:nvSpPr>
+          <p:cNvPr id="3" name="Content Placeholder 2"/>
+          <p:cNvSpPr>
+            <a:spLocks noGrp="1"/>
+          </p:cNvSpPr>
+          <p:nvPr>
+            <p:ph idx="1"/>
+          </p:nvPr>
+        </p:nvSpPr>
+        <p:spPr>
+          <a:xfrm>
+            <a:off x="457200" y="1052736"/>
+            <a:ext cx="8229600" cy="4205064"/>
+          </a:xfrm>
+        </p:spPr>
+        <p:txBody>
+          <a:bodyPr/>
+          <a:lstStyle/>
+          <a:p>
+            <a:pPr marL="0" indent="0">
+              <a:buNone/>
+            </a:pPr>
+            <a:r>
+              <a:rPr lang="en-US" dirty="0" smtClean="0"/>
+              <a:t>Create fitness function </a:t>
+            </a:r>
+          </a:p>
+          <a:p>
+            <a:pPr marL="0" indent="0">
+              <a:buNone/>
+            </a:pPr>
+            <a:r>
+              <a:rPr lang="en-US" dirty="0" smtClean="0"/>
+              <a:t>Constraint-based adjustment</a:t>
+            </a:r>
+            <a:endParaRPr lang="en-US" dirty="0" smtClean="0"/>
+          </a:p>
+        </p:txBody>
+      </p:sp>
     </p:spTree>
     <p:extLst>
       <p:ext uri="{BB962C8B-B14F-4D97-AF65-F5344CB8AC3E}">
@@ -4674,7 +4751,7 @@
                   <a:schemeClr val="bg1"/>
                 </a:solidFill>
               </a:rPr>
-              <a:t>step 2: execute GA</a:t>
+              <a:t>Create fitness function</a:t>
             </a:r>
             <a:endParaRPr lang="en-US" dirty="0">
               <a:solidFill>
@@ -4684,46 +4761,38 @@
           </a:p>
         </p:txBody>
       </p:sp>
-      <p:sp>
-        <p:nvSpPr>
-          <p:cNvPr id="3" name="Content Placeholder 2"/>
-          <p:cNvSpPr>
-            <a:spLocks noGrp="1"/>
-          </p:cNvSpPr>
-          <p:nvPr>
-            <p:ph idx="1"/>
-          </p:nvPr>
-        </p:nvSpPr>
-        <p:spPr>
-          <a:xfrm>
-            <a:off x="457200" y="1052736"/>
-            <a:ext cx="8229600" cy="4205064"/>
-          </a:xfrm>
-        </p:spPr>
-        <p:txBody>
-          <a:bodyPr/>
-          <a:lstStyle/>
-          <a:p>
-            <a:pPr marL="0" indent="0">
-              <a:buNone/>
-            </a:pPr>
-            <a:r>
-              <a:rPr lang="en-US" dirty="0" smtClean="0"/>
-              <a:t>Create fitness function </a:t>
-            </a:r>
-          </a:p>
-          <a:p>
-            <a:pPr marL="0" indent="0">
-              <a:buNone/>
-            </a:pPr>
-            <a:r>
-              <a:rPr lang="en-US" dirty="0" smtClean="0"/>
-              <a:t>Constraint-based adjustment</a:t>
-            </a:r>
-            <a:endParaRPr lang="en-US" dirty="0" smtClean="0"/>
-          </a:p>
-        </p:txBody>
-      </p:sp>
+      <p:pic>
+        <p:nvPicPr>
+          <p:cNvPr id="4098" name="Picture 2"/>
+          <p:cNvPicPr>
+            <a:picLocks noChangeAspect="1" noChangeArrowheads="1"/>
+          </p:cNvPicPr>
+          <p:nvPr/>
+        </p:nvPicPr>
+        <p:blipFill>
+          <a:blip r:embed="rId2" cstate="print"/>
+          <a:srcRect/>
+          <a:stretch>
+            <a:fillRect/>
+          </a:stretch>
+        </p:blipFill>
+        <p:spPr bwMode="auto">
+          <a:xfrm>
+            <a:off x="381000" y="1340768"/>
+            <a:ext cx="8382000" cy="2779390"/>
+          </a:xfrm>
+          <a:prstGeom prst="rect">
+            <a:avLst/>
+          </a:prstGeom>
+          <a:noFill/>
+          <a:ln w="9525">
+            <a:noFill/>
+            <a:miter lim="800000"/>
+            <a:headEnd/>
+            <a:tailEnd/>
+          </a:ln>
+        </p:spPr>
+      </p:pic>
     </p:spTree>
     <p:extLst>
       <p:ext uri="{BB962C8B-B14F-4D97-AF65-F5344CB8AC3E}">
@@ -4946,7 +5015,23 @@
                   <a:schemeClr val="bg1"/>
                 </a:solidFill>
               </a:rPr>
-              <a:t>Create fitness function</a:t>
+              <a:t>c</a:t>
+            </a:r>
+            <a:r>
+              <a:rPr lang="en-US" dirty="0" smtClean="0">
+                <a:solidFill>
+                  <a:schemeClr val="bg1"/>
+                </a:solidFill>
+              </a:rPr>
+              <a:t>onstraint-based </a:t>
+            </a:r>
+            <a:r>
+              <a:rPr lang="en-US" dirty="0" smtClean="0">
+                <a:solidFill>
+                  <a:schemeClr val="bg1"/>
+                </a:solidFill>
+              </a:rPr>
+              <a:t>adjustment</a:t>
             </a:r>
             <a:endParaRPr lang="en-US" dirty="0">
               <a:solidFill>
@@ -4958,7 +5043,7 @@
       </p:sp>
       <p:pic>
         <p:nvPicPr>
-          <p:cNvPr id="4098" name="Picture 2"/>
+          <p:cNvPr id="5122" name="Picture 2"/>
           <p:cNvPicPr>
             <a:picLocks noChangeAspect="1" noChangeArrowheads="1"/>
           </p:cNvPicPr>
@@ -4973,8 +5058,8 @@
         </p:blipFill>
         <p:spPr bwMode="auto">
           <a:xfrm>
-            <a:off x="381000" y="1340768"/>
-            <a:ext cx="8382000" cy="2779390"/>
+            <a:off x="611560" y="1052736"/>
+            <a:ext cx="7848872" cy="4824536"/>
           </a:xfrm>
           <a:prstGeom prst="rect">
             <a:avLst/>
@@ -5052,31 +5137,7 @@
                   <a:schemeClr val="bg1"/>
                 </a:solidFill>
               </a:rPr>
-              <a:t> </a:t>
-            </a:r>
-            <a:r>
-              <a:rPr lang="en-US" dirty="0" smtClean="0">
-                <a:solidFill>
-                  <a:schemeClr val="bg1"/>
-                </a:solidFill>
-              </a:rPr>
-              <a:t>c</a:t>
-            </a:r>
-            <a:r>
-              <a:rPr lang="en-US" dirty="0" smtClean="0">
-                <a:solidFill>
-                  <a:schemeClr val="bg1"/>
-                </a:solidFill>
-              </a:rPr>
-              <a:t>onstraint-based </a:t>
-            </a:r>
-            <a:r>
-              <a:rPr lang="en-US" dirty="0" smtClean="0">
-                <a:solidFill>
-                  <a:schemeClr val="bg1"/>
-                </a:solidFill>
-              </a:rPr>
-              <a:t>adjustment</a:t>
+              <a:t> Outline</a:t>
             </a:r>
             <a:endParaRPr lang="en-US" dirty="0">
               <a:solidFill>
@@ -5086,42 +5147,86 @@
           </a:p>
         </p:txBody>
       </p:sp>
-      <p:pic>
-        <p:nvPicPr>
-          <p:cNvPr id="5122" name="Picture 2"/>
-          <p:cNvPicPr>
-            <a:picLocks noChangeAspect="1" noChangeArrowheads="1"/>
-          </p:cNvPicPr>
-          <p:nvPr/>
-        </p:nvPicPr>
-        <p:blipFill>
-          <a:blip r:embed="rId2" cstate="print"/>
-          <a:srcRect/>
-          <a:stretch>
-            <a:fillRect/>
-          </a:stretch>
-        </p:blipFill>
-        <p:spPr bwMode="auto">
-          <a:xfrm>
-            <a:off x="611560" y="1052736"/>
-            <a:ext cx="7848872" cy="4824536"/>
-          </a:xfrm>
-          <a:prstGeom prst="rect">
-            <a:avLst/>
-          </a:prstGeom>
-          <a:noFill/>
-          <a:ln w="9525">
-            <a:noFill/>
-            <a:miter lim="800000"/>
-            <a:headEnd/>
-            <a:tailEnd/>
-          </a:ln>
-        </p:spPr>
-      </p:pic>
+      <p:sp>
+        <p:nvSpPr>
+          <p:cNvPr id="3" name="Content Placeholder 2"/>
+          <p:cNvSpPr>
+            <a:spLocks noGrp="1"/>
+          </p:cNvSpPr>
+          <p:nvPr>
+            <p:ph idx="1"/>
+          </p:nvPr>
+        </p:nvSpPr>
+        <p:spPr>
+          <a:xfrm>
+            <a:off x="457200" y="1052736"/>
+            <a:ext cx="8229600" cy="4205064"/>
+          </a:xfrm>
+        </p:spPr>
+        <p:txBody>
+          <a:bodyPr/>
+          <a:lstStyle/>
+          <a:p>
+            <a:pPr marL="0" indent="0">
+              <a:buNone/>
+            </a:pPr>
+            <a:r>
+              <a:rPr lang="en-US" dirty="0" smtClean="0"/>
+              <a:t>1. Introduction</a:t>
+            </a:r>
+          </a:p>
+          <a:p>
+            <a:pPr marL="0" indent="0">
+              <a:buNone/>
+            </a:pPr>
+            <a:r>
+              <a:rPr lang="en-US" dirty="0" smtClean="0"/>
+              <a:t>2. Background</a:t>
+            </a:r>
+          </a:p>
+          <a:p>
+            <a:pPr marL="0" indent="0">
+              <a:buNone/>
+            </a:pPr>
+            <a:r>
+              <a:rPr lang="en-US" dirty="0" smtClean="0"/>
+              <a:t>3. Related work</a:t>
+            </a:r>
+          </a:p>
+          <a:p>
+            <a:pPr marL="0" indent="0">
+              <a:buNone/>
+            </a:pPr>
+            <a:r>
+              <a:rPr lang="en-US" dirty="0" smtClean="0"/>
+              <a:t>4. Proposed approach</a:t>
+            </a:r>
+          </a:p>
+          <a:p>
+            <a:pPr marL="0" indent="0">
+              <a:buNone/>
+            </a:pPr>
+            <a:r>
+              <a:rPr lang="en-US" b="1" dirty="0" smtClean="0"/>
+              <a:t>5. Experimental result</a:t>
+            </a:r>
+          </a:p>
+          <a:p>
+            <a:pPr marL="0" indent="0">
+              <a:buNone/>
+            </a:pPr>
+            <a:r>
+              <a:rPr lang="en-US" dirty="0" smtClean="0"/>
+              <a:t>6. Conclusion</a:t>
+            </a:r>
+            <a:endParaRPr lang="en-US" dirty="0"/>
+          </a:p>
+        </p:txBody>
+      </p:sp>
     </p:spTree>
     <p:extLst>
       <p:ext uri="{BB962C8B-B14F-4D97-AF65-F5344CB8AC3E}">
-        <p14:creationId xmlns="" xmlns:p14="http://schemas.microsoft.com/office/powerpoint/2010/main" val="1848409642"/>
+        <p14:creationId xmlns="" xmlns:p14="http://schemas.microsoft.com/office/powerpoint/2010/main" val="3185099068"/>
       </p:ext>
     </p:extLst>
   </p:cSld>
@@ -5182,7 +5287,23 @@
                   <a:schemeClr val="bg1"/>
                 </a:solidFill>
               </a:rPr>
-              <a:t> Outline</a:t>
+              <a:t> </a:t>
+            </a:r>
+            <a:r>
+              <a:rPr lang="en-US" dirty="0" err="1" smtClean="0">
+                <a:solidFill>
+                  <a:schemeClr val="bg1"/>
+                </a:solidFill>
+              </a:rPr>
+              <a:t>Tritype</a:t>
+            </a:r>
+            <a:r>
+              <a:rPr lang="en-US" dirty="0" smtClean="0">
+                <a:solidFill>
+                  <a:schemeClr val="bg1"/>
+                </a:solidFill>
+              </a:rPr>
+              <a:t> program under test</a:t>
             </a:r>
             <a:endParaRPr lang="en-US" dirty="0">
               <a:solidFill>
@@ -5192,82 +5313,38 @@
           </a:p>
         </p:txBody>
       </p:sp>
-      <p:sp>
-        <p:nvSpPr>
-          <p:cNvPr id="3" name="Content Placeholder 2"/>
-          <p:cNvSpPr>
-            <a:spLocks noGrp="1"/>
-          </p:cNvSpPr>
-          <p:nvPr>
-            <p:ph idx="1"/>
-          </p:nvPr>
-        </p:nvSpPr>
-        <p:spPr>
-          <a:xfrm>
-            <a:off x="457200" y="1052736"/>
-            <a:ext cx="8229600" cy="4205064"/>
-          </a:xfrm>
-        </p:spPr>
-        <p:txBody>
-          <a:bodyPr/>
-          <a:lstStyle/>
-          <a:p>
-            <a:pPr marL="0" indent="0">
-              <a:buNone/>
-            </a:pPr>
-            <a:r>
-              <a:rPr lang="en-US" dirty="0" smtClean="0"/>
-              <a:t>1. Introduction</a:t>
-            </a:r>
-          </a:p>
-          <a:p>
-            <a:pPr marL="0" indent="0">
-              <a:buNone/>
-            </a:pPr>
-            <a:r>
-              <a:rPr lang="en-US" dirty="0" smtClean="0"/>
-              <a:t>2. Background</a:t>
-            </a:r>
-          </a:p>
-          <a:p>
-            <a:pPr marL="0" indent="0">
-              <a:buNone/>
-            </a:pPr>
-            <a:r>
-              <a:rPr lang="en-US" dirty="0" smtClean="0"/>
-              <a:t>3. Related work</a:t>
-            </a:r>
-          </a:p>
-          <a:p>
-            <a:pPr marL="0" indent="0">
-              <a:buNone/>
-            </a:pPr>
-            <a:r>
-              <a:rPr lang="en-US" dirty="0" smtClean="0"/>
-              <a:t>4. Proposed approach</a:t>
-            </a:r>
-          </a:p>
-          <a:p>
-            <a:pPr marL="0" indent="0">
-              <a:buNone/>
-            </a:pPr>
-            <a:r>
-              <a:rPr lang="en-US" b="1" dirty="0" smtClean="0"/>
-              <a:t>5. Experimental result</a:t>
-            </a:r>
-          </a:p>
-          <a:p>
-            <a:pPr marL="0" indent="0">
-              <a:buNone/>
-            </a:pPr>
-            <a:r>
-              <a:rPr lang="en-US" dirty="0" smtClean="0"/>
-              <a:t>6. Conclusion</a:t>
-            </a:r>
-            <a:endParaRPr lang="en-US" dirty="0"/>
-          </a:p>
-        </p:txBody>
-      </p:sp>
+      <p:pic>
+        <p:nvPicPr>
+          <p:cNvPr id="6146" name="Picture 2"/>
+          <p:cNvPicPr>
+            <a:picLocks noChangeAspect="1" noChangeArrowheads="1"/>
+          </p:cNvPicPr>
+          <p:nvPr/>
+        </p:nvPicPr>
+        <p:blipFill>
+          <a:blip r:embed="rId2" cstate="print"/>
+          <a:srcRect/>
+          <a:stretch>
+            <a:fillRect/>
+          </a:stretch>
+        </p:blipFill>
+        <p:spPr bwMode="auto">
+          <a:xfrm>
+            <a:off x="899592" y="1268760"/>
+            <a:ext cx="6984776" cy="3888432"/>
+          </a:xfrm>
+          <a:prstGeom prst="rect">
+            <a:avLst/>
+          </a:prstGeom>
+          <a:noFill/>
+          <a:ln w="9525">
+            <a:noFill/>
+            <a:miter lim="800000"/>
+            <a:headEnd/>
+            <a:tailEnd/>
+          </a:ln>
+        </p:spPr>
+      </p:pic>
     </p:spTree>
     <p:extLst>
       <p:ext uri="{BB962C8B-B14F-4D97-AF65-F5344CB8AC3E}">
@@ -5332,7 +5409,23 @@
                   <a:schemeClr val="bg1"/>
                 </a:solidFill>
               </a:rPr>
-              <a:t> Outline</a:t>
+              <a:t> </a:t>
+            </a:r>
+            <a:r>
+              <a:rPr lang="en-US" dirty="0" err="1" smtClean="0">
+                <a:solidFill>
+                  <a:schemeClr val="bg1"/>
+                </a:solidFill>
+              </a:rPr>
+              <a:t>QuadEq2</a:t>
+            </a:r>
+            <a:r>
+              <a:rPr lang="en-US" dirty="0" smtClean="0">
+                <a:solidFill>
+                  <a:schemeClr val="bg1"/>
+                </a:solidFill>
+              </a:rPr>
+              <a:t> program under test</a:t>
             </a:r>
             <a:endParaRPr lang="en-US" dirty="0">
               <a:solidFill>
@@ -5342,6 +5435,404 @@
           </a:p>
         </p:txBody>
       </p:sp>
+      <p:pic>
+        <p:nvPicPr>
+          <p:cNvPr id="7170" name="Picture 2"/>
+          <p:cNvPicPr>
+            <a:picLocks noChangeAspect="1" noChangeArrowheads="1"/>
+          </p:cNvPicPr>
+          <p:nvPr/>
+        </p:nvPicPr>
+        <p:blipFill>
+          <a:blip r:embed="rId2" cstate="print"/>
+          <a:srcRect/>
+          <a:stretch>
+            <a:fillRect/>
+          </a:stretch>
+        </p:blipFill>
+        <p:spPr bwMode="auto">
+          <a:xfrm>
+            <a:off x="899592" y="1124744"/>
+            <a:ext cx="7105650" cy="4772025"/>
+          </a:xfrm>
+          <a:prstGeom prst="rect">
+            <a:avLst/>
+          </a:prstGeom>
+          <a:noFill/>
+          <a:ln w="9525">
+            <a:noFill/>
+            <a:miter lim="800000"/>
+            <a:headEnd/>
+            <a:tailEnd/>
+          </a:ln>
+        </p:spPr>
+      </p:pic>
+    </p:spTree>
+    <p:extLst>
+      <p:ext uri="{BB962C8B-B14F-4D97-AF65-F5344CB8AC3E}">
+        <p14:creationId xmlns="" xmlns:p14="http://schemas.microsoft.com/office/powerpoint/2010/main" val="3185099068"/>
+      </p:ext>
+    </p:extLst>
+  </p:cSld>
+  <p:clrMapOvr>
+    <a:masterClrMapping/>
+  </p:clrMapOvr>
+</p:sld>
+</file>
+
+<file path=ppt/slides/slide24.xml><?xml version="1.0" encoding="utf-8"?>
+<p:sld xmlns:a="http://schemas.openxmlformats.org/drawingml/2006/main" xmlns:r="http://schemas.openxmlformats.org/officeDocument/2006/relationships" xmlns:p="http://schemas.openxmlformats.org/presentationml/2006/main">
+  <p:cSld>
+    <p:spTree>
+      <p:nvGrpSpPr>
+        <p:cNvPr id="1" name=""/>
+        <p:cNvGrpSpPr/>
+        <p:nvPr/>
+      </p:nvGrpSpPr>
+      <p:grpSpPr>
+        <a:xfrm>
+          <a:off x="0" y="0"/>
+          <a:ext cx="0" cy="0"/>
+          <a:chOff x="0" y="0"/>
+          <a:chExt cx="0" cy="0"/>
+        </a:xfrm>
+      </p:grpSpPr>
+      <p:sp>
+        <p:nvSpPr>
+          <p:cNvPr id="2" name="Title 1"/>
+          <p:cNvSpPr>
+            <a:spLocks noGrp="1"/>
+          </p:cNvSpPr>
+          <p:nvPr>
+            <p:ph type="title"/>
+          </p:nvPr>
+        </p:nvSpPr>
+        <p:spPr>
+          <a:xfrm>
+            <a:off x="-2912" y="0"/>
+            <a:ext cx="9146912" cy="692696"/>
+          </a:xfrm>
+          <a:solidFill>
+            <a:schemeClr val="bg1">
+              <a:lumMod val="75000"/>
+            </a:schemeClr>
+          </a:solidFill>
+        </p:spPr>
+        <p:txBody>
+          <a:bodyPr>
+            <a:normAutofit fontScale="90000"/>
+          </a:bodyPr>
+          <a:lstStyle/>
+          <a:p>
+            <a:pPr algn="l"/>
+            <a:r>
+              <a:rPr lang="en-US" dirty="0" smtClean="0">
+                <a:solidFill>
+                  <a:schemeClr val="bg1"/>
+                </a:solidFill>
+              </a:rPr>
+              <a:t> </a:t>
+            </a:r>
+            <a:r>
+              <a:rPr lang="en-US" dirty="0" smtClean="0">
+                <a:solidFill>
+                  <a:schemeClr val="bg1"/>
+                </a:solidFill>
+              </a:rPr>
+              <a:t>t</a:t>
+            </a:r>
+            <a:r>
+              <a:rPr lang="en-US" dirty="0" smtClean="0">
+                <a:solidFill>
+                  <a:schemeClr val="bg1"/>
+                </a:solidFill>
+              </a:rPr>
+              <a:t>est </a:t>
+            </a:r>
+            <a:r>
+              <a:rPr lang="en-US" dirty="0" smtClean="0">
+                <a:solidFill>
+                  <a:schemeClr val="bg1"/>
+                </a:solidFill>
+              </a:rPr>
+              <a:t>path coverage</a:t>
+            </a:r>
+            <a:endParaRPr lang="en-US" dirty="0">
+              <a:solidFill>
+                <a:schemeClr val="bg1"/>
+              </a:solidFill>
+            </a:endParaRPr>
+          </a:p>
+        </p:txBody>
+      </p:sp>
+      <p:pic>
+        <p:nvPicPr>
+          <p:cNvPr id="8194" name="Picture 2"/>
+          <p:cNvPicPr>
+            <a:picLocks noChangeAspect="1" noChangeArrowheads="1"/>
+          </p:cNvPicPr>
+          <p:nvPr/>
+        </p:nvPicPr>
+        <p:blipFill>
+          <a:blip r:embed="rId2" cstate="print"/>
+          <a:srcRect/>
+          <a:stretch>
+            <a:fillRect/>
+          </a:stretch>
+        </p:blipFill>
+        <p:spPr bwMode="auto">
+          <a:xfrm>
+            <a:off x="683568" y="1196752"/>
+            <a:ext cx="7632848" cy="1728192"/>
+          </a:xfrm>
+          <a:prstGeom prst="rect">
+            <a:avLst/>
+          </a:prstGeom>
+          <a:noFill/>
+          <a:ln w="9525">
+            <a:noFill/>
+            <a:miter lim="800000"/>
+            <a:headEnd/>
+            <a:tailEnd/>
+          </a:ln>
+        </p:spPr>
+      </p:pic>
+      <p:pic>
+        <p:nvPicPr>
+          <p:cNvPr id="8197" name="Picture 5"/>
+          <p:cNvPicPr>
+            <a:picLocks noChangeAspect="1" noChangeArrowheads="1"/>
+          </p:cNvPicPr>
+          <p:nvPr/>
+        </p:nvPicPr>
+        <p:blipFill>
+          <a:blip r:embed="rId3" cstate="print"/>
+          <a:srcRect/>
+          <a:stretch>
+            <a:fillRect/>
+          </a:stretch>
+        </p:blipFill>
+        <p:spPr bwMode="auto">
+          <a:xfrm>
+            <a:off x="467544" y="3356992"/>
+            <a:ext cx="8496943" cy="2390775"/>
+          </a:xfrm>
+          <a:prstGeom prst="rect">
+            <a:avLst/>
+          </a:prstGeom>
+          <a:noFill/>
+          <a:ln w="9525">
+            <a:noFill/>
+            <a:miter lim="800000"/>
+            <a:headEnd/>
+            <a:tailEnd/>
+          </a:ln>
+        </p:spPr>
+      </p:pic>
+    </p:spTree>
+    <p:extLst>
+      <p:ext uri="{BB962C8B-B14F-4D97-AF65-F5344CB8AC3E}">
+        <p14:creationId xmlns="" xmlns:p14="http://schemas.microsoft.com/office/powerpoint/2010/main" val="3185099068"/>
+      </p:ext>
+    </p:extLst>
+  </p:cSld>
+  <p:clrMapOvr>
+    <a:masterClrMapping/>
+  </p:clrMapOvr>
+</p:sld>
+</file>
+
+<file path=ppt/slides/slide25.xml><?xml version="1.0" encoding="utf-8"?>
+<p:sld xmlns:a="http://schemas.openxmlformats.org/drawingml/2006/main" xmlns:r="http://schemas.openxmlformats.org/officeDocument/2006/relationships" xmlns:p="http://schemas.openxmlformats.org/presentationml/2006/main">
+  <p:cSld>
+    <p:spTree>
+      <p:nvGrpSpPr>
+        <p:cNvPr id="1" name=""/>
+        <p:cNvGrpSpPr/>
+        <p:nvPr/>
+      </p:nvGrpSpPr>
+      <p:grpSpPr>
+        <a:xfrm>
+          <a:off x="0" y="0"/>
+          <a:ext cx="0" cy="0"/>
+          <a:chOff x="0" y="0"/>
+          <a:chExt cx="0" cy="0"/>
+        </a:xfrm>
+      </p:grpSpPr>
+      <p:sp>
+        <p:nvSpPr>
+          <p:cNvPr id="2" name="Title 1"/>
+          <p:cNvSpPr>
+            <a:spLocks noGrp="1"/>
+          </p:cNvSpPr>
+          <p:nvPr>
+            <p:ph type="title"/>
+          </p:nvPr>
+        </p:nvSpPr>
+        <p:spPr>
+          <a:xfrm>
+            <a:off x="-2912" y="0"/>
+            <a:ext cx="9146912" cy="692696"/>
+          </a:xfrm>
+          <a:solidFill>
+            <a:schemeClr val="bg1">
+              <a:lumMod val="75000"/>
+            </a:schemeClr>
+          </a:solidFill>
+        </p:spPr>
+        <p:txBody>
+          <a:bodyPr>
+            <a:normAutofit fontScale="90000"/>
+          </a:bodyPr>
+          <a:lstStyle/>
+          <a:p>
+            <a:pPr algn="l"/>
+            <a:r>
+              <a:rPr lang="en-US" dirty="0" smtClean="0">
+                <a:solidFill>
+                  <a:schemeClr val="bg1"/>
+                </a:solidFill>
+              </a:rPr>
+              <a:t> </a:t>
+            </a:r>
+            <a:r>
+              <a:rPr lang="en-US" dirty="0" smtClean="0">
+                <a:solidFill>
+                  <a:schemeClr val="bg1"/>
+                </a:solidFill>
+              </a:rPr>
+              <a:t>t</a:t>
+            </a:r>
+            <a:r>
+              <a:rPr lang="en-US" dirty="0" smtClean="0">
+                <a:solidFill>
+                  <a:schemeClr val="bg1"/>
+                </a:solidFill>
+              </a:rPr>
+              <a:t>est </a:t>
+            </a:r>
+            <a:r>
+              <a:rPr lang="en-US" dirty="0" smtClean="0">
+                <a:solidFill>
+                  <a:schemeClr val="bg1"/>
+                </a:solidFill>
+              </a:rPr>
+              <a:t>data generation counts</a:t>
+            </a:r>
+            <a:endParaRPr lang="en-US" dirty="0">
+              <a:solidFill>
+                <a:schemeClr val="bg1"/>
+              </a:solidFill>
+            </a:endParaRPr>
+          </a:p>
+        </p:txBody>
+      </p:sp>
+      <p:pic>
+        <p:nvPicPr>
+          <p:cNvPr id="9218" name="Picture 2"/>
+          <p:cNvPicPr>
+            <a:picLocks noChangeAspect="1" noChangeArrowheads="1"/>
+          </p:cNvPicPr>
+          <p:nvPr/>
+        </p:nvPicPr>
+        <p:blipFill>
+          <a:blip r:embed="rId2" cstate="print"/>
+          <a:srcRect/>
+          <a:stretch>
+            <a:fillRect/>
+          </a:stretch>
+        </p:blipFill>
+        <p:spPr bwMode="auto">
+          <a:xfrm>
+            <a:off x="683568" y="1340768"/>
+            <a:ext cx="7776864" cy="1944216"/>
+          </a:xfrm>
+          <a:prstGeom prst="rect">
+            <a:avLst/>
+          </a:prstGeom>
+          <a:noFill/>
+          <a:ln w="9525">
+            <a:noFill/>
+            <a:miter lim="800000"/>
+            <a:headEnd/>
+            <a:tailEnd/>
+          </a:ln>
+        </p:spPr>
+      </p:pic>
+    </p:spTree>
+    <p:extLst>
+      <p:ext uri="{BB962C8B-B14F-4D97-AF65-F5344CB8AC3E}">
+        <p14:creationId xmlns="" xmlns:p14="http://schemas.microsoft.com/office/powerpoint/2010/main" val="3185099068"/>
+      </p:ext>
+    </p:extLst>
+  </p:cSld>
+  <p:clrMapOvr>
+    <a:masterClrMapping/>
+  </p:clrMapOvr>
+</p:sld>
+</file>
+
+<file path=ppt/slides/slide26.xml><?xml version="1.0" encoding="utf-8"?>
+<p:sld xmlns:a="http://schemas.openxmlformats.org/drawingml/2006/main" xmlns:r="http://schemas.openxmlformats.org/officeDocument/2006/relationships" xmlns:p="http://schemas.openxmlformats.org/presentationml/2006/main">
+  <p:cSld>
+    <p:spTree>
+      <p:nvGrpSpPr>
+        <p:cNvPr id="1" name=""/>
+        <p:cNvGrpSpPr/>
+        <p:nvPr/>
+      </p:nvGrpSpPr>
+      <p:grpSpPr>
+        <a:xfrm>
+          <a:off x="0" y="0"/>
+          <a:ext cx="0" cy="0"/>
+          <a:chOff x="0" y="0"/>
+          <a:chExt cx="0" cy="0"/>
+        </a:xfrm>
+      </p:grpSpPr>
+      <p:sp>
+        <p:nvSpPr>
+          <p:cNvPr id="2" name="Title 1"/>
+          <p:cNvSpPr>
+            <a:spLocks noGrp="1"/>
+          </p:cNvSpPr>
+          <p:nvPr>
+            <p:ph type="title"/>
+          </p:nvPr>
+        </p:nvSpPr>
+        <p:spPr>
+          <a:xfrm>
+            <a:off x="-2912" y="0"/>
+            <a:ext cx="9146912" cy="692696"/>
+          </a:xfrm>
+          <a:solidFill>
+            <a:schemeClr val="bg1">
+              <a:lumMod val="75000"/>
+            </a:schemeClr>
+          </a:solidFill>
+        </p:spPr>
+        <p:txBody>
+          <a:bodyPr>
+            <a:normAutofit fontScale="90000"/>
+          </a:bodyPr>
+          <a:lstStyle/>
+          <a:p>
+            <a:pPr algn="l"/>
+            <a:r>
+              <a:rPr lang="en-US" dirty="0" smtClean="0">
+                <a:solidFill>
+                  <a:schemeClr val="bg1"/>
+                </a:solidFill>
+              </a:rPr>
+              <a:t> Outline</a:t>
+            </a:r>
+            <a:endParaRPr lang="en-US" dirty="0">
+              <a:solidFill>
+                <a:schemeClr val="bg1"/>
+              </a:solidFill>
+            </a:endParaRPr>
+          </a:p>
+        </p:txBody>
+      </p:sp>
       <p:sp>
         <p:nvSpPr>
           <p:cNvPr id="3" name="Content Placeholder 2"/>
@@ -5418,6 +5909,490 @@
           </a:p>
         </p:txBody>
       </p:sp>
+    </p:spTree>
+    <p:extLst>
+      <p:ext uri="{BB962C8B-B14F-4D97-AF65-F5344CB8AC3E}">
+        <p14:creationId xmlns="" xmlns:p14="http://schemas.microsoft.com/office/powerpoint/2010/main" val="1133312594"/>
+      </p:ext>
+    </p:extLst>
+  </p:cSld>
+  <p:clrMapOvr>
+    <a:masterClrMapping/>
+  </p:clrMapOvr>
+</p:sld>
+</file>
+
+<file path=ppt/slides/slide27.xml><?xml version="1.0" encoding="utf-8"?>
+<p:sld xmlns:a="http://schemas.openxmlformats.org/drawingml/2006/main" xmlns:r="http://schemas.openxmlformats.org/officeDocument/2006/relationships" xmlns:p="http://schemas.openxmlformats.org/presentationml/2006/main">
+  <p:cSld>
+    <p:spTree>
+      <p:nvGrpSpPr>
+        <p:cNvPr id="1" name=""/>
+        <p:cNvGrpSpPr/>
+        <p:nvPr/>
+      </p:nvGrpSpPr>
+      <p:grpSpPr>
+        <a:xfrm>
+          <a:off x="0" y="0"/>
+          <a:ext cx="0" cy="0"/>
+          <a:chOff x="0" y="0"/>
+          <a:chExt cx="0" cy="0"/>
+        </a:xfrm>
+      </p:grpSpPr>
+      <p:sp>
+        <p:nvSpPr>
+          <p:cNvPr id="2" name="Title 1"/>
+          <p:cNvSpPr>
+            <a:spLocks noGrp="1"/>
+          </p:cNvSpPr>
+          <p:nvPr>
+            <p:ph type="title"/>
+          </p:nvPr>
+        </p:nvSpPr>
+        <p:spPr>
+          <a:xfrm>
+            <a:off x="-2912" y="0"/>
+            <a:ext cx="9146912" cy="692696"/>
+          </a:xfrm>
+          <a:solidFill>
+            <a:schemeClr val="bg1">
+              <a:lumMod val="75000"/>
+            </a:schemeClr>
+          </a:solidFill>
+        </p:spPr>
+        <p:txBody>
+          <a:bodyPr>
+            <a:normAutofit fontScale="90000"/>
+          </a:bodyPr>
+          <a:lstStyle/>
+          <a:p>
+            <a:pPr algn="l"/>
+            <a:r>
+              <a:rPr lang="en-US" dirty="0" smtClean="0">
+                <a:solidFill>
+                  <a:schemeClr val="bg1"/>
+                </a:solidFill>
+              </a:rPr>
+              <a:t> conclusion</a:t>
+            </a:r>
+            <a:endParaRPr lang="en-US" dirty="0">
+              <a:solidFill>
+                <a:schemeClr val="bg1"/>
+              </a:solidFill>
+            </a:endParaRPr>
+          </a:p>
+        </p:txBody>
+      </p:sp>
+      <p:sp>
+        <p:nvSpPr>
+          <p:cNvPr id="3" name="Content Placeholder 2"/>
+          <p:cNvSpPr>
+            <a:spLocks noGrp="1"/>
+          </p:cNvSpPr>
+          <p:nvPr>
+            <p:ph idx="1"/>
+          </p:nvPr>
+        </p:nvSpPr>
+        <p:spPr>
+          <a:xfrm>
+            <a:off x="457200" y="908720"/>
+            <a:ext cx="8229600" cy="5256584"/>
+          </a:xfrm>
+        </p:spPr>
+        <p:txBody>
+          <a:bodyPr>
+            <a:noAutofit/>
+          </a:bodyPr>
+          <a:lstStyle/>
+          <a:p>
+            <a:r>
+              <a:rPr lang="en-US" sz="2500" dirty="0" smtClean="0"/>
+              <a:t>From </a:t>
+            </a:r>
+            <a:r>
+              <a:rPr lang="en-US" sz="2500" dirty="0" smtClean="0"/>
+              <a:t>a given program under test, we find out the test paths which are difficult or impossible for GA to generate coverage test data, and then use the </a:t>
+            </a:r>
+            <a:r>
+              <a:rPr lang="en-US" sz="2500" dirty="0" smtClean="0"/>
+              <a:t>constraint </a:t>
+            </a:r>
+            <a:r>
+              <a:rPr lang="en-US" sz="2500" dirty="0" smtClean="0"/>
+              <a:t>solver </a:t>
+            </a:r>
+            <a:r>
+              <a:rPr lang="en-US" sz="2500" dirty="0" err="1" smtClean="0"/>
+              <a:t>Z3</a:t>
+            </a:r>
+            <a:r>
+              <a:rPr lang="en-US" sz="2500" dirty="0" smtClean="0"/>
+              <a:t> </a:t>
+            </a:r>
+            <a:r>
+              <a:rPr lang="en-US" sz="2500" dirty="0" smtClean="0"/>
+              <a:t>to </a:t>
+            </a:r>
+            <a:r>
+              <a:rPr lang="en-US" sz="2500" dirty="0" smtClean="0"/>
+              <a:t>solve these path conditions. The constraint satisfaction </a:t>
+            </a:r>
+            <a:r>
+              <a:rPr lang="en-US" sz="2500" dirty="0" smtClean="0"/>
+              <a:t>will </a:t>
+            </a:r>
+            <a:r>
+              <a:rPr lang="en-US" sz="2500" dirty="0" smtClean="0"/>
+              <a:t>be used again in generating population of GA. </a:t>
+            </a:r>
+            <a:endParaRPr lang="en-US" sz="2500" dirty="0" smtClean="0"/>
+          </a:p>
+          <a:p>
+            <a:r>
+              <a:rPr lang="en-US" sz="2500" dirty="0" smtClean="0"/>
+              <a:t>The </a:t>
+            </a:r>
+            <a:r>
+              <a:rPr lang="en-US" sz="2500" dirty="0" smtClean="0"/>
+              <a:t>experimental results of some programs under test demonstrate that improved GA generated test data can cover all feasible paths having path conditions which cannot be covered by test data generated from regular GA. </a:t>
+            </a:r>
+          </a:p>
+          <a:p>
+            <a:r>
+              <a:rPr lang="en-US" sz="2500" dirty="0" smtClean="0"/>
+              <a:t>In the future, we will investigate how to automatically insert instrument code into the given program under test. Moreover, we are going to extend our proposed method to apply to the more complex programs under test. </a:t>
+            </a:r>
+            <a:endParaRPr lang="en-US" sz="2500" b="1" dirty="0"/>
+          </a:p>
+        </p:txBody>
+      </p:sp>
+    </p:spTree>
+    <p:extLst>
+      <p:ext uri="{BB962C8B-B14F-4D97-AF65-F5344CB8AC3E}">
+        <p14:creationId xmlns="" xmlns:p14="http://schemas.microsoft.com/office/powerpoint/2010/main" val="1133312594"/>
+      </p:ext>
+    </p:extLst>
+  </p:cSld>
+  <p:clrMapOvr>
+    <a:masterClrMapping/>
+  </p:clrMapOvr>
+</p:sld>
+</file>
+
+<file path=ppt/slides/slide28.xml><?xml version="1.0" encoding="utf-8"?>
+<p:sld xmlns:a="http://schemas.openxmlformats.org/drawingml/2006/main" xmlns:r="http://schemas.openxmlformats.org/officeDocument/2006/relationships" xmlns:p="http://schemas.openxmlformats.org/presentationml/2006/main">
+  <p:cSld>
+    <p:spTree>
+      <p:nvGrpSpPr>
+        <p:cNvPr id="1" name=""/>
+        <p:cNvGrpSpPr/>
+        <p:nvPr/>
+      </p:nvGrpSpPr>
+      <p:grpSpPr>
+        <a:xfrm>
+          <a:off x="0" y="0"/>
+          <a:ext cx="0" cy="0"/>
+          <a:chOff x="0" y="0"/>
+          <a:chExt cx="0" cy="0"/>
+        </a:xfrm>
+      </p:grpSpPr>
+      <p:sp>
+        <p:nvSpPr>
+          <p:cNvPr id="2" name="Title 1"/>
+          <p:cNvSpPr>
+            <a:spLocks noGrp="1"/>
+          </p:cNvSpPr>
+          <p:nvPr>
+            <p:ph type="title"/>
+          </p:nvPr>
+        </p:nvSpPr>
+        <p:spPr>
+          <a:xfrm>
+            <a:off x="-2912" y="0"/>
+            <a:ext cx="9146912" cy="692696"/>
+          </a:xfrm>
+          <a:solidFill>
+            <a:schemeClr val="bg1">
+              <a:lumMod val="75000"/>
+            </a:schemeClr>
+          </a:solidFill>
+        </p:spPr>
+        <p:txBody>
+          <a:bodyPr>
+            <a:normAutofit fontScale="90000"/>
+          </a:bodyPr>
+          <a:lstStyle/>
+          <a:p>
+            <a:pPr algn="l"/>
+            <a:r>
+              <a:rPr lang="en-US" dirty="0" smtClean="0">
+                <a:solidFill>
+                  <a:schemeClr val="bg1"/>
+                </a:solidFill>
+              </a:rPr>
+              <a:t> reference</a:t>
+            </a:r>
+            <a:endParaRPr lang="en-US" dirty="0">
+              <a:solidFill>
+                <a:schemeClr val="bg1"/>
+              </a:solidFill>
+            </a:endParaRPr>
+          </a:p>
+        </p:txBody>
+      </p:sp>
+      <p:sp>
+        <p:nvSpPr>
+          <p:cNvPr id="3" name="Content Placeholder 2"/>
+          <p:cNvSpPr>
+            <a:spLocks noGrp="1"/>
+          </p:cNvSpPr>
+          <p:nvPr>
+            <p:ph idx="1"/>
+          </p:nvPr>
+        </p:nvSpPr>
+        <p:spPr>
+          <a:xfrm>
+            <a:off x="385025" y="836712"/>
+            <a:ext cx="8424936" cy="5755946"/>
+          </a:xfrm>
+        </p:spPr>
+        <p:txBody>
+          <a:bodyPr>
+            <a:noAutofit/>
+          </a:bodyPr>
+          <a:lstStyle/>
+          <a:p>
+            <a:pPr marL="514350" indent="-514350">
+              <a:buAutoNum type="arabicPeriod"/>
+            </a:pPr>
+            <a:r>
+              <a:rPr lang="en-US" sz="1900" dirty="0" smtClean="0"/>
+              <a:t>G</a:t>
+            </a:r>
+            <a:r>
+              <a:rPr lang="en-US" sz="1900" dirty="0" smtClean="0"/>
+              <a:t>. J. Myers: The Art of Software Testing, 2nd edition. John Wiley &amp; Sons Inc (2004</a:t>
+            </a:r>
+            <a:r>
+              <a:rPr lang="en-US" sz="1900" dirty="0" smtClean="0"/>
+              <a:t>).</a:t>
+            </a:r>
+          </a:p>
+          <a:p>
+            <a:pPr marL="457200" indent="-457200">
+              <a:buAutoNum type="arabicPeriod"/>
+            </a:pPr>
+            <a:r>
+              <a:rPr lang="en-US" sz="1900" dirty="0" smtClean="0"/>
+              <a:t> </a:t>
+            </a:r>
+            <a:r>
+              <a:rPr lang="en-US" sz="1900" dirty="0" smtClean="0"/>
+              <a:t>J. C. Lin and P. L. </a:t>
+            </a:r>
+            <a:r>
+              <a:rPr lang="en-US" sz="1900" dirty="0" err="1" smtClean="0"/>
+              <a:t>Yeh</a:t>
+            </a:r>
+            <a:r>
+              <a:rPr lang="en-US" sz="1900" dirty="0" smtClean="0"/>
+              <a:t>: Using genetic algorithms for test case generation in path testing. In: 9th Asian Test Symposium, pp. 241--246. IEEE Computer Society, Washington (2000).</a:t>
+            </a:r>
+          </a:p>
+          <a:p>
+            <a:pPr marL="457200" indent="-457200">
+              <a:buAutoNum type="arabicPeriod"/>
+            </a:pPr>
+            <a:r>
+              <a:rPr lang="en-US" sz="1900" dirty="0" smtClean="0"/>
+              <a:t>B</a:t>
+            </a:r>
+            <a:r>
+              <a:rPr lang="en-US" sz="1900" dirty="0" smtClean="0"/>
+              <a:t>. F. Jones, H. H. </a:t>
+            </a:r>
+            <a:r>
+              <a:rPr lang="en-US" sz="1900" dirty="0" err="1" smtClean="0"/>
+              <a:t>Sthamer</a:t>
+            </a:r>
+            <a:r>
+              <a:rPr lang="en-US" sz="1900" dirty="0" smtClean="0"/>
+              <a:t>, and </a:t>
+            </a:r>
+            <a:r>
+              <a:rPr lang="en-US" sz="1900" dirty="0" err="1" smtClean="0"/>
+              <a:t>D.E.</a:t>
+            </a:r>
+            <a:r>
+              <a:rPr lang="en-US" sz="1900" dirty="0" smtClean="0"/>
+              <a:t> </a:t>
+            </a:r>
+            <a:r>
+              <a:rPr lang="en-US" sz="1900" dirty="0" err="1" smtClean="0"/>
+              <a:t>Eyres</a:t>
+            </a:r>
+            <a:r>
+              <a:rPr lang="en-US" sz="1900" dirty="0" smtClean="0"/>
+              <a:t>: Automatic structural testing using genetic algorithms. Software Engineering, 11(5), 299--306, (1996).</a:t>
+            </a:r>
+          </a:p>
+          <a:p>
+            <a:pPr marL="457200" indent="-457200">
+              <a:buAutoNum type="arabicPeriod"/>
+            </a:pPr>
+            <a:r>
+              <a:rPr lang="en-US" sz="1900" dirty="0" smtClean="0"/>
+              <a:t>Y</a:t>
+            </a:r>
+            <a:r>
+              <a:rPr lang="en-US" sz="1900" dirty="0" smtClean="0"/>
+              <a:t>. Chen and Y. </a:t>
+            </a:r>
+            <a:r>
+              <a:rPr lang="en-US" sz="1900" dirty="0" err="1" smtClean="0"/>
+              <a:t>Zhong</a:t>
+            </a:r>
+            <a:r>
+              <a:rPr lang="en-US" sz="1900" dirty="0" smtClean="0"/>
+              <a:t>: Automatic path-oriented test data generation using a multi-population genetic algorithm. In: 4th International Conference on Natural Computation, </a:t>
+            </a:r>
+            <a:r>
+              <a:rPr lang="en-US" sz="1900" dirty="0" err="1" smtClean="0"/>
+              <a:t>vol</a:t>
+            </a:r>
+            <a:r>
+              <a:rPr lang="en-US" sz="1900" dirty="0" smtClean="0"/>
+              <a:t> 1, pp. 566--570, 2008.</a:t>
+            </a:r>
+          </a:p>
+          <a:p>
+            <a:pPr marL="457200" indent="-457200">
+              <a:buAutoNum type="arabicPeriod"/>
+            </a:pPr>
+            <a:r>
+              <a:rPr lang="en-US" sz="1900" dirty="0" smtClean="0"/>
+              <a:t>J</a:t>
+            </a:r>
+            <a:r>
+              <a:rPr lang="en-US" sz="1900" dirty="0" smtClean="0"/>
+              <a:t>. </a:t>
+            </a:r>
+            <a:r>
+              <a:rPr lang="en-US" sz="1900" dirty="0" err="1" smtClean="0"/>
+              <a:t>Malburg</a:t>
+            </a:r>
+            <a:r>
+              <a:rPr lang="en-US" sz="1900" dirty="0" smtClean="0"/>
+              <a:t> and G. Fraser: Search-based testing using constraint-based mutation. Journal Software Testing, Verification &amp; Reliability, vol. 24(6), 472--495 (2014).</a:t>
+            </a:r>
+          </a:p>
+          <a:p>
+            <a:pPr marL="457200" indent="-457200">
+              <a:buAutoNum type="arabicPeriod"/>
+            </a:pPr>
+            <a:r>
+              <a:rPr lang="en-US" sz="1900" dirty="0" smtClean="0"/>
+              <a:t>I</a:t>
+            </a:r>
+            <a:r>
+              <a:rPr lang="en-US" sz="1900" dirty="0" smtClean="0"/>
+              <a:t>. </a:t>
+            </a:r>
+            <a:r>
+              <a:rPr lang="en-US" sz="1900" dirty="0" err="1" smtClean="0"/>
+              <a:t>Hermadi</a:t>
+            </a:r>
+            <a:r>
+              <a:rPr lang="en-US" sz="1900" dirty="0" smtClean="0"/>
+              <a:t> and M. A. Ahmed: Genetic Algorithm based test data generator. In: Congress on Evolutionary Computation (CEC), vol. 1, pp. 85--91. Canberra, Australia (2003).</a:t>
+            </a:r>
+          </a:p>
+          <a:p>
+            <a:pPr marL="457200" indent="-457200">
+              <a:buAutoNum type="arabicPeriod"/>
+            </a:pPr>
+            <a:r>
+              <a:rPr lang="en-US" sz="1900" dirty="0" smtClean="0"/>
+              <a:t>M</a:t>
+            </a:r>
+            <a:r>
+              <a:rPr lang="en-US" sz="1900" dirty="0" smtClean="0"/>
+              <a:t>. A. Ahmed and I. </a:t>
+            </a:r>
+            <a:r>
+              <a:rPr lang="en-US" sz="1900" dirty="0" err="1" smtClean="0"/>
+              <a:t>Hermadi</a:t>
+            </a:r>
+            <a:r>
+              <a:rPr lang="en-US" sz="1900" dirty="0" smtClean="0"/>
+              <a:t>: GA-based Multiple Paths Test Data Generator. Computers &amp; Operations Research, vol. 35, pp 3107--3124 (2008).</a:t>
+            </a:r>
+            <a:endParaRPr lang="en-US" sz="1900" dirty="0"/>
+          </a:p>
+        </p:txBody>
+      </p:sp>
+    </p:spTree>
+    <p:extLst>
+      <p:ext uri="{BB962C8B-B14F-4D97-AF65-F5344CB8AC3E}">
+        <p14:creationId xmlns="" xmlns:p14="http://schemas.microsoft.com/office/powerpoint/2010/main" val="1133312594"/>
+      </p:ext>
+    </p:extLst>
+  </p:cSld>
+  <p:clrMapOvr>
+    <a:masterClrMapping/>
+  </p:clrMapOvr>
+</p:sld>
+</file>
+
+<file path=ppt/slides/slide29.xml><?xml version="1.0" encoding="utf-8"?>
+<p:sld xmlns:a="http://schemas.openxmlformats.org/drawingml/2006/main" xmlns:r="http://schemas.openxmlformats.org/officeDocument/2006/relationships" xmlns:p="http://schemas.openxmlformats.org/presentationml/2006/main">
+  <p:cSld>
+    <p:spTree>
+      <p:nvGrpSpPr>
+        <p:cNvPr id="1" name=""/>
+        <p:cNvGrpSpPr/>
+        <p:nvPr/>
+      </p:nvGrpSpPr>
+      <p:grpSpPr>
+        <a:xfrm>
+          <a:off x="0" y="0"/>
+          <a:ext cx="0" cy="0"/>
+          <a:chOff x="0" y="0"/>
+          <a:chExt cx="0" cy="0"/>
+        </a:xfrm>
+      </p:grpSpPr>
+      <p:pic>
+        <p:nvPicPr>
+          <p:cNvPr id="10242" name="Picture 2"/>
+          <p:cNvPicPr>
+            <a:picLocks noChangeAspect="1" noChangeArrowheads="1"/>
+          </p:cNvPicPr>
+          <p:nvPr/>
+        </p:nvPicPr>
+        <p:blipFill>
+          <a:blip r:embed="rId2" cstate="print"/>
+          <a:srcRect/>
+          <a:stretch>
+            <a:fillRect/>
+          </a:stretch>
+        </p:blipFill>
+        <p:spPr bwMode="auto">
+          <a:xfrm>
+            <a:off x="1043608" y="1124744"/>
+            <a:ext cx="7019925" cy="3990975"/>
+          </a:xfrm>
+          <a:prstGeom prst="rect">
+            <a:avLst/>
+          </a:prstGeom>
+          <a:noFill/>
+          <a:ln w="9525">
+            <a:noFill/>
+            <a:miter lim="800000"/>
+            <a:headEnd/>
+            <a:tailEnd/>
+          </a:ln>
+        </p:spPr>
+      </p:pic>
     </p:spTree>
     <p:extLst>
       <p:ext uri="{BB962C8B-B14F-4D97-AF65-F5344CB8AC3E}">
@@ -5530,15 +6505,11 @@
             </a:r>
             <a:r>
               <a:rPr lang="en-US" sz="2200" dirty="0" smtClean="0"/>
-              <a:t> [</a:t>
-            </a:r>
-            <a:r>
-              <a:rPr lang="en-US" sz="2200" dirty="0" err="1" smtClean="0"/>
-              <a:t>NIST’02</a:t>
+              <a:t> </a:t>
             </a:r>
             <a:r>
               <a:rPr lang="en-US" sz="2200" dirty="0" smtClean="0"/>
-              <a:t>]</a:t>
+              <a:t>[1]</a:t>
             </a:r>
             <a:endParaRPr lang="en-US" sz="2200" dirty="0"/>
           </a:p>
@@ -5688,7 +6659,7 @@
         <p:spPr>
           <a:xfrm>
             <a:off x="457200" y="1052736"/>
-            <a:ext cx="8229600" cy="4205064"/>
+            <a:ext cx="8229600" cy="5184576"/>
           </a:xfrm>
         </p:spPr>
         <p:txBody>
@@ -5725,6 +6696,16 @@
               <a:rPr lang="en-US" sz="2800" dirty="0" smtClean="0"/>
               <a:t>	infinite loops, array, procedure calls and pointer 	references </a:t>
             </a:r>
+            <a:endParaRPr lang="en-US" sz="2800" dirty="0" smtClean="0"/>
+          </a:p>
+          <a:p>
+            <a:pPr marL="0" indent="0">
+              <a:buNone/>
+            </a:pPr>
+            <a:r>
+              <a:rPr lang="en-US" sz="2800" dirty="0" smtClean="0"/>
+              <a:t>	state-of-the-art: symbolic execution (SE)</a:t>
+            </a:r>
             <a:endParaRPr lang="en-US" sz="2800" dirty="0"/>
           </a:p>
           <a:p>
@@ -5742,7 +6723,25 @@
             </a:pPr>
             <a:r>
               <a:rPr lang="en-US" sz="2800" dirty="0" smtClean="0"/>
-              <a:t>	random testing, local search, and evolutionary 	methods  </a:t>
+              <a:t>	random testing, local search, and evolutionary 	methods </a:t>
+            </a:r>
+            <a:endParaRPr lang="en-US" sz="2800" dirty="0" smtClean="0"/>
+          </a:p>
+          <a:p>
+            <a:pPr marL="0" indent="0">
+              <a:buNone/>
+            </a:pPr>
+            <a:r>
+              <a:rPr lang="en-US" sz="2800" dirty="0" smtClean="0"/>
+              <a:t>	most widely known: </a:t>
+            </a:r>
+            <a:r>
+              <a:rPr lang="en-US" sz="2800" dirty="0" smtClean="0"/>
+              <a:t>genetic algorithm</a:t>
+            </a:r>
+            <a:r>
+              <a:rPr lang="en-US" sz="2800" dirty="0" smtClean="0"/>
+              <a:t> (GA)</a:t>
             </a:r>
             <a:endParaRPr lang="en-US" sz="2800" dirty="0"/>
           </a:p>
@@ -5857,7 +6856,7 @@
       </p:sp>
       <p:pic>
         <p:nvPicPr>
-          <p:cNvPr id="1026" name="Picture 2"/>
+          <p:cNvPr id="11266" name="Picture 2"/>
           <p:cNvPicPr>
             <a:picLocks noChangeAspect="1" noChangeArrowheads="1"/>
           </p:cNvPicPr>
@@ -5872,8 +6871,8 @@
         </p:blipFill>
         <p:spPr bwMode="auto">
           <a:xfrm>
-            <a:off x="683568" y="1124744"/>
-            <a:ext cx="6696744" cy="2664296"/>
+            <a:off x="467544" y="1052736"/>
+            <a:ext cx="7632848" cy="2808312"/>
           </a:xfrm>
           <a:prstGeom prst="rect">
             <a:avLst/>

--- a/CFT4CUnitSrc/src/report/ACOMP2016_Presentation.pptx
+++ b/CFT4CUnitSrc/src/report/ACOMP2016_Presentation.pptx
@@ -369,7 +369,7 @@
     </p:spTree>
     <p:extLst>
       <p:ext uri="{BB962C8B-B14F-4D97-AF65-F5344CB8AC3E}">
-        <p14:creationId xmlns="" xmlns:p14="http://schemas.microsoft.com/office/powerpoint/2010/main" val="1811901625"/>
+        <p14:creationId xmlns:p14="http://schemas.microsoft.com/office/powerpoint/2010/main" xmlns="" val="1811901625"/>
       </p:ext>
     </p:extLst>
   </p:cSld>
@@ -541,7 +541,7 @@
     </p:spTree>
     <p:extLst>
       <p:ext uri="{BB962C8B-B14F-4D97-AF65-F5344CB8AC3E}">
-        <p14:creationId xmlns="" xmlns:p14="http://schemas.microsoft.com/office/powerpoint/2010/main" val="791576242"/>
+        <p14:creationId xmlns:p14="http://schemas.microsoft.com/office/powerpoint/2010/main" xmlns="" val="791576242"/>
       </p:ext>
     </p:extLst>
   </p:cSld>
@@ -723,7 +723,7 @@
     </p:spTree>
     <p:extLst>
       <p:ext uri="{BB962C8B-B14F-4D97-AF65-F5344CB8AC3E}">
-        <p14:creationId xmlns="" xmlns:p14="http://schemas.microsoft.com/office/powerpoint/2010/main" val="2934662006"/>
+        <p14:creationId xmlns:p14="http://schemas.microsoft.com/office/powerpoint/2010/main" xmlns="" val="2934662006"/>
       </p:ext>
     </p:extLst>
   </p:cSld>
@@ -895,7 +895,7 @@
     </p:spTree>
     <p:extLst>
       <p:ext uri="{BB962C8B-B14F-4D97-AF65-F5344CB8AC3E}">
-        <p14:creationId xmlns="" xmlns:p14="http://schemas.microsoft.com/office/powerpoint/2010/main" val="855239803"/>
+        <p14:creationId xmlns:p14="http://schemas.microsoft.com/office/powerpoint/2010/main" xmlns="" val="855239803"/>
       </p:ext>
     </p:extLst>
   </p:cSld>
@@ -1143,7 +1143,7 @@
     </p:spTree>
     <p:extLst>
       <p:ext uri="{BB962C8B-B14F-4D97-AF65-F5344CB8AC3E}">
-        <p14:creationId xmlns="" xmlns:p14="http://schemas.microsoft.com/office/powerpoint/2010/main" val="635452818"/>
+        <p14:creationId xmlns:p14="http://schemas.microsoft.com/office/powerpoint/2010/main" xmlns="" val="635452818"/>
       </p:ext>
     </p:extLst>
   </p:cSld>
@@ -1433,7 +1433,7 @@
     </p:spTree>
     <p:extLst>
       <p:ext uri="{BB962C8B-B14F-4D97-AF65-F5344CB8AC3E}">
-        <p14:creationId xmlns="" xmlns:p14="http://schemas.microsoft.com/office/powerpoint/2010/main" val="3716967958"/>
+        <p14:creationId xmlns:p14="http://schemas.microsoft.com/office/powerpoint/2010/main" xmlns="" val="3716967958"/>
       </p:ext>
     </p:extLst>
   </p:cSld>
@@ -1857,7 +1857,7 @@
     </p:spTree>
     <p:extLst>
       <p:ext uri="{BB962C8B-B14F-4D97-AF65-F5344CB8AC3E}">
-        <p14:creationId xmlns="" xmlns:p14="http://schemas.microsoft.com/office/powerpoint/2010/main" val="3991833718"/>
+        <p14:creationId xmlns:p14="http://schemas.microsoft.com/office/powerpoint/2010/main" xmlns="" val="3991833718"/>
       </p:ext>
     </p:extLst>
   </p:cSld>
@@ -1977,7 +1977,7 @@
     </p:spTree>
     <p:extLst>
       <p:ext uri="{BB962C8B-B14F-4D97-AF65-F5344CB8AC3E}">
-        <p14:creationId xmlns="" xmlns:p14="http://schemas.microsoft.com/office/powerpoint/2010/main" val="1837035765"/>
+        <p14:creationId xmlns:p14="http://schemas.microsoft.com/office/powerpoint/2010/main" xmlns="" val="1837035765"/>
       </p:ext>
     </p:extLst>
   </p:cSld>
@@ -2074,7 +2074,7 @@
     </p:spTree>
     <p:extLst>
       <p:ext uri="{BB962C8B-B14F-4D97-AF65-F5344CB8AC3E}">
-        <p14:creationId xmlns="" xmlns:p14="http://schemas.microsoft.com/office/powerpoint/2010/main" val="3419707464"/>
+        <p14:creationId xmlns:p14="http://schemas.microsoft.com/office/powerpoint/2010/main" xmlns="" val="3419707464"/>
       </p:ext>
     </p:extLst>
   </p:cSld>
@@ -2353,7 +2353,7 @@
     </p:spTree>
     <p:extLst>
       <p:ext uri="{BB962C8B-B14F-4D97-AF65-F5344CB8AC3E}">
-        <p14:creationId xmlns="" xmlns:p14="http://schemas.microsoft.com/office/powerpoint/2010/main" val="932762734"/>
+        <p14:creationId xmlns:p14="http://schemas.microsoft.com/office/powerpoint/2010/main" xmlns="" val="932762734"/>
       </p:ext>
     </p:extLst>
   </p:cSld>
@@ -2608,7 +2608,7 @@
     </p:spTree>
     <p:extLst>
       <p:ext uri="{BB962C8B-B14F-4D97-AF65-F5344CB8AC3E}">
-        <p14:creationId xmlns="" xmlns:p14="http://schemas.microsoft.com/office/powerpoint/2010/main" val="2367942364"/>
+        <p14:creationId xmlns:p14="http://schemas.microsoft.com/office/powerpoint/2010/main" xmlns="" val="2367942364"/>
       </p:ext>
     </p:extLst>
   </p:cSld>
@@ -2864,7 +2864,7 @@
     </p:spTree>
     <p:extLst>
       <p:ext uri="{BB962C8B-B14F-4D97-AF65-F5344CB8AC3E}">
-        <p14:creationId xmlns="" xmlns:p14="http://schemas.microsoft.com/office/powerpoint/2010/main" val="1100484609"/>
+        <p14:creationId xmlns:p14="http://schemas.microsoft.com/office/powerpoint/2010/main" xmlns="" val="1100484609"/>
       </p:ext>
     </p:extLst>
   </p:cSld>
@@ -3238,7 +3238,7 @@
           <a:blip r:embed="rId2" cstate="print">
             <a:extLst>
               <a:ext uri="{28A0092B-C50C-407E-A947-70E740481C1C}">
-                <a14:useLocalDpi xmlns="" xmlns:a14="http://schemas.microsoft.com/office/drawing/2010/main" val="0"/>
+                <a14:useLocalDpi xmlns:a14="http://schemas.microsoft.com/office/drawing/2010/main" xmlns="" val="0"/>
               </a:ext>
             </a:extLst>
           </a:blip>
@@ -3261,14 +3261,14 @@
           </a:ln>
           <a:extLst>
             <a:ext uri="{909E8E84-426E-40DD-AFC4-6F175D3DCCD1}">
-              <a14:hiddenFill xmlns="" xmlns:a14="http://schemas.microsoft.com/office/drawing/2010/main">
+              <a14:hiddenFill xmlns:a14="http://schemas.microsoft.com/office/drawing/2010/main" xmlns="">
                 <a:solidFill>
                   <a:schemeClr val="accent1"/>
                 </a:solidFill>
               </a14:hiddenFill>
             </a:ext>
             <a:ext uri="{91240B29-F687-4F45-9708-019B960494DF}">
-              <a14:hiddenLine xmlns="" xmlns:a14="http://schemas.microsoft.com/office/drawing/2010/main" w="9525">
+              <a14:hiddenLine xmlns:a14="http://schemas.microsoft.com/office/drawing/2010/main" xmlns="" w="9525">
                 <a:solidFill>
                   <a:schemeClr val="tx1"/>
                 </a:solidFill>
@@ -3283,7 +3283,7 @@
     </p:spTree>
     <p:extLst>
       <p:ext uri="{BB962C8B-B14F-4D97-AF65-F5344CB8AC3E}">
-        <p14:creationId xmlns="" xmlns:p14="http://schemas.microsoft.com/office/powerpoint/2010/main" val="44671813"/>
+        <p14:creationId xmlns:p14="http://schemas.microsoft.com/office/powerpoint/2010/main" xmlns="" val="44671813"/>
       </p:ext>
     </p:extLst>
   </p:cSld>
@@ -3433,7 +3433,7 @@
     </p:spTree>
     <p:extLst>
       <p:ext uri="{BB962C8B-B14F-4D97-AF65-F5344CB8AC3E}">
-        <p14:creationId xmlns="" xmlns:p14="http://schemas.microsoft.com/office/powerpoint/2010/main" val="2330834491"/>
+        <p14:creationId xmlns:p14="http://schemas.microsoft.com/office/powerpoint/2010/main" xmlns="" val="2330834491"/>
       </p:ext>
     </p:extLst>
   </p:cSld>
@@ -3494,15 +3494,7 @@
                   <a:schemeClr val="bg1"/>
                 </a:solidFill>
               </a:rPr>
-              <a:t> </a:t>
-            </a:r>
-            <a:r>
-              <a:rPr lang="en-US" dirty="0" smtClean="0">
-                <a:solidFill>
-                  <a:schemeClr val="bg1"/>
-                </a:solidFill>
-              </a:rPr>
-              <a:t>related work</a:t>
+              <a:t> related work</a:t>
             </a:r>
             <a:endParaRPr lang="en-US" dirty="0">
               <a:solidFill>
@@ -3545,43 +3537,7 @@
             </a:r>
             <a:r>
               <a:rPr lang="en-US" dirty="0" smtClean="0"/>
-              <a:t> </a:t>
-            </a:r>
-            <a:r>
-              <a:rPr lang="en-US" dirty="0" smtClean="0"/>
-              <a:t>[</a:t>
-            </a:r>
-            <a:r>
-              <a:rPr lang="en-US" dirty="0" smtClean="0"/>
-              <a:t>2</a:t>
-            </a:r>
-            <a:r>
-              <a:rPr lang="en-US" dirty="0" smtClean="0"/>
-              <a:t>] </a:t>
-            </a:r>
-            <a:r>
-              <a:rPr lang="en-US" dirty="0" smtClean="0"/>
-              <a:t>in 2000. They extended Jones et al.'s work </a:t>
-            </a:r>
-            <a:r>
-              <a:rPr lang="en-US" dirty="0" smtClean="0"/>
-              <a:t>[</a:t>
-            </a:r>
-            <a:r>
-              <a:rPr lang="en-US" dirty="0" smtClean="0"/>
-              <a:t>3</a:t>
-            </a:r>
-            <a:r>
-              <a:rPr lang="en-US" dirty="0" smtClean="0"/>
-              <a:t>] </a:t>
-            </a:r>
-            <a:r>
-              <a:rPr lang="en-US" dirty="0" smtClean="0"/>
-              <a:t>from branch coverage to path coverage</a:t>
-            </a:r>
-            <a:r>
-              <a:rPr lang="en-US" dirty="0" smtClean="0"/>
-              <a:t>.</a:t>
+              <a:t> [2] in 2000. They extended Jones et al.'s work [3] from branch coverage to path coverage.</a:t>
             </a:r>
           </a:p>
           <a:p>
@@ -3598,23 +3554,7 @@
             </a:r>
             <a:r>
               <a:rPr lang="en-US" dirty="0" smtClean="0"/>
-              <a:t> </a:t>
-            </a:r>
-            <a:r>
-              <a:rPr lang="en-US" dirty="0" smtClean="0"/>
-              <a:t>[</a:t>
-            </a:r>
-            <a:r>
-              <a:rPr lang="en-US" dirty="0" smtClean="0"/>
-              <a:t>4</a:t>
-            </a:r>
-            <a:r>
-              <a:rPr lang="en-US" dirty="0" smtClean="0"/>
-              <a:t>] </a:t>
-            </a:r>
-            <a:r>
-              <a:rPr lang="en-US" dirty="0" smtClean="0"/>
-              <a:t>developed a multi-population genetic algorithm for path testing. </a:t>
+              <a:t> [4] developed a multi-population genetic algorithm for path testing. </a:t>
             </a:r>
             <a:endParaRPr lang="en-US" dirty="0"/>
           </a:p>
@@ -3623,7 +3563,7 @@
     </p:spTree>
     <p:extLst>
       <p:ext uri="{BB962C8B-B14F-4D97-AF65-F5344CB8AC3E}">
-        <p14:creationId xmlns="" xmlns:p14="http://schemas.microsoft.com/office/powerpoint/2010/main" val="2330834491"/>
+        <p14:creationId xmlns:p14="http://schemas.microsoft.com/office/powerpoint/2010/main" xmlns="" val="2330834491"/>
       </p:ext>
     </p:extLst>
   </p:cSld>
@@ -3684,15 +3624,7 @@
                   <a:schemeClr val="bg1"/>
                 </a:solidFill>
               </a:rPr>
-              <a:t> </a:t>
-            </a:r>
-            <a:r>
-              <a:rPr lang="en-US" dirty="0" smtClean="0">
-                <a:solidFill>
-                  <a:schemeClr val="bg1"/>
-                </a:solidFill>
-              </a:rPr>
-              <a:t>related work (</a:t>
+              <a:t> related work (</a:t>
             </a:r>
             <a:r>
               <a:rPr lang="en-US" dirty="0" err="1" smtClean="0">
@@ -3747,27 +3679,7 @@
             </a:r>
             <a:r>
               <a:rPr lang="en-US" dirty="0" smtClean="0"/>
-              <a:t> and Fraser </a:t>
-            </a:r>
-            <a:r>
-              <a:rPr lang="en-US" dirty="0" smtClean="0"/>
-              <a:t>[</a:t>
-            </a:r>
-            <a:r>
-              <a:rPr lang="en-US" dirty="0" smtClean="0"/>
-              <a:t>5</a:t>
-            </a:r>
-            <a:r>
-              <a:rPr lang="en-US" dirty="0" smtClean="0"/>
-              <a:t>] </a:t>
-            </a:r>
-            <a:r>
-              <a:rPr lang="en-US" dirty="0" smtClean="0"/>
-              <a:t>introduced a novel mutation operator for evolutionary search which based on dynamic </a:t>
-            </a:r>
-            <a:r>
-              <a:rPr lang="en-US" dirty="0" smtClean="0"/>
-              <a:t>SE. </a:t>
+              <a:t> and Fraser [5] introduced a novel mutation operator for evolutionary search which based on dynamic SE. </a:t>
             </a:r>
           </a:p>
           <a:p>
@@ -3784,31 +3696,7 @@
             </a:r>
             <a:r>
               <a:rPr lang="en-US" dirty="0" smtClean="0"/>
-              <a:t> </a:t>
-            </a:r>
-            <a:r>
-              <a:rPr lang="en-US" dirty="0" smtClean="0"/>
-              <a:t>[6] </a:t>
-            </a:r>
-            <a:r>
-              <a:rPr lang="en-US" dirty="0" smtClean="0"/>
-              <a:t>improved their GA research </a:t>
-            </a:r>
-            <a:r>
-              <a:rPr lang="en-US" dirty="0" smtClean="0"/>
-              <a:t>[</a:t>
-            </a:r>
-            <a:r>
-              <a:rPr lang="en-US" dirty="0" smtClean="0"/>
-              <a:t>7</a:t>
-            </a:r>
-            <a:r>
-              <a:rPr lang="en-US" dirty="0" smtClean="0"/>
-              <a:t>] </a:t>
-            </a:r>
-            <a:r>
-              <a:rPr lang="en-US" dirty="0" smtClean="0"/>
-              <a:t>in 2003 by adding a rewarding scheme and using a more efficient test data generator. </a:t>
+              <a:t> [6] improved their GA research [7] in 2003 by adding a rewarding scheme and using a more efficient test data generator. </a:t>
             </a:r>
             <a:endParaRPr lang="en-US" dirty="0"/>
           </a:p>
@@ -3817,7 +3705,7 @@
     </p:spTree>
     <p:extLst>
       <p:ext uri="{BB962C8B-B14F-4D97-AF65-F5344CB8AC3E}">
-        <p14:creationId xmlns="" xmlns:p14="http://schemas.microsoft.com/office/powerpoint/2010/main" val="2330834491"/>
+        <p14:creationId xmlns:p14="http://schemas.microsoft.com/office/powerpoint/2010/main" xmlns="" val="2330834491"/>
       </p:ext>
     </p:extLst>
   </p:cSld>
@@ -3967,7 +3855,7 @@
     </p:spTree>
     <p:extLst>
       <p:ext uri="{BB962C8B-B14F-4D97-AF65-F5344CB8AC3E}">
-        <p14:creationId xmlns="" xmlns:p14="http://schemas.microsoft.com/office/powerpoint/2010/main" val="1848409642"/>
+        <p14:creationId xmlns:p14="http://schemas.microsoft.com/office/powerpoint/2010/main" xmlns="" val="1848409642"/>
       </p:ext>
     </p:extLst>
   </p:cSld>
@@ -4028,15 +3916,7 @@
                   <a:schemeClr val="bg1"/>
                 </a:solidFill>
               </a:rPr>
-              <a:t> </a:t>
-            </a:r>
-            <a:r>
-              <a:rPr lang="en-US" dirty="0" smtClean="0">
-                <a:solidFill>
-                  <a:schemeClr val="bg1"/>
-                </a:solidFill>
-              </a:rPr>
-              <a:t>main steps</a:t>
+              <a:t> main steps</a:t>
             </a:r>
             <a:endParaRPr lang="en-US" dirty="0">
               <a:solidFill>
@@ -4081,7 +3961,7 @@
     </p:spTree>
     <p:extLst>
       <p:ext uri="{BB962C8B-B14F-4D97-AF65-F5344CB8AC3E}">
-        <p14:creationId xmlns="" xmlns:p14="http://schemas.microsoft.com/office/powerpoint/2010/main" val="1848409642"/>
+        <p14:creationId xmlns:p14="http://schemas.microsoft.com/office/powerpoint/2010/main" xmlns="" val="1848409642"/>
       </p:ext>
     </p:extLst>
   </p:cSld>
@@ -4142,31 +4022,7 @@
                   <a:schemeClr val="bg1"/>
                 </a:solidFill>
               </a:rPr>
-              <a:t> </a:t>
-            </a:r>
-            <a:r>
-              <a:rPr lang="en-US" dirty="0" smtClean="0">
-                <a:solidFill>
-                  <a:schemeClr val="bg1"/>
-                </a:solidFill>
-              </a:rPr>
-              <a:t>step 1: </a:t>
-            </a:r>
-            <a:r>
-              <a:rPr lang="en-US" dirty="0" smtClean="0">
-                <a:solidFill>
-                  <a:schemeClr val="bg1"/>
-                </a:solidFill>
-              </a:rPr>
-              <a:t>static </a:t>
-            </a:r>
-            <a:r>
-              <a:rPr lang="en-US" dirty="0" smtClean="0">
-                <a:solidFill>
-                  <a:schemeClr val="bg1"/>
-                </a:solidFill>
-              </a:rPr>
-              <a:t>program analysis </a:t>
+              <a:t> step 1: static program analysis </a:t>
             </a:r>
             <a:endParaRPr lang="en-US" dirty="0">
               <a:solidFill>
@@ -4203,7 +4059,6 @@
               <a:rPr lang="en-US" dirty="0" smtClean="0"/>
               <a:t>Solve path conditions </a:t>
             </a:r>
-            <a:endParaRPr lang="en-US" dirty="0" smtClean="0"/>
           </a:p>
           <a:p>
             <a:pPr marL="0" indent="0">
@@ -4213,14 +4068,13 @@
               <a:rPr lang="en-US" dirty="0" smtClean="0"/>
               <a:t>Store constraint satisfaction </a:t>
             </a:r>
-            <a:endParaRPr lang="en-US" dirty="0" smtClean="0"/>
           </a:p>
         </p:txBody>
       </p:sp>
     </p:spTree>
     <p:extLst>
       <p:ext uri="{BB962C8B-B14F-4D97-AF65-F5344CB8AC3E}">
-        <p14:creationId xmlns="" xmlns:p14="http://schemas.microsoft.com/office/powerpoint/2010/main" val="1848409642"/>
+        <p14:creationId xmlns:p14="http://schemas.microsoft.com/office/powerpoint/2010/main" xmlns="" val="1848409642"/>
       </p:ext>
     </p:extLst>
   </p:cSld>
@@ -4289,23 +4143,7 @@
                   <a:schemeClr val="bg1"/>
                 </a:solidFill>
               </a:rPr>
-              <a:t>s</a:t>
-            </a:r>
-            <a:r>
-              <a:rPr lang="en-US" dirty="0" smtClean="0">
-                <a:solidFill>
-                  <a:schemeClr val="bg1"/>
-                </a:solidFill>
-              </a:rPr>
-              <a:t>olve </a:t>
-            </a:r>
-            <a:r>
-              <a:rPr lang="en-US" dirty="0" smtClean="0">
-                <a:solidFill>
-                  <a:schemeClr val="bg1"/>
-                </a:solidFill>
-              </a:rPr>
-              <a:t>path conditions</a:t>
+              <a:t>solve path conditions</a:t>
             </a:r>
             <a:r>
               <a:rPr lang="en-US" b="1" dirty="0" smtClean="0">
@@ -4390,7 +4228,7 @@
     </p:spTree>
     <p:extLst>
       <p:ext uri="{BB962C8B-B14F-4D97-AF65-F5344CB8AC3E}">
-        <p14:creationId xmlns="" xmlns:p14="http://schemas.microsoft.com/office/powerpoint/2010/main" val="1848409642"/>
+        <p14:creationId xmlns:p14="http://schemas.microsoft.com/office/powerpoint/2010/main" xmlns="" val="1848409642"/>
       </p:ext>
     </p:extLst>
   </p:cSld>
@@ -4459,23 +4297,7 @@
                   <a:schemeClr val="bg1"/>
                 </a:solidFill>
               </a:rPr>
-              <a:t>s</a:t>
-            </a:r>
-            <a:r>
-              <a:rPr lang="en-US" dirty="0" smtClean="0">
-                <a:solidFill>
-                  <a:schemeClr val="bg1"/>
-                </a:solidFill>
-              </a:rPr>
-              <a:t>tore </a:t>
-            </a:r>
-            <a:r>
-              <a:rPr lang="en-US" dirty="0" smtClean="0">
-                <a:solidFill>
-                  <a:schemeClr val="bg1"/>
-                </a:solidFill>
-              </a:rPr>
-              <a:t>constraint satisfaction</a:t>
+              <a:t>store constraint satisfaction</a:t>
             </a:r>
             <a:r>
               <a:rPr lang="en-US" b="1" dirty="0" smtClean="0">
@@ -4560,7 +4382,7 @@
     </p:spTree>
     <p:extLst>
       <p:ext uri="{BB962C8B-B14F-4D97-AF65-F5344CB8AC3E}">
-        <p14:creationId xmlns="" xmlns:p14="http://schemas.microsoft.com/office/powerpoint/2010/main" val="1848409642"/>
+        <p14:creationId xmlns:p14="http://schemas.microsoft.com/office/powerpoint/2010/main" xmlns="" val="1848409642"/>
       </p:ext>
     </p:extLst>
   </p:cSld>
@@ -4621,15 +4443,7 @@
                   <a:schemeClr val="bg1"/>
                 </a:solidFill>
               </a:rPr>
-              <a:t> </a:t>
-            </a:r>
-            <a:r>
-              <a:rPr lang="en-US" dirty="0" smtClean="0">
-                <a:solidFill>
-                  <a:schemeClr val="bg1"/>
-                </a:solidFill>
-              </a:rPr>
-              <a:t>step 2: execute GA</a:t>
+              <a:t> step 2: execute GA</a:t>
             </a:r>
             <a:endParaRPr lang="en-US" dirty="0">
               <a:solidFill>
@@ -4675,14 +4489,13 @@
               <a:rPr lang="en-US" dirty="0" smtClean="0"/>
               <a:t>Constraint-based adjustment</a:t>
             </a:r>
-            <a:endParaRPr lang="en-US" dirty="0" smtClean="0"/>
           </a:p>
         </p:txBody>
       </p:sp>
     </p:spTree>
     <p:extLst>
       <p:ext uri="{BB962C8B-B14F-4D97-AF65-F5344CB8AC3E}">
-        <p14:creationId xmlns="" xmlns:p14="http://schemas.microsoft.com/office/powerpoint/2010/main" val="1848409642"/>
+        <p14:creationId xmlns:p14="http://schemas.microsoft.com/office/powerpoint/2010/main" xmlns="" val="1848409642"/>
       </p:ext>
     </p:extLst>
   </p:cSld>
@@ -4743,15 +4556,7 @@
                   <a:schemeClr val="bg1"/>
                 </a:solidFill>
               </a:rPr>
-              <a:t> </a:t>
-            </a:r>
-            <a:r>
-              <a:rPr lang="en-US" dirty="0" smtClean="0">
-                <a:solidFill>
-                  <a:schemeClr val="bg1"/>
-                </a:solidFill>
-              </a:rPr>
-              <a:t>Create fitness function</a:t>
+              <a:t> Create fitness function</a:t>
             </a:r>
             <a:endParaRPr lang="en-US" dirty="0">
               <a:solidFill>
@@ -4778,8 +4583,8 @@
         </p:blipFill>
         <p:spPr bwMode="auto">
           <a:xfrm>
-            <a:off x="381000" y="1340768"/>
-            <a:ext cx="8382000" cy="2779390"/>
+            <a:off x="467544" y="1729730"/>
+            <a:ext cx="8280920" cy="2779390"/>
           </a:xfrm>
           <a:prstGeom prst="rect">
             <a:avLst/>
@@ -4793,10 +4598,53 @@
           </a:ln>
         </p:spPr>
       </p:pic>
+      <p:sp>
+        <p:nvSpPr>
+          <p:cNvPr id="4" name="Content Placeholder 2"/>
+          <p:cNvSpPr>
+            <a:spLocks noGrp="1"/>
+          </p:cNvSpPr>
+          <p:nvPr>
+            <p:ph idx="1"/>
+          </p:nvPr>
+        </p:nvSpPr>
+        <p:spPr>
+          <a:xfrm>
+            <a:off x="467544" y="1052736"/>
+            <a:ext cx="8229600" cy="864096"/>
+          </a:xfrm>
+        </p:spPr>
+        <p:txBody>
+          <a:bodyPr/>
+          <a:lstStyle/>
+          <a:p>
+            <a:pPr marL="0" indent="0">
+              <a:buNone/>
+            </a:pPr>
+            <a:r>
+              <a:rPr lang="en-US" dirty="0" smtClean="0"/>
+              <a:t>Insert </a:t>
+            </a:r>
+            <a:r>
+              <a:rPr lang="en-US" dirty="0" smtClean="0"/>
+              <a:t>instrument </a:t>
+            </a:r>
+            <a:r>
+              <a:rPr lang="en-US" dirty="0" smtClean="0"/>
+              <a:t>code into program under </a:t>
+            </a:r>
+            <a:r>
+              <a:rPr lang="en-US" dirty="0" smtClean="0"/>
+              <a:t>test</a:t>
+            </a:r>
+            <a:endParaRPr lang="en-US" dirty="0" smtClean="0"/>
+          </a:p>
+        </p:txBody>
+      </p:sp>
     </p:spTree>
     <p:extLst>
       <p:ext uri="{BB962C8B-B14F-4D97-AF65-F5344CB8AC3E}">
-        <p14:creationId xmlns="" xmlns:p14="http://schemas.microsoft.com/office/powerpoint/2010/main" val="1848409642"/>
+        <p14:creationId xmlns:p14="http://schemas.microsoft.com/office/powerpoint/2010/main" xmlns="" val="1848409642"/>
       </p:ext>
     </p:extLst>
   </p:cSld>
@@ -4946,7 +4794,7 @@
     </p:spTree>
     <p:extLst>
       <p:ext uri="{BB962C8B-B14F-4D97-AF65-F5344CB8AC3E}">
-        <p14:creationId xmlns="" xmlns:p14="http://schemas.microsoft.com/office/powerpoint/2010/main" val="2279565587"/>
+        <p14:creationId xmlns:p14="http://schemas.microsoft.com/office/powerpoint/2010/main" xmlns="" val="2279565587"/>
       </p:ext>
     </p:extLst>
   </p:cSld>
@@ -5007,31 +4855,7 @@
                   <a:schemeClr val="bg1"/>
                 </a:solidFill>
               </a:rPr>
-              <a:t> </a:t>
-            </a:r>
-            <a:r>
-              <a:rPr lang="en-US" dirty="0" smtClean="0">
-                <a:solidFill>
-                  <a:schemeClr val="bg1"/>
-                </a:solidFill>
-              </a:rPr>
-              <a:t>c</a:t>
-            </a:r>
-            <a:r>
-              <a:rPr lang="en-US" dirty="0" smtClean="0">
-                <a:solidFill>
-                  <a:schemeClr val="bg1"/>
-                </a:solidFill>
-              </a:rPr>
-              <a:t>onstraint-based </a:t>
-            </a:r>
-            <a:r>
-              <a:rPr lang="en-US" dirty="0" smtClean="0">
-                <a:solidFill>
-                  <a:schemeClr val="bg1"/>
-                </a:solidFill>
-              </a:rPr>
-              <a:t>adjustment</a:t>
+              <a:t> constraint-based adjustment</a:t>
             </a:r>
             <a:endParaRPr lang="en-US" dirty="0">
               <a:solidFill>
@@ -5076,7 +4900,7 @@
     </p:spTree>
     <p:extLst>
       <p:ext uri="{BB962C8B-B14F-4D97-AF65-F5344CB8AC3E}">
-        <p14:creationId xmlns="" xmlns:p14="http://schemas.microsoft.com/office/powerpoint/2010/main" val="1848409642"/>
+        <p14:creationId xmlns:p14="http://schemas.microsoft.com/office/powerpoint/2010/main" xmlns="" val="1848409642"/>
       </p:ext>
     </p:extLst>
   </p:cSld>
@@ -5226,7 +5050,7 @@
     </p:spTree>
     <p:extLst>
       <p:ext uri="{BB962C8B-B14F-4D97-AF65-F5344CB8AC3E}">
-        <p14:creationId xmlns="" xmlns:p14="http://schemas.microsoft.com/office/powerpoint/2010/main" val="3185099068"/>
+        <p14:creationId xmlns:p14="http://schemas.microsoft.com/office/powerpoint/2010/main" xmlns="" val="3185099068"/>
       </p:ext>
     </p:extLst>
   </p:cSld>
@@ -5348,7 +5172,7 @@
     </p:spTree>
     <p:extLst>
       <p:ext uri="{BB962C8B-B14F-4D97-AF65-F5344CB8AC3E}">
-        <p14:creationId xmlns="" xmlns:p14="http://schemas.microsoft.com/office/powerpoint/2010/main" val="3185099068"/>
+        <p14:creationId xmlns:p14="http://schemas.microsoft.com/office/powerpoint/2010/main" xmlns="" val="3185099068"/>
       </p:ext>
     </p:extLst>
   </p:cSld>
@@ -5470,7 +5294,7 @@
     </p:spTree>
     <p:extLst>
       <p:ext uri="{BB962C8B-B14F-4D97-AF65-F5344CB8AC3E}">
-        <p14:creationId xmlns="" xmlns:p14="http://schemas.microsoft.com/office/powerpoint/2010/main" val="3185099068"/>
+        <p14:creationId xmlns:p14="http://schemas.microsoft.com/office/powerpoint/2010/main" xmlns="" val="3185099068"/>
       </p:ext>
     </p:extLst>
   </p:cSld>
@@ -5531,31 +5355,7 @@
                   <a:schemeClr val="bg1"/>
                 </a:solidFill>
               </a:rPr>
-              <a:t> </a:t>
-            </a:r>
-            <a:r>
-              <a:rPr lang="en-US" dirty="0" smtClean="0">
-                <a:solidFill>
-                  <a:schemeClr val="bg1"/>
-                </a:solidFill>
-              </a:rPr>
-              <a:t>t</a:t>
-            </a:r>
-            <a:r>
-              <a:rPr lang="en-US" dirty="0" smtClean="0">
-                <a:solidFill>
-                  <a:schemeClr val="bg1"/>
-                </a:solidFill>
-              </a:rPr>
-              <a:t>est </a:t>
-            </a:r>
-            <a:r>
-              <a:rPr lang="en-US" dirty="0" smtClean="0">
-                <a:solidFill>
-                  <a:schemeClr val="bg1"/>
-                </a:solidFill>
-              </a:rPr>
-              <a:t>path coverage</a:t>
+              <a:t> test path coverage</a:t>
             </a:r>
             <a:endParaRPr lang="en-US" dirty="0">
               <a:solidFill>
@@ -5632,7 +5432,7 @@
     </p:spTree>
     <p:extLst>
       <p:ext uri="{BB962C8B-B14F-4D97-AF65-F5344CB8AC3E}">
-        <p14:creationId xmlns="" xmlns:p14="http://schemas.microsoft.com/office/powerpoint/2010/main" val="3185099068"/>
+        <p14:creationId xmlns:p14="http://schemas.microsoft.com/office/powerpoint/2010/main" xmlns="" val="3185099068"/>
       </p:ext>
     </p:extLst>
   </p:cSld>
@@ -5693,31 +5493,7 @@
                   <a:schemeClr val="bg1"/>
                 </a:solidFill>
               </a:rPr>
-              <a:t> </a:t>
-            </a:r>
-            <a:r>
-              <a:rPr lang="en-US" dirty="0" smtClean="0">
-                <a:solidFill>
-                  <a:schemeClr val="bg1"/>
-                </a:solidFill>
-              </a:rPr>
-              <a:t>t</a:t>
-            </a:r>
-            <a:r>
-              <a:rPr lang="en-US" dirty="0" smtClean="0">
-                <a:solidFill>
-                  <a:schemeClr val="bg1"/>
-                </a:solidFill>
-              </a:rPr>
-              <a:t>est </a:t>
-            </a:r>
-            <a:r>
-              <a:rPr lang="en-US" dirty="0" smtClean="0">
-                <a:solidFill>
-                  <a:schemeClr val="bg1"/>
-                </a:solidFill>
-              </a:rPr>
-              <a:t>data generation counts</a:t>
+              <a:t> test data generation counts</a:t>
             </a:r>
             <a:endParaRPr lang="en-US" dirty="0">
               <a:solidFill>
@@ -5762,7 +5538,7 @@
     </p:spTree>
     <p:extLst>
       <p:ext uri="{BB962C8B-B14F-4D97-AF65-F5344CB8AC3E}">
-        <p14:creationId xmlns="" xmlns:p14="http://schemas.microsoft.com/office/powerpoint/2010/main" val="3185099068"/>
+        <p14:creationId xmlns:p14="http://schemas.microsoft.com/office/powerpoint/2010/main" xmlns="" val="3185099068"/>
       </p:ext>
     </p:extLst>
   </p:cSld>
@@ -5912,7 +5688,7 @@
     </p:spTree>
     <p:extLst>
       <p:ext uri="{BB962C8B-B14F-4D97-AF65-F5344CB8AC3E}">
-        <p14:creationId xmlns="" xmlns:p14="http://schemas.microsoft.com/office/powerpoint/2010/main" val="1133312594"/>
+        <p14:creationId xmlns:p14="http://schemas.microsoft.com/office/powerpoint/2010/main" xmlns="" val="1133312594"/>
       </p:ext>
     </p:extLst>
   </p:cSld>
@@ -6007,19 +5783,7 @@
           <a:p>
             <a:r>
               <a:rPr lang="en-US" sz="2500" dirty="0" smtClean="0"/>
-              <a:t>From </a:t>
-            </a:r>
-            <a:r>
-              <a:rPr lang="en-US" sz="2500" dirty="0" smtClean="0"/>
-              <a:t>a given program under test, we find out the test paths which are difficult or impossible for GA to generate coverage test data, and then use the </a:t>
-            </a:r>
-            <a:r>
-              <a:rPr lang="en-US" sz="2500" dirty="0" smtClean="0"/>
-              <a:t>constraint </a:t>
-            </a:r>
-            <a:r>
-              <a:rPr lang="en-US" sz="2500" dirty="0" smtClean="0"/>
-              <a:t>solver </a:t>
+              <a:t>From a given program under test, we find out the test paths which are difficult or impossible for GA to generate coverage test data, and then use the constraint solver </a:t>
             </a:r>
             <a:r>
               <a:rPr lang="en-US" sz="2500" dirty="0" err="1" smtClean="0"/>
@@ -6027,34 +5791,13 @@
             </a:r>
             <a:r>
               <a:rPr lang="en-US" sz="2500" dirty="0" smtClean="0"/>
-              <a:t> </a:t>
-            </a:r>
+              <a:t> to solve these path conditions. The constraint satisfaction will be used again in generating population of GA. </a:t>
+            </a:r>
+          </a:p>
+          <a:p>
             <a:r>
               <a:rPr lang="en-US" sz="2500" dirty="0" smtClean="0"/>
-              <a:t>to </a:t>
-            </a:r>
-            <a:r>
-              <a:rPr lang="en-US" sz="2500" dirty="0" smtClean="0"/>
-              <a:t>solve these path conditions. The constraint satisfaction </a:t>
-            </a:r>
-            <a:r>
-              <a:rPr lang="en-US" sz="2500" dirty="0" smtClean="0"/>
-              <a:t>will </a:t>
-            </a:r>
-            <a:r>
-              <a:rPr lang="en-US" sz="2500" dirty="0" smtClean="0"/>
-              <a:t>be used again in generating population of GA. </a:t>
-            </a:r>
-            <a:endParaRPr lang="en-US" sz="2500" dirty="0" smtClean="0"/>
-          </a:p>
-          <a:p>
-            <a:r>
-              <a:rPr lang="en-US" sz="2500" dirty="0" smtClean="0"/>
-              <a:t>The </a:t>
-            </a:r>
-            <a:r>
-              <a:rPr lang="en-US" sz="2500" dirty="0" smtClean="0"/>
-              <a:t>experimental results of some programs under test demonstrate that improved GA generated test data can cover all feasible paths having path conditions which cannot be covered by test data generated from regular GA. </a:t>
+              <a:t>The experimental results of some programs under test demonstrate that improved GA generated test data can cover all feasible paths having path conditions which cannot be covered by test data generated from regular GA. </a:t>
             </a:r>
           </a:p>
           <a:p>
@@ -6069,7 +5812,7 @@
     </p:spTree>
     <p:extLst>
       <p:ext uri="{BB962C8B-B14F-4D97-AF65-F5344CB8AC3E}">
-        <p14:creationId xmlns="" xmlns:p14="http://schemas.microsoft.com/office/powerpoint/2010/main" val="1133312594"/>
+        <p14:creationId xmlns:p14="http://schemas.microsoft.com/office/powerpoint/2010/main" xmlns="" val="1133312594"/>
       </p:ext>
     </p:extLst>
   </p:cSld>
@@ -6167,15 +5910,7 @@
             </a:pPr>
             <a:r>
               <a:rPr lang="en-US" sz="1900" dirty="0" smtClean="0"/>
-              <a:t>G</a:t>
-            </a:r>
-            <a:r>
-              <a:rPr lang="en-US" sz="1900" dirty="0" smtClean="0"/>
-              <a:t>. J. Myers: The Art of Software Testing, 2nd edition. John Wiley &amp; Sons Inc (2004</a:t>
-            </a:r>
-            <a:r>
-              <a:rPr lang="en-US" sz="1900" dirty="0" smtClean="0"/>
-              <a:t>).</a:t>
+              <a:t>G. J. Myers: The Art of Software Testing, 2nd edition. John Wiley &amp; Sons Inc (2004).</a:t>
             </a:r>
           </a:p>
           <a:p>
@@ -6184,11 +5919,7 @@
             </a:pPr>
             <a:r>
               <a:rPr lang="en-US" sz="1900" dirty="0" smtClean="0"/>
-              <a:t> </a:t>
-            </a:r>
-            <a:r>
-              <a:rPr lang="en-US" sz="1900" dirty="0" smtClean="0"/>
-              <a:t>J. C. Lin and P. L. </a:t>
+              <a:t> J. C. Lin and P. L. </a:t>
             </a:r>
             <a:r>
               <a:rPr lang="en-US" sz="1900" dirty="0" err="1" smtClean="0"/>
@@ -6205,11 +5936,7 @@
             </a:pPr>
             <a:r>
               <a:rPr lang="en-US" sz="1900" dirty="0" smtClean="0"/>
-              <a:t>B</a:t>
-            </a:r>
-            <a:r>
-              <a:rPr lang="en-US" sz="1900" dirty="0" smtClean="0"/>
-              <a:t>. F. Jones, H. H. </a:t>
+              <a:t>B. F. Jones, H. H. </a:t>
             </a:r>
             <a:r>
               <a:rPr lang="en-US" sz="1900" dirty="0" err="1" smtClean="0"/>
@@ -6242,11 +5969,7 @@
             </a:pPr>
             <a:r>
               <a:rPr lang="en-US" sz="1900" dirty="0" smtClean="0"/>
-              <a:t>Y</a:t>
-            </a:r>
-            <a:r>
-              <a:rPr lang="en-US" sz="1900" dirty="0" smtClean="0"/>
-              <a:t>. Chen and Y. </a:t>
+              <a:t>Y. Chen and Y. </a:t>
             </a:r>
             <a:r>
               <a:rPr lang="en-US" sz="1900" dirty="0" err="1" smtClean="0"/>
@@ -6271,11 +5994,7 @@
             </a:pPr>
             <a:r>
               <a:rPr lang="en-US" sz="1900" dirty="0" smtClean="0"/>
-              <a:t>J</a:t>
-            </a:r>
-            <a:r>
-              <a:rPr lang="en-US" sz="1900" dirty="0" smtClean="0"/>
-              <a:t>. </a:t>
+              <a:t>J. </a:t>
             </a:r>
             <a:r>
               <a:rPr lang="en-US" sz="1900" dirty="0" err="1" smtClean="0"/>
@@ -6292,11 +6011,7 @@
             </a:pPr>
             <a:r>
               <a:rPr lang="en-US" sz="1900" dirty="0" smtClean="0"/>
-              <a:t>I</a:t>
-            </a:r>
-            <a:r>
-              <a:rPr lang="en-US" sz="1900" dirty="0" smtClean="0"/>
-              <a:t>. </a:t>
+              <a:t>I. </a:t>
             </a:r>
             <a:r>
               <a:rPr lang="en-US" sz="1900" dirty="0" err="1" smtClean="0"/>
@@ -6313,11 +6028,7 @@
             </a:pPr>
             <a:r>
               <a:rPr lang="en-US" sz="1900" dirty="0" smtClean="0"/>
-              <a:t>M</a:t>
-            </a:r>
-            <a:r>
-              <a:rPr lang="en-US" sz="1900" dirty="0" smtClean="0"/>
-              <a:t>. A. Ahmed and I. </a:t>
+              <a:t>M. A. Ahmed and I. </a:t>
             </a:r>
             <a:r>
               <a:rPr lang="en-US" sz="1900" dirty="0" err="1" smtClean="0"/>
@@ -6334,7 +6045,7 @@
     </p:spTree>
     <p:extLst>
       <p:ext uri="{BB962C8B-B14F-4D97-AF65-F5344CB8AC3E}">
-        <p14:creationId xmlns="" xmlns:p14="http://schemas.microsoft.com/office/powerpoint/2010/main" val="1133312594"/>
+        <p14:creationId xmlns:p14="http://schemas.microsoft.com/office/powerpoint/2010/main" xmlns="" val="1133312594"/>
       </p:ext>
     </p:extLst>
   </p:cSld>
@@ -6396,7 +6107,7 @@
     </p:spTree>
     <p:extLst>
       <p:ext uri="{BB962C8B-B14F-4D97-AF65-F5344CB8AC3E}">
-        <p14:creationId xmlns="" xmlns:p14="http://schemas.microsoft.com/office/powerpoint/2010/main" val="1133312594"/>
+        <p14:creationId xmlns:p14="http://schemas.microsoft.com/office/powerpoint/2010/main" xmlns="" val="1133312594"/>
       </p:ext>
     </p:extLst>
   </p:cSld>
@@ -6505,11 +6216,7 @@
             </a:r>
             <a:r>
               <a:rPr lang="en-US" sz="2200" dirty="0" smtClean="0"/>
-              <a:t> </a:t>
-            </a:r>
-            <a:r>
-              <a:rPr lang="en-US" sz="2200" dirty="0" smtClean="0"/>
-              <a:t>[1]</a:t>
+              <a:t> [1]</a:t>
             </a:r>
             <a:endParaRPr lang="en-US" sz="2200" dirty="0"/>
           </a:p>
@@ -6527,7 +6234,7 @@
           <a:blip r:embed="rId2" cstate="print">
             <a:extLst>
               <a:ext uri="{28A0092B-C50C-407E-A947-70E740481C1C}">
-                <a14:useLocalDpi xmlns="" xmlns:a14="http://schemas.microsoft.com/office/drawing/2010/main" val="0"/>
+                <a14:useLocalDpi xmlns:a14="http://schemas.microsoft.com/office/drawing/2010/main" xmlns="" val="0"/>
               </a:ext>
             </a:extLst>
           </a:blip>
@@ -6550,14 +6257,14 @@
           </a:ln>
           <a:extLst>
             <a:ext uri="{909E8E84-426E-40DD-AFC4-6F175D3DCCD1}">
-              <a14:hiddenFill xmlns="" xmlns:a14="http://schemas.microsoft.com/office/drawing/2010/main">
+              <a14:hiddenFill xmlns:a14="http://schemas.microsoft.com/office/drawing/2010/main" xmlns="">
                 <a:solidFill>
                   <a:schemeClr val="accent1"/>
                 </a:solidFill>
               </a14:hiddenFill>
             </a:ext>
             <a:ext uri="{91240B29-F687-4F45-9708-019B960494DF}">
-              <a14:hiddenLine xmlns="" xmlns:a14="http://schemas.microsoft.com/office/drawing/2010/main" w="9525">
+              <a14:hiddenLine xmlns:a14="http://schemas.microsoft.com/office/drawing/2010/main" xmlns="" w="9525">
                 <a:solidFill>
                   <a:schemeClr val="tx1"/>
                 </a:solidFill>
@@ -6572,7 +6279,7 @@
     </p:spTree>
     <p:extLst>
       <p:ext uri="{BB962C8B-B14F-4D97-AF65-F5344CB8AC3E}">
-        <p14:creationId xmlns="" xmlns:p14="http://schemas.microsoft.com/office/powerpoint/2010/main" val="763281191"/>
+        <p14:creationId xmlns:p14="http://schemas.microsoft.com/office/powerpoint/2010/main" xmlns="" val="763281191"/>
       </p:ext>
     </p:extLst>
   </p:cSld>
@@ -6696,7 +6403,6 @@
               <a:rPr lang="en-US" sz="2800" dirty="0" smtClean="0"/>
               <a:t>	infinite loops, array, procedure calls and pointer 	references </a:t>
             </a:r>
-            <a:endParaRPr lang="en-US" sz="2800" dirty="0" smtClean="0"/>
           </a:p>
           <a:p>
             <a:pPr marL="0" indent="0">
@@ -6725,7 +6431,6 @@
               <a:rPr lang="en-US" sz="2800" dirty="0" smtClean="0"/>
               <a:t>	random testing, local search, and evolutionary 	methods </a:t>
             </a:r>
-            <a:endParaRPr lang="en-US" sz="2800" dirty="0" smtClean="0"/>
           </a:p>
           <a:p>
             <a:pPr marL="0" indent="0">
@@ -6733,15 +6438,7 @@
             </a:pPr>
             <a:r>
               <a:rPr lang="en-US" sz="2800" dirty="0" smtClean="0"/>
-              <a:t>	most widely known: </a:t>
-            </a:r>
-            <a:r>
-              <a:rPr lang="en-US" sz="2800" dirty="0" smtClean="0"/>
-              <a:t>genetic algorithm</a:t>
-            </a:r>
-            <a:r>
-              <a:rPr lang="en-US" sz="2800" dirty="0" smtClean="0"/>
-              <a:t> (GA)</a:t>
+              <a:t>	most widely known: genetic algorithm (GA)</a:t>
             </a:r>
             <a:endParaRPr lang="en-US" sz="2800" dirty="0"/>
           </a:p>
@@ -6750,7 +6447,7 @@
     </p:spTree>
     <p:extLst>
       <p:ext uri="{BB962C8B-B14F-4D97-AF65-F5344CB8AC3E}">
-        <p14:creationId xmlns="" xmlns:p14="http://schemas.microsoft.com/office/powerpoint/2010/main" val="3736083669"/>
+        <p14:creationId xmlns:p14="http://schemas.microsoft.com/office/powerpoint/2010/main" xmlns="" val="3736083669"/>
       </p:ext>
     </p:extLst>
   </p:cSld>
@@ -6889,7 +6586,7 @@
     </p:spTree>
     <p:extLst>
       <p:ext uri="{BB962C8B-B14F-4D97-AF65-F5344CB8AC3E}">
-        <p14:creationId xmlns="" xmlns:p14="http://schemas.microsoft.com/office/powerpoint/2010/main" val="3736083669"/>
+        <p14:creationId xmlns:p14="http://schemas.microsoft.com/office/powerpoint/2010/main" xmlns="" val="3736083669"/>
       </p:ext>
     </p:extLst>
   </p:cSld>
@@ -7039,7 +6736,7 @@
     </p:spTree>
     <p:extLst>
       <p:ext uri="{BB962C8B-B14F-4D97-AF65-F5344CB8AC3E}">
-        <p14:creationId xmlns="" xmlns:p14="http://schemas.microsoft.com/office/powerpoint/2010/main" val="976856806"/>
+        <p14:creationId xmlns:p14="http://schemas.microsoft.com/office/powerpoint/2010/main" xmlns="" val="976856806"/>
       </p:ext>
     </p:extLst>
   </p:cSld>
@@ -7100,23 +6797,7 @@
                   <a:schemeClr val="bg1"/>
                 </a:solidFill>
               </a:rPr>
-              <a:t> </a:t>
-            </a:r>
-            <a:r>
-              <a:rPr lang="en-US" dirty="0" smtClean="0">
-                <a:solidFill>
-                  <a:schemeClr val="bg1"/>
-                </a:solidFill>
-              </a:rPr>
-              <a:t>testing as an optimization </a:t>
-            </a:r>
-            <a:r>
-              <a:rPr lang="en-US" dirty="0" smtClean="0">
-                <a:solidFill>
-                  <a:schemeClr val="bg1"/>
-                </a:solidFill>
-              </a:rPr>
-              <a:t>problem</a:t>
+              <a:t> testing as an optimization problem</a:t>
             </a:r>
             <a:endParaRPr lang="en-US" dirty="0">
               <a:solidFill>
@@ -7196,7 +6877,7 @@
     </p:spTree>
     <p:extLst>
       <p:ext uri="{BB962C8B-B14F-4D97-AF65-F5344CB8AC3E}">
-        <p14:creationId xmlns="" xmlns:p14="http://schemas.microsoft.com/office/powerpoint/2010/main" val="976856806"/>
+        <p14:creationId xmlns:p14="http://schemas.microsoft.com/office/powerpoint/2010/main" xmlns="" val="976856806"/>
       </p:ext>
     </p:extLst>
   </p:cSld>
@@ -7318,7 +6999,7 @@
     </p:spTree>
     <p:extLst>
       <p:ext uri="{BB962C8B-B14F-4D97-AF65-F5344CB8AC3E}">
-        <p14:creationId xmlns="" xmlns:p14="http://schemas.microsoft.com/office/powerpoint/2010/main" val="976856806"/>
+        <p14:creationId xmlns:p14="http://schemas.microsoft.com/office/powerpoint/2010/main" xmlns="" val="976856806"/>
       </p:ext>
     </p:extLst>
   </p:cSld>
@@ -7424,7 +7105,7 @@
     </p:spTree>
     <p:extLst>
       <p:ext uri="{BB962C8B-B14F-4D97-AF65-F5344CB8AC3E}">
-        <p14:creationId xmlns="" xmlns:p14="http://schemas.microsoft.com/office/powerpoint/2010/main" val="976856806"/>
+        <p14:creationId xmlns:p14="http://schemas.microsoft.com/office/powerpoint/2010/main" xmlns="" val="976856806"/>
       </p:ext>
     </p:extLst>
   </p:cSld>

--- a/CFT4CUnitSrc/src/report/ACOMP2016_Presentation.pptx
+++ b/CFT4CUnitSrc/src/report/ACOMP2016_Presentation.pptx
@@ -4,6 +4,9 @@
   <p:sldMasterIdLst>
     <p:sldMasterId id="2147483648" r:id="rId1"/>
   </p:sldMasterIdLst>
+  <p:handoutMasterIdLst>
+    <p:handoutMasterId r:id="rId31"/>
+  </p:handoutMasterIdLst>
   <p:sldIdLst>
     <p:sldId id="256" r:id="rId2"/>
     <p:sldId id="257" r:id="rId3"/>
@@ -36,7 +39,7 @@
     <p:sldId id="285" r:id="rId30"/>
   </p:sldIdLst>
   <p:sldSz cx="9144000" cy="6858000" type="screen4x3"/>
-  <p:notesSz cx="6858000" cy="9144000"/>
+  <p:notesSz cx="6797675" cy="9926638"/>
   <p:defaultTextStyle>
     <a:defPPr>
       <a:defRPr lang="en-US"/>
@@ -135,6 +138,171 @@
 </p:presentation>
 </file>
 
+<file path=ppt/handoutMasters/handoutMaster1.xml><?xml version="1.0" encoding="utf-8"?>
+<p:handoutMaster xmlns:a="http://schemas.openxmlformats.org/drawingml/2006/main" xmlns:r="http://schemas.openxmlformats.org/officeDocument/2006/relationships" xmlns:p="http://schemas.openxmlformats.org/presentationml/2006/main">
+  <p:cSld>
+    <p:bg>
+      <p:bgRef idx="1001">
+        <a:schemeClr val="bg1"/>
+      </p:bgRef>
+    </p:bg>
+    <p:spTree>
+      <p:nvGrpSpPr>
+        <p:cNvPr id="1" name=""/>
+        <p:cNvGrpSpPr/>
+        <p:nvPr/>
+      </p:nvGrpSpPr>
+      <p:grpSpPr>
+        <a:xfrm>
+          <a:off x="0" y="0"/>
+          <a:ext cx="0" cy="0"/>
+          <a:chOff x="0" y="0"/>
+          <a:chExt cx="0" cy="0"/>
+        </a:xfrm>
+      </p:grpSpPr>
+      <p:sp>
+        <p:nvSpPr>
+          <p:cNvPr id="2" name="Header Placeholder 1"/>
+          <p:cNvSpPr>
+            <a:spLocks noGrp="1"/>
+          </p:cNvSpPr>
+          <p:nvPr>
+            <p:ph type="hdr" sz="quarter"/>
+          </p:nvPr>
+        </p:nvSpPr>
+        <p:spPr>
+          <a:xfrm>
+            <a:off x="0" y="0"/>
+            <a:ext cx="2946400" cy="496888"/>
+          </a:xfrm>
+          <a:prstGeom prst="rect">
+            <a:avLst/>
+          </a:prstGeom>
+        </p:spPr>
+        <p:txBody>
+          <a:bodyPr vert="horz" lIns="91440" tIns="45720" rIns="91440" bIns="45720" rtlCol="0"/>
+          <a:lstStyle>
+            <a:lvl1pPr algn="l">
+              <a:defRPr sz="1200"/>
+            </a:lvl1pPr>
+          </a:lstStyle>
+          <a:p>
+            <a:endParaRPr lang="en-US"/>
+          </a:p>
+        </p:txBody>
+      </p:sp>
+      <p:sp>
+        <p:nvSpPr>
+          <p:cNvPr id="3" name="Date Placeholder 2"/>
+          <p:cNvSpPr>
+            <a:spLocks noGrp="1"/>
+          </p:cNvSpPr>
+          <p:nvPr>
+            <p:ph type="dt" sz="quarter" idx="1"/>
+          </p:nvPr>
+        </p:nvSpPr>
+        <p:spPr>
+          <a:xfrm>
+            <a:off x="3849688" y="0"/>
+            <a:ext cx="2946400" cy="496888"/>
+          </a:xfrm>
+          <a:prstGeom prst="rect">
+            <a:avLst/>
+          </a:prstGeom>
+        </p:spPr>
+        <p:txBody>
+          <a:bodyPr vert="horz" lIns="91440" tIns="45720" rIns="91440" bIns="45720" rtlCol="0"/>
+          <a:lstStyle>
+            <a:lvl1pPr algn="r">
+              <a:defRPr sz="1200"/>
+            </a:lvl1pPr>
+          </a:lstStyle>
+          <a:p>
+            <a:fld id="{5F13D7CC-1040-492F-8106-51A9FB2C754C}" type="datetimeFigureOut">
+              <a:rPr lang="en-US" smtClean="0"/>
+              <a:t>11/21/2016</a:t>
+            </a:fld>
+            <a:endParaRPr lang="en-US"/>
+          </a:p>
+        </p:txBody>
+      </p:sp>
+      <p:sp>
+        <p:nvSpPr>
+          <p:cNvPr id="4" name="Footer Placeholder 3"/>
+          <p:cNvSpPr>
+            <a:spLocks noGrp="1"/>
+          </p:cNvSpPr>
+          <p:nvPr>
+            <p:ph type="ftr" sz="quarter" idx="2"/>
+          </p:nvPr>
+        </p:nvSpPr>
+        <p:spPr>
+          <a:xfrm>
+            <a:off x="0" y="9428163"/>
+            <a:ext cx="2946400" cy="496887"/>
+          </a:xfrm>
+          <a:prstGeom prst="rect">
+            <a:avLst/>
+          </a:prstGeom>
+        </p:spPr>
+        <p:txBody>
+          <a:bodyPr vert="horz" lIns="91440" tIns="45720" rIns="91440" bIns="45720" rtlCol="0" anchor="b"/>
+          <a:lstStyle>
+            <a:lvl1pPr algn="l">
+              <a:defRPr sz="1200"/>
+            </a:lvl1pPr>
+          </a:lstStyle>
+          <a:p>
+            <a:endParaRPr lang="en-US"/>
+          </a:p>
+        </p:txBody>
+      </p:sp>
+      <p:sp>
+        <p:nvSpPr>
+          <p:cNvPr id="5" name="Slide Number Placeholder 4"/>
+          <p:cNvSpPr>
+            <a:spLocks noGrp="1"/>
+          </p:cNvSpPr>
+          <p:nvPr>
+            <p:ph type="sldNum" sz="quarter" idx="3"/>
+          </p:nvPr>
+        </p:nvSpPr>
+        <p:spPr>
+          <a:xfrm>
+            <a:off x="3849688" y="9428163"/>
+            <a:ext cx="2946400" cy="496887"/>
+          </a:xfrm>
+          <a:prstGeom prst="rect">
+            <a:avLst/>
+          </a:prstGeom>
+        </p:spPr>
+        <p:txBody>
+          <a:bodyPr vert="horz" lIns="91440" tIns="45720" rIns="91440" bIns="45720" rtlCol="0" anchor="b"/>
+          <a:lstStyle>
+            <a:lvl1pPr algn="r">
+              <a:defRPr sz="1200"/>
+            </a:lvl1pPr>
+          </a:lstStyle>
+          <a:p>
+            <a:fld id="{28E82736-E18A-41AE-AC0F-D8A10A1AEBA1}" type="slidenum">
+              <a:rPr lang="en-US" smtClean="0"/>
+              <a:t>‹#›</a:t>
+            </a:fld>
+            <a:endParaRPr lang="en-US"/>
+          </a:p>
+        </p:txBody>
+      </p:sp>
+    </p:spTree>
+    <p:extLst>
+      <p:ext uri="{BB962C8B-B14F-4D97-AF65-F5344CB8AC3E}">
+        <p14:creationId xmlns:p14="http://schemas.microsoft.com/office/powerpoint/2010/main" val="3656892265"/>
+      </p:ext>
+    </p:extLst>
+  </p:cSld>
+  <p:clrMap bg1="lt1" tx1="dk1" bg2="lt2" tx2="dk2" accent1="accent1" accent2="accent2" accent3="accent3" accent4="accent4" accent5="accent5" accent6="accent6" hlink="hlink" folHlink="folHlink"/>
+</p:handoutMaster>
+</file>
+
 <file path=ppt/slideLayouts/slideLayout1.xml><?xml version="1.0" encoding="utf-8"?>
 <p:sldLayout xmlns:a="http://schemas.openxmlformats.org/drawingml/2006/main" xmlns:r="http://schemas.openxmlformats.org/officeDocument/2006/relationships" xmlns:p="http://schemas.openxmlformats.org/presentationml/2006/main" type="title" preserve="1">
   <p:cSld name="Title Slide">
@@ -317,7 +485,7 @@
             <a:fld id="{2A145FE2-AB7C-46BC-8F86-612F87CDD637}" type="datetimeFigureOut">
               <a:rPr lang="en-US" smtClean="0"/>
               <a:pPr/>
-              <a:t>11/19/2016</a:t>
+              <a:t>11/21/2016</a:t>
             </a:fld>
             <a:endParaRPr lang="en-US"/>
           </a:p>
@@ -369,7 +537,7 @@
     </p:spTree>
     <p:extLst>
       <p:ext uri="{BB962C8B-B14F-4D97-AF65-F5344CB8AC3E}">
-        <p14:creationId xmlns:p14="http://schemas.microsoft.com/office/powerpoint/2010/main" xmlns="" val="1811901625"/>
+        <p14:creationId xmlns:p14="http://schemas.microsoft.com/office/powerpoint/2010/main" val="1811901625"/>
       </p:ext>
     </p:extLst>
   </p:cSld>
@@ -489,7 +657,7 @@
             <a:fld id="{2A145FE2-AB7C-46BC-8F86-612F87CDD637}" type="datetimeFigureOut">
               <a:rPr lang="en-US" smtClean="0"/>
               <a:pPr/>
-              <a:t>11/19/2016</a:t>
+              <a:t>11/21/2016</a:t>
             </a:fld>
             <a:endParaRPr lang="en-US"/>
           </a:p>
@@ -541,7 +709,7 @@
     </p:spTree>
     <p:extLst>
       <p:ext uri="{BB962C8B-B14F-4D97-AF65-F5344CB8AC3E}">
-        <p14:creationId xmlns:p14="http://schemas.microsoft.com/office/powerpoint/2010/main" xmlns="" val="791576242"/>
+        <p14:creationId xmlns:p14="http://schemas.microsoft.com/office/powerpoint/2010/main" val="791576242"/>
       </p:ext>
     </p:extLst>
   </p:cSld>
@@ -671,7 +839,7 @@
             <a:fld id="{2A145FE2-AB7C-46BC-8F86-612F87CDD637}" type="datetimeFigureOut">
               <a:rPr lang="en-US" smtClean="0"/>
               <a:pPr/>
-              <a:t>11/19/2016</a:t>
+              <a:t>11/21/2016</a:t>
             </a:fld>
             <a:endParaRPr lang="en-US"/>
           </a:p>
@@ -723,7 +891,7 @@
     </p:spTree>
     <p:extLst>
       <p:ext uri="{BB962C8B-B14F-4D97-AF65-F5344CB8AC3E}">
-        <p14:creationId xmlns:p14="http://schemas.microsoft.com/office/powerpoint/2010/main" xmlns="" val="2934662006"/>
+        <p14:creationId xmlns:p14="http://schemas.microsoft.com/office/powerpoint/2010/main" val="2934662006"/>
       </p:ext>
     </p:extLst>
   </p:cSld>
@@ -843,7 +1011,7 @@
             <a:fld id="{2A145FE2-AB7C-46BC-8F86-612F87CDD637}" type="datetimeFigureOut">
               <a:rPr lang="en-US" smtClean="0"/>
               <a:pPr/>
-              <a:t>11/19/2016</a:t>
+              <a:t>11/21/2016</a:t>
             </a:fld>
             <a:endParaRPr lang="en-US"/>
           </a:p>
@@ -895,7 +1063,7 @@
     </p:spTree>
     <p:extLst>
       <p:ext uri="{BB962C8B-B14F-4D97-AF65-F5344CB8AC3E}">
-        <p14:creationId xmlns:p14="http://schemas.microsoft.com/office/powerpoint/2010/main" xmlns="" val="855239803"/>
+        <p14:creationId xmlns:p14="http://schemas.microsoft.com/office/powerpoint/2010/main" val="855239803"/>
       </p:ext>
     </p:extLst>
   </p:cSld>
@@ -1091,7 +1259,7 @@
             <a:fld id="{2A145FE2-AB7C-46BC-8F86-612F87CDD637}" type="datetimeFigureOut">
               <a:rPr lang="en-US" smtClean="0"/>
               <a:pPr/>
-              <a:t>11/19/2016</a:t>
+              <a:t>11/21/2016</a:t>
             </a:fld>
             <a:endParaRPr lang="en-US"/>
           </a:p>
@@ -1143,7 +1311,7 @@
     </p:spTree>
     <p:extLst>
       <p:ext uri="{BB962C8B-B14F-4D97-AF65-F5344CB8AC3E}">
-        <p14:creationId xmlns:p14="http://schemas.microsoft.com/office/powerpoint/2010/main" xmlns="" val="635452818"/>
+        <p14:creationId xmlns:p14="http://schemas.microsoft.com/office/powerpoint/2010/main" val="635452818"/>
       </p:ext>
     </p:extLst>
   </p:cSld>
@@ -1381,7 +1549,7 @@
             <a:fld id="{2A145FE2-AB7C-46BC-8F86-612F87CDD637}" type="datetimeFigureOut">
               <a:rPr lang="en-US" smtClean="0"/>
               <a:pPr/>
-              <a:t>11/19/2016</a:t>
+              <a:t>11/21/2016</a:t>
             </a:fld>
             <a:endParaRPr lang="en-US"/>
           </a:p>
@@ -1433,7 +1601,7 @@
     </p:spTree>
     <p:extLst>
       <p:ext uri="{BB962C8B-B14F-4D97-AF65-F5344CB8AC3E}">
-        <p14:creationId xmlns:p14="http://schemas.microsoft.com/office/powerpoint/2010/main" xmlns="" val="3716967958"/>
+        <p14:creationId xmlns:p14="http://schemas.microsoft.com/office/powerpoint/2010/main" val="3716967958"/>
       </p:ext>
     </p:extLst>
   </p:cSld>
@@ -1805,7 +1973,7 @@
             <a:fld id="{2A145FE2-AB7C-46BC-8F86-612F87CDD637}" type="datetimeFigureOut">
               <a:rPr lang="en-US" smtClean="0"/>
               <a:pPr/>
-              <a:t>11/19/2016</a:t>
+              <a:t>11/21/2016</a:t>
             </a:fld>
             <a:endParaRPr lang="en-US"/>
           </a:p>
@@ -1857,7 +2025,7 @@
     </p:spTree>
     <p:extLst>
       <p:ext uri="{BB962C8B-B14F-4D97-AF65-F5344CB8AC3E}">
-        <p14:creationId xmlns:p14="http://schemas.microsoft.com/office/powerpoint/2010/main" xmlns="" val="3991833718"/>
+        <p14:creationId xmlns:p14="http://schemas.microsoft.com/office/powerpoint/2010/main" val="3991833718"/>
       </p:ext>
     </p:extLst>
   </p:cSld>
@@ -1925,7 +2093,7 @@
             <a:fld id="{2A145FE2-AB7C-46BC-8F86-612F87CDD637}" type="datetimeFigureOut">
               <a:rPr lang="en-US" smtClean="0"/>
               <a:pPr/>
-              <a:t>11/19/2016</a:t>
+              <a:t>11/21/2016</a:t>
             </a:fld>
             <a:endParaRPr lang="en-US"/>
           </a:p>
@@ -1977,7 +2145,7 @@
     </p:spTree>
     <p:extLst>
       <p:ext uri="{BB962C8B-B14F-4D97-AF65-F5344CB8AC3E}">
-        <p14:creationId xmlns:p14="http://schemas.microsoft.com/office/powerpoint/2010/main" xmlns="" val="1837035765"/>
+        <p14:creationId xmlns:p14="http://schemas.microsoft.com/office/powerpoint/2010/main" val="1837035765"/>
       </p:ext>
     </p:extLst>
   </p:cSld>
@@ -2022,7 +2190,7 @@
             <a:fld id="{2A145FE2-AB7C-46BC-8F86-612F87CDD637}" type="datetimeFigureOut">
               <a:rPr lang="en-US" smtClean="0"/>
               <a:pPr/>
-              <a:t>11/19/2016</a:t>
+              <a:t>11/21/2016</a:t>
             </a:fld>
             <a:endParaRPr lang="en-US"/>
           </a:p>
@@ -2074,7 +2242,7 @@
     </p:spTree>
     <p:extLst>
       <p:ext uri="{BB962C8B-B14F-4D97-AF65-F5344CB8AC3E}">
-        <p14:creationId xmlns:p14="http://schemas.microsoft.com/office/powerpoint/2010/main" xmlns="" val="3419707464"/>
+        <p14:creationId xmlns:p14="http://schemas.microsoft.com/office/powerpoint/2010/main" val="3419707464"/>
       </p:ext>
     </p:extLst>
   </p:cSld>
@@ -2301,7 +2469,7 @@
             <a:fld id="{2A145FE2-AB7C-46BC-8F86-612F87CDD637}" type="datetimeFigureOut">
               <a:rPr lang="en-US" smtClean="0"/>
               <a:pPr/>
-              <a:t>11/19/2016</a:t>
+              <a:t>11/21/2016</a:t>
             </a:fld>
             <a:endParaRPr lang="en-US"/>
           </a:p>
@@ -2353,7 +2521,7 @@
     </p:spTree>
     <p:extLst>
       <p:ext uri="{BB962C8B-B14F-4D97-AF65-F5344CB8AC3E}">
-        <p14:creationId xmlns:p14="http://schemas.microsoft.com/office/powerpoint/2010/main" xmlns="" val="932762734"/>
+        <p14:creationId xmlns:p14="http://schemas.microsoft.com/office/powerpoint/2010/main" val="932762734"/>
       </p:ext>
     </p:extLst>
   </p:cSld>
@@ -2556,7 +2724,7 @@
             <a:fld id="{2A145FE2-AB7C-46BC-8F86-612F87CDD637}" type="datetimeFigureOut">
               <a:rPr lang="en-US" smtClean="0"/>
               <a:pPr/>
-              <a:t>11/19/2016</a:t>
+              <a:t>11/21/2016</a:t>
             </a:fld>
             <a:endParaRPr lang="en-US"/>
           </a:p>
@@ -2608,7 +2776,7 @@
     </p:spTree>
     <p:extLst>
       <p:ext uri="{BB962C8B-B14F-4D97-AF65-F5344CB8AC3E}">
-        <p14:creationId xmlns:p14="http://schemas.microsoft.com/office/powerpoint/2010/main" xmlns="" val="2367942364"/>
+        <p14:creationId xmlns:p14="http://schemas.microsoft.com/office/powerpoint/2010/main" val="2367942364"/>
       </p:ext>
     </p:extLst>
   </p:cSld>
@@ -2776,7 +2944,7 @@
             <a:fld id="{2A145FE2-AB7C-46BC-8F86-612F87CDD637}" type="datetimeFigureOut">
               <a:rPr lang="en-US" smtClean="0"/>
               <a:pPr/>
-              <a:t>11/19/2016</a:t>
+              <a:t>11/21/2016</a:t>
             </a:fld>
             <a:endParaRPr lang="en-US"/>
           </a:p>
@@ -2864,7 +3032,7 @@
     </p:spTree>
     <p:extLst>
       <p:ext uri="{BB962C8B-B14F-4D97-AF65-F5344CB8AC3E}">
-        <p14:creationId xmlns:p14="http://schemas.microsoft.com/office/powerpoint/2010/main" xmlns="" val="1100484609"/>
+        <p14:creationId xmlns:p14="http://schemas.microsoft.com/office/powerpoint/2010/main" val="1100484609"/>
       </p:ext>
     </p:extLst>
   </p:cSld>
@@ -3238,7 +3406,7 @@
           <a:blip r:embed="rId2" cstate="print">
             <a:extLst>
               <a:ext uri="{28A0092B-C50C-407E-A947-70E740481C1C}">
-                <a14:useLocalDpi xmlns:a14="http://schemas.microsoft.com/office/drawing/2010/main" xmlns="" val="0"/>
+                <a14:useLocalDpi xmlns:a14="http://schemas.microsoft.com/office/drawing/2010/main" val="0"/>
               </a:ext>
             </a:extLst>
           </a:blip>
@@ -3261,14 +3429,14 @@
           </a:ln>
           <a:extLst>
             <a:ext uri="{909E8E84-426E-40DD-AFC4-6F175D3DCCD1}">
-              <a14:hiddenFill xmlns:a14="http://schemas.microsoft.com/office/drawing/2010/main" xmlns="">
+              <a14:hiddenFill xmlns:a14="http://schemas.microsoft.com/office/drawing/2010/main">
                 <a:solidFill>
                   <a:schemeClr val="accent1"/>
                 </a:solidFill>
               </a14:hiddenFill>
             </a:ext>
             <a:ext uri="{91240B29-F687-4F45-9708-019B960494DF}">
-              <a14:hiddenLine xmlns:a14="http://schemas.microsoft.com/office/drawing/2010/main" xmlns="" w="9525">
+              <a14:hiddenLine xmlns:a14="http://schemas.microsoft.com/office/drawing/2010/main" w="9525">
                 <a:solidFill>
                   <a:schemeClr val="tx1"/>
                 </a:solidFill>
@@ -3283,7 +3451,7 @@
     </p:spTree>
     <p:extLst>
       <p:ext uri="{BB962C8B-B14F-4D97-AF65-F5344CB8AC3E}">
-        <p14:creationId xmlns:p14="http://schemas.microsoft.com/office/powerpoint/2010/main" xmlns="" val="44671813"/>
+        <p14:creationId xmlns:p14="http://schemas.microsoft.com/office/powerpoint/2010/main" val="44671813"/>
       </p:ext>
     </p:extLst>
   </p:cSld>
@@ -3344,7 +3512,15 @@
                   <a:schemeClr val="bg1"/>
                 </a:solidFill>
               </a:rPr>
-              <a:t> Outline</a:t>
+              <a:t> </a:t>
+            </a:r>
+            <a:r>
+              <a:rPr lang="en-US" dirty="0" smtClean="0">
+                <a:solidFill>
+                  <a:schemeClr val="bg1"/>
+                </a:solidFill>
+              </a:rPr>
+              <a:t>outline</a:t>
             </a:r>
             <a:endParaRPr lang="en-US" dirty="0">
               <a:solidFill>
@@ -3433,7 +3609,7 @@
     </p:spTree>
     <p:extLst>
       <p:ext uri="{BB962C8B-B14F-4D97-AF65-F5344CB8AC3E}">
-        <p14:creationId xmlns:p14="http://schemas.microsoft.com/office/powerpoint/2010/main" xmlns="" val="2330834491"/>
+        <p14:creationId xmlns:p14="http://schemas.microsoft.com/office/powerpoint/2010/main" val="2330834491"/>
       </p:ext>
     </p:extLst>
   </p:cSld>
@@ -3563,7 +3739,7 @@
     </p:spTree>
     <p:extLst>
       <p:ext uri="{BB962C8B-B14F-4D97-AF65-F5344CB8AC3E}">
-        <p14:creationId xmlns:p14="http://schemas.microsoft.com/office/powerpoint/2010/main" xmlns="" val="2330834491"/>
+        <p14:creationId xmlns:p14="http://schemas.microsoft.com/office/powerpoint/2010/main" val="2330834491"/>
       </p:ext>
     </p:extLst>
   </p:cSld>
@@ -3705,7 +3881,7 @@
     </p:spTree>
     <p:extLst>
       <p:ext uri="{BB962C8B-B14F-4D97-AF65-F5344CB8AC3E}">
-        <p14:creationId xmlns:p14="http://schemas.microsoft.com/office/powerpoint/2010/main" xmlns="" val="2330834491"/>
+        <p14:creationId xmlns:p14="http://schemas.microsoft.com/office/powerpoint/2010/main" val="2330834491"/>
       </p:ext>
     </p:extLst>
   </p:cSld>
@@ -3766,7 +3942,15 @@
                   <a:schemeClr val="bg1"/>
                 </a:solidFill>
               </a:rPr>
-              <a:t> Outline</a:t>
+              <a:t> </a:t>
+            </a:r>
+            <a:r>
+              <a:rPr lang="en-US" dirty="0" smtClean="0">
+                <a:solidFill>
+                  <a:schemeClr val="bg1"/>
+                </a:solidFill>
+              </a:rPr>
+              <a:t>outline</a:t>
             </a:r>
             <a:endParaRPr lang="en-US" dirty="0">
               <a:solidFill>
@@ -3855,7 +4039,7 @@
     </p:spTree>
     <p:extLst>
       <p:ext uri="{BB962C8B-B14F-4D97-AF65-F5344CB8AC3E}">
-        <p14:creationId xmlns:p14="http://schemas.microsoft.com/office/powerpoint/2010/main" xmlns="" val="1848409642"/>
+        <p14:creationId xmlns:p14="http://schemas.microsoft.com/office/powerpoint/2010/main" val="1848409642"/>
       </p:ext>
     </p:extLst>
   </p:cSld>
@@ -3961,7 +4145,7 @@
     </p:spTree>
     <p:extLst>
       <p:ext uri="{BB962C8B-B14F-4D97-AF65-F5344CB8AC3E}">
-        <p14:creationId xmlns:p14="http://schemas.microsoft.com/office/powerpoint/2010/main" xmlns="" val="1848409642"/>
+        <p14:creationId xmlns:p14="http://schemas.microsoft.com/office/powerpoint/2010/main" val="1848409642"/>
       </p:ext>
     </p:extLst>
   </p:cSld>
@@ -4074,7 +4258,7 @@
     </p:spTree>
     <p:extLst>
       <p:ext uri="{BB962C8B-B14F-4D97-AF65-F5344CB8AC3E}">
-        <p14:creationId xmlns:p14="http://schemas.microsoft.com/office/powerpoint/2010/main" xmlns="" val="1848409642"/>
+        <p14:creationId xmlns:p14="http://schemas.microsoft.com/office/powerpoint/2010/main" val="1848409642"/>
       </p:ext>
     </p:extLst>
   </p:cSld>
@@ -4228,7 +4412,7 @@
     </p:spTree>
     <p:extLst>
       <p:ext uri="{BB962C8B-B14F-4D97-AF65-F5344CB8AC3E}">
-        <p14:creationId xmlns:p14="http://schemas.microsoft.com/office/powerpoint/2010/main" xmlns="" val="1848409642"/>
+        <p14:creationId xmlns:p14="http://schemas.microsoft.com/office/powerpoint/2010/main" val="1848409642"/>
       </p:ext>
     </p:extLst>
   </p:cSld>
@@ -4347,42 +4531,103 @@
           </a:ln>
         </p:spPr>
       </p:pic>
-      <p:pic>
-        <p:nvPicPr>
-          <p:cNvPr id="3076" name="Picture 4"/>
-          <p:cNvPicPr>
-            <a:picLocks noChangeAspect="1" noChangeArrowheads="1"/>
-          </p:cNvPicPr>
+      <p:grpSp>
+        <p:nvGrpSpPr>
+          <p:cNvPr id="4" name="Group 3"/>
+          <p:cNvGrpSpPr/>
           <p:nvPr/>
-        </p:nvPicPr>
-        <p:blipFill>
-          <a:blip r:embed="rId3" cstate="print"/>
-          <a:srcRect/>
-          <a:stretch>
-            <a:fillRect/>
-          </a:stretch>
-        </p:blipFill>
-        <p:spPr bwMode="auto">
+        </p:nvGrpSpPr>
+        <p:grpSpPr>
           <a:xfrm>
             <a:off x="611560" y="3789040"/>
-            <a:ext cx="7920880" cy="2681858"/>
-          </a:xfrm>
-          <a:prstGeom prst="rect">
-            <a:avLst/>
-          </a:prstGeom>
-          <a:noFill/>
-          <a:ln w="9525">
+            <a:ext cx="8064896" cy="2681858"/>
+            <a:chOff x="611560" y="3789040"/>
+            <a:chExt cx="8064896" cy="2681858"/>
+          </a:xfrm>
+        </p:grpSpPr>
+        <p:pic>
+          <p:nvPicPr>
+            <p:cNvPr id="3076" name="Picture 4"/>
+            <p:cNvPicPr>
+              <a:picLocks noChangeAspect="1" noChangeArrowheads="1"/>
+            </p:cNvPicPr>
+            <p:nvPr/>
+          </p:nvPicPr>
+          <p:blipFill>
+            <a:blip r:embed="rId3" cstate="print"/>
+            <a:srcRect/>
+            <a:stretch>
+              <a:fillRect/>
+            </a:stretch>
+          </p:blipFill>
+          <p:spPr bwMode="auto">
+            <a:xfrm>
+              <a:off x="611560" y="3789040"/>
+              <a:ext cx="7920880" cy="2681858"/>
+            </a:xfrm>
+            <a:prstGeom prst="rect">
+              <a:avLst/>
+            </a:prstGeom>
             <a:noFill/>
-            <a:miter lim="800000"/>
-            <a:headEnd/>
-            <a:tailEnd/>
-          </a:ln>
-        </p:spPr>
-      </p:pic>
+            <a:ln w="9525">
+              <a:noFill/>
+              <a:miter lim="800000"/>
+              <a:headEnd/>
+              <a:tailEnd/>
+            </a:ln>
+          </p:spPr>
+        </p:pic>
+        <p:sp>
+          <p:nvSpPr>
+            <p:cNvPr id="3" name="Rectangle 2"/>
+            <p:cNvSpPr/>
+            <p:nvPr/>
+          </p:nvSpPr>
+          <p:spPr>
+            <a:xfrm>
+              <a:off x="5004048" y="5543550"/>
+              <a:ext cx="3672408" cy="927348"/>
+            </a:xfrm>
+            <a:prstGeom prst="rect">
+              <a:avLst/>
+            </a:prstGeom>
+            <a:noFill/>
+            <a:ln w="28575">
+              <a:solidFill>
+                <a:srgbClr val="FF0000"/>
+              </a:solidFill>
+            </a:ln>
+          </p:spPr>
+          <p:style>
+            <a:lnRef idx="2">
+              <a:schemeClr val="accent1">
+                <a:shade val="50000"/>
+              </a:schemeClr>
+            </a:lnRef>
+            <a:fillRef idx="1">
+              <a:schemeClr val="accent1"/>
+            </a:fillRef>
+            <a:effectRef idx="0">
+              <a:schemeClr val="accent1"/>
+            </a:effectRef>
+            <a:fontRef idx="minor">
+              <a:schemeClr val="lt1"/>
+            </a:fontRef>
+          </p:style>
+          <p:txBody>
+            <a:bodyPr rtlCol="0" anchor="ctr"/>
+            <a:lstStyle/>
+            <a:p>
+              <a:pPr algn="ctr"/>
+              <a:endParaRPr lang="en-US"/>
+            </a:p>
+          </p:txBody>
+        </p:sp>
+      </p:grpSp>
     </p:spTree>
     <p:extLst>
       <p:ext uri="{BB962C8B-B14F-4D97-AF65-F5344CB8AC3E}">
-        <p14:creationId xmlns:p14="http://schemas.microsoft.com/office/powerpoint/2010/main" xmlns="" val="1848409642"/>
+        <p14:creationId xmlns:p14="http://schemas.microsoft.com/office/powerpoint/2010/main" val="1848409642"/>
       </p:ext>
     </p:extLst>
   </p:cSld>
@@ -4495,7 +4740,7 @@
     </p:spTree>
     <p:extLst>
       <p:ext uri="{BB962C8B-B14F-4D97-AF65-F5344CB8AC3E}">
-        <p14:creationId xmlns:p14="http://schemas.microsoft.com/office/powerpoint/2010/main" xmlns="" val="1848409642"/>
+        <p14:creationId xmlns:p14="http://schemas.microsoft.com/office/powerpoint/2010/main" val="1848409642"/>
       </p:ext>
     </p:extLst>
   </p:cSld>
@@ -4556,7 +4801,23 @@
                   <a:schemeClr val="bg1"/>
                 </a:solidFill>
               </a:rPr>
-              <a:t> Create fitness function</a:t>
+              <a:t> </a:t>
+            </a:r>
+            <a:r>
+              <a:rPr lang="en-US" dirty="0" smtClean="0">
+                <a:solidFill>
+                  <a:schemeClr val="bg1"/>
+                </a:solidFill>
+              </a:rPr>
+              <a:t>create </a:t>
+            </a:r>
+            <a:r>
+              <a:rPr lang="en-US" dirty="0" smtClean="0">
+                <a:solidFill>
+                  <a:schemeClr val="bg1"/>
+                </a:solidFill>
+              </a:rPr>
+              <a:t>fitness function</a:t>
             </a:r>
             <a:endParaRPr lang="en-US" dirty="0">
               <a:solidFill>
@@ -4610,8 +4871,8 @@
         </p:nvSpPr>
         <p:spPr>
           <a:xfrm>
-            <a:off x="467544" y="1052736"/>
-            <a:ext cx="8229600" cy="864096"/>
+            <a:off x="374848" y="1052736"/>
+            <a:ext cx="8229600" cy="676994"/>
           </a:xfrm>
         </p:spPr>
         <p:txBody>
@@ -4623,28 +4884,15 @@
             </a:pPr>
             <a:r>
               <a:rPr lang="en-US" dirty="0" smtClean="0"/>
-              <a:t>Insert </a:t>
-            </a:r>
-            <a:r>
-              <a:rPr lang="en-US" dirty="0" smtClean="0"/>
-              <a:t>instrument </a:t>
-            </a:r>
-            <a:r>
-              <a:rPr lang="en-US" dirty="0" smtClean="0"/>
-              <a:t>code into program under </a:t>
-            </a:r>
-            <a:r>
-              <a:rPr lang="en-US" dirty="0" smtClean="0"/>
-              <a:t>test</a:t>
-            </a:r>
-            <a:endParaRPr lang="en-US" dirty="0" smtClean="0"/>
+              <a:t>Insert instrument code into program under test</a:t>
+            </a:r>
           </a:p>
         </p:txBody>
       </p:sp>
     </p:spTree>
     <p:extLst>
       <p:ext uri="{BB962C8B-B14F-4D97-AF65-F5344CB8AC3E}">
-        <p14:creationId xmlns:p14="http://schemas.microsoft.com/office/powerpoint/2010/main" xmlns="" val="1848409642"/>
+        <p14:creationId xmlns:p14="http://schemas.microsoft.com/office/powerpoint/2010/main" val="1848409642"/>
       </p:ext>
     </p:extLst>
   </p:cSld>
@@ -4705,7 +4953,15 @@
                   <a:schemeClr val="bg1"/>
                 </a:solidFill>
               </a:rPr>
-              <a:t> Outline</a:t>
+              <a:t> </a:t>
+            </a:r>
+            <a:r>
+              <a:rPr lang="en-US" dirty="0" smtClean="0">
+                <a:solidFill>
+                  <a:schemeClr val="bg1"/>
+                </a:solidFill>
+              </a:rPr>
+              <a:t>outline</a:t>
             </a:r>
             <a:endParaRPr lang="en-US" dirty="0">
               <a:solidFill>
@@ -4794,7 +5050,7 @@
     </p:spTree>
     <p:extLst>
       <p:ext uri="{BB962C8B-B14F-4D97-AF65-F5344CB8AC3E}">
-        <p14:creationId xmlns:p14="http://schemas.microsoft.com/office/powerpoint/2010/main" xmlns="" val="2279565587"/>
+        <p14:creationId xmlns:p14="http://schemas.microsoft.com/office/powerpoint/2010/main" val="2279565587"/>
       </p:ext>
     </p:extLst>
   </p:cSld>
@@ -4900,7 +5156,7 @@
     </p:spTree>
     <p:extLst>
       <p:ext uri="{BB962C8B-B14F-4D97-AF65-F5344CB8AC3E}">
-        <p14:creationId xmlns:p14="http://schemas.microsoft.com/office/powerpoint/2010/main" xmlns="" val="1848409642"/>
+        <p14:creationId xmlns:p14="http://schemas.microsoft.com/office/powerpoint/2010/main" val="1848409642"/>
       </p:ext>
     </p:extLst>
   </p:cSld>
@@ -4961,7 +5217,15 @@
                   <a:schemeClr val="bg1"/>
                 </a:solidFill>
               </a:rPr>
-              <a:t> Outline</a:t>
+              <a:t> </a:t>
+            </a:r>
+            <a:r>
+              <a:rPr lang="en-US" dirty="0" smtClean="0">
+                <a:solidFill>
+                  <a:schemeClr val="bg1"/>
+                </a:solidFill>
+              </a:rPr>
+              <a:t>outline</a:t>
             </a:r>
             <a:endParaRPr lang="en-US" dirty="0">
               <a:solidFill>
@@ -5050,7 +5314,7 @@
     </p:spTree>
     <p:extLst>
       <p:ext uri="{BB962C8B-B14F-4D97-AF65-F5344CB8AC3E}">
-        <p14:creationId xmlns:p14="http://schemas.microsoft.com/office/powerpoint/2010/main" xmlns="" val="3185099068"/>
+        <p14:creationId xmlns:p14="http://schemas.microsoft.com/office/powerpoint/2010/main" val="3185099068"/>
       </p:ext>
     </p:extLst>
   </p:cSld>
@@ -5172,7 +5436,7 @@
     </p:spTree>
     <p:extLst>
       <p:ext uri="{BB962C8B-B14F-4D97-AF65-F5344CB8AC3E}">
-        <p14:creationId xmlns:p14="http://schemas.microsoft.com/office/powerpoint/2010/main" xmlns="" val="3185099068"/>
+        <p14:creationId xmlns:p14="http://schemas.microsoft.com/office/powerpoint/2010/main" val="3185099068"/>
       </p:ext>
     </p:extLst>
   </p:cSld>
@@ -5294,7 +5558,7 @@
     </p:spTree>
     <p:extLst>
       <p:ext uri="{BB962C8B-B14F-4D97-AF65-F5344CB8AC3E}">
-        <p14:creationId xmlns:p14="http://schemas.microsoft.com/office/powerpoint/2010/main" xmlns="" val="3185099068"/>
+        <p14:creationId xmlns:p14="http://schemas.microsoft.com/office/powerpoint/2010/main" val="3185099068"/>
       </p:ext>
     </p:extLst>
   </p:cSld>
@@ -5432,7 +5696,7 @@
     </p:spTree>
     <p:extLst>
       <p:ext uri="{BB962C8B-B14F-4D97-AF65-F5344CB8AC3E}">
-        <p14:creationId xmlns:p14="http://schemas.microsoft.com/office/powerpoint/2010/main" xmlns="" val="3185099068"/>
+        <p14:creationId xmlns:p14="http://schemas.microsoft.com/office/powerpoint/2010/main" val="3185099068"/>
       </p:ext>
     </p:extLst>
   </p:cSld>
@@ -5538,7 +5802,7 @@
     </p:spTree>
     <p:extLst>
       <p:ext uri="{BB962C8B-B14F-4D97-AF65-F5344CB8AC3E}">
-        <p14:creationId xmlns:p14="http://schemas.microsoft.com/office/powerpoint/2010/main" xmlns="" val="3185099068"/>
+        <p14:creationId xmlns:p14="http://schemas.microsoft.com/office/powerpoint/2010/main" val="3185099068"/>
       </p:ext>
     </p:extLst>
   </p:cSld>
@@ -5599,7 +5863,15 @@
                   <a:schemeClr val="bg1"/>
                 </a:solidFill>
               </a:rPr>
-              <a:t> Outline</a:t>
+              <a:t> </a:t>
+            </a:r>
+            <a:r>
+              <a:rPr lang="en-US" dirty="0" smtClean="0">
+                <a:solidFill>
+                  <a:schemeClr val="bg1"/>
+                </a:solidFill>
+              </a:rPr>
+              <a:t>outline</a:t>
             </a:r>
             <a:endParaRPr lang="en-US" dirty="0">
               <a:solidFill>
@@ -5688,7 +5960,7 @@
     </p:spTree>
     <p:extLst>
       <p:ext uri="{BB962C8B-B14F-4D97-AF65-F5344CB8AC3E}">
-        <p14:creationId xmlns:p14="http://schemas.microsoft.com/office/powerpoint/2010/main" xmlns="" val="1133312594"/>
+        <p14:creationId xmlns:p14="http://schemas.microsoft.com/office/powerpoint/2010/main" val="1133312594"/>
       </p:ext>
     </p:extLst>
   </p:cSld>
@@ -5812,7 +6084,7 @@
     </p:spTree>
     <p:extLst>
       <p:ext uri="{BB962C8B-B14F-4D97-AF65-F5344CB8AC3E}">
-        <p14:creationId xmlns:p14="http://schemas.microsoft.com/office/powerpoint/2010/main" xmlns="" val="1133312594"/>
+        <p14:creationId xmlns:p14="http://schemas.microsoft.com/office/powerpoint/2010/main" val="1133312594"/>
       </p:ext>
     </p:extLst>
   </p:cSld>
@@ -6045,7 +6317,7 @@
     </p:spTree>
     <p:extLst>
       <p:ext uri="{BB962C8B-B14F-4D97-AF65-F5344CB8AC3E}">
-        <p14:creationId xmlns:p14="http://schemas.microsoft.com/office/powerpoint/2010/main" xmlns="" val="1133312594"/>
+        <p14:creationId xmlns:p14="http://schemas.microsoft.com/office/powerpoint/2010/main" val="1133312594"/>
       </p:ext>
     </p:extLst>
   </p:cSld>
@@ -6107,7 +6379,7 @@
     </p:spTree>
     <p:extLst>
       <p:ext uri="{BB962C8B-B14F-4D97-AF65-F5344CB8AC3E}">
-        <p14:creationId xmlns:p14="http://schemas.microsoft.com/office/powerpoint/2010/main" xmlns="" val="1133312594"/>
+        <p14:creationId xmlns:p14="http://schemas.microsoft.com/office/powerpoint/2010/main" val="1133312594"/>
       </p:ext>
     </p:extLst>
   </p:cSld>
@@ -6208,7 +6480,15 @@
           <a:p>
             <a:r>
               <a:rPr lang="en-US" sz="2200" dirty="0" smtClean="0"/>
-              <a:t>annual cost of software errors to US economy is $ ~</a:t>
+              <a:t>annual cost of software errors to US economy is </a:t>
+            </a:r>
+            <a:r>
+              <a:rPr lang="en-US" sz="2200" dirty="0" smtClean="0"/>
+              <a:t>$</a:t>
+            </a:r>
+            <a:r>
+              <a:rPr lang="ja-JP" altLang="en-US" sz="2200" dirty="0" smtClean="0"/>
+              <a:t>～</a:t>
             </a:r>
             <a:r>
               <a:rPr lang="en-US" sz="2200" dirty="0" err="1" smtClean="0"/>
@@ -6216,7 +6496,11 @@
             </a:r>
             <a:r>
               <a:rPr lang="en-US" sz="2200" dirty="0" smtClean="0"/>
-              <a:t> [1]</a:t>
+              <a:t> </a:t>
+            </a:r>
+            <a:r>
+              <a:rPr lang="en-US" sz="2200" dirty="0" smtClean="0"/>
+              <a:t>[1]</a:t>
             </a:r>
             <a:endParaRPr lang="en-US" sz="2200" dirty="0"/>
           </a:p>
@@ -6234,7 +6518,7 @@
           <a:blip r:embed="rId2" cstate="print">
             <a:extLst>
               <a:ext uri="{28A0092B-C50C-407E-A947-70E740481C1C}">
-                <a14:useLocalDpi xmlns:a14="http://schemas.microsoft.com/office/drawing/2010/main" xmlns="" val="0"/>
+                <a14:useLocalDpi xmlns:a14="http://schemas.microsoft.com/office/drawing/2010/main" val="0"/>
               </a:ext>
             </a:extLst>
           </a:blip>
@@ -6257,14 +6541,14 @@
           </a:ln>
           <a:extLst>
             <a:ext uri="{909E8E84-426E-40DD-AFC4-6F175D3DCCD1}">
-              <a14:hiddenFill xmlns:a14="http://schemas.microsoft.com/office/drawing/2010/main" xmlns="">
+              <a14:hiddenFill xmlns:a14="http://schemas.microsoft.com/office/drawing/2010/main">
                 <a:solidFill>
                   <a:schemeClr val="accent1"/>
                 </a:solidFill>
               </a14:hiddenFill>
             </a:ext>
             <a:ext uri="{91240B29-F687-4F45-9708-019B960494DF}">
-              <a14:hiddenLine xmlns:a14="http://schemas.microsoft.com/office/drawing/2010/main" xmlns="" w="9525">
+              <a14:hiddenLine xmlns:a14="http://schemas.microsoft.com/office/drawing/2010/main" w="9525">
                 <a:solidFill>
                   <a:schemeClr val="tx1"/>
                 </a:solidFill>
@@ -6279,7 +6563,7 @@
     </p:spTree>
     <p:extLst>
       <p:ext uri="{BB962C8B-B14F-4D97-AF65-F5344CB8AC3E}">
-        <p14:creationId xmlns:p14="http://schemas.microsoft.com/office/powerpoint/2010/main" xmlns="" val="763281191"/>
+        <p14:creationId xmlns:p14="http://schemas.microsoft.com/office/powerpoint/2010/main" val="763281191"/>
       </p:ext>
     </p:extLst>
   </p:cSld>
@@ -6447,7 +6731,7 @@
     </p:spTree>
     <p:extLst>
       <p:ext uri="{BB962C8B-B14F-4D97-AF65-F5344CB8AC3E}">
-        <p14:creationId xmlns:p14="http://schemas.microsoft.com/office/powerpoint/2010/main" xmlns="" val="3736083669"/>
+        <p14:creationId xmlns:p14="http://schemas.microsoft.com/office/powerpoint/2010/main" val="3736083669"/>
       </p:ext>
     </p:extLst>
   </p:cSld>
@@ -6545,7 +6829,15 @@
             </a:pPr>
             <a:r>
               <a:rPr lang="en-US" sz="3000" dirty="0" smtClean="0"/>
-              <a:t>SE can solve the second condition, it cannot for the first, when GA can generate test data for the first condition but it has degraded with the second condition </a:t>
+              <a:t>SE can solve the second condition, </a:t>
+            </a:r>
+            <a:r>
+              <a:rPr lang="en-US" sz="3000" dirty="0" smtClean="0"/>
+              <a:t>but cannot </a:t>
+            </a:r>
+            <a:r>
+              <a:rPr lang="en-US" sz="3000" dirty="0" smtClean="0"/>
+              <a:t>for the first, when GA can generate test data for the first condition but it has degraded with the second condition </a:t>
             </a:r>
             <a:endParaRPr lang="en-US" sz="3000" dirty="0"/>
           </a:p>
@@ -6586,7 +6878,7 @@
     </p:spTree>
     <p:extLst>
       <p:ext uri="{BB962C8B-B14F-4D97-AF65-F5344CB8AC3E}">
-        <p14:creationId xmlns:p14="http://schemas.microsoft.com/office/powerpoint/2010/main" xmlns="" val="3736083669"/>
+        <p14:creationId xmlns:p14="http://schemas.microsoft.com/office/powerpoint/2010/main" val="3736083669"/>
       </p:ext>
     </p:extLst>
   </p:cSld>
@@ -6647,7 +6939,15 @@
                   <a:schemeClr val="bg1"/>
                 </a:solidFill>
               </a:rPr>
-              <a:t> Outline</a:t>
+              <a:t> </a:t>
+            </a:r>
+            <a:r>
+              <a:rPr lang="en-US" dirty="0" smtClean="0">
+                <a:solidFill>
+                  <a:schemeClr val="bg1"/>
+                </a:solidFill>
+              </a:rPr>
+              <a:t>outline</a:t>
             </a:r>
             <a:endParaRPr lang="en-US" dirty="0">
               <a:solidFill>
@@ -6736,7 +7036,7 @@
     </p:spTree>
     <p:extLst>
       <p:ext uri="{BB962C8B-B14F-4D97-AF65-F5344CB8AC3E}">
-        <p14:creationId xmlns:p14="http://schemas.microsoft.com/office/powerpoint/2010/main" xmlns="" val="976856806"/>
+        <p14:creationId xmlns:p14="http://schemas.microsoft.com/office/powerpoint/2010/main" val="976856806"/>
       </p:ext>
     </p:extLst>
   </p:cSld>
@@ -6877,7 +7177,7 @@
     </p:spTree>
     <p:extLst>
       <p:ext uri="{BB962C8B-B14F-4D97-AF65-F5344CB8AC3E}">
-        <p14:creationId xmlns:p14="http://schemas.microsoft.com/office/powerpoint/2010/main" xmlns="" val="976856806"/>
+        <p14:creationId xmlns:p14="http://schemas.microsoft.com/office/powerpoint/2010/main" val="976856806"/>
       </p:ext>
     </p:extLst>
   </p:cSld>
@@ -6999,7 +7299,7 @@
     </p:spTree>
     <p:extLst>
       <p:ext uri="{BB962C8B-B14F-4D97-AF65-F5344CB8AC3E}">
-        <p14:creationId xmlns:p14="http://schemas.microsoft.com/office/powerpoint/2010/main" xmlns="" val="976856806"/>
+        <p14:creationId xmlns:p14="http://schemas.microsoft.com/office/powerpoint/2010/main" val="976856806"/>
       </p:ext>
     </p:extLst>
   </p:cSld>
@@ -7105,7 +7405,7 @@
     </p:spTree>
     <p:extLst>
       <p:ext uri="{BB962C8B-B14F-4D97-AF65-F5344CB8AC3E}">
-        <p14:creationId xmlns:p14="http://schemas.microsoft.com/office/powerpoint/2010/main" xmlns="" val="976856806"/>
+        <p14:creationId xmlns:p14="http://schemas.microsoft.com/office/powerpoint/2010/main" val="976856806"/>
       </p:ext>
     </p:extLst>
   </p:cSld>
@@ -7398,4 +7698,289 @@
   <a:objectDefaults/>
   <a:extraClrSchemeLst/>
 </a:theme>
+</file>
+
+<file path=ppt/theme/theme2.xml><?xml version="1.0" encoding="utf-8"?>
+<a:theme xmlns:a="http://schemas.openxmlformats.org/drawingml/2006/main" name="Office Theme">
+  <a:themeElements>
+    <a:clrScheme name="Office">
+      <a:dk1>
+        <a:sysClr val="windowText" lastClr="000000"/>
+      </a:dk1>
+      <a:lt1>
+        <a:sysClr val="window" lastClr="FFFFFF"/>
+      </a:lt1>
+      <a:dk2>
+        <a:srgbClr val="1F497D"/>
+      </a:dk2>
+      <a:lt2>
+        <a:srgbClr val="EEECE1"/>
+      </a:lt2>
+      <a:accent1>
+        <a:srgbClr val="4F81BD"/>
+      </a:accent1>
+      <a:accent2>
+        <a:srgbClr val="C0504D"/>
+      </a:accent2>
+      <a:accent3>
+        <a:srgbClr val="9BBB59"/>
+      </a:accent3>
+      <a:accent4>
+        <a:srgbClr val="8064A2"/>
+      </a:accent4>
+      <a:accent5>
+        <a:srgbClr val="4BACC6"/>
+      </a:accent5>
+      <a:accent6>
+        <a:srgbClr val="F79646"/>
+      </a:accent6>
+      <a:hlink>
+        <a:srgbClr val="0000FF"/>
+      </a:hlink>
+      <a:folHlink>
+        <a:srgbClr val="800080"/>
+      </a:folHlink>
+    </a:clrScheme>
+    <a:fontScheme name="Office">
+      <a:majorFont>
+        <a:latin typeface="Calibri"/>
+        <a:ea typeface=""/>
+        <a:cs typeface=""/>
+        <a:font script="Jpan" typeface="ＭＳ Ｐゴシック"/>
+        <a:font script="Hang" typeface="맑은 고딕"/>
+        <a:font script="Hans" typeface="宋体"/>
+        <a:font script="Hant" typeface="新細明體"/>
+        <a:font script="Arab" typeface="Times New Roman"/>
+        <a:font script="Hebr" typeface="Times New Roman"/>
+        <a:font script="Thai" typeface="Angsana New"/>
+        <a:font script="Ethi" typeface="Nyala"/>
+        <a:font script="Beng" typeface="Vrinda"/>
+        <a:font script="Gujr" typeface="Shruti"/>
+        <a:font script="Khmr" typeface="MoolBoran"/>
+        <a:font script="Knda" typeface="Tunga"/>
+        <a:font script="Guru" typeface="Raavi"/>
+        <a:font script="Cans" typeface="Euphemia"/>
+        <a:font script="Cher" typeface="Plantagenet Cherokee"/>
+        <a:font script="Yiii" typeface="Microsoft Yi Baiti"/>
+        <a:font script="Tibt" typeface="Microsoft Himalaya"/>
+        <a:font script="Thaa" typeface="MV Boli"/>
+        <a:font script="Deva" typeface="Mangal"/>
+        <a:font script="Telu" typeface="Gautami"/>
+        <a:font script="Taml" typeface="Latha"/>
+        <a:font script="Syrc" typeface="Estrangelo Edessa"/>
+        <a:font script="Orya" typeface="Kalinga"/>
+        <a:font script="Mlym" typeface="Kartika"/>
+        <a:font script="Laoo" typeface="DokChampa"/>
+        <a:font script="Sinh" typeface="Iskoola Pota"/>
+        <a:font script="Mong" typeface="Mongolian Baiti"/>
+        <a:font script="Viet" typeface="Times New Roman"/>
+        <a:font script="Uigh" typeface="Microsoft Uighur"/>
+        <a:font script="Geor" typeface="Sylfaen"/>
+      </a:majorFont>
+      <a:minorFont>
+        <a:latin typeface="Calibri"/>
+        <a:ea typeface=""/>
+        <a:cs typeface=""/>
+        <a:font script="Jpan" typeface="ＭＳ Ｐゴシック"/>
+        <a:font script="Hang" typeface="맑은 고딕"/>
+        <a:font script="Hans" typeface="宋体"/>
+        <a:font script="Hant" typeface="新細明體"/>
+        <a:font script="Arab" typeface="Arial"/>
+        <a:font script="Hebr" typeface="Arial"/>
+        <a:font script="Thai" typeface="Cordia New"/>
+        <a:font script="Ethi" typeface="Nyala"/>
+        <a:font script="Beng" typeface="Vrinda"/>
+        <a:font script="Gujr" typeface="Shruti"/>
+        <a:font script="Khmr" typeface="DaunPenh"/>
+        <a:font script="Knda" typeface="Tunga"/>
+        <a:font script="Guru" typeface="Raavi"/>
+        <a:font script="Cans" typeface="Euphemia"/>
+        <a:font script="Cher" typeface="Plantagenet Cherokee"/>
+        <a:font script="Yiii" typeface="Microsoft Yi Baiti"/>
+        <a:font script="Tibt" typeface="Microsoft Himalaya"/>
+        <a:font script="Thaa" typeface="MV Boli"/>
+        <a:font script="Deva" typeface="Mangal"/>
+        <a:font script="Telu" typeface="Gautami"/>
+        <a:font script="Taml" typeface="Latha"/>
+        <a:font script="Syrc" typeface="Estrangelo Edessa"/>
+        <a:font script="Orya" typeface="Kalinga"/>
+        <a:font script="Mlym" typeface="Kartika"/>
+        <a:font script="Laoo" typeface="DokChampa"/>
+        <a:font script="Sinh" typeface="Iskoola Pota"/>
+        <a:font script="Mong" typeface="Mongolian Baiti"/>
+        <a:font script="Viet" typeface="Arial"/>
+        <a:font script="Uigh" typeface="Microsoft Uighur"/>
+        <a:font script="Geor" typeface="Sylfaen"/>
+      </a:minorFont>
+    </a:fontScheme>
+    <a:fmtScheme name="Office">
+      <a:fillStyleLst>
+        <a:solidFill>
+          <a:schemeClr val="phClr"/>
+        </a:solidFill>
+        <a:gradFill rotWithShape="1">
+          <a:gsLst>
+            <a:gs pos="0">
+              <a:schemeClr val="phClr">
+                <a:tint val="50000"/>
+                <a:satMod val="300000"/>
+              </a:schemeClr>
+            </a:gs>
+            <a:gs pos="35000">
+              <a:schemeClr val="phClr">
+                <a:tint val="37000"/>
+                <a:satMod val="300000"/>
+              </a:schemeClr>
+            </a:gs>
+            <a:gs pos="100000">
+              <a:schemeClr val="phClr">
+                <a:tint val="15000"/>
+                <a:satMod val="350000"/>
+              </a:schemeClr>
+            </a:gs>
+          </a:gsLst>
+          <a:lin ang="16200000" scaled="1"/>
+        </a:gradFill>
+        <a:gradFill rotWithShape="1">
+          <a:gsLst>
+            <a:gs pos="0">
+              <a:schemeClr val="phClr">
+                <a:shade val="51000"/>
+                <a:satMod val="130000"/>
+              </a:schemeClr>
+            </a:gs>
+            <a:gs pos="80000">
+              <a:schemeClr val="phClr">
+                <a:shade val="93000"/>
+                <a:satMod val="130000"/>
+              </a:schemeClr>
+            </a:gs>
+            <a:gs pos="100000">
+              <a:schemeClr val="phClr">
+                <a:shade val="94000"/>
+                <a:satMod val="135000"/>
+              </a:schemeClr>
+            </a:gs>
+          </a:gsLst>
+          <a:lin ang="16200000" scaled="0"/>
+        </a:gradFill>
+      </a:fillStyleLst>
+      <a:lnStyleLst>
+        <a:ln w="9525" cap="flat" cmpd="sng" algn="ctr">
+          <a:solidFill>
+            <a:schemeClr val="phClr">
+              <a:shade val="95000"/>
+              <a:satMod val="105000"/>
+            </a:schemeClr>
+          </a:solidFill>
+          <a:prstDash val="solid"/>
+        </a:ln>
+        <a:ln w="25400" cap="flat" cmpd="sng" algn="ctr">
+          <a:solidFill>
+            <a:schemeClr val="phClr"/>
+          </a:solidFill>
+          <a:prstDash val="solid"/>
+        </a:ln>
+        <a:ln w="38100" cap="flat" cmpd="sng" algn="ctr">
+          <a:solidFill>
+            <a:schemeClr val="phClr"/>
+          </a:solidFill>
+          <a:prstDash val="solid"/>
+        </a:ln>
+      </a:lnStyleLst>
+      <a:effectStyleLst>
+        <a:effectStyle>
+          <a:effectLst>
+            <a:outerShdw blurRad="40000" dist="20000" dir="5400000" rotWithShape="0">
+              <a:srgbClr val="000000">
+                <a:alpha val="38000"/>
+              </a:srgbClr>
+            </a:outerShdw>
+          </a:effectLst>
+        </a:effectStyle>
+        <a:effectStyle>
+          <a:effectLst>
+            <a:outerShdw blurRad="40000" dist="23000" dir="5400000" rotWithShape="0">
+              <a:srgbClr val="000000">
+                <a:alpha val="35000"/>
+              </a:srgbClr>
+            </a:outerShdw>
+          </a:effectLst>
+        </a:effectStyle>
+        <a:effectStyle>
+          <a:effectLst>
+            <a:outerShdw blurRad="40000" dist="23000" dir="5400000" rotWithShape="0">
+              <a:srgbClr val="000000">
+                <a:alpha val="35000"/>
+              </a:srgbClr>
+            </a:outerShdw>
+          </a:effectLst>
+          <a:scene3d>
+            <a:camera prst="orthographicFront">
+              <a:rot lat="0" lon="0" rev="0"/>
+            </a:camera>
+            <a:lightRig rig="threePt" dir="t">
+              <a:rot lat="0" lon="0" rev="1200000"/>
+            </a:lightRig>
+          </a:scene3d>
+          <a:sp3d>
+            <a:bevelT w="63500" h="25400"/>
+          </a:sp3d>
+        </a:effectStyle>
+      </a:effectStyleLst>
+      <a:bgFillStyleLst>
+        <a:solidFill>
+          <a:schemeClr val="phClr"/>
+        </a:solidFill>
+        <a:gradFill rotWithShape="1">
+          <a:gsLst>
+            <a:gs pos="0">
+              <a:schemeClr val="phClr">
+                <a:tint val="40000"/>
+                <a:satMod val="350000"/>
+              </a:schemeClr>
+            </a:gs>
+            <a:gs pos="40000">
+              <a:schemeClr val="phClr">
+                <a:tint val="45000"/>
+                <a:shade val="99000"/>
+                <a:satMod val="350000"/>
+              </a:schemeClr>
+            </a:gs>
+            <a:gs pos="100000">
+              <a:schemeClr val="phClr">
+                <a:shade val="20000"/>
+                <a:satMod val="255000"/>
+              </a:schemeClr>
+            </a:gs>
+          </a:gsLst>
+          <a:path path="circle">
+            <a:fillToRect l="50000" t="-80000" r="50000" b="180000"/>
+          </a:path>
+        </a:gradFill>
+        <a:gradFill rotWithShape="1">
+          <a:gsLst>
+            <a:gs pos="0">
+              <a:schemeClr val="phClr">
+                <a:tint val="80000"/>
+                <a:satMod val="300000"/>
+              </a:schemeClr>
+            </a:gs>
+            <a:gs pos="100000">
+              <a:schemeClr val="phClr">
+                <a:shade val="30000"/>
+                <a:satMod val="200000"/>
+              </a:schemeClr>
+            </a:gs>
+          </a:gsLst>
+          <a:path path="circle">
+            <a:fillToRect l="50000" t="50000" r="50000" b="50000"/>
+          </a:path>
+        </a:gradFill>
+      </a:bgFillStyleLst>
+    </a:fmtScheme>
+  </a:themeElements>
+  <a:objectDefaults/>
+  <a:extraClrSchemeLst/>
+</a:theme>
 </file>
--- a/CFT4CUnitSrc/src/report/ACOMP2016_Presentation.pptx
+++ b/CFT4CUnitSrc/src/report/ACOMP2016_Presentation.pptx
@@ -220,7 +220,8 @@
           <a:p>
             <a:fld id="{5F13D7CC-1040-492F-8106-51A9FB2C754C}" type="datetimeFigureOut">
               <a:rPr lang="en-US" smtClean="0"/>
-              <a:t>11/21/2016</a:t>
+              <a:pPr/>
+              <a:t>11/23/2016</a:t>
             </a:fld>
             <a:endParaRPr lang="en-US"/>
           </a:p>
@@ -286,6 +287,7 @@
           <a:p>
             <a:fld id="{28E82736-E18A-41AE-AC0F-D8A10A1AEBA1}" type="slidenum">
               <a:rPr lang="en-US" smtClean="0"/>
+              <a:pPr/>
               <a:t>‹#›</a:t>
             </a:fld>
             <a:endParaRPr lang="en-US"/>
@@ -295,7 +297,7 @@
     </p:spTree>
     <p:extLst>
       <p:ext uri="{BB962C8B-B14F-4D97-AF65-F5344CB8AC3E}">
-        <p14:creationId xmlns:p14="http://schemas.microsoft.com/office/powerpoint/2010/main" val="3656892265"/>
+        <p14:creationId xmlns:p14="http://schemas.microsoft.com/office/powerpoint/2010/main" xmlns="" val="3656892265"/>
       </p:ext>
     </p:extLst>
   </p:cSld>
@@ -485,7 +487,7 @@
             <a:fld id="{2A145FE2-AB7C-46BC-8F86-612F87CDD637}" type="datetimeFigureOut">
               <a:rPr lang="en-US" smtClean="0"/>
               <a:pPr/>
-              <a:t>11/21/2016</a:t>
+              <a:t>11/23/2016</a:t>
             </a:fld>
             <a:endParaRPr lang="en-US"/>
           </a:p>
@@ -537,7 +539,7 @@
     </p:spTree>
     <p:extLst>
       <p:ext uri="{BB962C8B-B14F-4D97-AF65-F5344CB8AC3E}">
-        <p14:creationId xmlns:p14="http://schemas.microsoft.com/office/powerpoint/2010/main" val="1811901625"/>
+        <p14:creationId xmlns:p14="http://schemas.microsoft.com/office/powerpoint/2010/main" xmlns="" val="1811901625"/>
       </p:ext>
     </p:extLst>
   </p:cSld>
@@ -657,7 +659,7 @@
             <a:fld id="{2A145FE2-AB7C-46BC-8F86-612F87CDD637}" type="datetimeFigureOut">
               <a:rPr lang="en-US" smtClean="0"/>
               <a:pPr/>
-              <a:t>11/21/2016</a:t>
+              <a:t>11/23/2016</a:t>
             </a:fld>
             <a:endParaRPr lang="en-US"/>
           </a:p>
@@ -709,7 +711,7 @@
     </p:spTree>
     <p:extLst>
       <p:ext uri="{BB962C8B-B14F-4D97-AF65-F5344CB8AC3E}">
-        <p14:creationId xmlns:p14="http://schemas.microsoft.com/office/powerpoint/2010/main" val="791576242"/>
+        <p14:creationId xmlns:p14="http://schemas.microsoft.com/office/powerpoint/2010/main" xmlns="" val="791576242"/>
       </p:ext>
     </p:extLst>
   </p:cSld>
@@ -839,7 +841,7 @@
             <a:fld id="{2A145FE2-AB7C-46BC-8F86-612F87CDD637}" type="datetimeFigureOut">
               <a:rPr lang="en-US" smtClean="0"/>
               <a:pPr/>
-              <a:t>11/21/2016</a:t>
+              <a:t>11/23/2016</a:t>
             </a:fld>
             <a:endParaRPr lang="en-US"/>
           </a:p>
@@ -891,7 +893,7 @@
     </p:spTree>
     <p:extLst>
       <p:ext uri="{BB962C8B-B14F-4D97-AF65-F5344CB8AC3E}">
-        <p14:creationId xmlns:p14="http://schemas.microsoft.com/office/powerpoint/2010/main" val="2934662006"/>
+        <p14:creationId xmlns:p14="http://schemas.microsoft.com/office/powerpoint/2010/main" xmlns="" val="2934662006"/>
       </p:ext>
     </p:extLst>
   </p:cSld>
@@ -1011,7 +1013,7 @@
             <a:fld id="{2A145FE2-AB7C-46BC-8F86-612F87CDD637}" type="datetimeFigureOut">
               <a:rPr lang="en-US" smtClean="0"/>
               <a:pPr/>
-              <a:t>11/21/2016</a:t>
+              <a:t>11/23/2016</a:t>
             </a:fld>
             <a:endParaRPr lang="en-US"/>
           </a:p>
@@ -1063,7 +1065,7 @@
     </p:spTree>
     <p:extLst>
       <p:ext uri="{BB962C8B-B14F-4D97-AF65-F5344CB8AC3E}">
-        <p14:creationId xmlns:p14="http://schemas.microsoft.com/office/powerpoint/2010/main" val="855239803"/>
+        <p14:creationId xmlns:p14="http://schemas.microsoft.com/office/powerpoint/2010/main" xmlns="" val="855239803"/>
       </p:ext>
     </p:extLst>
   </p:cSld>
@@ -1259,7 +1261,7 @@
             <a:fld id="{2A145FE2-AB7C-46BC-8F86-612F87CDD637}" type="datetimeFigureOut">
               <a:rPr lang="en-US" smtClean="0"/>
               <a:pPr/>
-              <a:t>11/21/2016</a:t>
+              <a:t>11/23/2016</a:t>
             </a:fld>
             <a:endParaRPr lang="en-US"/>
           </a:p>
@@ -1311,7 +1313,7 @@
     </p:spTree>
     <p:extLst>
       <p:ext uri="{BB962C8B-B14F-4D97-AF65-F5344CB8AC3E}">
-        <p14:creationId xmlns:p14="http://schemas.microsoft.com/office/powerpoint/2010/main" val="635452818"/>
+        <p14:creationId xmlns:p14="http://schemas.microsoft.com/office/powerpoint/2010/main" xmlns="" val="635452818"/>
       </p:ext>
     </p:extLst>
   </p:cSld>
@@ -1549,7 +1551,7 @@
             <a:fld id="{2A145FE2-AB7C-46BC-8F86-612F87CDD637}" type="datetimeFigureOut">
               <a:rPr lang="en-US" smtClean="0"/>
               <a:pPr/>
-              <a:t>11/21/2016</a:t>
+              <a:t>11/23/2016</a:t>
             </a:fld>
             <a:endParaRPr lang="en-US"/>
           </a:p>
@@ -1601,7 +1603,7 @@
     </p:spTree>
     <p:extLst>
       <p:ext uri="{BB962C8B-B14F-4D97-AF65-F5344CB8AC3E}">
-        <p14:creationId xmlns:p14="http://schemas.microsoft.com/office/powerpoint/2010/main" val="3716967958"/>
+        <p14:creationId xmlns:p14="http://schemas.microsoft.com/office/powerpoint/2010/main" xmlns="" val="3716967958"/>
       </p:ext>
     </p:extLst>
   </p:cSld>
@@ -1973,7 +1975,7 @@
             <a:fld id="{2A145FE2-AB7C-46BC-8F86-612F87CDD637}" type="datetimeFigureOut">
               <a:rPr lang="en-US" smtClean="0"/>
               <a:pPr/>
-              <a:t>11/21/2016</a:t>
+              <a:t>11/23/2016</a:t>
             </a:fld>
             <a:endParaRPr lang="en-US"/>
           </a:p>
@@ -2025,7 +2027,7 @@
     </p:spTree>
     <p:extLst>
       <p:ext uri="{BB962C8B-B14F-4D97-AF65-F5344CB8AC3E}">
-        <p14:creationId xmlns:p14="http://schemas.microsoft.com/office/powerpoint/2010/main" val="3991833718"/>
+        <p14:creationId xmlns:p14="http://schemas.microsoft.com/office/powerpoint/2010/main" xmlns="" val="3991833718"/>
       </p:ext>
     </p:extLst>
   </p:cSld>
@@ -2093,7 +2095,7 @@
             <a:fld id="{2A145FE2-AB7C-46BC-8F86-612F87CDD637}" type="datetimeFigureOut">
               <a:rPr lang="en-US" smtClean="0"/>
               <a:pPr/>
-              <a:t>11/21/2016</a:t>
+              <a:t>11/23/2016</a:t>
             </a:fld>
             <a:endParaRPr lang="en-US"/>
           </a:p>
@@ -2145,7 +2147,7 @@
     </p:spTree>
     <p:extLst>
       <p:ext uri="{BB962C8B-B14F-4D97-AF65-F5344CB8AC3E}">
-        <p14:creationId xmlns:p14="http://schemas.microsoft.com/office/powerpoint/2010/main" val="1837035765"/>
+        <p14:creationId xmlns:p14="http://schemas.microsoft.com/office/powerpoint/2010/main" xmlns="" val="1837035765"/>
       </p:ext>
     </p:extLst>
   </p:cSld>
@@ -2190,7 +2192,7 @@
             <a:fld id="{2A145FE2-AB7C-46BC-8F86-612F87CDD637}" type="datetimeFigureOut">
               <a:rPr lang="en-US" smtClean="0"/>
               <a:pPr/>
-              <a:t>11/21/2016</a:t>
+              <a:t>11/23/2016</a:t>
             </a:fld>
             <a:endParaRPr lang="en-US"/>
           </a:p>
@@ -2242,7 +2244,7 @@
     </p:spTree>
     <p:extLst>
       <p:ext uri="{BB962C8B-B14F-4D97-AF65-F5344CB8AC3E}">
-        <p14:creationId xmlns:p14="http://schemas.microsoft.com/office/powerpoint/2010/main" val="3419707464"/>
+        <p14:creationId xmlns:p14="http://schemas.microsoft.com/office/powerpoint/2010/main" xmlns="" val="3419707464"/>
       </p:ext>
     </p:extLst>
   </p:cSld>
@@ -2469,7 +2471,7 @@
             <a:fld id="{2A145FE2-AB7C-46BC-8F86-612F87CDD637}" type="datetimeFigureOut">
               <a:rPr lang="en-US" smtClean="0"/>
               <a:pPr/>
-              <a:t>11/21/2016</a:t>
+              <a:t>11/23/2016</a:t>
             </a:fld>
             <a:endParaRPr lang="en-US"/>
           </a:p>
@@ -2521,7 +2523,7 @@
     </p:spTree>
     <p:extLst>
       <p:ext uri="{BB962C8B-B14F-4D97-AF65-F5344CB8AC3E}">
-        <p14:creationId xmlns:p14="http://schemas.microsoft.com/office/powerpoint/2010/main" val="932762734"/>
+        <p14:creationId xmlns:p14="http://schemas.microsoft.com/office/powerpoint/2010/main" xmlns="" val="932762734"/>
       </p:ext>
     </p:extLst>
   </p:cSld>
@@ -2724,7 +2726,7 @@
             <a:fld id="{2A145FE2-AB7C-46BC-8F86-612F87CDD637}" type="datetimeFigureOut">
               <a:rPr lang="en-US" smtClean="0"/>
               <a:pPr/>
-              <a:t>11/21/2016</a:t>
+              <a:t>11/23/2016</a:t>
             </a:fld>
             <a:endParaRPr lang="en-US"/>
           </a:p>
@@ -2776,7 +2778,7 @@
     </p:spTree>
     <p:extLst>
       <p:ext uri="{BB962C8B-B14F-4D97-AF65-F5344CB8AC3E}">
-        <p14:creationId xmlns:p14="http://schemas.microsoft.com/office/powerpoint/2010/main" val="2367942364"/>
+        <p14:creationId xmlns:p14="http://schemas.microsoft.com/office/powerpoint/2010/main" xmlns="" val="2367942364"/>
       </p:ext>
     </p:extLst>
   </p:cSld>
@@ -2944,7 +2946,7 @@
             <a:fld id="{2A145FE2-AB7C-46BC-8F86-612F87CDD637}" type="datetimeFigureOut">
               <a:rPr lang="en-US" smtClean="0"/>
               <a:pPr/>
-              <a:t>11/21/2016</a:t>
+              <a:t>11/23/2016</a:t>
             </a:fld>
             <a:endParaRPr lang="en-US"/>
           </a:p>
@@ -3032,7 +3034,7 @@
     </p:spTree>
     <p:extLst>
       <p:ext uri="{BB962C8B-B14F-4D97-AF65-F5344CB8AC3E}">
-        <p14:creationId xmlns:p14="http://schemas.microsoft.com/office/powerpoint/2010/main" val="1100484609"/>
+        <p14:creationId xmlns:p14="http://schemas.microsoft.com/office/powerpoint/2010/main" xmlns="" val="1100484609"/>
       </p:ext>
     </p:extLst>
   </p:cSld>
@@ -3406,7 +3408,7 @@
           <a:blip r:embed="rId2" cstate="print">
             <a:extLst>
               <a:ext uri="{28A0092B-C50C-407E-A947-70E740481C1C}">
-                <a14:useLocalDpi xmlns:a14="http://schemas.microsoft.com/office/drawing/2010/main" val="0"/>
+                <a14:useLocalDpi xmlns:a14="http://schemas.microsoft.com/office/drawing/2010/main" xmlns="" val="0"/>
               </a:ext>
             </a:extLst>
           </a:blip>
@@ -3429,14 +3431,14 @@
           </a:ln>
           <a:extLst>
             <a:ext uri="{909E8E84-426E-40DD-AFC4-6F175D3DCCD1}">
-              <a14:hiddenFill xmlns:a14="http://schemas.microsoft.com/office/drawing/2010/main">
+              <a14:hiddenFill xmlns:a14="http://schemas.microsoft.com/office/drawing/2010/main" xmlns="">
                 <a:solidFill>
                   <a:schemeClr val="accent1"/>
                 </a:solidFill>
               </a14:hiddenFill>
             </a:ext>
             <a:ext uri="{91240B29-F687-4F45-9708-019B960494DF}">
-              <a14:hiddenLine xmlns:a14="http://schemas.microsoft.com/office/drawing/2010/main" w="9525">
+              <a14:hiddenLine xmlns:a14="http://schemas.microsoft.com/office/drawing/2010/main" xmlns="" w="9525">
                 <a:solidFill>
                   <a:schemeClr val="tx1"/>
                 </a:solidFill>
@@ -3451,7 +3453,7 @@
     </p:spTree>
     <p:extLst>
       <p:ext uri="{BB962C8B-B14F-4D97-AF65-F5344CB8AC3E}">
-        <p14:creationId xmlns:p14="http://schemas.microsoft.com/office/powerpoint/2010/main" val="44671813"/>
+        <p14:creationId xmlns:p14="http://schemas.microsoft.com/office/powerpoint/2010/main" xmlns="" val="44671813"/>
       </p:ext>
     </p:extLst>
   </p:cSld>
@@ -3512,15 +3514,7 @@
                   <a:schemeClr val="bg1"/>
                 </a:solidFill>
               </a:rPr>
-              <a:t> </a:t>
-            </a:r>
-            <a:r>
-              <a:rPr lang="en-US" dirty="0" smtClean="0">
-                <a:solidFill>
-                  <a:schemeClr val="bg1"/>
-                </a:solidFill>
-              </a:rPr>
-              <a:t>outline</a:t>
+              <a:t> outline</a:t>
             </a:r>
             <a:endParaRPr lang="en-US" dirty="0">
               <a:solidFill>
@@ -3609,7 +3603,7 @@
     </p:spTree>
     <p:extLst>
       <p:ext uri="{BB962C8B-B14F-4D97-AF65-F5344CB8AC3E}">
-        <p14:creationId xmlns:p14="http://schemas.microsoft.com/office/powerpoint/2010/main" val="2330834491"/>
+        <p14:creationId xmlns:p14="http://schemas.microsoft.com/office/powerpoint/2010/main" xmlns="" val="2330834491"/>
       </p:ext>
     </p:extLst>
   </p:cSld>
@@ -3739,7 +3733,7 @@
     </p:spTree>
     <p:extLst>
       <p:ext uri="{BB962C8B-B14F-4D97-AF65-F5344CB8AC3E}">
-        <p14:creationId xmlns:p14="http://schemas.microsoft.com/office/powerpoint/2010/main" val="2330834491"/>
+        <p14:creationId xmlns:p14="http://schemas.microsoft.com/office/powerpoint/2010/main" xmlns="" val="2330834491"/>
       </p:ext>
     </p:extLst>
   </p:cSld>
@@ -3881,7 +3875,7 @@
     </p:spTree>
     <p:extLst>
       <p:ext uri="{BB962C8B-B14F-4D97-AF65-F5344CB8AC3E}">
-        <p14:creationId xmlns:p14="http://schemas.microsoft.com/office/powerpoint/2010/main" val="2330834491"/>
+        <p14:creationId xmlns:p14="http://schemas.microsoft.com/office/powerpoint/2010/main" xmlns="" val="2330834491"/>
       </p:ext>
     </p:extLst>
   </p:cSld>
@@ -3942,15 +3936,7 @@
                   <a:schemeClr val="bg1"/>
                 </a:solidFill>
               </a:rPr>
-              <a:t> </a:t>
-            </a:r>
-            <a:r>
-              <a:rPr lang="en-US" dirty="0" smtClean="0">
-                <a:solidFill>
-                  <a:schemeClr val="bg1"/>
-                </a:solidFill>
-              </a:rPr>
-              <a:t>outline</a:t>
+              <a:t> outline</a:t>
             </a:r>
             <a:endParaRPr lang="en-US" dirty="0">
               <a:solidFill>
@@ -4039,7 +4025,7 @@
     </p:spTree>
     <p:extLst>
       <p:ext uri="{BB962C8B-B14F-4D97-AF65-F5344CB8AC3E}">
-        <p14:creationId xmlns:p14="http://schemas.microsoft.com/office/powerpoint/2010/main" val="1848409642"/>
+        <p14:creationId xmlns:p14="http://schemas.microsoft.com/office/powerpoint/2010/main" xmlns="" val="1848409642"/>
       </p:ext>
     </p:extLst>
   </p:cSld>
@@ -4145,7 +4131,7 @@
     </p:spTree>
     <p:extLst>
       <p:ext uri="{BB962C8B-B14F-4D97-AF65-F5344CB8AC3E}">
-        <p14:creationId xmlns:p14="http://schemas.microsoft.com/office/powerpoint/2010/main" val="1848409642"/>
+        <p14:creationId xmlns:p14="http://schemas.microsoft.com/office/powerpoint/2010/main" xmlns="" val="1848409642"/>
       </p:ext>
     </p:extLst>
   </p:cSld>
@@ -4258,7 +4244,7 @@
     </p:spTree>
     <p:extLst>
       <p:ext uri="{BB962C8B-B14F-4D97-AF65-F5344CB8AC3E}">
-        <p14:creationId xmlns:p14="http://schemas.microsoft.com/office/powerpoint/2010/main" val="1848409642"/>
+        <p14:creationId xmlns:p14="http://schemas.microsoft.com/office/powerpoint/2010/main" xmlns="" val="1848409642"/>
       </p:ext>
     </p:extLst>
   </p:cSld>
@@ -4412,7 +4398,7 @@
     </p:spTree>
     <p:extLst>
       <p:ext uri="{BB962C8B-B14F-4D97-AF65-F5344CB8AC3E}">
-        <p14:creationId xmlns:p14="http://schemas.microsoft.com/office/powerpoint/2010/main" val="1848409642"/>
+        <p14:creationId xmlns:p14="http://schemas.microsoft.com/office/powerpoint/2010/main" xmlns="" val="1848409642"/>
       </p:ext>
     </p:extLst>
   </p:cSld>
@@ -4627,7 +4613,7 @@
     </p:spTree>
     <p:extLst>
       <p:ext uri="{BB962C8B-B14F-4D97-AF65-F5344CB8AC3E}">
-        <p14:creationId xmlns:p14="http://schemas.microsoft.com/office/powerpoint/2010/main" val="1848409642"/>
+        <p14:creationId xmlns:p14="http://schemas.microsoft.com/office/powerpoint/2010/main" xmlns="" val="1848409642"/>
       </p:ext>
     </p:extLst>
   </p:cSld>
@@ -4740,7 +4726,7 @@
     </p:spTree>
     <p:extLst>
       <p:ext uri="{BB962C8B-B14F-4D97-AF65-F5344CB8AC3E}">
-        <p14:creationId xmlns:p14="http://schemas.microsoft.com/office/powerpoint/2010/main" val="1848409642"/>
+        <p14:creationId xmlns:p14="http://schemas.microsoft.com/office/powerpoint/2010/main" xmlns="" val="1848409642"/>
       </p:ext>
     </p:extLst>
   </p:cSld>
@@ -4801,23 +4787,7 @@
                   <a:schemeClr val="bg1"/>
                 </a:solidFill>
               </a:rPr>
-              <a:t> </a:t>
-            </a:r>
-            <a:r>
-              <a:rPr lang="en-US" dirty="0" smtClean="0">
-                <a:solidFill>
-                  <a:schemeClr val="bg1"/>
-                </a:solidFill>
-              </a:rPr>
-              <a:t>create </a:t>
-            </a:r>
-            <a:r>
-              <a:rPr lang="en-US" dirty="0" smtClean="0">
-                <a:solidFill>
-                  <a:schemeClr val="bg1"/>
-                </a:solidFill>
-              </a:rPr>
-              <a:t>fitness function</a:t>
+              <a:t> create fitness function</a:t>
             </a:r>
             <a:endParaRPr lang="en-US" dirty="0">
               <a:solidFill>
@@ -4892,7 +4862,7 @@
     </p:spTree>
     <p:extLst>
       <p:ext uri="{BB962C8B-B14F-4D97-AF65-F5344CB8AC3E}">
-        <p14:creationId xmlns:p14="http://schemas.microsoft.com/office/powerpoint/2010/main" val="1848409642"/>
+        <p14:creationId xmlns:p14="http://schemas.microsoft.com/office/powerpoint/2010/main" xmlns="" val="1848409642"/>
       </p:ext>
     </p:extLst>
   </p:cSld>
@@ -4953,15 +4923,7 @@
                   <a:schemeClr val="bg1"/>
                 </a:solidFill>
               </a:rPr>
-              <a:t> </a:t>
-            </a:r>
-            <a:r>
-              <a:rPr lang="en-US" dirty="0" smtClean="0">
-                <a:solidFill>
-                  <a:schemeClr val="bg1"/>
-                </a:solidFill>
-              </a:rPr>
-              <a:t>outline</a:t>
+              <a:t> outline</a:t>
             </a:r>
             <a:endParaRPr lang="en-US" dirty="0">
               <a:solidFill>
@@ -5050,7 +5012,7 @@
     </p:spTree>
     <p:extLst>
       <p:ext uri="{BB962C8B-B14F-4D97-AF65-F5344CB8AC3E}">
-        <p14:creationId xmlns:p14="http://schemas.microsoft.com/office/powerpoint/2010/main" val="2279565587"/>
+        <p14:creationId xmlns:p14="http://schemas.microsoft.com/office/powerpoint/2010/main" xmlns="" val="2279565587"/>
       </p:ext>
     </p:extLst>
   </p:cSld>
@@ -5156,7 +5118,7 @@
     </p:spTree>
     <p:extLst>
       <p:ext uri="{BB962C8B-B14F-4D97-AF65-F5344CB8AC3E}">
-        <p14:creationId xmlns:p14="http://schemas.microsoft.com/office/powerpoint/2010/main" val="1848409642"/>
+        <p14:creationId xmlns:p14="http://schemas.microsoft.com/office/powerpoint/2010/main" xmlns="" val="1848409642"/>
       </p:ext>
     </p:extLst>
   </p:cSld>
@@ -5217,15 +5179,7 @@
                   <a:schemeClr val="bg1"/>
                 </a:solidFill>
               </a:rPr>
-              <a:t> </a:t>
-            </a:r>
-            <a:r>
-              <a:rPr lang="en-US" dirty="0" smtClean="0">
-                <a:solidFill>
-                  <a:schemeClr val="bg1"/>
-                </a:solidFill>
-              </a:rPr>
-              <a:t>outline</a:t>
+              <a:t> outline</a:t>
             </a:r>
             <a:endParaRPr lang="en-US" dirty="0">
               <a:solidFill>
@@ -5314,7 +5268,7 @@
     </p:spTree>
     <p:extLst>
       <p:ext uri="{BB962C8B-B14F-4D97-AF65-F5344CB8AC3E}">
-        <p14:creationId xmlns:p14="http://schemas.microsoft.com/office/powerpoint/2010/main" val="3185099068"/>
+        <p14:creationId xmlns:p14="http://schemas.microsoft.com/office/powerpoint/2010/main" xmlns="" val="3185099068"/>
       </p:ext>
     </p:extLst>
   </p:cSld>
@@ -5436,7 +5390,7 @@
     </p:spTree>
     <p:extLst>
       <p:ext uri="{BB962C8B-B14F-4D97-AF65-F5344CB8AC3E}">
-        <p14:creationId xmlns:p14="http://schemas.microsoft.com/office/powerpoint/2010/main" val="3185099068"/>
+        <p14:creationId xmlns:p14="http://schemas.microsoft.com/office/powerpoint/2010/main" xmlns="" val="3185099068"/>
       </p:ext>
     </p:extLst>
   </p:cSld>
@@ -5558,7 +5512,7 @@
     </p:spTree>
     <p:extLst>
       <p:ext uri="{BB962C8B-B14F-4D97-AF65-F5344CB8AC3E}">
-        <p14:creationId xmlns:p14="http://schemas.microsoft.com/office/powerpoint/2010/main" val="3185099068"/>
+        <p14:creationId xmlns:p14="http://schemas.microsoft.com/office/powerpoint/2010/main" xmlns="" val="3185099068"/>
       </p:ext>
     </p:extLst>
   </p:cSld>
@@ -5696,7 +5650,7 @@
     </p:spTree>
     <p:extLst>
       <p:ext uri="{BB962C8B-B14F-4D97-AF65-F5344CB8AC3E}">
-        <p14:creationId xmlns:p14="http://schemas.microsoft.com/office/powerpoint/2010/main" val="3185099068"/>
+        <p14:creationId xmlns:p14="http://schemas.microsoft.com/office/powerpoint/2010/main" xmlns="" val="3185099068"/>
       </p:ext>
     </p:extLst>
   </p:cSld>
@@ -5802,7 +5756,7 @@
     </p:spTree>
     <p:extLst>
       <p:ext uri="{BB962C8B-B14F-4D97-AF65-F5344CB8AC3E}">
-        <p14:creationId xmlns:p14="http://schemas.microsoft.com/office/powerpoint/2010/main" val="3185099068"/>
+        <p14:creationId xmlns:p14="http://schemas.microsoft.com/office/powerpoint/2010/main" xmlns="" val="3185099068"/>
       </p:ext>
     </p:extLst>
   </p:cSld>
@@ -5863,15 +5817,7 @@
                   <a:schemeClr val="bg1"/>
                 </a:solidFill>
               </a:rPr>
-              <a:t> </a:t>
-            </a:r>
-            <a:r>
-              <a:rPr lang="en-US" dirty="0" smtClean="0">
-                <a:solidFill>
-                  <a:schemeClr val="bg1"/>
-                </a:solidFill>
-              </a:rPr>
-              <a:t>outline</a:t>
+              <a:t> outline</a:t>
             </a:r>
             <a:endParaRPr lang="en-US" dirty="0">
               <a:solidFill>
@@ -5960,7 +5906,7 @@
     </p:spTree>
     <p:extLst>
       <p:ext uri="{BB962C8B-B14F-4D97-AF65-F5344CB8AC3E}">
-        <p14:creationId xmlns:p14="http://schemas.microsoft.com/office/powerpoint/2010/main" val="1133312594"/>
+        <p14:creationId xmlns:p14="http://schemas.microsoft.com/office/powerpoint/2010/main" xmlns="" val="1133312594"/>
       </p:ext>
     </p:extLst>
   </p:cSld>
@@ -6084,7 +6030,7 @@
     </p:spTree>
     <p:extLst>
       <p:ext uri="{BB962C8B-B14F-4D97-AF65-F5344CB8AC3E}">
-        <p14:creationId xmlns:p14="http://schemas.microsoft.com/office/powerpoint/2010/main" val="1133312594"/>
+        <p14:creationId xmlns:p14="http://schemas.microsoft.com/office/powerpoint/2010/main" xmlns="" val="1133312594"/>
       </p:ext>
     </p:extLst>
   </p:cSld>
@@ -6317,7 +6263,7 @@
     </p:spTree>
     <p:extLst>
       <p:ext uri="{BB962C8B-B14F-4D97-AF65-F5344CB8AC3E}">
-        <p14:creationId xmlns:p14="http://schemas.microsoft.com/office/powerpoint/2010/main" val="1133312594"/>
+        <p14:creationId xmlns:p14="http://schemas.microsoft.com/office/powerpoint/2010/main" xmlns="" val="1133312594"/>
       </p:ext>
     </p:extLst>
   </p:cSld>
@@ -6379,7 +6325,7 @@
     </p:spTree>
     <p:extLst>
       <p:ext uri="{BB962C8B-B14F-4D97-AF65-F5344CB8AC3E}">
-        <p14:creationId xmlns:p14="http://schemas.microsoft.com/office/powerpoint/2010/main" val="1133312594"/>
+        <p14:creationId xmlns:p14="http://schemas.microsoft.com/office/powerpoint/2010/main" xmlns="" val="1133312594"/>
       </p:ext>
     </p:extLst>
   </p:cSld>
@@ -6458,8 +6404,8 @@
         </p:nvSpPr>
         <p:spPr>
           <a:xfrm>
-            <a:off x="467544" y="5807005"/>
-            <a:ext cx="8064896" cy="769441"/>
+            <a:off x="467544" y="5562600"/>
+            <a:ext cx="8064896" cy="1107996"/>
           </a:xfrm>
           <a:prstGeom prst="rect">
             <a:avLst/>
@@ -6474,33 +6420,35 @@
           <a:p>
             <a:r>
               <a:rPr lang="en-US" sz="2200" dirty="0" smtClean="0"/>
-              <a:t>errors are expensive</a:t>
-            </a:r>
-          </a:p>
-          <a:p>
+              <a:t>errors are </a:t>
+            </a:r>
             <a:r>
               <a:rPr lang="en-US" sz="2200" dirty="0" smtClean="0"/>
-              <a:t>annual cost of software errors to US economy is </a:t>
+              <a:t>expensive annual </a:t>
             </a:r>
             <a:r>
               <a:rPr lang="en-US" sz="2200" dirty="0" smtClean="0"/>
-              <a:t>$</a:t>
+              <a:t>cost of software errors to US economy is $</a:t>
             </a:r>
             <a:r>
               <a:rPr lang="ja-JP" altLang="en-US" sz="2200" dirty="0" smtClean="0"/>
               <a:t>～</a:t>
             </a:r>
             <a:r>
-              <a:rPr lang="en-US" sz="2200" dirty="0" err="1" smtClean="0"/>
-              <a:t>60B</a:t>
-            </a:r>
-            <a:r>
               <a:rPr lang="en-US" sz="2200" dirty="0" smtClean="0"/>
-              <a:t> </a:t>
+              <a:t>60B [1</a:t>
             </a:r>
             <a:r>
               <a:rPr lang="en-US" sz="2200" dirty="0" smtClean="0"/>
-              <a:t>[1]</a:t>
+              <a:t>], automated </a:t>
+            </a:r>
+            <a:r>
+              <a:rPr lang="en-US" sz="2200" dirty="0" smtClean="0"/>
+              <a:t>testing </a:t>
+            </a:r>
+            <a:r>
+              <a:rPr lang="en-US" sz="2200" dirty="0" smtClean="0"/>
+              <a:t>is an efficient way to reduce those effort and costs.</a:t>
             </a:r>
             <a:endParaRPr lang="en-US" sz="2200" dirty="0"/>
           </a:p>
@@ -6518,7 +6466,7 @@
           <a:blip r:embed="rId2" cstate="print">
             <a:extLst>
               <a:ext uri="{28A0092B-C50C-407E-A947-70E740481C1C}">
-                <a14:useLocalDpi xmlns:a14="http://schemas.microsoft.com/office/drawing/2010/main" val="0"/>
+                <a14:useLocalDpi xmlns:a14="http://schemas.microsoft.com/office/drawing/2010/main" xmlns="" val="0"/>
               </a:ext>
             </a:extLst>
           </a:blip>
@@ -6541,14 +6489,14 @@
           </a:ln>
           <a:extLst>
             <a:ext uri="{909E8E84-426E-40DD-AFC4-6F175D3DCCD1}">
-              <a14:hiddenFill xmlns:a14="http://schemas.microsoft.com/office/drawing/2010/main">
+              <a14:hiddenFill xmlns:a14="http://schemas.microsoft.com/office/drawing/2010/main" xmlns="">
                 <a:solidFill>
                   <a:schemeClr val="accent1"/>
                 </a:solidFill>
               </a14:hiddenFill>
             </a:ext>
             <a:ext uri="{91240B29-F687-4F45-9708-019B960494DF}">
-              <a14:hiddenLine xmlns:a14="http://schemas.microsoft.com/office/drawing/2010/main" w="9525">
+              <a14:hiddenLine xmlns:a14="http://schemas.microsoft.com/office/drawing/2010/main" xmlns="" w="9525">
                 <a:solidFill>
                   <a:schemeClr val="tx1"/>
                 </a:solidFill>
@@ -6563,7 +6511,7 @@
     </p:spTree>
     <p:extLst>
       <p:ext uri="{BB962C8B-B14F-4D97-AF65-F5344CB8AC3E}">
-        <p14:creationId xmlns:p14="http://schemas.microsoft.com/office/powerpoint/2010/main" val="763281191"/>
+        <p14:creationId xmlns:p14="http://schemas.microsoft.com/office/powerpoint/2010/main" xmlns="" val="763281191"/>
       </p:ext>
     </p:extLst>
   </p:cSld>
@@ -6632,8 +6580,21 @@
                   <a:schemeClr val="bg1"/>
                 </a:solidFill>
               </a:rPr>
-              <a:t>approaches to finding errors</a:t>
-            </a:r>
+              <a:t>approaches to </a:t>
+            </a:r>
+            <a:r>
+              <a:rPr lang="en-US" dirty="0" smtClean="0">
+                <a:solidFill>
+                  <a:schemeClr val="bg1"/>
+                </a:solidFill>
+              </a:rPr>
+              <a:t>automated testing</a:t>
+            </a:r>
+            <a:endParaRPr lang="en-US" dirty="0">
+              <a:solidFill>
+                <a:schemeClr val="bg1"/>
+              </a:solidFill>
+            </a:endParaRPr>
           </a:p>
         </p:txBody>
       </p:sp>
@@ -6731,7 +6692,7 @@
     </p:spTree>
     <p:extLst>
       <p:ext uri="{BB962C8B-B14F-4D97-AF65-F5344CB8AC3E}">
-        <p14:creationId xmlns:p14="http://schemas.microsoft.com/office/powerpoint/2010/main" val="3736083669"/>
+        <p14:creationId xmlns:p14="http://schemas.microsoft.com/office/powerpoint/2010/main" xmlns="" val="3736083669"/>
       </p:ext>
     </p:extLst>
   </p:cSld>
@@ -6829,15 +6790,7 @@
             </a:pPr>
             <a:r>
               <a:rPr lang="en-US" sz="3000" dirty="0" smtClean="0"/>
-              <a:t>SE can solve the second condition, </a:t>
-            </a:r>
-            <a:r>
-              <a:rPr lang="en-US" sz="3000" dirty="0" smtClean="0"/>
-              <a:t>but cannot </a:t>
-            </a:r>
-            <a:r>
-              <a:rPr lang="en-US" sz="3000" dirty="0" smtClean="0"/>
-              <a:t>for the first, when GA can generate test data for the first condition but it has degraded with the second condition </a:t>
+              <a:t>SE can solve the second condition, but cannot for the first, when GA can generate test data for the first condition but it has degraded with the second condition </a:t>
             </a:r>
             <a:endParaRPr lang="en-US" sz="3000" dirty="0"/>
           </a:p>
@@ -6878,7 +6831,7 @@
     </p:spTree>
     <p:extLst>
       <p:ext uri="{BB962C8B-B14F-4D97-AF65-F5344CB8AC3E}">
-        <p14:creationId xmlns:p14="http://schemas.microsoft.com/office/powerpoint/2010/main" val="3736083669"/>
+        <p14:creationId xmlns:p14="http://schemas.microsoft.com/office/powerpoint/2010/main" xmlns="" val="3736083669"/>
       </p:ext>
     </p:extLst>
   </p:cSld>
@@ -6939,15 +6892,7 @@
                   <a:schemeClr val="bg1"/>
                 </a:solidFill>
               </a:rPr>
-              <a:t> </a:t>
-            </a:r>
-            <a:r>
-              <a:rPr lang="en-US" dirty="0" smtClean="0">
-                <a:solidFill>
-                  <a:schemeClr val="bg1"/>
-                </a:solidFill>
-              </a:rPr>
-              <a:t>outline</a:t>
+              <a:t> outline</a:t>
             </a:r>
             <a:endParaRPr lang="en-US" dirty="0">
               <a:solidFill>
@@ -7036,7 +6981,7 @@
     </p:spTree>
     <p:extLst>
       <p:ext uri="{BB962C8B-B14F-4D97-AF65-F5344CB8AC3E}">
-        <p14:creationId xmlns:p14="http://schemas.microsoft.com/office/powerpoint/2010/main" val="976856806"/>
+        <p14:creationId xmlns:p14="http://schemas.microsoft.com/office/powerpoint/2010/main" xmlns="" val="976856806"/>
       </p:ext>
     </p:extLst>
   </p:cSld>
@@ -7168,7 +7113,15 @@
             </a:r>
             <a:r>
               <a:rPr lang="en-US" dirty="0" smtClean="0"/>
-              <a:t> function f(B) = x – (y - 5). </a:t>
+              <a:t> function f(B) = x </a:t>
+            </a:r>
+            <a:r>
+              <a:rPr lang="en-US" dirty="0" smtClean="0"/>
+              <a:t>- </a:t>
+            </a:r>
+            <a:r>
+              <a:rPr lang="en-US" dirty="0" smtClean="0"/>
+              <a:t>(y - 5). </a:t>
             </a:r>
             <a:endParaRPr lang="en-US" dirty="0"/>
           </a:p>
@@ -7177,7 +7130,7 @@
     </p:spTree>
     <p:extLst>
       <p:ext uri="{BB962C8B-B14F-4D97-AF65-F5344CB8AC3E}">
-        <p14:creationId xmlns:p14="http://schemas.microsoft.com/office/powerpoint/2010/main" val="976856806"/>
+        <p14:creationId xmlns:p14="http://schemas.microsoft.com/office/powerpoint/2010/main" xmlns="" val="976856806"/>
       </p:ext>
     </p:extLst>
   </p:cSld>
@@ -7281,8 +7234,8 @@
         </p:blipFill>
         <p:spPr bwMode="auto">
           <a:xfrm>
-            <a:off x="1115616" y="1484784"/>
-            <a:ext cx="6696744" cy="3240360"/>
+            <a:off x="838200" y="1484784"/>
+            <a:ext cx="7391400" cy="3849216"/>
           </a:xfrm>
           <a:prstGeom prst="rect">
             <a:avLst/>
@@ -7299,7 +7252,7 @@
     </p:spTree>
     <p:extLst>
       <p:ext uri="{BB962C8B-B14F-4D97-AF65-F5344CB8AC3E}">
-        <p14:creationId xmlns:p14="http://schemas.microsoft.com/office/powerpoint/2010/main" val="976856806"/>
+        <p14:creationId xmlns:p14="http://schemas.microsoft.com/office/powerpoint/2010/main" xmlns="" val="976856806"/>
       </p:ext>
     </p:extLst>
   </p:cSld>
@@ -7387,7 +7340,7 @@
         </p:blipFill>
         <p:spPr bwMode="auto">
           <a:xfrm>
-            <a:off x="395536" y="1124744"/>
+            <a:off x="395536" y="2057400"/>
             <a:ext cx="8420100" cy="4032448"/>
           </a:xfrm>
           <a:prstGeom prst="rect">
@@ -7402,10 +7355,88 @@
           </a:ln>
         </p:spPr>
       </p:pic>
+      <p:sp>
+        <p:nvSpPr>
+          <p:cNvPr id="4" name="Content Placeholder 2"/>
+          <p:cNvSpPr>
+            <a:spLocks noGrp="1"/>
+          </p:cNvSpPr>
+          <p:nvPr>
+            <p:ph idx="1"/>
+          </p:nvPr>
+        </p:nvSpPr>
+        <p:spPr>
+          <a:xfrm>
+            <a:off x="381000" y="914400"/>
+            <a:ext cx="8534400" cy="1066800"/>
+          </a:xfrm>
+        </p:spPr>
+        <p:txBody>
+          <a:bodyPr>
+            <a:noAutofit/>
+          </a:bodyPr>
+          <a:lstStyle/>
+          <a:p>
+            <a:pPr marL="0" indent="0">
+              <a:buNone/>
+            </a:pPr>
+            <a:r>
+              <a:rPr lang="en-US" sz="2600" dirty="0" smtClean="0"/>
+              <a:t>Population contains set of chromosomes.</a:t>
+            </a:r>
+          </a:p>
+          <a:p>
+            <a:pPr marL="0" indent="0">
+              <a:buNone/>
+            </a:pPr>
+            <a:r>
+              <a:rPr lang="en-US" sz="2600" dirty="0" smtClean="0"/>
+              <a:t>A chromosome </a:t>
+            </a:r>
+            <a:r>
+              <a:rPr lang="en-US" sz="2600" dirty="0" err="1" smtClean="0"/>
+              <a:t>chrom</a:t>
+            </a:r>
+            <a:r>
+              <a:rPr lang="en-US" sz="2600" dirty="0" smtClean="0"/>
+              <a:t> = (x</a:t>
+            </a:r>
+            <a:r>
+              <a:rPr lang="en-US" sz="2600" baseline="-25000" dirty="0" smtClean="0"/>
+              <a:t>1</a:t>
+            </a:r>
+            <a:r>
+              <a:rPr lang="en-US" sz="2600" dirty="0" smtClean="0"/>
+              <a:t>, x</a:t>
+            </a:r>
+            <a:r>
+              <a:rPr lang="en-US" sz="2600" baseline="-25000" dirty="0" smtClean="0"/>
+              <a:t>2</a:t>
+            </a:r>
+            <a:r>
+              <a:rPr lang="en-US" sz="2600" dirty="0" smtClean="0"/>
+              <a:t>… </a:t>
+            </a:r>
+            <a:r>
+              <a:rPr lang="en-US" sz="2600" dirty="0" err="1" smtClean="0"/>
+              <a:t>x</a:t>
+            </a:r>
+            <a:r>
+              <a:rPr lang="en-US" sz="2600" baseline="-25000" dirty="0" err="1" smtClean="0"/>
+              <a:t>n</a:t>
+            </a:r>
+            <a:r>
+              <a:rPr lang="en-US" sz="2600" dirty="0" smtClean="0"/>
+              <a:t>) to present a test case.</a:t>
+            </a:r>
+            <a:endParaRPr lang="en-US" sz="2600" dirty="0"/>
+          </a:p>
+        </p:txBody>
+      </p:sp>
     </p:spTree>
     <p:extLst>
       <p:ext uri="{BB962C8B-B14F-4D97-AF65-F5344CB8AC3E}">
-        <p14:creationId xmlns:p14="http://schemas.microsoft.com/office/powerpoint/2010/main" val="976856806"/>
+        <p14:creationId xmlns:p14="http://schemas.microsoft.com/office/powerpoint/2010/main" xmlns="" val="976856806"/>
       </p:ext>
     </p:extLst>
   </p:cSld>

--- a/CFT4CUnitSrc/src/report/ACOMP2016_Presentation.pptx
+++ b/CFT4CUnitSrc/src/report/ACOMP2016_Presentation.pptx
@@ -3460,6 +3460,13 @@
   <p:clrMapOvr>
     <a:masterClrMapping/>
   </p:clrMapOvr>
+  <p:timing>
+    <p:tnLst>
+      <p:par>
+        <p:cTn id="1" dur="indefinite" restart="never" nodeType="tmRoot"/>
+      </p:par>
+    </p:tnLst>
+  </p:timing>
 </p:sld>
 </file>
 
@@ -4697,7 +4704,7 @@
         <p:spPr>
           <a:xfrm>
             <a:off x="457200" y="1052736"/>
-            <a:ext cx="8229600" cy="4205064"/>
+            <a:ext cx="8229600" cy="1690464"/>
           </a:xfrm>
         </p:spPr>
         <p:txBody>
@@ -5019,6 +5026,13 @@
   <p:clrMapOvr>
     <a:masterClrMapping/>
   </p:clrMapOvr>
+  <p:timing>
+    <p:tnLst>
+      <p:par>
+        <p:cTn id="1" dur="indefinite" restart="never" nodeType="tmRoot"/>
+      </p:par>
+    </p:tnLst>
+  </p:timing>
 </p:sld>
 </file>
 
@@ -5355,38 +5369,177 @@
           </a:p>
         </p:txBody>
       </p:sp>
-      <p:pic>
-        <p:nvPicPr>
-          <p:cNvPr id="6146" name="Picture 2"/>
-          <p:cNvPicPr>
-            <a:picLocks noChangeAspect="1" noChangeArrowheads="1"/>
-          </p:cNvPicPr>
+      <p:grpSp>
+        <p:nvGrpSpPr>
+          <p:cNvPr id="9" name="Group 8"/>
+          <p:cNvGrpSpPr/>
           <p:nvPr/>
-        </p:nvPicPr>
-        <p:blipFill>
-          <a:blip r:embed="rId2" cstate="print"/>
-          <a:srcRect/>
-          <a:stretch>
-            <a:fillRect/>
-          </a:stretch>
-        </p:blipFill>
-        <p:spPr bwMode="auto">
-          <a:xfrm>
-            <a:off x="899592" y="1268760"/>
-            <a:ext cx="6984776" cy="3888432"/>
-          </a:xfrm>
-          <a:prstGeom prst="rect">
-            <a:avLst/>
-          </a:prstGeom>
-          <a:noFill/>
-          <a:ln w="9525">
+        </p:nvGrpSpPr>
+        <p:grpSpPr>
+          <a:xfrm>
+            <a:off x="762000" y="1981200"/>
+            <a:ext cx="7162800" cy="4267200"/>
+            <a:chOff x="899592" y="1268760"/>
+            <a:chExt cx="6984776" cy="3888432"/>
+          </a:xfrm>
+        </p:grpSpPr>
+        <p:pic>
+          <p:nvPicPr>
+            <p:cNvPr id="6146" name="Picture 2"/>
+            <p:cNvPicPr>
+              <a:picLocks noChangeAspect="1" noChangeArrowheads="1"/>
+            </p:cNvPicPr>
+            <p:nvPr/>
+          </p:nvPicPr>
+          <p:blipFill>
+            <a:blip r:embed="rId2" cstate="print"/>
+            <a:srcRect/>
+            <a:stretch>
+              <a:fillRect/>
+            </a:stretch>
+          </p:blipFill>
+          <p:spPr bwMode="auto">
+            <a:xfrm>
+              <a:off x="899592" y="1268760"/>
+              <a:ext cx="6984776" cy="3888432"/>
+            </a:xfrm>
+            <a:prstGeom prst="rect">
+              <a:avLst/>
+            </a:prstGeom>
             <a:noFill/>
-            <a:miter lim="800000"/>
-            <a:headEnd/>
-            <a:tailEnd/>
-          </a:ln>
-        </p:spPr>
-      </p:pic>
+            <a:ln w="9525">
+              <a:noFill/>
+              <a:miter lim="800000"/>
+              <a:headEnd/>
+              <a:tailEnd/>
+            </a:ln>
+          </p:spPr>
+        </p:pic>
+        <p:sp>
+          <p:nvSpPr>
+            <p:cNvPr id="5" name="TextBox 4"/>
+            <p:cNvSpPr txBox="1"/>
+            <p:nvPr/>
+          </p:nvSpPr>
+          <p:spPr>
+            <a:xfrm>
+              <a:off x="5715000" y="1524000"/>
+              <a:ext cx="2133600" cy="369332"/>
+            </a:xfrm>
+            <a:prstGeom prst="rect">
+              <a:avLst/>
+            </a:prstGeom>
+            <a:noFill/>
+            <a:ln w="19050">
+              <a:solidFill>
+                <a:schemeClr val="accent1"/>
+              </a:solidFill>
+            </a:ln>
+          </p:spPr>
+          <p:txBody>
+            <a:bodyPr wrap="square" rtlCol="0">
+              <a:spAutoFit/>
+            </a:bodyPr>
+            <a:lstStyle/>
+            <a:p>
+              <a:pPr algn="ctr"/>
+              <a:r>
+                <a:rPr lang="en-US" dirty="0" smtClean="0"/>
+                <a:t>Z3 constraint solver</a:t>
+              </a:r>
+              <a:endParaRPr lang="en-US" dirty="0"/>
+            </a:p>
+          </p:txBody>
+        </p:sp>
+        <p:cxnSp>
+          <p:nvCxnSpPr>
+            <p:cNvPr id="7" name="Straight Arrow Connector 6"/>
+            <p:cNvCxnSpPr>
+              <a:stCxn id="5" idx="1"/>
+            </p:cNvCxnSpPr>
+            <p:nvPr/>
+          </p:nvCxnSpPr>
+          <p:spPr>
+            <a:xfrm rot="10800000" flipV="1">
+              <a:off x="4267200" y="1708666"/>
+              <a:ext cx="1447800" cy="120134"/>
+            </a:xfrm>
+            <a:prstGeom prst="straightConnector1">
+              <a:avLst/>
+            </a:prstGeom>
+            <a:ln w="25400">
+              <a:tailEnd type="triangle"/>
+            </a:ln>
+          </p:spPr>
+          <p:style>
+            <a:lnRef idx="1">
+              <a:schemeClr val="accent1"/>
+            </a:lnRef>
+            <a:fillRef idx="0">
+              <a:schemeClr val="accent1"/>
+            </a:fillRef>
+            <a:effectRef idx="0">
+              <a:schemeClr val="accent1"/>
+            </a:effectRef>
+            <a:fontRef idx="minor">
+              <a:schemeClr val="tx1"/>
+            </a:fontRef>
+          </p:style>
+        </p:cxnSp>
+      </p:grpSp>
+      <p:sp>
+        <p:nvSpPr>
+          <p:cNvPr id="10" name="Content Placeholder 2"/>
+          <p:cNvSpPr>
+            <a:spLocks noGrp="1"/>
+          </p:cNvSpPr>
+          <p:nvPr>
+            <p:ph idx="1"/>
+          </p:nvPr>
+        </p:nvSpPr>
+        <p:spPr>
+          <a:xfrm>
+            <a:off x="457200" y="900336"/>
+            <a:ext cx="8229600" cy="1080864"/>
+          </a:xfrm>
+        </p:spPr>
+        <p:txBody>
+          <a:bodyPr>
+            <a:normAutofit/>
+          </a:bodyPr>
+          <a:lstStyle/>
+          <a:p>
+            <a:pPr marL="0" indent="0">
+              <a:buNone/>
+            </a:pPr>
+            <a:r>
+              <a:rPr lang="en-US" sz="2800" dirty="0" smtClean="0"/>
+              <a:t>Determine </a:t>
+            </a:r>
+            <a:r>
+              <a:rPr lang="en-US" sz="2800" dirty="0" smtClean="0"/>
+              <a:t>if 3 input variables </a:t>
+            </a:r>
+            <a:r>
+              <a:rPr lang="en-US" sz="2800" dirty="0" smtClean="0"/>
+              <a:t>(an angle </a:t>
+            </a:r>
+            <a:r>
+              <a:rPr lang="en-US" sz="2800" dirty="0" smtClean="0"/>
+              <a:t>and two </a:t>
+            </a:r>
+            <a:r>
+              <a:rPr lang="en-US" sz="2800" dirty="0" smtClean="0"/>
+              <a:t>sides) show </a:t>
+            </a:r>
+            <a:r>
+              <a:rPr lang="en-US" sz="2800" dirty="0" smtClean="0"/>
+              <a:t>an equilateral, isosceles, scalene triangle or not.</a:t>
+            </a:r>
+            <a:endParaRPr lang="en-US" sz="2800" dirty="0" smtClean="0"/>
+          </a:p>
+        </p:txBody>
+      </p:sp>
     </p:spTree>
     <p:extLst>
       <p:ext uri="{BB962C8B-B14F-4D97-AF65-F5344CB8AC3E}">
@@ -5477,38 +5630,217 @@
           </a:p>
         </p:txBody>
       </p:sp>
-      <p:pic>
-        <p:nvPicPr>
-          <p:cNvPr id="7170" name="Picture 2"/>
-          <p:cNvPicPr>
-            <a:picLocks noChangeAspect="1" noChangeArrowheads="1"/>
-          </p:cNvPicPr>
+      <p:grpSp>
+        <p:nvGrpSpPr>
+          <p:cNvPr id="11" name="Group 10"/>
+          <p:cNvGrpSpPr/>
           <p:nvPr/>
-        </p:nvPicPr>
-        <p:blipFill>
-          <a:blip r:embed="rId2" cstate="print"/>
-          <a:srcRect/>
-          <a:stretch>
-            <a:fillRect/>
-          </a:stretch>
-        </p:blipFill>
-        <p:spPr bwMode="auto">
-          <a:xfrm>
-            <a:off x="899592" y="1124744"/>
-            <a:ext cx="7105650" cy="4772025"/>
-          </a:xfrm>
-          <a:prstGeom prst="rect">
-            <a:avLst/>
-          </a:prstGeom>
-          <a:noFill/>
-          <a:ln w="9525">
+        </p:nvGrpSpPr>
+        <p:grpSpPr>
+          <a:xfrm>
+            <a:off x="895350" y="1981200"/>
+            <a:ext cx="7105650" cy="4543425"/>
+            <a:chOff x="899592" y="1124744"/>
+            <a:chExt cx="7105650" cy="4772025"/>
+          </a:xfrm>
+        </p:grpSpPr>
+        <p:pic>
+          <p:nvPicPr>
+            <p:cNvPr id="7170" name="Picture 2"/>
+            <p:cNvPicPr>
+              <a:picLocks noChangeAspect="1" noChangeArrowheads="1"/>
+            </p:cNvPicPr>
+            <p:nvPr/>
+          </p:nvPicPr>
+          <p:blipFill>
+            <a:blip r:embed="rId2" cstate="print"/>
+            <a:srcRect/>
+            <a:stretch>
+              <a:fillRect/>
+            </a:stretch>
+          </p:blipFill>
+          <p:spPr bwMode="auto">
+            <a:xfrm>
+              <a:off x="899592" y="1124744"/>
+              <a:ext cx="7105650" cy="4772025"/>
+            </a:xfrm>
+            <a:prstGeom prst="rect">
+              <a:avLst/>
+            </a:prstGeom>
             <a:noFill/>
-            <a:miter lim="800000"/>
-            <a:headEnd/>
-            <a:tailEnd/>
-          </a:ln>
-        </p:spPr>
-      </p:pic>
+            <a:ln w="9525">
+              <a:noFill/>
+              <a:miter lim="800000"/>
+              <a:headEnd/>
+              <a:tailEnd/>
+            </a:ln>
+          </p:spPr>
+        </p:pic>
+        <p:sp>
+          <p:nvSpPr>
+            <p:cNvPr id="4" name="TextBox 3"/>
+            <p:cNvSpPr txBox="1"/>
+            <p:nvPr/>
+          </p:nvSpPr>
+          <p:spPr>
+            <a:xfrm>
+              <a:off x="5181600" y="2286000"/>
+              <a:ext cx="2133600" cy="369332"/>
+            </a:xfrm>
+            <a:prstGeom prst="rect">
+              <a:avLst/>
+            </a:prstGeom>
+            <a:noFill/>
+            <a:ln w="19050">
+              <a:solidFill>
+                <a:schemeClr val="accent1"/>
+              </a:solidFill>
+            </a:ln>
+          </p:spPr>
+          <p:txBody>
+            <a:bodyPr wrap="square" rtlCol="0">
+              <a:spAutoFit/>
+            </a:bodyPr>
+            <a:lstStyle/>
+            <a:p>
+              <a:pPr algn="ctr"/>
+              <a:r>
+                <a:rPr lang="en-US" dirty="0" smtClean="0"/>
+                <a:t>Z3 constraint solver</a:t>
+              </a:r>
+              <a:endParaRPr lang="en-US" dirty="0"/>
+            </a:p>
+          </p:txBody>
+        </p:sp>
+        <p:cxnSp>
+          <p:nvCxnSpPr>
+            <p:cNvPr id="5" name="Straight Arrow Connector 4"/>
+            <p:cNvCxnSpPr>
+              <a:stCxn id="4" idx="1"/>
+            </p:cNvCxnSpPr>
+            <p:nvPr/>
+          </p:nvCxnSpPr>
+          <p:spPr>
+            <a:xfrm rot="10800000">
+              <a:off x="2971800" y="1905000"/>
+              <a:ext cx="2209800" cy="565666"/>
+            </a:xfrm>
+            <a:prstGeom prst="straightConnector1">
+              <a:avLst/>
+            </a:prstGeom>
+            <a:ln w="25400">
+              <a:tailEnd type="triangle"/>
+            </a:ln>
+          </p:spPr>
+          <p:style>
+            <a:lnRef idx="1">
+              <a:schemeClr val="accent1"/>
+            </a:lnRef>
+            <a:fillRef idx="0">
+              <a:schemeClr val="accent1"/>
+            </a:fillRef>
+            <a:effectRef idx="0">
+              <a:schemeClr val="accent1"/>
+            </a:effectRef>
+            <a:fontRef idx="minor">
+              <a:schemeClr val="tx1"/>
+            </a:fontRef>
+          </p:style>
+        </p:cxnSp>
+        <p:cxnSp>
+          <p:nvCxnSpPr>
+            <p:cNvPr id="7" name="Straight Arrow Connector 6"/>
+            <p:cNvCxnSpPr>
+              <a:stCxn id="4" idx="2"/>
+            </p:cNvCxnSpPr>
+            <p:nvPr/>
+          </p:nvCxnSpPr>
+          <p:spPr>
+            <a:xfrm rot="5400000">
+              <a:off x="5023366" y="2737366"/>
+              <a:ext cx="1307068" cy="1143000"/>
+            </a:xfrm>
+            <a:prstGeom prst="straightConnector1">
+              <a:avLst/>
+            </a:prstGeom>
+            <a:ln w="25400">
+              <a:tailEnd type="triangle"/>
+            </a:ln>
+          </p:spPr>
+          <p:style>
+            <a:lnRef idx="1">
+              <a:schemeClr val="accent1"/>
+            </a:lnRef>
+            <a:fillRef idx="0">
+              <a:schemeClr val="accent1"/>
+            </a:fillRef>
+            <a:effectRef idx="0">
+              <a:schemeClr val="accent1"/>
+            </a:effectRef>
+            <a:fontRef idx="minor">
+              <a:schemeClr val="tx1"/>
+            </a:fontRef>
+          </p:style>
+        </p:cxnSp>
+      </p:grpSp>
+      <p:sp>
+        <p:nvSpPr>
+          <p:cNvPr id="12" name="Content Placeholder 2"/>
+          <p:cNvSpPr>
+            <a:spLocks noGrp="1"/>
+          </p:cNvSpPr>
+          <p:nvPr>
+            <p:ph idx="1"/>
+          </p:nvPr>
+        </p:nvSpPr>
+        <p:spPr>
+          <a:xfrm>
+            <a:off x="457200" y="824136"/>
+            <a:ext cx="8229600" cy="1080864"/>
+          </a:xfrm>
+        </p:spPr>
+        <p:txBody>
+          <a:bodyPr>
+            <a:normAutofit/>
+          </a:bodyPr>
+          <a:lstStyle/>
+          <a:p>
+            <a:pPr>
+              <a:buNone/>
+            </a:pPr>
+            <a:r>
+              <a:rPr lang="en-US" sz="2800" dirty="0" smtClean="0"/>
+              <a:t>F</a:t>
+            </a:r>
+            <a:r>
+              <a:rPr lang="en-US" sz="2800" dirty="0" smtClean="0"/>
+              <a:t>ind </a:t>
+            </a:r>
+            <a:r>
+              <a:rPr lang="en-US" sz="2800" dirty="0" smtClean="0"/>
+              <a:t>all roots of a quadratic equation with 3 </a:t>
+            </a:r>
+            <a:r>
+              <a:rPr lang="en-US" sz="2800" dirty="0" smtClean="0"/>
+              <a:t>coefficients</a:t>
+            </a:r>
+          </a:p>
+          <a:p>
+            <a:pPr>
+              <a:buNone/>
+            </a:pPr>
+            <a:r>
+              <a:rPr lang="en-US" sz="2800" dirty="0" smtClean="0"/>
+              <a:t>a</a:t>
+            </a:r>
+            <a:r>
+              <a:rPr lang="en-US" sz="2800" dirty="0" smtClean="0"/>
+              <a:t>, b and c being the input variables.</a:t>
+            </a:r>
+            <a:endParaRPr lang="en-US" sz="2800" dirty="0"/>
+          </a:p>
+        </p:txBody>
+      </p:sp>
     </p:spTree>
     <p:extLst>
       <p:ext uri="{BB962C8B-B14F-4D97-AF65-F5344CB8AC3E}">
@@ -6405,7 +6737,7 @@
         <p:spPr>
           <a:xfrm>
             <a:off x="467544" y="5562600"/>
-            <a:ext cx="8064896" cy="1107996"/>
+            <a:ext cx="8447856" cy="1107996"/>
           </a:xfrm>
           <a:prstGeom prst="rect">
             <a:avLst/>
@@ -6420,15 +6752,31 @@
           <a:p>
             <a:r>
               <a:rPr lang="en-US" sz="2200" dirty="0" smtClean="0"/>
-              <a:t>errors are </a:t>
+              <a:t>Bugs</a:t>
             </a:r>
             <a:r>
               <a:rPr lang="en-US" sz="2200" dirty="0" smtClean="0"/>
-              <a:t>expensive annual </a:t>
+              <a:t> </a:t>
             </a:r>
             <a:r>
               <a:rPr lang="en-US" sz="2200" dirty="0" smtClean="0"/>
-              <a:t>cost of software errors to US economy is $</a:t>
+              <a:t>are </a:t>
+            </a:r>
+            <a:r>
+              <a:rPr lang="en-US" sz="2200" dirty="0" smtClean="0"/>
+              <a:t>expensive. Annual </a:t>
+            </a:r>
+            <a:r>
+              <a:rPr lang="en-US" sz="2200" dirty="0" smtClean="0"/>
+              <a:t>cost of </a:t>
+            </a:r>
+            <a:r>
+              <a:rPr lang="en-US" sz="2200" dirty="0" smtClean="0"/>
+              <a:t>bug fixing to </a:t>
+            </a:r>
+            <a:r>
+              <a:rPr lang="en-US" sz="2200" dirty="0" smtClean="0"/>
+              <a:t>US economy is $</a:t>
             </a:r>
             <a:r>
               <a:rPr lang="ja-JP" altLang="en-US" sz="2200" dirty="0" smtClean="0"/>
@@ -6440,11 +6788,11 @@
             </a:r>
             <a:r>
               <a:rPr lang="en-US" sz="2200" dirty="0" smtClean="0"/>
-              <a:t>], automated </a:t>
+              <a:t>], </a:t>
             </a:r>
             <a:r>
               <a:rPr lang="en-US" sz="2200" dirty="0" smtClean="0"/>
-              <a:t>testing </a:t>
+              <a:t>so automated testing </a:t>
             </a:r>
             <a:r>
               <a:rPr lang="en-US" sz="2200" dirty="0" smtClean="0"/>
@@ -6518,6 +6866,13 @@
   <p:clrMapOvr>
     <a:masterClrMapping/>
   </p:clrMapOvr>
+  <p:timing>
+    <p:tnLst>
+      <p:par>
+        <p:cTn id="1" dur="indefinite" restart="never" nodeType="tmRoot"/>
+      </p:par>
+    </p:tnLst>
+  </p:timing>
 </p:sld>
 </file>
 
@@ -6699,6 +7054,13 @@
   <p:clrMapOvr>
     <a:masterClrMapping/>
   </p:clrMapOvr>
+  <p:timing>
+    <p:tnLst>
+      <p:par>
+        <p:cTn id="1" dur="indefinite" restart="never" nodeType="tmRoot"/>
+      </p:par>
+    </p:tnLst>
+  </p:timing>
 </p:sld>
 </file>
 
@@ -6838,6 +7200,13 @@
   <p:clrMapOvr>
     <a:masterClrMapping/>
   </p:clrMapOvr>
+  <p:timing>
+    <p:tnLst>
+      <p:par>
+        <p:cTn id="1" dur="indefinite" restart="never" nodeType="tmRoot"/>
+      </p:par>
+    </p:tnLst>
+  </p:timing>
 </p:sld>
 </file>
 
@@ -6988,6 +7357,13 @@
   <p:clrMapOvr>
     <a:masterClrMapping/>
   </p:clrMapOvr>
+  <p:timing>
+    <p:tnLst>
+      <p:par>
+        <p:cTn id="1" dur="indefinite" restart="never" nodeType="tmRoot"/>
+      </p:par>
+    </p:tnLst>
+  </p:timing>
 </p:sld>
 </file>
 
@@ -7382,7 +7758,7 @@
             </a:pPr>
             <a:r>
               <a:rPr lang="en-US" sz="2600" dirty="0" smtClean="0"/>
-              <a:t>Population contains set of chromosomes.</a:t>
+              <a:t>Population is a set of chromosomes.</a:t>
             </a:r>
           </a:p>
           <a:p>

--- a/CFT4CUnitSrc/src/report/ACOMP2016_Presentation.pptx
+++ b/CFT4CUnitSrc/src/report/ACOMP2016_Presentation.pptx
@@ -221,7 +221,7 @@
             <a:fld id="{5F13D7CC-1040-492F-8106-51A9FB2C754C}" type="datetimeFigureOut">
               <a:rPr lang="en-US" smtClean="0"/>
               <a:pPr/>
-              <a:t>11/23/2016</a:t>
+              <a:t>11/24/2016</a:t>
             </a:fld>
             <a:endParaRPr lang="en-US"/>
           </a:p>
@@ -487,7 +487,7 @@
             <a:fld id="{2A145FE2-AB7C-46BC-8F86-612F87CDD637}" type="datetimeFigureOut">
               <a:rPr lang="en-US" smtClean="0"/>
               <a:pPr/>
-              <a:t>11/23/2016</a:t>
+              <a:t>11/24/2016</a:t>
             </a:fld>
             <a:endParaRPr lang="en-US"/>
           </a:p>
@@ -659,7 +659,7 @@
             <a:fld id="{2A145FE2-AB7C-46BC-8F86-612F87CDD637}" type="datetimeFigureOut">
               <a:rPr lang="en-US" smtClean="0"/>
               <a:pPr/>
-              <a:t>11/23/2016</a:t>
+              <a:t>11/24/2016</a:t>
             </a:fld>
             <a:endParaRPr lang="en-US"/>
           </a:p>
@@ -841,7 +841,7 @@
             <a:fld id="{2A145FE2-AB7C-46BC-8F86-612F87CDD637}" type="datetimeFigureOut">
               <a:rPr lang="en-US" smtClean="0"/>
               <a:pPr/>
-              <a:t>11/23/2016</a:t>
+              <a:t>11/24/2016</a:t>
             </a:fld>
             <a:endParaRPr lang="en-US"/>
           </a:p>
@@ -1013,7 +1013,7 @@
             <a:fld id="{2A145FE2-AB7C-46BC-8F86-612F87CDD637}" type="datetimeFigureOut">
               <a:rPr lang="en-US" smtClean="0"/>
               <a:pPr/>
-              <a:t>11/23/2016</a:t>
+              <a:t>11/24/2016</a:t>
             </a:fld>
             <a:endParaRPr lang="en-US"/>
           </a:p>
@@ -1261,7 +1261,7 @@
             <a:fld id="{2A145FE2-AB7C-46BC-8F86-612F87CDD637}" type="datetimeFigureOut">
               <a:rPr lang="en-US" smtClean="0"/>
               <a:pPr/>
-              <a:t>11/23/2016</a:t>
+              <a:t>11/24/2016</a:t>
             </a:fld>
             <a:endParaRPr lang="en-US"/>
           </a:p>
@@ -1551,7 +1551,7 @@
             <a:fld id="{2A145FE2-AB7C-46BC-8F86-612F87CDD637}" type="datetimeFigureOut">
               <a:rPr lang="en-US" smtClean="0"/>
               <a:pPr/>
-              <a:t>11/23/2016</a:t>
+              <a:t>11/24/2016</a:t>
             </a:fld>
             <a:endParaRPr lang="en-US"/>
           </a:p>
@@ -1975,7 +1975,7 @@
             <a:fld id="{2A145FE2-AB7C-46BC-8F86-612F87CDD637}" type="datetimeFigureOut">
               <a:rPr lang="en-US" smtClean="0"/>
               <a:pPr/>
-              <a:t>11/23/2016</a:t>
+              <a:t>11/24/2016</a:t>
             </a:fld>
             <a:endParaRPr lang="en-US"/>
           </a:p>
@@ -2095,7 +2095,7 @@
             <a:fld id="{2A145FE2-AB7C-46BC-8F86-612F87CDD637}" type="datetimeFigureOut">
               <a:rPr lang="en-US" smtClean="0"/>
               <a:pPr/>
-              <a:t>11/23/2016</a:t>
+              <a:t>11/24/2016</a:t>
             </a:fld>
             <a:endParaRPr lang="en-US"/>
           </a:p>
@@ -2192,7 +2192,7 @@
             <a:fld id="{2A145FE2-AB7C-46BC-8F86-612F87CDD637}" type="datetimeFigureOut">
               <a:rPr lang="en-US" smtClean="0"/>
               <a:pPr/>
-              <a:t>11/23/2016</a:t>
+              <a:t>11/24/2016</a:t>
             </a:fld>
             <a:endParaRPr lang="en-US"/>
           </a:p>
@@ -2471,7 +2471,7 @@
             <a:fld id="{2A145FE2-AB7C-46BC-8F86-612F87CDD637}" type="datetimeFigureOut">
               <a:rPr lang="en-US" smtClean="0"/>
               <a:pPr/>
-              <a:t>11/23/2016</a:t>
+              <a:t>11/24/2016</a:t>
             </a:fld>
             <a:endParaRPr lang="en-US"/>
           </a:p>
@@ -2726,7 +2726,7 @@
             <a:fld id="{2A145FE2-AB7C-46BC-8F86-612F87CDD637}" type="datetimeFigureOut">
               <a:rPr lang="en-US" smtClean="0"/>
               <a:pPr/>
-              <a:t>11/23/2016</a:t>
+              <a:t>11/24/2016</a:t>
             </a:fld>
             <a:endParaRPr lang="en-US"/>
           </a:p>
@@ -2946,7 +2946,7 @@
             <a:fld id="{2A145FE2-AB7C-46BC-8F86-612F87CDD637}" type="datetimeFigureOut">
               <a:rPr lang="en-US" smtClean="0"/>
               <a:pPr/>
-              <a:t>11/23/2016</a:t>
+              <a:t>11/24/2016</a:t>
             </a:fld>
             <a:endParaRPr lang="en-US"/>
           </a:p>
@@ -3617,6 +3617,13 @@
   <p:clrMapOvr>
     <a:masterClrMapping/>
   </p:clrMapOvr>
+  <p:timing>
+    <p:tnLst>
+      <p:par>
+        <p:cTn id="1" dur="indefinite" restart="never" nodeType="tmRoot"/>
+      </p:par>
+    </p:tnLst>
+  </p:timing>
 </p:sld>
 </file>
 
@@ -3747,6 +3754,13 @@
   <p:clrMapOvr>
     <a:masterClrMapping/>
   </p:clrMapOvr>
+  <p:timing>
+    <p:tnLst>
+      <p:par>
+        <p:cTn id="1" dur="indefinite" restart="never" nodeType="tmRoot"/>
+      </p:par>
+    </p:tnLst>
+  </p:timing>
 </p:sld>
 </file>
 
@@ -3889,6 +3903,13 @@
   <p:clrMapOvr>
     <a:masterClrMapping/>
   </p:clrMapOvr>
+  <p:timing>
+    <p:tnLst>
+      <p:par>
+        <p:cTn id="1" dur="indefinite" restart="never" nodeType="tmRoot"/>
+      </p:par>
+    </p:tnLst>
+  </p:timing>
 </p:sld>
 </file>
 
@@ -5514,29 +5535,8 @@
             </a:pPr>
             <a:r>
               <a:rPr lang="en-US" sz="2800" dirty="0" smtClean="0"/>
-              <a:t>Determine </a:t>
-            </a:r>
-            <a:r>
-              <a:rPr lang="en-US" sz="2800" dirty="0" smtClean="0"/>
-              <a:t>if 3 input variables </a:t>
-            </a:r>
-            <a:r>
-              <a:rPr lang="en-US" sz="2800" dirty="0" smtClean="0"/>
-              <a:t>(an angle </a:t>
-            </a:r>
-            <a:r>
-              <a:rPr lang="en-US" sz="2800" dirty="0" smtClean="0"/>
-              <a:t>and two </a:t>
-            </a:r>
-            <a:r>
-              <a:rPr lang="en-US" sz="2800" dirty="0" smtClean="0"/>
-              <a:t>sides) show </a:t>
-            </a:r>
-            <a:r>
-              <a:rPr lang="en-US" sz="2800" dirty="0" smtClean="0"/>
-              <a:t>an equilateral, isosceles, scalene triangle or not.</a:t>
-            </a:r>
-            <a:endParaRPr lang="en-US" sz="2800" dirty="0" smtClean="0"/>
+              <a:t>Determine if 3 input variables (an angle and two sides) show an equilateral, isosceles, scalene triangle or not.</a:t>
+            </a:r>
           </a:p>
         </p:txBody>
       </p:sp>
@@ -5810,32 +5810,16 @@
             </a:pPr>
             <a:r>
               <a:rPr lang="en-US" sz="2800" dirty="0" smtClean="0"/>
-              <a:t>F</a:t>
-            </a:r>
+              <a:t>Find all roots of a quadratic equation with 3 coefficients</a:t>
+            </a:r>
+          </a:p>
+          <a:p>
+            <a:pPr>
+              <a:buNone/>
+            </a:pPr>
             <a:r>
               <a:rPr lang="en-US" sz="2800" dirty="0" smtClean="0"/>
-              <a:t>ind </a:t>
-            </a:r>
-            <a:r>
-              <a:rPr lang="en-US" sz="2800" dirty="0" smtClean="0"/>
-              <a:t>all roots of a quadratic equation with 3 </a:t>
-            </a:r>
-            <a:r>
-              <a:rPr lang="en-US" sz="2800" dirty="0" smtClean="0"/>
-              <a:t>coefficients</a:t>
-            </a:r>
-          </a:p>
-          <a:p>
-            <a:pPr>
-              <a:buNone/>
-            </a:pPr>
-            <a:r>
-              <a:rPr lang="en-US" sz="2800" dirty="0" smtClean="0"/>
-              <a:t>a</a:t>
-            </a:r>
-            <a:r>
-              <a:rPr lang="en-US" sz="2800" dirty="0" smtClean="0"/>
-              <a:t>, b and c being the input variables.</a:t>
+              <a:t>a, b and c being the input variables.</a:t>
             </a:r>
             <a:endParaRPr lang="en-US" sz="2800" dirty="0"/>
           </a:p>
@@ -6752,31 +6736,7 @@
           <a:p>
             <a:r>
               <a:rPr lang="en-US" sz="2200" dirty="0" smtClean="0"/>
-              <a:t>Bugs</a:t>
-            </a:r>
-            <a:r>
-              <a:rPr lang="en-US" sz="2200" dirty="0" smtClean="0"/>
-              <a:t> </a:t>
-            </a:r>
-            <a:r>
-              <a:rPr lang="en-US" sz="2200" dirty="0" smtClean="0"/>
-              <a:t>are </a:t>
-            </a:r>
-            <a:r>
-              <a:rPr lang="en-US" sz="2200" dirty="0" smtClean="0"/>
-              <a:t>expensive. Annual </a:t>
-            </a:r>
-            <a:r>
-              <a:rPr lang="en-US" sz="2200" dirty="0" smtClean="0"/>
-              <a:t>cost of </a:t>
-            </a:r>
-            <a:r>
-              <a:rPr lang="en-US" sz="2200" dirty="0" smtClean="0"/>
-              <a:t>bug fixing to </a:t>
-            </a:r>
-            <a:r>
-              <a:rPr lang="en-US" sz="2200" dirty="0" smtClean="0"/>
-              <a:t>US economy is $</a:t>
+              <a:t>Bugs are expensive. Annual cost of bug fixing to US economy is $</a:t>
             </a:r>
             <a:r>
               <a:rPr lang="ja-JP" altLang="en-US" sz="2200" dirty="0" smtClean="0"/>
@@ -6784,19 +6744,7 @@
             </a:r>
             <a:r>
               <a:rPr lang="en-US" sz="2200" dirty="0" smtClean="0"/>
-              <a:t>60B [1</a:t>
-            </a:r>
-            <a:r>
-              <a:rPr lang="en-US" sz="2200" dirty="0" smtClean="0"/>
-              <a:t>], </a:t>
-            </a:r>
-            <a:r>
-              <a:rPr lang="en-US" sz="2200" dirty="0" smtClean="0"/>
-              <a:t>so automated testing </a:t>
-            </a:r>
-            <a:r>
-              <a:rPr lang="en-US" sz="2200" dirty="0" smtClean="0"/>
-              <a:t>is an efficient way to reduce those effort and costs.</a:t>
+              <a:t>60B [1], so automated testing is an efficient way to reduce those effort and costs.</a:t>
             </a:r>
             <a:endParaRPr lang="en-US" sz="2200" dirty="0"/>
           </a:p>
@@ -7115,7 +7063,7 @@
                   <a:schemeClr val="bg1"/>
                 </a:solidFill>
               </a:rPr>
-              <a:t> problem</a:t>
+              <a:t> problem statement</a:t>
             </a:r>
             <a:endParaRPr lang="en-US" dirty="0">
               <a:solidFill>
@@ -7489,15 +7437,7 @@
             </a:r>
             <a:r>
               <a:rPr lang="en-US" dirty="0" smtClean="0"/>
-              <a:t> function f(B) = x </a:t>
-            </a:r>
-            <a:r>
-              <a:rPr lang="en-US" dirty="0" smtClean="0"/>
-              <a:t>- </a:t>
-            </a:r>
-            <a:r>
-              <a:rPr lang="en-US" dirty="0" smtClean="0"/>
-              <a:t>(y - 5). </a:t>
+              <a:t> function f(B) = x - (y - 5). </a:t>
             </a:r>
             <a:endParaRPr lang="en-US" dirty="0"/>
           </a:p>
@@ -7513,6 +7453,13 @@
   <p:clrMapOvr>
     <a:masterClrMapping/>
   </p:clrMapOvr>
+  <p:timing>
+    <p:tnLst>
+      <p:par>
+        <p:cTn id="1" dur="indefinite" restart="never" nodeType="tmRoot"/>
+      </p:par>
+    </p:tnLst>
+  </p:timing>
 </p:sld>
 </file>
 
@@ -7635,6 +7582,13 @@
   <p:clrMapOvr>
     <a:masterClrMapping/>
   </p:clrMapOvr>
+  <p:timing>
+    <p:tnLst>
+      <p:par>
+        <p:cTn id="1" dur="indefinite" restart="never" nodeType="tmRoot"/>
+      </p:par>
+    </p:tnLst>
+  </p:timing>
 </p:sld>
 </file>
 
@@ -7819,6 +7773,13 @@
   <p:clrMapOvr>
     <a:masterClrMapping/>
   </p:clrMapOvr>
+  <p:timing>
+    <p:tnLst>
+      <p:par>
+        <p:cTn id="1" dur="indefinite" restart="never" nodeType="tmRoot"/>
+      </p:par>
+    </p:tnLst>
+  </p:timing>
 </p:sld>
 </file>
 

--- a/CFT4CUnitSrc/src/report/ACOMP2016_Presentation.pptx
+++ b/CFT4CUnitSrc/src/report/ACOMP2016_Presentation.pptx
@@ -297,7 +297,7 @@
     </p:spTree>
     <p:extLst>
       <p:ext uri="{BB962C8B-B14F-4D97-AF65-F5344CB8AC3E}">
-        <p14:creationId xmlns:p14="http://schemas.microsoft.com/office/powerpoint/2010/main" xmlns="" val="3656892265"/>
+        <p14:creationId xmlns="" xmlns:p14="http://schemas.microsoft.com/office/powerpoint/2010/main" val="3656892265"/>
       </p:ext>
     </p:extLst>
   </p:cSld>
@@ -539,7 +539,7 @@
     </p:spTree>
     <p:extLst>
       <p:ext uri="{BB962C8B-B14F-4D97-AF65-F5344CB8AC3E}">
-        <p14:creationId xmlns:p14="http://schemas.microsoft.com/office/powerpoint/2010/main" xmlns="" val="1811901625"/>
+        <p14:creationId xmlns="" xmlns:p14="http://schemas.microsoft.com/office/powerpoint/2010/main" val="1811901625"/>
       </p:ext>
     </p:extLst>
   </p:cSld>
@@ -711,7 +711,7 @@
     </p:spTree>
     <p:extLst>
       <p:ext uri="{BB962C8B-B14F-4D97-AF65-F5344CB8AC3E}">
-        <p14:creationId xmlns:p14="http://schemas.microsoft.com/office/powerpoint/2010/main" xmlns="" val="791576242"/>
+        <p14:creationId xmlns="" xmlns:p14="http://schemas.microsoft.com/office/powerpoint/2010/main" val="791576242"/>
       </p:ext>
     </p:extLst>
   </p:cSld>
@@ -893,7 +893,7 @@
     </p:spTree>
     <p:extLst>
       <p:ext uri="{BB962C8B-B14F-4D97-AF65-F5344CB8AC3E}">
-        <p14:creationId xmlns:p14="http://schemas.microsoft.com/office/powerpoint/2010/main" xmlns="" val="2934662006"/>
+        <p14:creationId xmlns="" xmlns:p14="http://schemas.microsoft.com/office/powerpoint/2010/main" val="2934662006"/>
       </p:ext>
     </p:extLst>
   </p:cSld>
@@ -1065,7 +1065,7 @@
     </p:spTree>
     <p:extLst>
       <p:ext uri="{BB962C8B-B14F-4D97-AF65-F5344CB8AC3E}">
-        <p14:creationId xmlns:p14="http://schemas.microsoft.com/office/powerpoint/2010/main" xmlns="" val="855239803"/>
+        <p14:creationId xmlns="" xmlns:p14="http://schemas.microsoft.com/office/powerpoint/2010/main" val="855239803"/>
       </p:ext>
     </p:extLst>
   </p:cSld>
@@ -1313,7 +1313,7 @@
     </p:spTree>
     <p:extLst>
       <p:ext uri="{BB962C8B-B14F-4D97-AF65-F5344CB8AC3E}">
-        <p14:creationId xmlns:p14="http://schemas.microsoft.com/office/powerpoint/2010/main" xmlns="" val="635452818"/>
+        <p14:creationId xmlns="" xmlns:p14="http://schemas.microsoft.com/office/powerpoint/2010/main" val="635452818"/>
       </p:ext>
     </p:extLst>
   </p:cSld>
@@ -1603,7 +1603,7 @@
     </p:spTree>
     <p:extLst>
       <p:ext uri="{BB962C8B-B14F-4D97-AF65-F5344CB8AC3E}">
-        <p14:creationId xmlns:p14="http://schemas.microsoft.com/office/powerpoint/2010/main" xmlns="" val="3716967958"/>
+        <p14:creationId xmlns="" xmlns:p14="http://schemas.microsoft.com/office/powerpoint/2010/main" val="3716967958"/>
       </p:ext>
     </p:extLst>
   </p:cSld>
@@ -2027,7 +2027,7 @@
     </p:spTree>
     <p:extLst>
       <p:ext uri="{BB962C8B-B14F-4D97-AF65-F5344CB8AC3E}">
-        <p14:creationId xmlns:p14="http://schemas.microsoft.com/office/powerpoint/2010/main" xmlns="" val="3991833718"/>
+        <p14:creationId xmlns="" xmlns:p14="http://schemas.microsoft.com/office/powerpoint/2010/main" val="3991833718"/>
       </p:ext>
     </p:extLst>
   </p:cSld>
@@ -2147,7 +2147,7 @@
     </p:spTree>
     <p:extLst>
       <p:ext uri="{BB962C8B-B14F-4D97-AF65-F5344CB8AC3E}">
-        <p14:creationId xmlns:p14="http://schemas.microsoft.com/office/powerpoint/2010/main" xmlns="" val="1837035765"/>
+        <p14:creationId xmlns="" xmlns:p14="http://schemas.microsoft.com/office/powerpoint/2010/main" val="1837035765"/>
       </p:ext>
     </p:extLst>
   </p:cSld>
@@ -2244,7 +2244,7 @@
     </p:spTree>
     <p:extLst>
       <p:ext uri="{BB962C8B-B14F-4D97-AF65-F5344CB8AC3E}">
-        <p14:creationId xmlns:p14="http://schemas.microsoft.com/office/powerpoint/2010/main" xmlns="" val="3419707464"/>
+        <p14:creationId xmlns="" xmlns:p14="http://schemas.microsoft.com/office/powerpoint/2010/main" val="3419707464"/>
       </p:ext>
     </p:extLst>
   </p:cSld>
@@ -2523,7 +2523,7 @@
     </p:spTree>
     <p:extLst>
       <p:ext uri="{BB962C8B-B14F-4D97-AF65-F5344CB8AC3E}">
-        <p14:creationId xmlns:p14="http://schemas.microsoft.com/office/powerpoint/2010/main" xmlns="" val="932762734"/>
+        <p14:creationId xmlns="" xmlns:p14="http://schemas.microsoft.com/office/powerpoint/2010/main" val="932762734"/>
       </p:ext>
     </p:extLst>
   </p:cSld>
@@ -2778,7 +2778,7 @@
     </p:spTree>
     <p:extLst>
       <p:ext uri="{BB962C8B-B14F-4D97-AF65-F5344CB8AC3E}">
-        <p14:creationId xmlns:p14="http://schemas.microsoft.com/office/powerpoint/2010/main" xmlns="" val="2367942364"/>
+        <p14:creationId xmlns="" xmlns:p14="http://schemas.microsoft.com/office/powerpoint/2010/main" val="2367942364"/>
       </p:ext>
     </p:extLst>
   </p:cSld>
@@ -3034,7 +3034,7 @@
     </p:spTree>
     <p:extLst>
       <p:ext uri="{BB962C8B-B14F-4D97-AF65-F5344CB8AC3E}">
-        <p14:creationId xmlns:p14="http://schemas.microsoft.com/office/powerpoint/2010/main" xmlns="" val="1100484609"/>
+        <p14:creationId xmlns="" xmlns:p14="http://schemas.microsoft.com/office/powerpoint/2010/main" val="1100484609"/>
       </p:ext>
     </p:extLst>
   </p:cSld>
@@ -3408,7 +3408,7 @@
           <a:blip r:embed="rId2" cstate="print">
             <a:extLst>
               <a:ext uri="{28A0092B-C50C-407E-A947-70E740481C1C}">
-                <a14:useLocalDpi xmlns:a14="http://schemas.microsoft.com/office/drawing/2010/main" xmlns="" val="0"/>
+                <a14:useLocalDpi xmlns="" xmlns:a14="http://schemas.microsoft.com/office/drawing/2010/main" val="0"/>
               </a:ext>
             </a:extLst>
           </a:blip>
@@ -3431,14 +3431,14 @@
           </a:ln>
           <a:extLst>
             <a:ext uri="{909E8E84-426E-40DD-AFC4-6F175D3DCCD1}">
-              <a14:hiddenFill xmlns:a14="http://schemas.microsoft.com/office/drawing/2010/main" xmlns="">
+              <a14:hiddenFill xmlns="" xmlns:a14="http://schemas.microsoft.com/office/drawing/2010/main">
                 <a:solidFill>
                   <a:schemeClr val="accent1"/>
                 </a:solidFill>
               </a14:hiddenFill>
             </a:ext>
             <a:ext uri="{91240B29-F687-4F45-9708-019B960494DF}">
-              <a14:hiddenLine xmlns:a14="http://schemas.microsoft.com/office/drawing/2010/main" xmlns="" w="9525">
+              <a14:hiddenLine xmlns="" xmlns:a14="http://schemas.microsoft.com/office/drawing/2010/main" w="9525">
                 <a:solidFill>
                   <a:schemeClr val="tx1"/>
                 </a:solidFill>
@@ -3453,7 +3453,7 @@
     </p:spTree>
     <p:extLst>
       <p:ext uri="{BB962C8B-B14F-4D97-AF65-F5344CB8AC3E}">
-        <p14:creationId xmlns:p14="http://schemas.microsoft.com/office/powerpoint/2010/main" xmlns="" val="44671813"/>
+        <p14:creationId xmlns="" xmlns:p14="http://schemas.microsoft.com/office/powerpoint/2010/main" val="44671813"/>
       </p:ext>
     </p:extLst>
   </p:cSld>
@@ -3610,7 +3610,7 @@
     </p:spTree>
     <p:extLst>
       <p:ext uri="{BB962C8B-B14F-4D97-AF65-F5344CB8AC3E}">
-        <p14:creationId xmlns:p14="http://schemas.microsoft.com/office/powerpoint/2010/main" xmlns="" val="2330834491"/>
+        <p14:creationId xmlns="" xmlns:p14="http://schemas.microsoft.com/office/powerpoint/2010/main" val="2330834491"/>
       </p:ext>
     </p:extLst>
   </p:cSld>
@@ -3747,7 +3747,7 @@
     </p:spTree>
     <p:extLst>
       <p:ext uri="{BB962C8B-B14F-4D97-AF65-F5344CB8AC3E}">
-        <p14:creationId xmlns:p14="http://schemas.microsoft.com/office/powerpoint/2010/main" xmlns="" val="2330834491"/>
+        <p14:creationId xmlns="" xmlns:p14="http://schemas.microsoft.com/office/powerpoint/2010/main" val="2330834491"/>
       </p:ext>
     </p:extLst>
   </p:cSld>
@@ -3896,7 +3896,7 @@
     </p:spTree>
     <p:extLst>
       <p:ext uri="{BB962C8B-B14F-4D97-AF65-F5344CB8AC3E}">
-        <p14:creationId xmlns:p14="http://schemas.microsoft.com/office/powerpoint/2010/main" xmlns="" val="2330834491"/>
+        <p14:creationId xmlns="" xmlns:p14="http://schemas.microsoft.com/office/powerpoint/2010/main" val="2330834491"/>
       </p:ext>
     </p:extLst>
   </p:cSld>
@@ -4053,7 +4053,7 @@
     </p:spTree>
     <p:extLst>
       <p:ext uri="{BB962C8B-B14F-4D97-AF65-F5344CB8AC3E}">
-        <p14:creationId xmlns:p14="http://schemas.microsoft.com/office/powerpoint/2010/main" xmlns="" val="1848409642"/>
+        <p14:creationId xmlns="" xmlns:p14="http://schemas.microsoft.com/office/powerpoint/2010/main" val="1848409642"/>
       </p:ext>
     </p:extLst>
   </p:cSld>
@@ -4159,7 +4159,7 @@
     </p:spTree>
     <p:extLst>
       <p:ext uri="{BB962C8B-B14F-4D97-AF65-F5344CB8AC3E}">
-        <p14:creationId xmlns:p14="http://schemas.microsoft.com/office/powerpoint/2010/main" xmlns="" val="1848409642"/>
+        <p14:creationId xmlns="" xmlns:p14="http://schemas.microsoft.com/office/powerpoint/2010/main" val="1848409642"/>
       </p:ext>
     </p:extLst>
   </p:cSld>
@@ -4272,7 +4272,7 @@
     </p:spTree>
     <p:extLst>
       <p:ext uri="{BB962C8B-B14F-4D97-AF65-F5344CB8AC3E}">
-        <p14:creationId xmlns:p14="http://schemas.microsoft.com/office/powerpoint/2010/main" xmlns="" val="1848409642"/>
+        <p14:creationId xmlns="" xmlns:p14="http://schemas.microsoft.com/office/powerpoint/2010/main" val="1848409642"/>
       </p:ext>
     </p:extLst>
   </p:cSld>
@@ -4426,7 +4426,7 @@
     </p:spTree>
     <p:extLst>
       <p:ext uri="{BB962C8B-B14F-4D97-AF65-F5344CB8AC3E}">
-        <p14:creationId xmlns:p14="http://schemas.microsoft.com/office/powerpoint/2010/main" xmlns="" val="1848409642"/>
+        <p14:creationId xmlns="" xmlns:p14="http://schemas.microsoft.com/office/powerpoint/2010/main" val="1848409642"/>
       </p:ext>
     </p:extLst>
   </p:cSld>
@@ -4641,7 +4641,7 @@
     </p:spTree>
     <p:extLst>
       <p:ext uri="{BB962C8B-B14F-4D97-AF65-F5344CB8AC3E}">
-        <p14:creationId xmlns:p14="http://schemas.microsoft.com/office/powerpoint/2010/main" xmlns="" val="1848409642"/>
+        <p14:creationId xmlns="" xmlns:p14="http://schemas.microsoft.com/office/powerpoint/2010/main" val="1848409642"/>
       </p:ext>
     </p:extLst>
   </p:cSld>
@@ -4754,7 +4754,7 @@
     </p:spTree>
     <p:extLst>
       <p:ext uri="{BB962C8B-B14F-4D97-AF65-F5344CB8AC3E}">
-        <p14:creationId xmlns:p14="http://schemas.microsoft.com/office/powerpoint/2010/main" xmlns="" val="1848409642"/>
+        <p14:creationId xmlns="" xmlns:p14="http://schemas.microsoft.com/office/powerpoint/2010/main" val="1848409642"/>
       </p:ext>
     </p:extLst>
   </p:cSld>
@@ -4890,7 +4890,7 @@
     </p:spTree>
     <p:extLst>
       <p:ext uri="{BB962C8B-B14F-4D97-AF65-F5344CB8AC3E}">
-        <p14:creationId xmlns:p14="http://schemas.microsoft.com/office/powerpoint/2010/main" xmlns="" val="1848409642"/>
+        <p14:creationId xmlns="" xmlns:p14="http://schemas.microsoft.com/office/powerpoint/2010/main" val="1848409642"/>
       </p:ext>
     </p:extLst>
   </p:cSld>
@@ -5040,7 +5040,7 @@
     </p:spTree>
     <p:extLst>
       <p:ext uri="{BB962C8B-B14F-4D97-AF65-F5344CB8AC3E}">
-        <p14:creationId xmlns:p14="http://schemas.microsoft.com/office/powerpoint/2010/main" xmlns="" val="2279565587"/>
+        <p14:creationId xmlns="" xmlns:p14="http://schemas.microsoft.com/office/powerpoint/2010/main" val="2279565587"/>
       </p:ext>
     </p:extLst>
   </p:cSld>
@@ -5153,7 +5153,7 @@
     </p:spTree>
     <p:extLst>
       <p:ext uri="{BB962C8B-B14F-4D97-AF65-F5344CB8AC3E}">
-        <p14:creationId xmlns:p14="http://schemas.microsoft.com/office/powerpoint/2010/main" xmlns="" val="1848409642"/>
+        <p14:creationId xmlns="" xmlns:p14="http://schemas.microsoft.com/office/powerpoint/2010/main" val="1848409642"/>
       </p:ext>
     </p:extLst>
   </p:cSld>
@@ -5303,7 +5303,7 @@
     </p:spTree>
     <p:extLst>
       <p:ext uri="{BB962C8B-B14F-4D97-AF65-F5344CB8AC3E}">
-        <p14:creationId xmlns:p14="http://schemas.microsoft.com/office/powerpoint/2010/main" xmlns="" val="3185099068"/>
+        <p14:creationId xmlns="" xmlns:p14="http://schemas.microsoft.com/office/powerpoint/2010/main" val="3185099068"/>
       </p:ext>
     </p:extLst>
   </p:cSld>
@@ -5543,7 +5543,7 @@
     </p:spTree>
     <p:extLst>
       <p:ext uri="{BB962C8B-B14F-4D97-AF65-F5344CB8AC3E}">
-        <p14:creationId xmlns:p14="http://schemas.microsoft.com/office/powerpoint/2010/main" xmlns="" val="3185099068"/>
+        <p14:creationId xmlns="" xmlns:p14="http://schemas.microsoft.com/office/powerpoint/2010/main" val="3185099068"/>
       </p:ext>
     </p:extLst>
   </p:cSld>
@@ -5828,7 +5828,7 @@
     </p:spTree>
     <p:extLst>
       <p:ext uri="{BB962C8B-B14F-4D97-AF65-F5344CB8AC3E}">
-        <p14:creationId xmlns:p14="http://schemas.microsoft.com/office/powerpoint/2010/main" xmlns="" val="3185099068"/>
+        <p14:creationId xmlns="" xmlns:p14="http://schemas.microsoft.com/office/powerpoint/2010/main" val="3185099068"/>
       </p:ext>
     </p:extLst>
   </p:cSld>
@@ -5966,7 +5966,7 @@
     </p:spTree>
     <p:extLst>
       <p:ext uri="{BB962C8B-B14F-4D97-AF65-F5344CB8AC3E}">
-        <p14:creationId xmlns:p14="http://schemas.microsoft.com/office/powerpoint/2010/main" xmlns="" val="3185099068"/>
+        <p14:creationId xmlns="" xmlns:p14="http://schemas.microsoft.com/office/powerpoint/2010/main" val="3185099068"/>
       </p:ext>
     </p:extLst>
   </p:cSld>
@@ -6072,7 +6072,7 @@
     </p:spTree>
     <p:extLst>
       <p:ext uri="{BB962C8B-B14F-4D97-AF65-F5344CB8AC3E}">
-        <p14:creationId xmlns:p14="http://schemas.microsoft.com/office/powerpoint/2010/main" xmlns="" val="3185099068"/>
+        <p14:creationId xmlns="" xmlns:p14="http://schemas.microsoft.com/office/powerpoint/2010/main" val="3185099068"/>
       </p:ext>
     </p:extLst>
   </p:cSld>
@@ -6222,7 +6222,7 @@
     </p:spTree>
     <p:extLst>
       <p:ext uri="{BB962C8B-B14F-4D97-AF65-F5344CB8AC3E}">
-        <p14:creationId xmlns:p14="http://schemas.microsoft.com/office/powerpoint/2010/main" xmlns="" val="1133312594"/>
+        <p14:creationId xmlns="" xmlns:p14="http://schemas.microsoft.com/office/powerpoint/2010/main" val="1133312594"/>
       </p:ext>
     </p:extLst>
   </p:cSld>
@@ -6346,7 +6346,7 @@
     </p:spTree>
     <p:extLst>
       <p:ext uri="{BB962C8B-B14F-4D97-AF65-F5344CB8AC3E}">
-        <p14:creationId xmlns:p14="http://schemas.microsoft.com/office/powerpoint/2010/main" xmlns="" val="1133312594"/>
+        <p14:creationId xmlns="" xmlns:p14="http://schemas.microsoft.com/office/powerpoint/2010/main" val="1133312594"/>
       </p:ext>
     </p:extLst>
   </p:cSld>
@@ -6579,7 +6579,7 @@
     </p:spTree>
     <p:extLst>
       <p:ext uri="{BB962C8B-B14F-4D97-AF65-F5344CB8AC3E}">
-        <p14:creationId xmlns:p14="http://schemas.microsoft.com/office/powerpoint/2010/main" xmlns="" val="1133312594"/>
+        <p14:creationId xmlns="" xmlns:p14="http://schemas.microsoft.com/office/powerpoint/2010/main" val="1133312594"/>
       </p:ext>
     </p:extLst>
   </p:cSld>
@@ -6641,7 +6641,7 @@
     </p:spTree>
     <p:extLst>
       <p:ext uri="{BB962C8B-B14F-4D97-AF65-F5344CB8AC3E}">
-        <p14:creationId xmlns:p14="http://schemas.microsoft.com/office/powerpoint/2010/main" xmlns="" val="1133312594"/>
+        <p14:creationId xmlns="" xmlns:p14="http://schemas.microsoft.com/office/powerpoint/2010/main" val="1133312594"/>
       </p:ext>
     </p:extLst>
   </p:cSld>
@@ -6762,7 +6762,7 @@
           <a:blip r:embed="rId2" cstate="print">
             <a:extLst>
               <a:ext uri="{28A0092B-C50C-407E-A947-70E740481C1C}">
-                <a14:useLocalDpi xmlns:a14="http://schemas.microsoft.com/office/drawing/2010/main" xmlns="" val="0"/>
+                <a14:useLocalDpi xmlns="" xmlns:a14="http://schemas.microsoft.com/office/drawing/2010/main" val="0"/>
               </a:ext>
             </a:extLst>
           </a:blip>
@@ -6785,14 +6785,14 @@
           </a:ln>
           <a:extLst>
             <a:ext uri="{909E8E84-426E-40DD-AFC4-6F175D3DCCD1}">
-              <a14:hiddenFill xmlns:a14="http://schemas.microsoft.com/office/drawing/2010/main" xmlns="">
+              <a14:hiddenFill xmlns="" xmlns:a14="http://schemas.microsoft.com/office/drawing/2010/main">
                 <a:solidFill>
                   <a:schemeClr val="accent1"/>
                 </a:solidFill>
               </a14:hiddenFill>
             </a:ext>
             <a:ext uri="{91240B29-F687-4F45-9708-019B960494DF}">
-              <a14:hiddenLine xmlns:a14="http://schemas.microsoft.com/office/drawing/2010/main" xmlns="" w="9525">
+              <a14:hiddenLine xmlns="" xmlns:a14="http://schemas.microsoft.com/office/drawing/2010/main" w="9525">
                 <a:solidFill>
                   <a:schemeClr val="tx1"/>
                 </a:solidFill>
@@ -6807,7 +6807,7 @@
     </p:spTree>
     <p:extLst>
       <p:ext uri="{BB962C8B-B14F-4D97-AF65-F5344CB8AC3E}">
-        <p14:creationId xmlns:p14="http://schemas.microsoft.com/office/powerpoint/2010/main" xmlns="" val="763281191"/>
+        <p14:creationId xmlns="" xmlns:p14="http://schemas.microsoft.com/office/powerpoint/2010/main" val="763281191"/>
       </p:ext>
     </p:extLst>
   </p:cSld>
@@ -6995,7 +6995,7 @@
     </p:spTree>
     <p:extLst>
       <p:ext uri="{BB962C8B-B14F-4D97-AF65-F5344CB8AC3E}">
-        <p14:creationId xmlns:p14="http://schemas.microsoft.com/office/powerpoint/2010/main" xmlns="" val="3736083669"/>
+        <p14:creationId xmlns="" xmlns:p14="http://schemas.microsoft.com/office/powerpoint/2010/main" val="3736083669"/>
       </p:ext>
     </p:extLst>
   </p:cSld>
@@ -7141,7 +7141,7 @@
     </p:spTree>
     <p:extLst>
       <p:ext uri="{BB962C8B-B14F-4D97-AF65-F5344CB8AC3E}">
-        <p14:creationId xmlns:p14="http://schemas.microsoft.com/office/powerpoint/2010/main" xmlns="" val="3736083669"/>
+        <p14:creationId xmlns="" xmlns:p14="http://schemas.microsoft.com/office/powerpoint/2010/main" val="3736083669"/>
       </p:ext>
     </p:extLst>
   </p:cSld>
@@ -7298,7 +7298,7 @@
     </p:spTree>
     <p:extLst>
       <p:ext uri="{BB962C8B-B14F-4D97-AF65-F5344CB8AC3E}">
-        <p14:creationId xmlns:p14="http://schemas.microsoft.com/office/powerpoint/2010/main" xmlns="" val="976856806"/>
+        <p14:creationId xmlns="" xmlns:p14="http://schemas.microsoft.com/office/powerpoint/2010/main" val="976856806"/>
       </p:ext>
     </p:extLst>
   </p:cSld>
@@ -7446,7 +7446,7 @@
     </p:spTree>
     <p:extLst>
       <p:ext uri="{BB962C8B-B14F-4D97-AF65-F5344CB8AC3E}">
-        <p14:creationId xmlns:p14="http://schemas.microsoft.com/office/powerpoint/2010/main" xmlns="" val="976856806"/>
+        <p14:creationId xmlns="" xmlns:p14="http://schemas.microsoft.com/office/powerpoint/2010/main" val="976856806"/>
       </p:ext>
     </p:extLst>
   </p:cSld>
@@ -7575,7 +7575,7 @@
     </p:spTree>
     <p:extLst>
       <p:ext uri="{BB962C8B-B14F-4D97-AF65-F5344CB8AC3E}">
-        <p14:creationId xmlns:p14="http://schemas.microsoft.com/office/powerpoint/2010/main" xmlns="" val="976856806"/>
+        <p14:creationId xmlns="" xmlns:p14="http://schemas.microsoft.com/office/powerpoint/2010/main" val="976856806"/>
       </p:ext>
     </p:extLst>
   </p:cSld>
@@ -7720,8 +7720,16 @@
               <a:buNone/>
             </a:pPr>
             <a:r>
+              <a:rPr lang="en-US" sz="2600" smtClean="0"/>
+              <a:t>Each</a:t>
+            </a:r>
+            <a:r>
+              <a:rPr lang="en-US" sz="2600" smtClean="0"/>
+              <a:t> </a:t>
+            </a:r>
+            <a:r>
               <a:rPr lang="en-US" sz="2600" dirty="0" smtClean="0"/>
-              <a:t>A chromosome </a:t>
+              <a:t>chromosome </a:t>
             </a:r>
             <a:r>
               <a:rPr lang="en-US" sz="2600" dirty="0" err="1" smtClean="0"/>
@@ -7766,7 +7774,7 @@
     </p:spTree>
     <p:extLst>
       <p:ext uri="{BB962C8B-B14F-4D97-AF65-F5344CB8AC3E}">
-        <p14:creationId xmlns:p14="http://schemas.microsoft.com/office/powerpoint/2010/main" xmlns="" val="976856806"/>
+        <p14:creationId xmlns="" xmlns:p14="http://schemas.microsoft.com/office/powerpoint/2010/main" val="976856806"/>
       </p:ext>
     </p:extLst>
   </p:cSld>
